--- a/talks/PSOAMetamodelGrailogWedding.pptx
+++ b/talks/PSOAMetamodelGrailogWedding.pptx
@@ -4,6 +4,9 @@
   <p:sldMasterIdLst>
     <p:sldMasterId id="2147483648" r:id="rId1"/>
   </p:sldMasterIdLst>
+  <p:notesMasterIdLst>
+    <p:notesMasterId r:id="rId9"/>
+  </p:notesMasterIdLst>
   <p:sldIdLst>
     <p:sldId id="257" r:id="rId2"/>
     <p:sldId id="260" r:id="rId3"/>
@@ -11,6 +14,7 @@
     <p:sldId id="259" r:id="rId5"/>
     <p:sldId id="261" r:id="rId6"/>
     <p:sldId id="262" r:id="rId7"/>
+    <p:sldId id="264" r:id="rId8"/>
   </p:sldIdLst>
   <p:sldSz cx="9144000" cy="6858000" type="screen4x3"/>
   <p:notesSz cx="6858000" cy="9144000"/>
@@ -110,6 +114,356 @@
     </a:lvl9pPr>
   </p:defaultTextStyle>
 </p:presentation>
+</file>
+
+<file path=ppt/notesMasters/notesMaster1.xml><?xml version="1.0" encoding="utf-8"?>
+<p:notesMaster xmlns:a="http://schemas.openxmlformats.org/drawingml/2006/main" xmlns:r="http://schemas.openxmlformats.org/officeDocument/2006/relationships" xmlns:p="http://schemas.openxmlformats.org/presentationml/2006/main">
+  <p:cSld>
+    <p:bg>
+      <p:bgRef idx="1001">
+        <a:schemeClr val="bg1"/>
+      </p:bgRef>
+    </p:bg>
+    <p:spTree>
+      <p:nvGrpSpPr>
+        <p:cNvPr id="1" name=""/>
+        <p:cNvGrpSpPr/>
+        <p:nvPr/>
+      </p:nvGrpSpPr>
+      <p:grpSpPr>
+        <a:xfrm>
+          <a:off x="0" y="0"/>
+          <a:ext cx="0" cy="0"/>
+          <a:chOff x="0" y="0"/>
+          <a:chExt cx="0" cy="0"/>
+        </a:xfrm>
+      </p:grpSpPr>
+      <p:sp>
+        <p:nvSpPr>
+          <p:cNvPr id="2" name="Header Placeholder 1"/>
+          <p:cNvSpPr>
+            <a:spLocks noGrp="1"/>
+          </p:cNvSpPr>
+          <p:nvPr>
+            <p:ph type="hdr" sz="quarter"/>
+          </p:nvPr>
+        </p:nvSpPr>
+        <p:spPr>
+          <a:xfrm>
+            <a:off x="0" y="0"/>
+            <a:ext cx="2971800" cy="457200"/>
+          </a:xfrm>
+          <a:prstGeom prst="rect">
+            <a:avLst/>
+          </a:prstGeom>
+        </p:spPr>
+        <p:txBody>
+          <a:bodyPr vert="horz" lIns="91440" tIns="45720" rIns="91440" bIns="45720" rtlCol="0"/>
+          <a:lstStyle>
+            <a:lvl1pPr algn="l">
+              <a:defRPr sz="1200"/>
+            </a:lvl1pPr>
+          </a:lstStyle>
+          <a:p>
+            <a:endParaRPr lang="en-CA"/>
+          </a:p>
+        </p:txBody>
+      </p:sp>
+      <p:sp>
+        <p:nvSpPr>
+          <p:cNvPr id="3" name="Date Placeholder 2"/>
+          <p:cNvSpPr>
+            <a:spLocks noGrp="1"/>
+          </p:cNvSpPr>
+          <p:nvPr>
+            <p:ph type="dt" idx="1"/>
+          </p:nvPr>
+        </p:nvSpPr>
+        <p:spPr>
+          <a:xfrm>
+            <a:off x="3884613" y="0"/>
+            <a:ext cx="2971800" cy="457200"/>
+          </a:xfrm>
+          <a:prstGeom prst="rect">
+            <a:avLst/>
+          </a:prstGeom>
+        </p:spPr>
+        <p:txBody>
+          <a:bodyPr vert="horz" lIns="91440" tIns="45720" rIns="91440" bIns="45720" rtlCol="0"/>
+          <a:lstStyle>
+            <a:lvl1pPr algn="r">
+              <a:defRPr sz="1200"/>
+            </a:lvl1pPr>
+          </a:lstStyle>
+          <a:p>
+            <a:fld id="{A9361764-17DB-4EFB-8397-31D7F8C11F64}" type="datetimeFigureOut">
+              <a:rPr lang="en-CA" smtClean="0"/>
+              <a:t>2018-06-06</a:t>
+            </a:fld>
+            <a:endParaRPr lang="en-CA"/>
+          </a:p>
+        </p:txBody>
+      </p:sp>
+      <p:sp>
+        <p:nvSpPr>
+          <p:cNvPr id="4" name="Slide Image Placeholder 3"/>
+          <p:cNvSpPr>
+            <a:spLocks noGrp="1" noRot="1" noChangeAspect="1"/>
+          </p:cNvSpPr>
+          <p:nvPr>
+            <p:ph type="sldImg" idx="2"/>
+          </p:nvPr>
+        </p:nvSpPr>
+        <p:spPr>
+          <a:xfrm>
+            <a:off x="1143000" y="685800"/>
+            <a:ext cx="4572000" cy="3429000"/>
+          </a:xfrm>
+          <a:prstGeom prst="rect">
+            <a:avLst/>
+          </a:prstGeom>
+          <a:noFill/>
+          <a:ln w="12700">
+            <a:solidFill>
+              <a:prstClr val="black"/>
+            </a:solidFill>
+          </a:ln>
+        </p:spPr>
+        <p:txBody>
+          <a:bodyPr vert="horz" lIns="91440" tIns="45720" rIns="91440" bIns="45720" rtlCol="0" anchor="ctr"/>
+          <a:lstStyle/>
+          <a:p>
+            <a:endParaRPr lang="en-CA"/>
+          </a:p>
+        </p:txBody>
+      </p:sp>
+      <p:sp>
+        <p:nvSpPr>
+          <p:cNvPr id="5" name="Notes Placeholder 4"/>
+          <p:cNvSpPr>
+            <a:spLocks noGrp="1"/>
+          </p:cNvSpPr>
+          <p:nvPr>
+            <p:ph type="body" sz="quarter" idx="3"/>
+          </p:nvPr>
+        </p:nvSpPr>
+        <p:spPr>
+          <a:xfrm>
+            <a:off x="685800" y="4343400"/>
+            <a:ext cx="5486400" cy="4114800"/>
+          </a:xfrm>
+          <a:prstGeom prst="rect">
+            <a:avLst/>
+          </a:prstGeom>
+        </p:spPr>
+        <p:txBody>
+          <a:bodyPr vert="horz" lIns="91440" tIns="45720" rIns="91440" bIns="45720" rtlCol="0"/>
+          <a:lstStyle/>
+          <a:p>
+            <a:pPr lvl="0"/>
+            <a:r>
+              <a:rPr lang="en-US" smtClean="0"/>
+              <a:t>Click to edit Master text styles</a:t>
+            </a:r>
+          </a:p>
+          <a:p>
+            <a:pPr lvl="1"/>
+            <a:r>
+              <a:rPr lang="en-US" smtClean="0"/>
+              <a:t>Second level</a:t>
+            </a:r>
+          </a:p>
+          <a:p>
+            <a:pPr lvl="2"/>
+            <a:r>
+              <a:rPr lang="en-US" smtClean="0"/>
+              <a:t>Third level</a:t>
+            </a:r>
+          </a:p>
+          <a:p>
+            <a:pPr lvl="3"/>
+            <a:r>
+              <a:rPr lang="en-US" smtClean="0"/>
+              <a:t>Fourth level</a:t>
+            </a:r>
+          </a:p>
+          <a:p>
+            <a:pPr lvl="4"/>
+            <a:r>
+              <a:rPr lang="en-US" smtClean="0"/>
+              <a:t>Fifth level</a:t>
+            </a:r>
+            <a:endParaRPr lang="en-CA"/>
+          </a:p>
+        </p:txBody>
+      </p:sp>
+      <p:sp>
+        <p:nvSpPr>
+          <p:cNvPr id="6" name="Footer Placeholder 5"/>
+          <p:cNvSpPr>
+            <a:spLocks noGrp="1"/>
+          </p:cNvSpPr>
+          <p:nvPr>
+            <p:ph type="ftr" sz="quarter" idx="4"/>
+          </p:nvPr>
+        </p:nvSpPr>
+        <p:spPr>
+          <a:xfrm>
+            <a:off x="0" y="8685213"/>
+            <a:ext cx="2971800" cy="457200"/>
+          </a:xfrm>
+          <a:prstGeom prst="rect">
+            <a:avLst/>
+          </a:prstGeom>
+        </p:spPr>
+        <p:txBody>
+          <a:bodyPr vert="horz" lIns="91440" tIns="45720" rIns="91440" bIns="45720" rtlCol="0" anchor="b"/>
+          <a:lstStyle>
+            <a:lvl1pPr algn="l">
+              <a:defRPr sz="1200"/>
+            </a:lvl1pPr>
+          </a:lstStyle>
+          <a:p>
+            <a:endParaRPr lang="en-CA"/>
+          </a:p>
+        </p:txBody>
+      </p:sp>
+      <p:sp>
+        <p:nvSpPr>
+          <p:cNvPr id="7" name="Slide Number Placeholder 6"/>
+          <p:cNvSpPr>
+            <a:spLocks noGrp="1"/>
+          </p:cNvSpPr>
+          <p:nvPr>
+            <p:ph type="sldNum" sz="quarter" idx="5"/>
+          </p:nvPr>
+        </p:nvSpPr>
+        <p:spPr>
+          <a:xfrm>
+            <a:off x="3884613" y="8685213"/>
+            <a:ext cx="2971800" cy="457200"/>
+          </a:xfrm>
+          <a:prstGeom prst="rect">
+            <a:avLst/>
+          </a:prstGeom>
+        </p:spPr>
+        <p:txBody>
+          <a:bodyPr vert="horz" lIns="91440" tIns="45720" rIns="91440" bIns="45720" rtlCol="0" anchor="b"/>
+          <a:lstStyle>
+            <a:lvl1pPr algn="r">
+              <a:defRPr sz="1200"/>
+            </a:lvl1pPr>
+          </a:lstStyle>
+          <a:p>
+            <a:fld id="{01CFB97E-848B-475B-8622-F083A258B482}" type="slidenum">
+              <a:rPr lang="en-CA" smtClean="0"/>
+              <a:t>‹#›</a:t>
+            </a:fld>
+            <a:endParaRPr lang="en-CA"/>
+          </a:p>
+        </p:txBody>
+      </p:sp>
+    </p:spTree>
+    <p:extLst>
+      <p:ext uri="{BB962C8B-B14F-4D97-AF65-F5344CB8AC3E}">
+        <p14:creationId xmlns:p14="http://schemas.microsoft.com/office/powerpoint/2010/main" val="634543687"/>
+      </p:ext>
+    </p:extLst>
+  </p:cSld>
+  <p:clrMap bg1="lt1" tx1="dk1" bg2="lt2" tx2="dk2" accent1="accent1" accent2="accent2" accent3="accent3" accent4="accent4" accent5="accent5" accent6="accent6" hlink="hlink" folHlink="folHlink"/>
+  <p:notesStyle>
+    <a:lvl1pPr marL="0" algn="l" defTabSz="914400" rtl="0" eaLnBrk="1" latinLnBrk="0" hangingPunct="1">
+      <a:defRPr sz="1200" kern="1200">
+        <a:solidFill>
+          <a:schemeClr val="tx1"/>
+        </a:solidFill>
+        <a:latin typeface="+mn-lt"/>
+        <a:ea typeface="+mn-ea"/>
+        <a:cs typeface="+mn-cs"/>
+      </a:defRPr>
+    </a:lvl1pPr>
+    <a:lvl2pPr marL="457200" algn="l" defTabSz="914400" rtl="0" eaLnBrk="1" latinLnBrk="0" hangingPunct="1">
+      <a:defRPr sz="1200" kern="1200">
+        <a:solidFill>
+          <a:schemeClr val="tx1"/>
+        </a:solidFill>
+        <a:latin typeface="+mn-lt"/>
+        <a:ea typeface="+mn-ea"/>
+        <a:cs typeface="+mn-cs"/>
+      </a:defRPr>
+    </a:lvl2pPr>
+    <a:lvl3pPr marL="914400" algn="l" defTabSz="914400" rtl="0" eaLnBrk="1" latinLnBrk="0" hangingPunct="1">
+      <a:defRPr sz="1200" kern="1200">
+        <a:solidFill>
+          <a:schemeClr val="tx1"/>
+        </a:solidFill>
+        <a:latin typeface="+mn-lt"/>
+        <a:ea typeface="+mn-ea"/>
+        <a:cs typeface="+mn-cs"/>
+      </a:defRPr>
+    </a:lvl3pPr>
+    <a:lvl4pPr marL="1371600" algn="l" defTabSz="914400" rtl="0" eaLnBrk="1" latinLnBrk="0" hangingPunct="1">
+      <a:defRPr sz="1200" kern="1200">
+        <a:solidFill>
+          <a:schemeClr val="tx1"/>
+        </a:solidFill>
+        <a:latin typeface="+mn-lt"/>
+        <a:ea typeface="+mn-ea"/>
+        <a:cs typeface="+mn-cs"/>
+      </a:defRPr>
+    </a:lvl4pPr>
+    <a:lvl5pPr marL="1828800" algn="l" defTabSz="914400" rtl="0" eaLnBrk="1" latinLnBrk="0" hangingPunct="1">
+      <a:defRPr sz="1200" kern="1200">
+        <a:solidFill>
+          <a:schemeClr val="tx1"/>
+        </a:solidFill>
+        <a:latin typeface="+mn-lt"/>
+        <a:ea typeface="+mn-ea"/>
+        <a:cs typeface="+mn-cs"/>
+      </a:defRPr>
+    </a:lvl5pPr>
+    <a:lvl6pPr marL="2286000" algn="l" defTabSz="914400" rtl="0" eaLnBrk="1" latinLnBrk="0" hangingPunct="1">
+      <a:defRPr sz="1200" kern="1200">
+        <a:solidFill>
+          <a:schemeClr val="tx1"/>
+        </a:solidFill>
+        <a:latin typeface="+mn-lt"/>
+        <a:ea typeface="+mn-ea"/>
+        <a:cs typeface="+mn-cs"/>
+      </a:defRPr>
+    </a:lvl6pPr>
+    <a:lvl7pPr marL="2743200" algn="l" defTabSz="914400" rtl="0" eaLnBrk="1" latinLnBrk="0" hangingPunct="1">
+      <a:defRPr sz="1200" kern="1200">
+        <a:solidFill>
+          <a:schemeClr val="tx1"/>
+        </a:solidFill>
+        <a:latin typeface="+mn-lt"/>
+        <a:ea typeface="+mn-ea"/>
+        <a:cs typeface="+mn-cs"/>
+      </a:defRPr>
+    </a:lvl7pPr>
+    <a:lvl8pPr marL="3200400" algn="l" defTabSz="914400" rtl="0" eaLnBrk="1" latinLnBrk="0" hangingPunct="1">
+      <a:defRPr sz="1200" kern="1200">
+        <a:solidFill>
+          <a:schemeClr val="tx1"/>
+        </a:solidFill>
+        <a:latin typeface="+mn-lt"/>
+        <a:ea typeface="+mn-ea"/>
+        <a:cs typeface="+mn-cs"/>
+      </a:defRPr>
+    </a:lvl8pPr>
+    <a:lvl9pPr marL="3657600" algn="l" defTabSz="914400" rtl="0" eaLnBrk="1" latinLnBrk="0" hangingPunct="1">
+      <a:defRPr sz="1200" kern="1200">
+        <a:solidFill>
+          <a:schemeClr val="tx1"/>
+        </a:solidFill>
+        <a:latin typeface="+mn-lt"/>
+        <a:ea typeface="+mn-ea"/>
+        <a:cs typeface="+mn-cs"/>
+      </a:defRPr>
+    </a:lvl9pPr>
+  </p:notesStyle>
+</p:notesMaster>
 </file>
 
 <file path=ppt/slideLayouts/slideLayout1.xml><?xml version="1.0" encoding="utf-8"?>
@@ -291,7 +645,7 @@
           <a:bodyPr/>
           <a:lstStyle/>
           <a:p>
-            <a:fld id="{D20B567E-57D3-4E43-AC89-D1A4605D9845}" type="datetimeFigureOut">
+            <a:fld id="{098EC68B-E961-416A-B655-846E5AC17167}" type="datetime1">
               <a:rPr lang="en-CA" smtClean="0"/>
               <a:t>2018-06-06</a:t>
             </a:fld>
@@ -461,7 +815,7 @@
           <a:bodyPr/>
           <a:lstStyle/>
           <a:p>
-            <a:fld id="{D20B567E-57D3-4E43-AC89-D1A4605D9845}" type="datetimeFigureOut">
+            <a:fld id="{E07626B9-A935-446E-9129-38D11AE25D60}" type="datetime1">
               <a:rPr lang="en-CA" smtClean="0"/>
               <a:t>2018-06-06</a:t>
             </a:fld>
@@ -641,7 +995,7 @@
           <a:bodyPr/>
           <a:lstStyle/>
           <a:p>
-            <a:fld id="{D20B567E-57D3-4E43-AC89-D1A4605D9845}" type="datetimeFigureOut">
+            <a:fld id="{583703F1-3B6D-46EB-A76E-6949744F47DE}" type="datetime1">
               <a:rPr lang="en-CA" smtClean="0"/>
               <a:t>2018-06-06</a:t>
             </a:fld>
@@ -811,7 +1165,7 @@
           <a:bodyPr/>
           <a:lstStyle/>
           <a:p>
-            <a:fld id="{D20B567E-57D3-4E43-AC89-D1A4605D9845}" type="datetimeFigureOut">
+            <a:fld id="{31DB09E8-757E-43EB-812C-57B263F18654}" type="datetime1">
               <a:rPr lang="en-CA" smtClean="0"/>
               <a:t>2018-06-06</a:t>
             </a:fld>
@@ -1057,7 +1411,7 @@
           <a:bodyPr/>
           <a:lstStyle/>
           <a:p>
-            <a:fld id="{D20B567E-57D3-4E43-AC89-D1A4605D9845}" type="datetimeFigureOut">
+            <a:fld id="{D5E95CC2-566E-4FAB-B06E-7F3B62A5E53C}" type="datetime1">
               <a:rPr lang="en-CA" smtClean="0"/>
               <a:t>2018-06-06</a:t>
             </a:fld>
@@ -1345,7 +1699,7 @@
           <a:bodyPr/>
           <a:lstStyle/>
           <a:p>
-            <a:fld id="{D20B567E-57D3-4E43-AC89-D1A4605D9845}" type="datetimeFigureOut">
+            <a:fld id="{95A43E41-714C-4DD9-B56F-86957FFB7A45}" type="datetime1">
               <a:rPr lang="en-CA" smtClean="0"/>
               <a:t>2018-06-06</a:t>
             </a:fld>
@@ -1767,7 +2121,7 @@
           <a:bodyPr/>
           <a:lstStyle/>
           <a:p>
-            <a:fld id="{D20B567E-57D3-4E43-AC89-D1A4605D9845}" type="datetimeFigureOut">
+            <a:fld id="{B925E3A5-2D59-44BA-AF6A-9E991D55C46C}" type="datetime1">
               <a:rPr lang="en-CA" smtClean="0"/>
               <a:t>2018-06-06</a:t>
             </a:fld>
@@ -1885,7 +2239,7 @@
           <a:bodyPr/>
           <a:lstStyle/>
           <a:p>
-            <a:fld id="{D20B567E-57D3-4E43-AC89-D1A4605D9845}" type="datetimeFigureOut">
+            <a:fld id="{3BD2D63C-9D26-48F9-B4BD-FA63389DE780}" type="datetime1">
               <a:rPr lang="en-CA" smtClean="0"/>
               <a:t>2018-06-06</a:t>
             </a:fld>
@@ -1980,7 +2334,7 @@
           <a:bodyPr/>
           <a:lstStyle/>
           <a:p>
-            <a:fld id="{D20B567E-57D3-4E43-AC89-D1A4605D9845}" type="datetimeFigureOut">
+            <a:fld id="{B4260FF7-0F9A-4441-BC4E-F8AA61FD7668}" type="datetime1">
               <a:rPr lang="en-CA" smtClean="0"/>
               <a:t>2018-06-06</a:t>
             </a:fld>
@@ -2257,7 +2611,7 @@
           <a:bodyPr/>
           <a:lstStyle/>
           <a:p>
-            <a:fld id="{D20B567E-57D3-4E43-AC89-D1A4605D9845}" type="datetimeFigureOut">
+            <a:fld id="{3B3FDE74-6DB8-45D8-A7CA-E1F60E0D837E}" type="datetime1">
               <a:rPr lang="en-CA" smtClean="0"/>
               <a:t>2018-06-06</a:t>
             </a:fld>
@@ -2510,7 +2864,7 @@
           <a:bodyPr/>
           <a:lstStyle/>
           <a:p>
-            <a:fld id="{D20B567E-57D3-4E43-AC89-D1A4605D9845}" type="datetimeFigureOut">
+            <a:fld id="{EFE21605-BC5B-4039-9D4B-D94AAA01DF2D}" type="datetime1">
               <a:rPr lang="en-CA" smtClean="0"/>
               <a:t>2018-06-06</a:t>
             </a:fld>
@@ -2723,7 +3077,7 @@
             </a:lvl1pPr>
           </a:lstStyle>
           <a:p>
-            <a:fld id="{D20B567E-57D3-4E43-AC89-D1A4605D9845}" type="datetimeFigureOut">
+            <a:fld id="{3C39659D-CCE5-4A05-8094-1E79A9359DD5}" type="datetime1">
               <a:rPr lang="en-CA" smtClean="0"/>
               <a:t>2018-06-06</a:t>
             </a:fld>
@@ -2830,6 +3184,7 @@
     <p:sldLayoutId id="2147483658" r:id="rId10"/>
     <p:sldLayoutId id="2147483659" r:id="rId11"/>
   </p:sldLayoutIdLst>
+  <p:hf hdr="0" ftr="0" dt="0"/>
   <p:txStyles>
     <p:titleStyle>
       <a:lvl1pPr algn="ctr" defTabSz="914400" rtl="0" eaLnBrk="1" latinLnBrk="0" hangingPunct="1">
@@ -3192,19 +3547,7 @@
                   </a:outerShdw>
                 </a:effectLst>
               </a:rPr>
-              <a:t>of </a:t>
-            </a:r>
-            <a:r>
-              <a:rPr lang="en-CA" sz="1900" dirty="0" smtClean="0">
-                <a:effectLst>
-                  <a:outerShdw blurRad="38100" dist="38100" dir="2700000" algn="tl">
-                    <a:srgbClr val="000000">
-                      <a:alpha val="43137"/>
-                    </a:srgbClr>
-                  </a:outerShdw>
-                </a:effectLst>
-              </a:rPr>
-              <a:t>PSOA </a:t>
+              <a:t>of PSOA </a:t>
             </a:r>
             <a:r>
               <a:rPr lang="en-CA" sz="1900" dirty="0" err="1">
@@ -3338,11 +3681,7 @@
             </a:r>
             <a:r>
               <a:rPr lang="en-CA" sz="1600" dirty="0" smtClean="0"/>
-              <a:t> with </a:t>
-            </a:r>
-            <a:r>
-              <a:rPr lang="en-CA" sz="1600" dirty="0" smtClean="0"/>
-              <a:t>18 </a:t>
+              <a:t> with 18 </a:t>
             </a:r>
             <a:r>
               <a:rPr lang="en-CA" sz="1600" dirty="0" err="1" smtClean="0"/>
@@ -8824,20 +9163,28 @@
               <a:t>(</a:t>
             </a:r>
             <a:r>
-              <a:rPr lang="en-CA" sz="1200" i="1" dirty="0"/>
+              <a:rPr lang="en-CA" sz="1200" i="1" dirty="0">
+                <a:solidFill>
+                  <a:schemeClr val="accent3">
+                    <a:lumMod val="75000"/>
+                  </a:schemeClr>
+                </a:solidFill>
+              </a:rPr>
               <a:t>syntactic </a:t>
             </a:r>
             <a:r>
+              <a:rPr lang="en-CA" sz="1200" i="1" dirty="0" smtClean="0">
+                <a:solidFill>
+                  <a:schemeClr val="accent3">
+                    <a:lumMod val="75000"/>
+                  </a:schemeClr>
+                </a:solidFill>
+              </a:rPr>
+              <a:t>realization</a:t>
+            </a:r>
+            <a:r>
               <a:rPr lang="en-CA" sz="1200" i="1" dirty="0" smtClean="0"/>
-              <a:t>realization </a:t>
-            </a:r>
-            <a:r>
-              <a:rPr lang="en-CA" sz="1200" i="1" dirty="0" smtClean="0"/>
-              <a:t>for core </a:t>
-            </a:r>
-            <a:r>
-              <a:rPr lang="en-CA" sz="1200" i="1" dirty="0" smtClean="0"/>
-              <a:t>interoperation path pv1-pv3-pv4-pn4, abridged </a:t>
+              <a:t> for core interoperation path pv1-pv3-pv4-pn4, abridged </a:t>
             </a:r>
             <a:r>
               <a:rPr lang="en-CA" sz="1200" i="1" dirty="0"/>
@@ -8845,11 +9192,7 @@
             </a:r>
             <a:r>
               <a:rPr lang="en-CA" sz="1200" i="1" dirty="0" smtClean="0"/>
-              <a:t>rule</a:t>
-            </a:r>
-            <a:r>
-              <a:rPr lang="en-CA" sz="1200" i="1" dirty="0" smtClean="0"/>
-              <a:t>)</a:t>
+              <a:t>rule)</a:t>
             </a:r>
           </a:p>
         </p:txBody>
@@ -8878,15 +9221,7 @@
           <a:p>
             <a:r>
               <a:rPr lang="en-CA" sz="1400" dirty="0" smtClean="0"/>
-              <a:t>June </a:t>
-            </a:r>
-            <a:r>
-              <a:rPr lang="en-CA" sz="1400" dirty="0" smtClean="0"/>
-              <a:t>6, </a:t>
-            </a:r>
-            <a:r>
-              <a:rPr lang="en-CA" sz="1400" dirty="0" smtClean="0"/>
-              <a:t>2018</a:t>
+              <a:t>June 6, 2018</a:t>
             </a:r>
           </a:p>
         </p:txBody>
@@ -9471,6 +9806,209 @@
           </p:txBody>
         </p:sp>
       </p:grpSp>
+      <p:sp>
+        <p:nvSpPr>
+          <p:cNvPr id="4" name="Slide Number Placeholder 3"/>
+          <p:cNvSpPr>
+            <a:spLocks noGrp="1"/>
+          </p:cNvSpPr>
+          <p:nvPr>
+            <p:ph type="sldNum" sz="quarter" idx="12"/>
+          </p:nvPr>
+        </p:nvSpPr>
+        <p:spPr/>
+        <p:txBody>
+          <a:bodyPr/>
+          <a:lstStyle/>
+          <a:p>
+            <a:fld id="{69E3CB01-9E1A-4A3C-8DCA-3238C6551500}" type="slidenum">
+              <a:rPr lang="en-CA" smtClean="0"/>
+              <a:t>1</a:t>
+            </a:fld>
+            <a:endParaRPr lang="en-CA"/>
+          </a:p>
+        </p:txBody>
+      </p:sp>
+      <p:sp>
+        <p:nvSpPr>
+          <p:cNvPr id="5" name="TextBox 4"/>
+          <p:cNvSpPr txBox="1"/>
+          <p:nvPr/>
+        </p:nvSpPr>
+        <p:spPr>
+          <a:xfrm>
+            <a:off x="971600" y="2306753"/>
+            <a:ext cx="1878143" cy="307777"/>
+          </a:xfrm>
+          <a:prstGeom prst="rect">
+            <a:avLst/>
+          </a:prstGeom>
+          <a:noFill/>
+        </p:spPr>
+        <p:txBody>
+          <a:bodyPr wrap="none" rtlCol="0">
+            <a:spAutoFit/>
+          </a:bodyPr>
+          <a:lstStyle/>
+          <a:p>
+            <a:r>
+              <a:rPr lang="en-CA" sz="1400" dirty="0">
+                <a:solidFill>
+                  <a:schemeClr val="accent3">
+                    <a:lumMod val="50000"/>
+                  </a:schemeClr>
+                </a:solidFill>
+              </a:rPr>
+              <a:t>Wedding(-[</a:t>
+            </a:r>
+            <a:r>
+              <a:rPr lang="en-CA" sz="1400" dirty="0">
+                <a:solidFill>
+                  <a:schemeClr val="accent3">
+                    <a:lumMod val="50000"/>
+                  </a:schemeClr>
+                </a:solidFill>
+              </a:rPr>
+              <a:t>Mary John])</a:t>
+            </a:r>
+          </a:p>
+        </p:txBody>
+      </p:sp>
+      <p:sp>
+        <p:nvSpPr>
+          <p:cNvPr id="159" name="TextBox 158"/>
+          <p:cNvSpPr txBox="1"/>
+          <p:nvPr/>
+        </p:nvSpPr>
+        <p:spPr>
+          <a:xfrm>
+            <a:off x="971600" y="3656057"/>
+            <a:ext cx="2278894" cy="307777"/>
+          </a:xfrm>
+          <a:prstGeom prst="rect">
+            <a:avLst/>
+          </a:prstGeom>
+          <a:noFill/>
+        </p:spPr>
+        <p:txBody>
+          <a:bodyPr wrap="none" rtlCol="0">
+            <a:spAutoFit/>
+          </a:bodyPr>
+          <a:lstStyle/>
+          <a:p>
+            <a:r>
+              <a:rPr lang="en-CA" sz="1400" dirty="0" smtClean="0">
+                <a:solidFill>
+                  <a:schemeClr val="accent3">
+                    <a:lumMod val="50000"/>
+                  </a:schemeClr>
+                </a:solidFill>
+              </a:rPr>
+              <a:t>w21#Wedding(-[</a:t>
+            </a:r>
+            <a:r>
+              <a:rPr lang="en-CA" sz="1400" dirty="0">
+                <a:solidFill>
+                  <a:schemeClr val="accent3">
+                    <a:lumMod val="50000"/>
+                  </a:schemeClr>
+                </a:solidFill>
+              </a:rPr>
+              <a:t>Mary John])</a:t>
+            </a:r>
+          </a:p>
+        </p:txBody>
+      </p:sp>
+      <p:sp>
+        <p:nvSpPr>
+          <p:cNvPr id="160" name="TextBox 159"/>
+          <p:cNvSpPr txBox="1"/>
+          <p:nvPr/>
+        </p:nvSpPr>
+        <p:spPr>
+          <a:xfrm>
+            <a:off x="971600" y="5024209"/>
+            <a:ext cx="2954078" cy="307777"/>
+          </a:xfrm>
+          <a:prstGeom prst="rect">
+            <a:avLst/>
+          </a:prstGeom>
+          <a:noFill/>
+        </p:spPr>
+        <p:txBody>
+          <a:bodyPr wrap="none" rtlCol="0">
+            <a:spAutoFit/>
+          </a:bodyPr>
+          <a:lstStyle/>
+          <a:p>
+            <a:r>
+              <a:rPr lang="en-CA" sz="1400" dirty="0" smtClean="0">
+                <a:solidFill>
+                  <a:schemeClr val="accent3">
+                    <a:lumMod val="50000"/>
+                  </a:schemeClr>
+                </a:solidFill>
+              </a:rPr>
+              <a:t>Wedding(bride-</a:t>
+            </a:r>
+            <a:r>
+              <a:rPr lang="en-CA" sz="1400" dirty="0">
+                <a:solidFill>
+                  <a:schemeClr val="accent3">
+                    <a:lumMod val="50000"/>
+                  </a:schemeClr>
+                </a:solidFill>
+              </a:rPr>
+              <a:t>&gt;Mary groom-&gt;John)</a:t>
+            </a:r>
+          </a:p>
+        </p:txBody>
+      </p:sp>
+      <p:sp>
+        <p:nvSpPr>
+          <p:cNvPr id="161" name="TextBox 160"/>
+          <p:cNvSpPr txBox="1"/>
+          <p:nvPr/>
+        </p:nvSpPr>
+        <p:spPr>
+          <a:xfrm>
+            <a:off x="971600" y="6536377"/>
+            <a:ext cx="3354829" cy="307777"/>
+          </a:xfrm>
+          <a:prstGeom prst="rect">
+            <a:avLst/>
+          </a:prstGeom>
+          <a:noFill/>
+        </p:spPr>
+        <p:txBody>
+          <a:bodyPr wrap="none" rtlCol="0">
+            <a:spAutoFit/>
+          </a:bodyPr>
+          <a:lstStyle/>
+          <a:p>
+            <a:r>
+              <a:rPr lang="en-CA" sz="1400" dirty="0" smtClean="0">
+                <a:solidFill>
+                  <a:schemeClr val="accent3">
+                    <a:lumMod val="50000"/>
+                  </a:schemeClr>
+                </a:solidFill>
+              </a:rPr>
+              <a:t>w41#Wedding(bride-</a:t>
+            </a:r>
+            <a:r>
+              <a:rPr lang="en-CA" sz="1400" dirty="0">
+                <a:solidFill>
+                  <a:schemeClr val="accent3">
+                    <a:lumMod val="50000"/>
+                  </a:schemeClr>
+                </a:solidFill>
+              </a:rPr>
+              <a:t>&gt;Mary groom-&gt;John)</a:t>
+            </a:r>
+          </a:p>
+        </p:txBody>
+      </p:sp>
     </p:spTree>
     <p:extLst>
       <p:ext uri="{BB962C8B-B14F-4D97-AF65-F5344CB8AC3E}">
@@ -13065,6 +13603,137 @@
               <a:t>:</a:t>
             </a:r>
             <a:endParaRPr lang="en-CA" sz="2000" dirty="0"/>
+          </a:p>
+        </p:txBody>
+      </p:sp>
+      <p:sp>
+        <p:nvSpPr>
+          <p:cNvPr id="52" name="Slide Number Placeholder 51"/>
+          <p:cNvSpPr>
+            <a:spLocks noGrp="1"/>
+          </p:cNvSpPr>
+          <p:nvPr>
+            <p:ph type="sldNum" sz="quarter" idx="12"/>
+          </p:nvPr>
+        </p:nvSpPr>
+        <p:spPr/>
+        <p:txBody>
+          <a:bodyPr/>
+          <a:lstStyle/>
+          <a:p>
+            <a:fld id="{69E3CB01-9E1A-4A3C-8DCA-3238C6551500}" type="slidenum">
+              <a:rPr lang="en-CA" smtClean="0"/>
+              <a:t>2</a:t>
+            </a:fld>
+            <a:endParaRPr lang="en-CA"/>
+          </a:p>
+        </p:txBody>
+      </p:sp>
+      <p:sp>
+        <p:nvSpPr>
+          <p:cNvPr id="77" name="TextBox 76"/>
+          <p:cNvSpPr txBox="1"/>
+          <p:nvPr/>
+        </p:nvSpPr>
+        <p:spPr>
+          <a:xfrm>
+            <a:off x="971600" y="4077072"/>
+            <a:ext cx="2945743" cy="307777"/>
+          </a:xfrm>
+          <a:prstGeom prst="rect">
+            <a:avLst/>
+          </a:prstGeom>
+          <a:noFill/>
+        </p:spPr>
+        <p:txBody>
+          <a:bodyPr wrap="none" rtlCol="0">
+            <a:spAutoFit/>
+          </a:bodyPr>
+          <a:lstStyle>
+            <a:defPPr>
+              <a:defRPr lang="en-US"/>
+            </a:defPPr>
+            <a:lvl1pPr>
+              <a:defRPr sz="1200">
+                <a:solidFill>
+                  <a:schemeClr val="accent3">
+                    <a:lumMod val="50000"/>
+                  </a:schemeClr>
+                </a:solidFill>
+              </a:defRPr>
+            </a:lvl1pPr>
+          </a:lstStyle>
+          <a:p>
+            <a:r>
+              <a:rPr lang="en-CA" sz="1400" dirty="0" smtClean="0"/>
+              <a:t>w61#Wedding(-[</a:t>
+            </a:r>
+            <a:r>
+              <a:rPr lang="en-CA" sz="1400" dirty="0"/>
+              <a:t>Mary John] </a:t>
+            </a:r>
+            <a:r>
+              <a:rPr lang="en-CA" sz="1400" dirty="0" err="1"/>
+              <a:t>loc</a:t>
+            </a:r>
+            <a:r>
+              <a:rPr lang="en-CA" sz="1400" dirty="0"/>
+              <a:t>-&gt;LA)</a:t>
+            </a:r>
+          </a:p>
+        </p:txBody>
+      </p:sp>
+      <p:sp>
+        <p:nvSpPr>
+          <p:cNvPr id="82" name="TextBox 81"/>
+          <p:cNvSpPr txBox="1"/>
+          <p:nvPr/>
+        </p:nvSpPr>
+        <p:spPr>
+          <a:xfrm>
+            <a:off x="971600" y="2473151"/>
+            <a:ext cx="2453620" cy="307777"/>
+          </a:xfrm>
+          <a:prstGeom prst="rect">
+            <a:avLst/>
+          </a:prstGeom>
+          <a:noFill/>
+        </p:spPr>
+        <p:txBody>
+          <a:bodyPr wrap="none" rtlCol="0">
+            <a:spAutoFit/>
+          </a:bodyPr>
+          <a:lstStyle>
+            <a:defPPr>
+              <a:defRPr lang="en-US"/>
+            </a:defPPr>
+            <a:lvl1pPr>
+              <a:defRPr sz="1200">
+                <a:solidFill>
+                  <a:schemeClr val="accent3">
+                    <a:lumMod val="50000"/>
+                  </a:schemeClr>
+                </a:solidFill>
+              </a:defRPr>
+            </a:lvl1pPr>
+          </a:lstStyle>
+          <a:p>
+            <a:r>
+              <a:rPr lang="en-CA" sz="1400" dirty="0" smtClean="0"/>
+              <a:t>Wedding(-[</a:t>
+            </a:r>
+            <a:r>
+              <a:rPr lang="en-CA" sz="1400" dirty="0"/>
+              <a:t>Mary John] </a:t>
+            </a:r>
+            <a:r>
+              <a:rPr lang="en-CA" sz="1400" dirty="0" err="1"/>
+              <a:t>loc</a:t>
+            </a:r>
+            <a:r>
+              <a:rPr lang="en-CA" sz="1400" dirty="0"/>
+              <a:t>-&gt;LA)</a:t>
+            </a:r>
           </a:p>
         </p:txBody>
       </p:sp>
@@ -19917,10 +20586,10 @@
           <a:lstStyle/>
           <a:p>
             <a:r>
-              <a:rPr lang="en-CA" dirty="0" smtClean="0"/>
+              <a:rPr lang="en-CA" i="1" dirty="0" smtClean="0"/>
               <a:t>or</a:t>
             </a:r>
-            <a:endParaRPr lang="en-CA" dirty="0"/>
+            <a:endParaRPr lang="en-CA" i="1" dirty="0"/>
           </a:p>
         </p:txBody>
       </p:sp>
@@ -20498,13 +21167,230 @@
             </a:r>
             <a:r>
               <a:rPr lang="en-CA" sz="2000" dirty="0" smtClean="0"/>
-              <a:t>al</a:t>
-            </a:r>
-            <a:r>
-              <a:rPr lang="en-CA" sz="2000" dirty="0" smtClean="0"/>
-              <a:t>:</a:t>
+              <a:t>al:</a:t>
             </a:r>
             <a:endParaRPr lang="en-CA" sz="2000" dirty="0"/>
+          </a:p>
+        </p:txBody>
+      </p:sp>
+      <p:sp>
+        <p:nvSpPr>
+          <p:cNvPr id="4" name="Slide Number Placeholder 3"/>
+          <p:cNvSpPr>
+            <a:spLocks noGrp="1"/>
+          </p:cNvSpPr>
+          <p:nvPr>
+            <p:ph type="sldNum" sz="quarter" idx="12"/>
+          </p:nvPr>
+        </p:nvSpPr>
+        <p:spPr/>
+        <p:txBody>
+          <a:bodyPr/>
+          <a:lstStyle/>
+          <a:p>
+            <a:fld id="{69E3CB01-9E1A-4A3C-8DCA-3238C6551500}" type="slidenum">
+              <a:rPr lang="en-CA" smtClean="0"/>
+              <a:t>3</a:t>
+            </a:fld>
+            <a:endParaRPr lang="en-CA"/>
+          </a:p>
+        </p:txBody>
+      </p:sp>
+      <p:sp>
+        <p:nvSpPr>
+          <p:cNvPr id="179" name="TextBox 178"/>
+          <p:cNvSpPr txBox="1"/>
+          <p:nvPr/>
+        </p:nvSpPr>
+        <p:spPr>
+          <a:xfrm>
+            <a:off x="971600" y="2420888"/>
+            <a:ext cx="3755965" cy="307777"/>
+          </a:xfrm>
+          <a:prstGeom prst="rect">
+            <a:avLst/>
+          </a:prstGeom>
+          <a:noFill/>
+        </p:spPr>
+        <p:txBody>
+          <a:bodyPr wrap="none" rtlCol="0">
+            <a:spAutoFit/>
+          </a:bodyPr>
+          <a:lstStyle>
+            <a:defPPr>
+              <a:defRPr lang="en-US"/>
+            </a:defPPr>
+            <a:lvl1pPr>
+              <a:defRPr sz="1200">
+                <a:solidFill>
+                  <a:schemeClr val="accent3">
+                    <a:lumMod val="50000"/>
+                  </a:schemeClr>
+                </a:solidFill>
+              </a:defRPr>
+            </a:lvl1pPr>
+          </a:lstStyle>
+          <a:p>
+            <a:r>
+              <a:rPr lang="en-CA" sz="1400" dirty="0" smtClean="0"/>
+              <a:t>Wedding(Mary </a:t>
+            </a:r>
+            <a:r>
+              <a:rPr lang="en-CA" sz="1400" dirty="0"/>
+              <a:t>John) </a:t>
+            </a:r>
+            <a:r>
+              <a:rPr lang="en-CA" sz="1400" dirty="0" smtClean="0"/>
+              <a:t> </a:t>
+            </a:r>
+            <a:r>
+              <a:rPr lang="en-CA" sz="1400" i="1" dirty="0" smtClean="0"/>
+              <a:t>or</a:t>
+            </a:r>
+            <a:r>
+              <a:rPr lang="en-CA" sz="1400" dirty="0" smtClean="0"/>
+              <a:t>  Wedding(+[</a:t>
+            </a:r>
+            <a:r>
+              <a:rPr lang="en-CA" sz="1400" dirty="0"/>
+              <a:t>Mary John])</a:t>
+            </a:r>
+            <a:endParaRPr lang="en-CA" sz="1400" dirty="0"/>
+          </a:p>
+        </p:txBody>
+      </p:sp>
+      <p:sp>
+        <p:nvSpPr>
+          <p:cNvPr id="196" name="TextBox 195"/>
+          <p:cNvSpPr txBox="1"/>
+          <p:nvPr/>
+        </p:nvSpPr>
+        <p:spPr>
+          <a:xfrm>
+            <a:off x="971600" y="3501008"/>
+            <a:ext cx="2314160" cy="307777"/>
+          </a:xfrm>
+          <a:prstGeom prst="rect">
+            <a:avLst/>
+          </a:prstGeom>
+          <a:noFill/>
+        </p:spPr>
+        <p:txBody>
+          <a:bodyPr wrap="none" rtlCol="0">
+            <a:spAutoFit/>
+          </a:bodyPr>
+          <a:lstStyle/>
+          <a:p>
+            <a:r>
+              <a:rPr lang="en-CA" sz="1400" dirty="0" smtClean="0">
+                <a:solidFill>
+                  <a:schemeClr val="accent3">
+                    <a:lumMod val="50000"/>
+                  </a:schemeClr>
+                </a:solidFill>
+              </a:rPr>
+              <a:t>w11#Wedding(+[</a:t>
+            </a:r>
+            <a:r>
+              <a:rPr lang="en-CA" sz="1400" dirty="0">
+                <a:solidFill>
+                  <a:schemeClr val="accent3">
+                    <a:lumMod val="50000"/>
+                  </a:schemeClr>
+                </a:solidFill>
+              </a:rPr>
+              <a:t>Mary John])</a:t>
+            </a:r>
+          </a:p>
+        </p:txBody>
+      </p:sp>
+      <p:sp>
+        <p:nvSpPr>
+          <p:cNvPr id="197" name="TextBox 196"/>
+          <p:cNvSpPr txBox="1"/>
+          <p:nvPr/>
+        </p:nvSpPr>
+        <p:spPr>
+          <a:xfrm>
+            <a:off x="971600" y="4941168"/>
+            <a:ext cx="3024611" cy="307777"/>
+          </a:xfrm>
+          <a:prstGeom prst="rect">
+            <a:avLst/>
+          </a:prstGeom>
+          <a:noFill/>
+        </p:spPr>
+        <p:txBody>
+          <a:bodyPr wrap="none" rtlCol="0">
+            <a:spAutoFit/>
+          </a:bodyPr>
+          <a:lstStyle/>
+          <a:p>
+            <a:r>
+              <a:rPr lang="en-CA" sz="1400" dirty="0" smtClean="0">
+                <a:solidFill>
+                  <a:schemeClr val="accent3">
+                    <a:lumMod val="50000"/>
+                  </a:schemeClr>
+                </a:solidFill>
+              </a:rPr>
+              <a:t>Wedding(bride</a:t>
+            </a:r>
+            <a:r>
+              <a:rPr lang="en-CA" sz="1400" dirty="0">
+                <a:solidFill>
+                  <a:schemeClr val="accent3">
+                    <a:lumMod val="50000"/>
+                  </a:schemeClr>
+                </a:solidFill>
+              </a:rPr>
+              <a:t>+&gt;Mary groom+&gt;John)</a:t>
+            </a:r>
+          </a:p>
+        </p:txBody>
+      </p:sp>
+      <p:sp>
+        <p:nvSpPr>
+          <p:cNvPr id="215" name="TextBox 214"/>
+          <p:cNvSpPr txBox="1"/>
+          <p:nvPr/>
+        </p:nvSpPr>
+        <p:spPr>
+          <a:xfrm>
+            <a:off x="971600" y="6505599"/>
+            <a:ext cx="3333990" cy="307777"/>
+          </a:xfrm>
+          <a:prstGeom prst="rect">
+            <a:avLst/>
+          </a:prstGeom>
+          <a:noFill/>
+        </p:spPr>
+        <p:txBody>
+          <a:bodyPr wrap="none" rtlCol="0">
+            <a:spAutoFit/>
+          </a:bodyPr>
+          <a:lstStyle/>
+          <a:p>
+            <a:r>
+              <a:rPr lang="en-CA" sz="1400" dirty="0" smtClean="0">
+                <a:solidFill>
+                  <a:schemeClr val="accent3">
+                    <a:lumMod val="50000"/>
+                  </a:schemeClr>
+                </a:solidFill>
+              </a:rPr>
+              <a:t>w31#Wedding(bride</a:t>
+            </a:r>
+            <a:r>
+              <a:rPr lang="en-CA" sz="1400" dirty="0">
+                <a:solidFill>
+                  <a:schemeClr val="accent3">
+                    <a:lumMod val="50000"/>
+                  </a:schemeClr>
+                </a:solidFill>
+              </a:rPr>
+              <a:t>+&gt;Mary groom+&gt;John)</a:t>
+            </a:r>
           </a:p>
         </p:txBody>
       </p:sp>
@@ -24390,13 +25276,148 @@
             </a:r>
             <a:r>
               <a:rPr lang="en-CA" sz="2000" dirty="0" smtClean="0"/>
-              <a:t>al</a:t>
-            </a:r>
-            <a:r>
-              <a:rPr lang="en-CA" sz="2000" dirty="0" smtClean="0"/>
-              <a:t>:</a:t>
+              <a:t>al:</a:t>
             </a:r>
             <a:endParaRPr lang="en-CA" sz="2000" dirty="0"/>
+          </a:p>
+        </p:txBody>
+      </p:sp>
+      <p:sp>
+        <p:nvSpPr>
+          <p:cNvPr id="38" name="Slide Number Placeholder 37"/>
+          <p:cNvSpPr>
+            <a:spLocks noGrp="1"/>
+          </p:cNvSpPr>
+          <p:nvPr>
+            <p:ph type="sldNum" sz="quarter" idx="12"/>
+          </p:nvPr>
+        </p:nvSpPr>
+        <p:spPr/>
+        <p:txBody>
+          <a:bodyPr/>
+          <a:lstStyle/>
+          <a:p>
+            <a:fld id="{69E3CB01-9E1A-4A3C-8DCA-3238C6551500}" type="slidenum">
+              <a:rPr lang="en-CA" smtClean="0"/>
+              <a:t>4</a:t>
+            </a:fld>
+            <a:endParaRPr lang="en-CA"/>
+          </a:p>
+        </p:txBody>
+      </p:sp>
+      <p:sp>
+        <p:nvSpPr>
+          <p:cNvPr id="90" name="TextBox 89"/>
+          <p:cNvSpPr txBox="1"/>
+          <p:nvPr/>
+        </p:nvSpPr>
+        <p:spPr>
+          <a:xfrm>
+            <a:off x="971600" y="2545159"/>
+            <a:ext cx="2524153" cy="307777"/>
+          </a:xfrm>
+          <a:prstGeom prst="rect">
+            <a:avLst/>
+          </a:prstGeom>
+          <a:noFill/>
+        </p:spPr>
+        <p:txBody>
+          <a:bodyPr wrap="none" rtlCol="0">
+            <a:spAutoFit/>
+          </a:bodyPr>
+          <a:lstStyle>
+            <a:defPPr>
+              <a:defRPr lang="en-US"/>
+            </a:defPPr>
+            <a:lvl1pPr>
+              <a:defRPr sz="1200">
+                <a:solidFill>
+                  <a:schemeClr val="accent3">
+                    <a:lumMod val="50000"/>
+                  </a:schemeClr>
+                </a:solidFill>
+              </a:defRPr>
+            </a:lvl1pPr>
+          </a:lstStyle>
+          <a:p>
+            <a:r>
+              <a:rPr lang="en-CA" sz="1400" dirty="0" smtClean="0"/>
+              <a:t>Wedding(+[</a:t>
+            </a:r>
+            <a:r>
+              <a:rPr lang="en-CA" sz="1400" dirty="0"/>
+              <a:t>Mary John] </a:t>
+            </a:r>
+            <a:r>
+              <a:rPr lang="en-CA" sz="1400" dirty="0" err="1" smtClean="0"/>
+              <a:t>loc</a:t>
+            </a:r>
+            <a:r>
+              <a:rPr lang="en-CA" sz="1400" dirty="0" smtClean="0"/>
+              <a:t>+&gt;</a:t>
+            </a:r>
+            <a:r>
+              <a:rPr lang="en-CA" sz="1400" dirty="0"/>
+              <a:t>LA)</a:t>
+            </a:r>
+          </a:p>
+        </p:txBody>
+      </p:sp>
+      <p:sp>
+        <p:nvSpPr>
+          <p:cNvPr id="92" name="TextBox 91"/>
+          <p:cNvSpPr txBox="1"/>
+          <p:nvPr/>
+        </p:nvSpPr>
+        <p:spPr>
+          <a:xfrm>
+            <a:off x="971600" y="3933056"/>
+            <a:ext cx="2924903" cy="307777"/>
+          </a:xfrm>
+          <a:prstGeom prst="rect">
+            <a:avLst/>
+          </a:prstGeom>
+          <a:noFill/>
+        </p:spPr>
+        <p:txBody>
+          <a:bodyPr wrap="none" rtlCol="0">
+            <a:spAutoFit/>
+          </a:bodyPr>
+          <a:lstStyle>
+            <a:defPPr>
+              <a:defRPr lang="en-US"/>
+            </a:defPPr>
+            <a:lvl1pPr>
+              <a:defRPr sz="1200">
+                <a:solidFill>
+                  <a:schemeClr val="accent3">
+                    <a:lumMod val="50000"/>
+                  </a:schemeClr>
+                </a:solidFill>
+              </a:defRPr>
+            </a:lvl1pPr>
+          </a:lstStyle>
+          <a:p>
+            <a:r>
+              <a:rPr lang="en-CA" sz="1400" dirty="0" smtClean="0"/>
+              <a:t>w51#Wedding(+[</a:t>
+            </a:r>
+            <a:r>
+              <a:rPr lang="en-CA" sz="1400" dirty="0"/>
+              <a:t>Mary John] </a:t>
+            </a:r>
+            <a:r>
+              <a:rPr lang="en-CA" sz="1400" dirty="0" err="1" smtClean="0"/>
+              <a:t>loc</a:t>
+            </a:r>
+            <a:r>
+              <a:rPr lang="en-CA" sz="1400" dirty="0" smtClean="0"/>
+              <a:t>+&gt;</a:t>
+            </a:r>
+            <a:r>
+              <a:rPr lang="en-CA" sz="1400" dirty="0"/>
+              <a:t>LA)</a:t>
+            </a:r>
           </a:p>
         </p:txBody>
       </p:sp>
@@ -28890,11 +29911,7 @@
             </a:r>
             <a:r>
               <a:rPr lang="en-CA" dirty="0" smtClean="0"/>
-              <a:t> atoms</a:t>
-            </a:r>
-            <a:r>
-              <a:rPr lang="en-CA" dirty="0" smtClean="0"/>
-              <a:t>:</a:t>
+              <a:t> atoms:</a:t>
             </a:r>
             <a:endParaRPr lang="en-CA" dirty="0"/>
           </a:p>
@@ -31939,6 +32956,253 @@
           </p:txBody>
         </p:sp>
       </p:grpSp>
+      <p:sp>
+        <p:nvSpPr>
+          <p:cNvPr id="31" name="Slide Number Placeholder 30"/>
+          <p:cNvSpPr>
+            <a:spLocks noGrp="1"/>
+          </p:cNvSpPr>
+          <p:nvPr>
+            <p:ph type="sldNum" sz="quarter" idx="12"/>
+          </p:nvPr>
+        </p:nvSpPr>
+        <p:spPr/>
+        <p:txBody>
+          <a:bodyPr/>
+          <a:lstStyle/>
+          <a:p>
+            <a:fld id="{69E3CB01-9E1A-4A3C-8DCA-3238C6551500}" type="slidenum">
+              <a:rPr lang="en-CA" smtClean="0"/>
+              <a:t>5</a:t>
+            </a:fld>
+            <a:endParaRPr lang="en-CA"/>
+          </a:p>
+        </p:txBody>
+      </p:sp>
+      <p:sp>
+        <p:nvSpPr>
+          <p:cNvPr id="172" name="TextBox 171"/>
+          <p:cNvSpPr txBox="1"/>
+          <p:nvPr/>
+        </p:nvSpPr>
+        <p:spPr>
+          <a:xfrm>
+            <a:off x="971600" y="3645024"/>
+            <a:ext cx="3237489" cy="307777"/>
+          </a:xfrm>
+          <a:prstGeom prst="rect">
+            <a:avLst/>
+          </a:prstGeom>
+          <a:noFill/>
+        </p:spPr>
+        <p:txBody>
+          <a:bodyPr wrap="none" rtlCol="0">
+            <a:spAutoFit/>
+          </a:bodyPr>
+          <a:lstStyle>
+            <a:defPPr>
+              <a:defRPr lang="en-US"/>
+            </a:defPPr>
+            <a:lvl1pPr>
+              <a:defRPr sz="1200">
+                <a:solidFill>
+                  <a:schemeClr val="accent3">
+                    <a:lumMod val="50000"/>
+                  </a:schemeClr>
+                </a:solidFill>
+              </a:defRPr>
+            </a:lvl1pPr>
+          </a:lstStyle>
+          <a:p>
+            <a:r>
+              <a:rPr lang="en-CA" sz="1400" dirty="0" smtClean="0"/>
+              <a:t>w71#Wedding(-[</a:t>
+            </a:r>
+            <a:r>
+              <a:rPr lang="en-CA" sz="1400" dirty="0"/>
+              <a:t>2018 </a:t>
+            </a:r>
+            <a:r>
+              <a:rPr lang="en-CA" sz="1400" dirty="0" smtClean="0"/>
+              <a:t>8 </a:t>
+            </a:r>
+            <a:r>
+              <a:rPr lang="en-CA" sz="1400" dirty="0"/>
+              <a:t>18</a:t>
+            </a:r>
+            <a:r>
+              <a:rPr lang="en-CA" sz="1400" dirty="0" smtClean="0"/>
+              <a:t>] +[</a:t>
+            </a:r>
+            <a:r>
+              <a:rPr lang="en-CA" sz="1400" dirty="0"/>
+              <a:t>Mary John</a:t>
+            </a:r>
+            <a:r>
+              <a:rPr lang="en-CA" sz="1400" dirty="0" smtClean="0"/>
+              <a:t>])</a:t>
+            </a:r>
+            <a:endParaRPr lang="en-CA" sz="1400" dirty="0"/>
+          </a:p>
+        </p:txBody>
+      </p:sp>
+      <p:sp>
+        <p:nvSpPr>
+          <p:cNvPr id="173" name="TextBox 172"/>
+          <p:cNvSpPr txBox="1"/>
+          <p:nvPr/>
+        </p:nvSpPr>
+        <p:spPr>
+          <a:xfrm>
+            <a:off x="971600" y="2060848"/>
+            <a:ext cx="2872005" cy="307777"/>
+          </a:xfrm>
+          <a:prstGeom prst="rect">
+            <a:avLst/>
+          </a:prstGeom>
+          <a:noFill/>
+        </p:spPr>
+        <p:txBody>
+          <a:bodyPr wrap="none" rtlCol="0">
+            <a:spAutoFit/>
+          </a:bodyPr>
+          <a:lstStyle>
+            <a:defPPr>
+              <a:defRPr lang="en-US"/>
+            </a:defPPr>
+            <a:lvl1pPr>
+              <a:defRPr sz="1200">
+                <a:solidFill>
+                  <a:schemeClr val="accent3">
+                    <a:lumMod val="50000"/>
+                  </a:schemeClr>
+                </a:solidFill>
+              </a:defRPr>
+            </a:lvl1pPr>
+          </a:lstStyle>
+          <a:p>
+            <a:r>
+              <a:rPr lang="en-CA" sz="1400" dirty="0" smtClean="0"/>
+              <a:t>Wedding(-[</a:t>
+            </a:r>
+            <a:r>
+              <a:rPr lang="en-CA" sz="1400" dirty="0"/>
+              <a:t>2018 </a:t>
+            </a:r>
+            <a:r>
+              <a:rPr lang="en-CA" sz="1400" dirty="0" smtClean="0"/>
+              <a:t>8 </a:t>
+            </a:r>
+            <a:r>
+              <a:rPr lang="en-CA" sz="1400" dirty="0"/>
+              <a:t>18</a:t>
+            </a:r>
+            <a:r>
+              <a:rPr lang="en-CA" sz="1400" dirty="0" smtClean="0"/>
+              <a:t>] +[</a:t>
+            </a:r>
+            <a:r>
+              <a:rPr lang="en-CA" sz="1400" dirty="0"/>
+              <a:t>Mary John</a:t>
+            </a:r>
+            <a:r>
+              <a:rPr lang="en-CA" sz="1400" dirty="0" smtClean="0"/>
+              <a:t>])</a:t>
+            </a:r>
+            <a:endParaRPr lang="en-CA" sz="1400" dirty="0"/>
+          </a:p>
+        </p:txBody>
+      </p:sp>
+      <p:sp>
+        <p:nvSpPr>
+          <p:cNvPr id="174" name="TextBox 173"/>
+          <p:cNvSpPr txBox="1"/>
+          <p:nvPr/>
+        </p:nvSpPr>
+        <p:spPr>
+          <a:xfrm>
+            <a:off x="971600" y="5137447"/>
+            <a:ext cx="2897973" cy="307777"/>
+          </a:xfrm>
+          <a:prstGeom prst="rect">
+            <a:avLst/>
+          </a:prstGeom>
+          <a:noFill/>
+        </p:spPr>
+        <p:txBody>
+          <a:bodyPr wrap="none" rtlCol="0">
+            <a:spAutoFit/>
+          </a:bodyPr>
+          <a:lstStyle/>
+          <a:p>
+            <a:r>
+              <a:rPr lang="en-CA" sz="1400" dirty="0" smtClean="0">
+                <a:solidFill>
+                  <a:schemeClr val="accent3">
+                    <a:lumMod val="50000"/>
+                  </a:schemeClr>
+                </a:solidFill>
+              </a:rPr>
+              <a:t>Wedding(bride-&gt;Mary </a:t>
+            </a:r>
+            <a:r>
+              <a:rPr lang="en-CA" sz="1400" dirty="0">
+                <a:solidFill>
+                  <a:schemeClr val="accent3">
+                    <a:lumMod val="50000"/>
+                  </a:schemeClr>
+                </a:solidFill>
+              </a:rPr>
+              <a:t>groom+&gt;John)</a:t>
+            </a:r>
+          </a:p>
+        </p:txBody>
+      </p:sp>
+      <p:sp>
+        <p:nvSpPr>
+          <p:cNvPr id="175" name="TextBox 174"/>
+          <p:cNvSpPr txBox="1"/>
+          <p:nvPr/>
+        </p:nvSpPr>
+        <p:spPr>
+          <a:xfrm>
+            <a:off x="971600" y="6505599"/>
+            <a:ext cx="3333990" cy="307777"/>
+          </a:xfrm>
+          <a:prstGeom prst="rect">
+            <a:avLst/>
+          </a:prstGeom>
+          <a:noFill/>
+        </p:spPr>
+        <p:txBody>
+          <a:bodyPr wrap="none" rtlCol="0">
+            <a:spAutoFit/>
+          </a:bodyPr>
+          <a:lstStyle/>
+          <a:p>
+            <a:r>
+              <a:rPr lang="en-CA" sz="1400" dirty="0" smtClean="0">
+                <a:solidFill>
+                  <a:schemeClr val="accent3">
+                    <a:lumMod val="50000"/>
+                  </a:schemeClr>
+                </a:solidFill>
+              </a:rPr>
+              <a:t>w81#Wedding(bride-&gt;</a:t>
+            </a:r>
+            <a:r>
+              <a:rPr lang="en-CA" sz="1400" dirty="0">
+                <a:solidFill>
+                  <a:schemeClr val="accent3">
+                    <a:lumMod val="50000"/>
+                  </a:schemeClr>
+                </a:solidFill>
+              </a:rPr>
+              <a:t>Mary groom+&gt;John)</a:t>
+            </a:r>
+          </a:p>
+        </p:txBody>
+      </p:sp>
     </p:spTree>
     <p:extLst>
       <p:ext uri="{BB962C8B-B14F-4D97-AF65-F5344CB8AC3E}">
@@ -36980,6 +38244,109 @@
           </a:p>
         </p:txBody>
       </p:sp>
+      <p:sp>
+        <p:nvSpPr>
+          <p:cNvPr id="78" name="Slide Number Placeholder 77"/>
+          <p:cNvSpPr>
+            <a:spLocks noGrp="1"/>
+          </p:cNvSpPr>
+          <p:nvPr>
+            <p:ph type="sldNum" sz="quarter" idx="12"/>
+          </p:nvPr>
+        </p:nvSpPr>
+        <p:spPr/>
+        <p:txBody>
+          <a:bodyPr/>
+          <a:lstStyle/>
+          <a:p>
+            <a:fld id="{69E3CB01-9E1A-4A3C-8DCA-3238C6551500}" type="slidenum">
+              <a:rPr lang="en-CA" smtClean="0"/>
+              <a:t>6</a:t>
+            </a:fld>
+            <a:endParaRPr lang="en-CA"/>
+          </a:p>
+        </p:txBody>
+      </p:sp>
+      <p:sp>
+        <p:nvSpPr>
+          <p:cNvPr id="100" name="TextBox 99"/>
+          <p:cNvSpPr txBox="1"/>
+          <p:nvPr/>
+        </p:nvSpPr>
+        <p:spPr>
+          <a:xfrm>
+            <a:off x="971600" y="3140968"/>
+            <a:ext cx="3856569" cy="307777"/>
+          </a:xfrm>
+          <a:prstGeom prst="rect">
+            <a:avLst/>
+          </a:prstGeom>
+          <a:noFill/>
+        </p:spPr>
+        <p:txBody>
+          <a:bodyPr wrap="none" rtlCol="0">
+            <a:spAutoFit/>
+          </a:bodyPr>
+          <a:lstStyle/>
+          <a:p>
+            <a:r>
+              <a:rPr lang="en-CA" sz="1400" dirty="0">
+                <a:solidFill>
+                  <a:schemeClr val="accent3">
+                    <a:lumMod val="50000"/>
+                  </a:schemeClr>
+                </a:solidFill>
+              </a:rPr>
+              <a:t>Wedding(-[2018 8 18] bride+&gt;Mary groom+&gt;John)</a:t>
+            </a:r>
+          </a:p>
+        </p:txBody>
+      </p:sp>
+      <p:sp>
+        <p:nvSpPr>
+          <p:cNvPr id="101" name="TextBox 100"/>
+          <p:cNvSpPr txBox="1"/>
+          <p:nvPr/>
+        </p:nvSpPr>
+        <p:spPr>
+          <a:xfrm>
+            <a:off x="971600" y="5661248"/>
+            <a:ext cx="4257319" cy="307777"/>
+          </a:xfrm>
+          <a:prstGeom prst="rect">
+            <a:avLst/>
+          </a:prstGeom>
+          <a:noFill/>
+        </p:spPr>
+        <p:txBody>
+          <a:bodyPr wrap="none" rtlCol="0">
+            <a:spAutoFit/>
+          </a:bodyPr>
+          <a:lstStyle/>
+          <a:p>
+            <a:r>
+              <a:rPr lang="en-CA" sz="1400" dirty="0" smtClean="0">
+                <a:solidFill>
+                  <a:schemeClr val="accent3">
+                    <a:lumMod val="50000"/>
+                  </a:schemeClr>
+                </a:solidFill>
+              </a:rPr>
+              <a:t>w91#Wedding</a:t>
+            </a:r>
+            <a:r>
+              <a:rPr lang="en-CA" sz="1400" dirty="0">
+                <a:solidFill>
+                  <a:schemeClr val="accent3">
+                    <a:lumMod val="50000"/>
+                  </a:schemeClr>
+                </a:solidFill>
+              </a:rPr>
+              <a:t>(-[2018 8 18] bride+&gt;Mary groom+&gt;John)</a:t>
+            </a:r>
+          </a:p>
+        </p:txBody>
+      </p:sp>
     </p:spTree>
     <p:extLst>
       <p:ext uri="{BB962C8B-B14F-4D97-AF65-F5344CB8AC3E}">
@@ -36997,6 +38364,714 @@
       </p:par>
     </p:tnLst>
   </p:timing>
+</p:sld>
+</file>
+
+<file path=ppt/slides/slide7.xml><?xml version="1.0" encoding="utf-8"?>
+<p:sld xmlns:a="http://schemas.openxmlformats.org/drawingml/2006/main" xmlns:r="http://schemas.openxmlformats.org/officeDocument/2006/relationships" xmlns:p="http://schemas.openxmlformats.org/presentationml/2006/main">
+  <p:cSld>
+    <p:spTree>
+      <p:nvGrpSpPr>
+        <p:cNvPr id="1" name=""/>
+        <p:cNvGrpSpPr/>
+        <p:nvPr/>
+      </p:nvGrpSpPr>
+      <p:grpSpPr>
+        <a:xfrm>
+          <a:off x="0" y="0"/>
+          <a:ext cx="0" cy="0"/>
+          <a:chOff x="0" y="0"/>
+          <a:chExt cx="0" cy="0"/>
+        </a:xfrm>
+      </p:grpSpPr>
+      <p:sp>
+        <p:nvSpPr>
+          <p:cNvPr id="2" name="Title 1"/>
+          <p:cNvSpPr>
+            <a:spLocks noGrp="1"/>
+          </p:cNvSpPr>
+          <p:nvPr>
+            <p:ph type="title"/>
+          </p:nvPr>
+        </p:nvSpPr>
+        <p:spPr>
+          <a:xfrm>
+            <a:off x="179512" y="274638"/>
+            <a:ext cx="8784976" cy="1143000"/>
+          </a:xfrm>
+        </p:spPr>
+        <p:txBody>
+          <a:bodyPr>
+            <a:normAutofit fontScale="90000"/>
+          </a:bodyPr>
+          <a:lstStyle/>
+          <a:p>
+            <a:r>
+              <a:rPr lang="en-CA" dirty="0" smtClean="0"/>
+              <a:t>Opening Up the</a:t>
+            </a:r>
+            <a:r>
+              <a:rPr lang="en-CA" dirty="0"/>
+              <a:t> PSOA</a:t>
+            </a:r>
+            <a:r>
+              <a:rPr lang="en-CA" dirty="0" smtClean="0"/>
+              <a:t> </a:t>
+            </a:r>
+            <a:r>
+              <a:rPr lang="en-CA" dirty="0" err="1" smtClean="0"/>
+              <a:t>Metamodel</a:t>
+            </a:r>
+            <a:r>
+              <a:rPr lang="en-CA" dirty="0" smtClean="0"/>
+              <a:t> Cube  </a:t>
+            </a:r>
+            <a:endParaRPr lang="en-CA" dirty="0"/>
+          </a:p>
+        </p:txBody>
+      </p:sp>
+      <p:sp>
+        <p:nvSpPr>
+          <p:cNvPr id="3" name="Slide Number Placeholder 2"/>
+          <p:cNvSpPr>
+            <a:spLocks noGrp="1"/>
+          </p:cNvSpPr>
+          <p:nvPr>
+            <p:ph type="sldNum" sz="quarter" idx="12"/>
+          </p:nvPr>
+        </p:nvSpPr>
+        <p:spPr/>
+        <p:txBody>
+          <a:bodyPr/>
+          <a:lstStyle/>
+          <a:p>
+            <a:fld id="{69E3CB01-9E1A-4A3C-8DCA-3238C6551500}" type="slidenum">
+              <a:rPr lang="en-CA" smtClean="0"/>
+              <a:t>7</a:t>
+            </a:fld>
+            <a:endParaRPr lang="en-CA"/>
+          </a:p>
+        </p:txBody>
+      </p:sp>
+      <p:sp>
+        <p:nvSpPr>
+          <p:cNvPr id="5" name="TextBox 4"/>
+          <p:cNvSpPr txBox="1"/>
+          <p:nvPr/>
+        </p:nvSpPr>
+        <p:spPr>
+          <a:xfrm>
+            <a:off x="467544" y="1556792"/>
+            <a:ext cx="7938520" cy="3970318"/>
+          </a:xfrm>
+          <a:prstGeom prst="rect">
+            <a:avLst/>
+          </a:prstGeom>
+          <a:noFill/>
+        </p:spPr>
+        <p:txBody>
+          <a:bodyPr wrap="none" rtlCol="0">
+            <a:spAutoFit/>
+          </a:bodyPr>
+          <a:lstStyle/>
+          <a:p>
+            <a:pPr marL="285750" indent="-285750">
+              <a:buFont typeface="Arial" charset="0"/>
+              <a:buChar char="•"/>
+            </a:pPr>
+            <a:r>
+              <a:rPr lang="en-CA" dirty="0" err="1"/>
+              <a:t>Metamodel</a:t>
+            </a:r>
+            <a:r>
+              <a:rPr lang="en-CA" dirty="0"/>
+              <a:t> </a:t>
+            </a:r>
+            <a:r>
+              <a:rPr lang="en-CA" dirty="0" smtClean="0"/>
+              <a:t>given as 18 </a:t>
+            </a:r>
+            <a:r>
+              <a:rPr lang="en-US" dirty="0" smtClean="0"/>
+              <a:t>kinds </a:t>
+            </a:r>
+            <a:r>
+              <a:rPr lang="en-US" dirty="0"/>
+              <a:t>of </a:t>
+            </a:r>
+            <a:r>
+              <a:rPr lang="en-US" dirty="0" smtClean="0"/>
+              <a:t>atoms</a:t>
+            </a:r>
+            <a:br>
+              <a:rPr lang="en-US" dirty="0" smtClean="0"/>
+            </a:br>
+            <a:r>
+              <a:rPr lang="en-US" dirty="0" smtClean="0"/>
+              <a:t>populating (elementary) </a:t>
+            </a:r>
+            <a:r>
+              <a:rPr lang="en-CA" dirty="0" err="1" smtClean="0"/>
+              <a:t>subcubes</a:t>
+            </a:r>
+            <a:r>
+              <a:rPr lang="en-CA" dirty="0" smtClean="0"/>
+              <a:t> </a:t>
+            </a:r>
+            <a:r>
+              <a:rPr lang="en-CA" dirty="0" err="1" smtClean="0"/>
+              <a:t>p</a:t>
+            </a:r>
+            <a:r>
+              <a:rPr lang="en-CA" i="1" dirty="0" err="1" smtClean="0"/>
+              <a:t>xi</a:t>
+            </a:r>
+            <a:r>
+              <a:rPr lang="en-CA" dirty="0" smtClean="0"/>
+              <a:t> (</a:t>
+            </a:r>
+            <a:r>
+              <a:rPr lang="en-CA" i="1" dirty="0" smtClean="0"/>
+              <a:t>x</a:t>
+            </a:r>
+            <a:r>
+              <a:rPr lang="en-CA" dirty="0" smtClean="0"/>
+              <a:t>=</a:t>
+            </a:r>
+            <a:r>
+              <a:rPr lang="en-CA" dirty="0" err="1" smtClean="0"/>
+              <a:t>n,v,p</a:t>
+            </a:r>
+            <a:r>
+              <a:rPr lang="en-CA" dirty="0" smtClean="0"/>
+              <a:t>; </a:t>
+            </a:r>
+            <a:r>
+              <a:rPr lang="en-CA" i="1" dirty="0" smtClean="0"/>
+              <a:t>i</a:t>
+            </a:r>
+            <a:r>
+              <a:rPr lang="en-CA" dirty="0" smtClean="0"/>
+              <a:t>=1,…,6)</a:t>
+            </a:r>
+            <a:endParaRPr lang="en-CA" i="1" dirty="0" smtClean="0"/>
+          </a:p>
+          <a:p>
+            <a:pPr marL="285750" indent="-285750">
+              <a:buFont typeface="Arial" charset="0"/>
+              <a:buChar char="•"/>
+            </a:pPr>
+            <a:r>
+              <a:rPr lang="en-CA" dirty="0" smtClean="0"/>
+              <a:t>Usually arranged</a:t>
+            </a:r>
+            <a:r>
+              <a:rPr lang="en-CA" dirty="0"/>
+              <a:t> </a:t>
+            </a:r>
+            <a:r>
+              <a:rPr lang="en-CA" dirty="0" smtClean="0"/>
+              <a:t>in 3 layers, </a:t>
+            </a:r>
+            <a:r>
+              <a:rPr lang="en-CA" dirty="0"/>
+              <a:t>each</a:t>
+            </a:r>
+            <a:r>
+              <a:rPr lang="en-US" dirty="0" smtClean="0"/>
+              <a:t> with </a:t>
+            </a:r>
+            <a:r>
+              <a:rPr lang="en-CA" dirty="0" smtClean="0"/>
+              <a:t>6 </a:t>
+            </a:r>
+            <a:r>
+              <a:rPr lang="en-CA" dirty="0" err="1" smtClean="0"/>
+              <a:t>subcubes</a:t>
+            </a:r>
+            <a:r>
+              <a:rPr lang="en-CA" dirty="0" smtClean="0"/>
+              <a:t>:</a:t>
+            </a:r>
+          </a:p>
+          <a:p>
+            <a:pPr marL="742950" lvl="1" indent="-285750">
+              <a:buFont typeface="Arial" charset="0"/>
+              <a:buChar char="•"/>
+            </a:pPr>
+            <a:r>
+              <a:rPr lang="en-CA" dirty="0"/>
+              <a:t>6 </a:t>
+            </a:r>
+            <a:r>
+              <a:rPr lang="en-CA" dirty="0" err="1" smtClean="0"/>
+              <a:t>perspeneutral</a:t>
+            </a:r>
+            <a:r>
+              <a:rPr lang="en-CA" dirty="0" smtClean="0"/>
+              <a:t> </a:t>
+            </a:r>
+            <a:r>
+              <a:rPr lang="en-CA" dirty="0" err="1" smtClean="0"/>
+              <a:t>subcubes</a:t>
+            </a:r>
+            <a:r>
+              <a:rPr lang="en-CA" dirty="0" smtClean="0"/>
+              <a:t> </a:t>
+            </a:r>
+            <a:r>
+              <a:rPr lang="en-CA" dirty="0"/>
+              <a:t>(</a:t>
+            </a:r>
+            <a:r>
+              <a:rPr lang="en-CA" i="1" dirty="0" smtClean="0"/>
+              <a:t>x</a:t>
+            </a:r>
+            <a:r>
+              <a:rPr lang="en-CA" dirty="0" smtClean="0"/>
+              <a:t>=n) </a:t>
+            </a:r>
+            <a:r>
+              <a:rPr lang="en-CA" dirty="0"/>
+              <a:t>vs. 6 perspectival </a:t>
+            </a:r>
+            <a:r>
+              <a:rPr lang="en-CA" dirty="0" err="1"/>
+              <a:t>subcubes</a:t>
+            </a:r>
+            <a:r>
+              <a:rPr lang="en-CA" dirty="0"/>
+              <a:t> (</a:t>
+            </a:r>
+            <a:r>
+              <a:rPr lang="en-CA" i="1" dirty="0" smtClean="0"/>
+              <a:t>x</a:t>
+            </a:r>
+            <a:r>
+              <a:rPr lang="en-CA" dirty="0" smtClean="0"/>
+              <a:t>=v) </a:t>
+            </a:r>
+            <a:r>
+              <a:rPr lang="en-CA" dirty="0"/>
+              <a:t>vs.</a:t>
+            </a:r>
+            <a:br>
+              <a:rPr lang="en-CA" dirty="0"/>
+            </a:br>
+            <a:r>
+              <a:rPr lang="en-CA" dirty="0"/>
+              <a:t>6 </a:t>
+            </a:r>
+            <a:r>
+              <a:rPr lang="en-CA" dirty="0" err="1"/>
+              <a:t>perspeneutral+perspectival</a:t>
+            </a:r>
+            <a:r>
+              <a:rPr lang="en-CA" dirty="0"/>
+              <a:t> </a:t>
+            </a:r>
+            <a:r>
+              <a:rPr lang="en-CA" dirty="0" err="1"/>
+              <a:t>subcubes</a:t>
+            </a:r>
+            <a:r>
+              <a:rPr lang="en-CA" dirty="0"/>
+              <a:t> (</a:t>
+            </a:r>
+            <a:r>
+              <a:rPr lang="en-CA" i="1" dirty="0" smtClean="0"/>
+              <a:t>x</a:t>
+            </a:r>
+            <a:r>
+              <a:rPr lang="en-CA" dirty="0" smtClean="0"/>
+              <a:t>=p)</a:t>
+            </a:r>
+            <a:endParaRPr lang="en-CA" i="1" dirty="0"/>
+          </a:p>
+          <a:p>
+            <a:pPr marL="285750" indent="-285750">
+              <a:buFont typeface="Arial" charset="0"/>
+              <a:buChar char="•"/>
+            </a:pPr>
+            <a:r>
+              <a:rPr lang="en-CA" dirty="0" smtClean="0"/>
+              <a:t>Core </a:t>
+            </a:r>
+            <a:r>
+              <a:rPr lang="en-CA" dirty="0" err="1" smtClean="0"/>
+              <a:t>metamodel</a:t>
+            </a:r>
+            <a:r>
+              <a:rPr lang="en-CA" dirty="0" smtClean="0"/>
+              <a:t> has</a:t>
+            </a:r>
+            <a:r>
+              <a:rPr lang="en-CA" dirty="0"/>
+              <a:t> 8 </a:t>
+            </a:r>
+            <a:r>
+              <a:rPr lang="en-CA" dirty="0" err="1"/>
+              <a:t>subcubes</a:t>
+            </a:r>
+            <a:r>
+              <a:rPr lang="en-CA" dirty="0" smtClean="0"/>
+              <a:t> </a:t>
+            </a:r>
+            <a:r>
+              <a:rPr lang="en-CA" dirty="0"/>
+              <a:t>arranged </a:t>
+            </a:r>
+            <a:r>
+              <a:rPr lang="en-CA" dirty="0" smtClean="0"/>
+              <a:t>in 2 </a:t>
+            </a:r>
+            <a:r>
+              <a:rPr lang="en-CA" dirty="0"/>
+              <a:t>layers</a:t>
+            </a:r>
+            <a:r>
+              <a:rPr lang="en-US" dirty="0"/>
+              <a:t> with </a:t>
+            </a:r>
+            <a:r>
+              <a:rPr lang="en-CA" dirty="0" smtClean="0"/>
+              <a:t>pn1-pn4 and pv1-pv4</a:t>
+            </a:r>
+          </a:p>
+          <a:p>
+            <a:pPr marL="742950" lvl="1" indent="-285750">
+              <a:buFont typeface="Arial" charset="0"/>
+              <a:buChar char="•"/>
+            </a:pPr>
+            <a:r>
+              <a:rPr lang="en-CA" dirty="0" smtClean="0"/>
+              <a:t>Contain pivotal </a:t>
+            </a:r>
+            <a:r>
+              <a:rPr lang="en-CA" dirty="0" err="1" smtClean="0"/>
+              <a:t>subcubes</a:t>
+            </a:r>
+            <a:r>
+              <a:rPr lang="en-CA" dirty="0"/>
+              <a:t> for </a:t>
+            </a:r>
+            <a:r>
+              <a:rPr lang="en-CA" dirty="0" smtClean="0"/>
+              <a:t>frame </a:t>
+            </a:r>
+            <a:r>
+              <a:rPr lang="en-CA" dirty="0"/>
+              <a:t>(pn4) and </a:t>
+            </a:r>
+            <a:r>
+              <a:rPr lang="en-CA" dirty="0" smtClean="0"/>
+              <a:t>relationship (pv1)</a:t>
+            </a:r>
+            <a:r>
+              <a:rPr lang="en-US" dirty="0"/>
+              <a:t> atoms</a:t>
+            </a:r>
+            <a:endParaRPr lang="en-CA" dirty="0" smtClean="0"/>
+          </a:p>
+          <a:p>
+            <a:pPr marL="285750" indent="-285750">
+              <a:buFont typeface="Arial" charset="0"/>
+              <a:buChar char="•"/>
+            </a:pPr>
+            <a:r>
+              <a:rPr lang="en-CA" dirty="0" smtClean="0"/>
+              <a:t>Other arrangements of all</a:t>
+            </a:r>
+            <a:r>
+              <a:rPr lang="en-CA" dirty="0"/>
+              <a:t> </a:t>
+            </a:r>
+            <a:r>
+              <a:rPr lang="en-CA" dirty="0" smtClean="0"/>
+              <a:t>18 (according to the OID and descriptor dimensions):</a:t>
+            </a:r>
+          </a:p>
+          <a:p>
+            <a:pPr marL="742950" lvl="1" indent="-285750">
+              <a:buFont typeface="Arial" charset="0"/>
+              <a:buChar char="•"/>
+            </a:pPr>
+            <a:r>
+              <a:rPr lang="en-CA" dirty="0" smtClean="0"/>
+              <a:t>9 </a:t>
+            </a:r>
+            <a:r>
+              <a:rPr lang="en-CA" dirty="0" err="1" smtClean="0"/>
+              <a:t>oidless</a:t>
+            </a:r>
+            <a:r>
+              <a:rPr lang="en-CA" dirty="0" smtClean="0"/>
+              <a:t> </a:t>
+            </a:r>
+            <a:r>
+              <a:rPr lang="en-CA" dirty="0" err="1"/>
+              <a:t>subcubes</a:t>
+            </a:r>
+            <a:r>
+              <a:rPr lang="en-CA" dirty="0"/>
+              <a:t> </a:t>
+            </a:r>
+            <a:r>
+              <a:rPr lang="en-CA" dirty="0" smtClean="0"/>
+              <a:t>(</a:t>
+            </a:r>
+            <a:r>
+              <a:rPr lang="en-CA" i="1" dirty="0"/>
+              <a:t>x</a:t>
+            </a:r>
+            <a:r>
+              <a:rPr lang="en-CA" dirty="0"/>
+              <a:t>=</a:t>
+            </a:r>
+            <a:r>
+              <a:rPr lang="en-CA" dirty="0" err="1"/>
+              <a:t>n,v,p</a:t>
+            </a:r>
+            <a:r>
+              <a:rPr lang="en-CA" dirty="0"/>
+              <a:t>; </a:t>
+            </a:r>
+            <a:r>
+              <a:rPr lang="en-CA" i="1" dirty="0" smtClean="0"/>
+              <a:t>i</a:t>
+            </a:r>
+            <a:r>
+              <a:rPr lang="en-CA" dirty="0" smtClean="0"/>
+              <a:t>=1,3,5) vs.</a:t>
+            </a:r>
+            <a:r>
+              <a:rPr lang="en-CA" dirty="0"/>
+              <a:t> 9 </a:t>
+            </a:r>
+            <a:r>
+              <a:rPr lang="en-CA" dirty="0" err="1"/>
+              <a:t>oidful</a:t>
+            </a:r>
+            <a:r>
+              <a:rPr lang="en-CA" dirty="0"/>
+              <a:t> </a:t>
+            </a:r>
+            <a:r>
+              <a:rPr lang="en-CA" dirty="0" err="1"/>
+              <a:t>subcubes</a:t>
+            </a:r>
+            <a:r>
+              <a:rPr lang="en-CA" dirty="0"/>
+              <a:t> (</a:t>
+            </a:r>
+            <a:r>
+              <a:rPr lang="en-CA" i="1" dirty="0"/>
+              <a:t>x</a:t>
+            </a:r>
+            <a:r>
+              <a:rPr lang="en-CA" dirty="0"/>
+              <a:t>=</a:t>
+            </a:r>
+            <a:r>
+              <a:rPr lang="en-CA" dirty="0" err="1"/>
+              <a:t>n,v,p</a:t>
+            </a:r>
+            <a:r>
+              <a:rPr lang="en-CA" dirty="0"/>
+              <a:t>; </a:t>
+            </a:r>
+            <a:r>
+              <a:rPr lang="en-CA" i="1" dirty="0" smtClean="0"/>
+              <a:t>i</a:t>
+            </a:r>
+            <a:r>
+              <a:rPr lang="en-CA" dirty="0" smtClean="0"/>
+              <a:t>=2,4,6)</a:t>
+            </a:r>
+          </a:p>
+          <a:p>
+            <a:pPr marL="742950" lvl="1" indent="-285750">
+              <a:buFont typeface="Arial" charset="0"/>
+              <a:buChar char="•"/>
+            </a:pPr>
+            <a:r>
+              <a:rPr lang="en-CA" dirty="0"/>
+              <a:t>6 </a:t>
+            </a:r>
+            <a:r>
+              <a:rPr lang="en-CA" dirty="0" err="1" smtClean="0"/>
+              <a:t>tupled</a:t>
+            </a:r>
+            <a:r>
+              <a:rPr lang="en-CA" dirty="0"/>
+              <a:t> </a:t>
+            </a:r>
+            <a:r>
+              <a:rPr lang="en-CA" dirty="0" err="1"/>
+              <a:t>subcubes</a:t>
+            </a:r>
+            <a:r>
+              <a:rPr lang="en-CA" dirty="0"/>
+              <a:t> </a:t>
+            </a:r>
+            <a:r>
+              <a:rPr lang="en-CA" dirty="0" smtClean="0"/>
+              <a:t>(</a:t>
+            </a:r>
+            <a:r>
+              <a:rPr lang="en-CA" i="1" dirty="0"/>
+              <a:t>x</a:t>
+            </a:r>
+            <a:r>
+              <a:rPr lang="en-CA" dirty="0"/>
+              <a:t>=</a:t>
+            </a:r>
+            <a:r>
+              <a:rPr lang="en-CA" dirty="0" err="1"/>
+              <a:t>n,v,p</a:t>
+            </a:r>
+            <a:r>
+              <a:rPr lang="en-CA" dirty="0"/>
+              <a:t>; </a:t>
+            </a:r>
+            <a:r>
+              <a:rPr lang="en-CA" i="1" dirty="0" smtClean="0"/>
+              <a:t>i</a:t>
+            </a:r>
+            <a:r>
+              <a:rPr lang="en-CA" dirty="0" smtClean="0"/>
+              <a:t>=1,2) vs</a:t>
+            </a:r>
+            <a:r>
+              <a:rPr lang="en-CA" dirty="0"/>
+              <a:t>. </a:t>
+            </a:r>
+            <a:r>
+              <a:rPr lang="en-CA" dirty="0" smtClean="0"/>
+              <a:t>6 slotted</a:t>
+            </a:r>
+            <a:r>
+              <a:rPr lang="en-CA" dirty="0"/>
+              <a:t> </a:t>
+            </a:r>
+            <a:r>
+              <a:rPr lang="en-CA" dirty="0" err="1"/>
+              <a:t>subcubes</a:t>
+            </a:r>
+            <a:r>
+              <a:rPr lang="en-CA" dirty="0"/>
+              <a:t> </a:t>
+            </a:r>
+            <a:r>
+              <a:rPr lang="en-CA" dirty="0" smtClean="0"/>
+              <a:t>(</a:t>
+            </a:r>
+            <a:r>
+              <a:rPr lang="en-CA" i="1" dirty="0"/>
+              <a:t>x</a:t>
+            </a:r>
+            <a:r>
+              <a:rPr lang="en-CA" dirty="0"/>
+              <a:t>=</a:t>
+            </a:r>
+            <a:r>
+              <a:rPr lang="en-CA" dirty="0" err="1"/>
+              <a:t>n,v,p</a:t>
+            </a:r>
+            <a:r>
+              <a:rPr lang="en-CA" dirty="0"/>
+              <a:t>; </a:t>
+            </a:r>
+            <a:r>
+              <a:rPr lang="en-CA" i="1" dirty="0" smtClean="0"/>
+              <a:t>i</a:t>
+            </a:r>
+            <a:r>
+              <a:rPr lang="en-CA" dirty="0" smtClean="0"/>
+              <a:t>=3,4) vs.</a:t>
+            </a:r>
+            <a:br>
+              <a:rPr lang="en-CA" dirty="0" smtClean="0"/>
+            </a:br>
+            <a:r>
+              <a:rPr lang="en-CA" dirty="0" smtClean="0"/>
+              <a:t>6 </a:t>
+            </a:r>
+            <a:r>
+              <a:rPr lang="en-CA" dirty="0" err="1" smtClean="0"/>
+              <a:t>tupled+slotted</a:t>
+            </a:r>
+            <a:r>
+              <a:rPr lang="en-CA" dirty="0" smtClean="0"/>
+              <a:t> </a:t>
+            </a:r>
+            <a:r>
+              <a:rPr lang="en-CA" dirty="0" err="1"/>
+              <a:t>subcubes</a:t>
+            </a:r>
+            <a:r>
+              <a:rPr lang="en-CA" dirty="0"/>
+              <a:t> </a:t>
+            </a:r>
+            <a:r>
+              <a:rPr lang="en-CA" dirty="0" smtClean="0"/>
+              <a:t>(</a:t>
+            </a:r>
+            <a:r>
+              <a:rPr lang="en-CA" i="1" dirty="0"/>
+              <a:t>x</a:t>
+            </a:r>
+            <a:r>
+              <a:rPr lang="en-CA" dirty="0"/>
+              <a:t>=</a:t>
+            </a:r>
+            <a:r>
+              <a:rPr lang="en-CA" dirty="0" err="1"/>
+              <a:t>n,v,p</a:t>
+            </a:r>
+            <a:r>
+              <a:rPr lang="en-CA" dirty="0"/>
+              <a:t>; </a:t>
+            </a:r>
+            <a:r>
+              <a:rPr lang="en-CA" i="1" dirty="0" smtClean="0"/>
+              <a:t>i</a:t>
+            </a:r>
+            <a:r>
+              <a:rPr lang="en-CA" dirty="0" smtClean="0"/>
+              <a:t>=5,6)</a:t>
+            </a:r>
+            <a:endParaRPr lang="en-CA" i="1" dirty="0"/>
+          </a:p>
+          <a:p>
+            <a:endParaRPr lang="en-CA" dirty="0"/>
+          </a:p>
+          <a:p>
+            <a:pPr marL="285750" indent="-285750">
+              <a:buFont typeface="Arial" charset="0"/>
+              <a:buChar char="•"/>
+            </a:pPr>
+            <a:endParaRPr lang="en-CA" dirty="0" smtClean="0"/>
+          </a:p>
+          <a:p>
+            <a:pPr marL="285750" indent="-285750">
+              <a:buFont typeface="Arial" charset="0"/>
+              <a:buChar char="•"/>
+            </a:pPr>
+            <a:endParaRPr lang="en-CA" dirty="0"/>
+          </a:p>
+        </p:txBody>
+      </p:sp>
+    </p:spTree>
+    <p:extLst>
+      <p:ext uri="{BB962C8B-B14F-4D97-AF65-F5344CB8AC3E}">
+        <p14:creationId xmlns:p14="http://schemas.microsoft.com/office/powerpoint/2010/main" val="1382929786"/>
+      </p:ext>
+    </p:extLst>
+  </p:cSld>
+  <p:clrMapOvr>
+    <a:masterClrMapping/>
+  </p:clrMapOvr>
 </p:sld>
 </file>
 
@@ -37283,4 +39358,289 @@
   <a:objectDefaults/>
   <a:extraClrSchemeLst/>
 </a:theme>
+</file>
+
+<file path=ppt/theme/theme2.xml><?xml version="1.0" encoding="utf-8"?>
+<a:theme xmlns:a="http://schemas.openxmlformats.org/drawingml/2006/main" name="Office Theme">
+  <a:themeElements>
+    <a:clrScheme name="Office">
+      <a:dk1>
+        <a:sysClr val="windowText" lastClr="000000"/>
+      </a:dk1>
+      <a:lt1>
+        <a:sysClr val="window" lastClr="FFFFFF"/>
+      </a:lt1>
+      <a:dk2>
+        <a:srgbClr val="1F497D"/>
+      </a:dk2>
+      <a:lt2>
+        <a:srgbClr val="EEECE1"/>
+      </a:lt2>
+      <a:accent1>
+        <a:srgbClr val="4F81BD"/>
+      </a:accent1>
+      <a:accent2>
+        <a:srgbClr val="C0504D"/>
+      </a:accent2>
+      <a:accent3>
+        <a:srgbClr val="9BBB59"/>
+      </a:accent3>
+      <a:accent4>
+        <a:srgbClr val="8064A2"/>
+      </a:accent4>
+      <a:accent5>
+        <a:srgbClr val="4BACC6"/>
+      </a:accent5>
+      <a:accent6>
+        <a:srgbClr val="F79646"/>
+      </a:accent6>
+      <a:hlink>
+        <a:srgbClr val="0000FF"/>
+      </a:hlink>
+      <a:folHlink>
+        <a:srgbClr val="800080"/>
+      </a:folHlink>
+    </a:clrScheme>
+    <a:fontScheme name="Office">
+      <a:majorFont>
+        <a:latin typeface="Calibri"/>
+        <a:ea typeface=""/>
+        <a:cs typeface=""/>
+        <a:font script="Jpan" typeface="ＭＳ Ｐゴシック"/>
+        <a:font script="Hang" typeface="맑은 고딕"/>
+        <a:font script="Hans" typeface="宋体"/>
+        <a:font script="Hant" typeface="新細明體"/>
+        <a:font script="Arab" typeface="Times New Roman"/>
+        <a:font script="Hebr" typeface="Times New Roman"/>
+        <a:font script="Thai" typeface="Angsana New"/>
+        <a:font script="Ethi" typeface="Nyala"/>
+        <a:font script="Beng" typeface="Vrinda"/>
+        <a:font script="Gujr" typeface="Shruti"/>
+        <a:font script="Khmr" typeface="MoolBoran"/>
+        <a:font script="Knda" typeface="Tunga"/>
+        <a:font script="Guru" typeface="Raavi"/>
+        <a:font script="Cans" typeface="Euphemia"/>
+        <a:font script="Cher" typeface="Plantagenet Cherokee"/>
+        <a:font script="Yiii" typeface="Microsoft Yi Baiti"/>
+        <a:font script="Tibt" typeface="Microsoft Himalaya"/>
+        <a:font script="Thaa" typeface="MV Boli"/>
+        <a:font script="Deva" typeface="Mangal"/>
+        <a:font script="Telu" typeface="Gautami"/>
+        <a:font script="Taml" typeface="Latha"/>
+        <a:font script="Syrc" typeface="Estrangelo Edessa"/>
+        <a:font script="Orya" typeface="Kalinga"/>
+        <a:font script="Mlym" typeface="Kartika"/>
+        <a:font script="Laoo" typeface="DokChampa"/>
+        <a:font script="Sinh" typeface="Iskoola Pota"/>
+        <a:font script="Mong" typeface="Mongolian Baiti"/>
+        <a:font script="Viet" typeface="Times New Roman"/>
+        <a:font script="Uigh" typeface="Microsoft Uighur"/>
+        <a:font script="Geor" typeface="Sylfaen"/>
+      </a:majorFont>
+      <a:minorFont>
+        <a:latin typeface="Calibri"/>
+        <a:ea typeface=""/>
+        <a:cs typeface=""/>
+        <a:font script="Jpan" typeface="ＭＳ Ｐゴシック"/>
+        <a:font script="Hang" typeface="맑은 고딕"/>
+        <a:font script="Hans" typeface="宋体"/>
+        <a:font script="Hant" typeface="新細明體"/>
+        <a:font script="Arab" typeface="Arial"/>
+        <a:font script="Hebr" typeface="Arial"/>
+        <a:font script="Thai" typeface="Cordia New"/>
+        <a:font script="Ethi" typeface="Nyala"/>
+        <a:font script="Beng" typeface="Vrinda"/>
+        <a:font script="Gujr" typeface="Shruti"/>
+        <a:font script="Khmr" typeface="DaunPenh"/>
+        <a:font script="Knda" typeface="Tunga"/>
+        <a:font script="Guru" typeface="Raavi"/>
+        <a:font script="Cans" typeface="Euphemia"/>
+        <a:font script="Cher" typeface="Plantagenet Cherokee"/>
+        <a:font script="Yiii" typeface="Microsoft Yi Baiti"/>
+        <a:font script="Tibt" typeface="Microsoft Himalaya"/>
+        <a:font script="Thaa" typeface="MV Boli"/>
+        <a:font script="Deva" typeface="Mangal"/>
+        <a:font script="Telu" typeface="Gautami"/>
+        <a:font script="Taml" typeface="Latha"/>
+        <a:font script="Syrc" typeface="Estrangelo Edessa"/>
+        <a:font script="Orya" typeface="Kalinga"/>
+        <a:font script="Mlym" typeface="Kartika"/>
+        <a:font script="Laoo" typeface="DokChampa"/>
+        <a:font script="Sinh" typeface="Iskoola Pota"/>
+        <a:font script="Mong" typeface="Mongolian Baiti"/>
+        <a:font script="Viet" typeface="Arial"/>
+        <a:font script="Uigh" typeface="Microsoft Uighur"/>
+        <a:font script="Geor" typeface="Sylfaen"/>
+      </a:minorFont>
+    </a:fontScheme>
+    <a:fmtScheme name="Office">
+      <a:fillStyleLst>
+        <a:solidFill>
+          <a:schemeClr val="phClr"/>
+        </a:solidFill>
+        <a:gradFill rotWithShape="1">
+          <a:gsLst>
+            <a:gs pos="0">
+              <a:schemeClr val="phClr">
+                <a:tint val="50000"/>
+                <a:satMod val="300000"/>
+              </a:schemeClr>
+            </a:gs>
+            <a:gs pos="35000">
+              <a:schemeClr val="phClr">
+                <a:tint val="37000"/>
+                <a:satMod val="300000"/>
+              </a:schemeClr>
+            </a:gs>
+            <a:gs pos="100000">
+              <a:schemeClr val="phClr">
+                <a:tint val="15000"/>
+                <a:satMod val="350000"/>
+              </a:schemeClr>
+            </a:gs>
+          </a:gsLst>
+          <a:lin ang="16200000" scaled="1"/>
+        </a:gradFill>
+        <a:gradFill rotWithShape="1">
+          <a:gsLst>
+            <a:gs pos="0">
+              <a:schemeClr val="phClr">
+                <a:shade val="51000"/>
+                <a:satMod val="130000"/>
+              </a:schemeClr>
+            </a:gs>
+            <a:gs pos="80000">
+              <a:schemeClr val="phClr">
+                <a:shade val="93000"/>
+                <a:satMod val="130000"/>
+              </a:schemeClr>
+            </a:gs>
+            <a:gs pos="100000">
+              <a:schemeClr val="phClr">
+                <a:shade val="94000"/>
+                <a:satMod val="135000"/>
+              </a:schemeClr>
+            </a:gs>
+          </a:gsLst>
+          <a:lin ang="16200000" scaled="0"/>
+        </a:gradFill>
+      </a:fillStyleLst>
+      <a:lnStyleLst>
+        <a:ln w="9525" cap="flat" cmpd="sng" algn="ctr">
+          <a:solidFill>
+            <a:schemeClr val="phClr">
+              <a:shade val="95000"/>
+              <a:satMod val="105000"/>
+            </a:schemeClr>
+          </a:solidFill>
+          <a:prstDash val="solid"/>
+        </a:ln>
+        <a:ln w="25400" cap="flat" cmpd="sng" algn="ctr">
+          <a:solidFill>
+            <a:schemeClr val="phClr"/>
+          </a:solidFill>
+          <a:prstDash val="solid"/>
+        </a:ln>
+        <a:ln w="38100" cap="flat" cmpd="sng" algn="ctr">
+          <a:solidFill>
+            <a:schemeClr val="phClr"/>
+          </a:solidFill>
+          <a:prstDash val="solid"/>
+        </a:ln>
+      </a:lnStyleLst>
+      <a:effectStyleLst>
+        <a:effectStyle>
+          <a:effectLst>
+            <a:outerShdw blurRad="40000" dist="20000" dir="5400000" rotWithShape="0">
+              <a:srgbClr val="000000">
+                <a:alpha val="38000"/>
+              </a:srgbClr>
+            </a:outerShdw>
+          </a:effectLst>
+        </a:effectStyle>
+        <a:effectStyle>
+          <a:effectLst>
+            <a:outerShdw blurRad="40000" dist="23000" dir="5400000" rotWithShape="0">
+              <a:srgbClr val="000000">
+                <a:alpha val="35000"/>
+              </a:srgbClr>
+            </a:outerShdw>
+          </a:effectLst>
+        </a:effectStyle>
+        <a:effectStyle>
+          <a:effectLst>
+            <a:outerShdw blurRad="40000" dist="23000" dir="5400000" rotWithShape="0">
+              <a:srgbClr val="000000">
+                <a:alpha val="35000"/>
+              </a:srgbClr>
+            </a:outerShdw>
+          </a:effectLst>
+          <a:scene3d>
+            <a:camera prst="orthographicFront">
+              <a:rot lat="0" lon="0" rev="0"/>
+            </a:camera>
+            <a:lightRig rig="threePt" dir="t">
+              <a:rot lat="0" lon="0" rev="1200000"/>
+            </a:lightRig>
+          </a:scene3d>
+          <a:sp3d>
+            <a:bevelT w="63500" h="25400"/>
+          </a:sp3d>
+        </a:effectStyle>
+      </a:effectStyleLst>
+      <a:bgFillStyleLst>
+        <a:solidFill>
+          <a:schemeClr val="phClr"/>
+        </a:solidFill>
+        <a:gradFill rotWithShape="1">
+          <a:gsLst>
+            <a:gs pos="0">
+              <a:schemeClr val="phClr">
+                <a:tint val="40000"/>
+                <a:satMod val="350000"/>
+              </a:schemeClr>
+            </a:gs>
+            <a:gs pos="40000">
+              <a:schemeClr val="phClr">
+                <a:tint val="45000"/>
+                <a:shade val="99000"/>
+                <a:satMod val="350000"/>
+              </a:schemeClr>
+            </a:gs>
+            <a:gs pos="100000">
+              <a:schemeClr val="phClr">
+                <a:shade val="20000"/>
+                <a:satMod val="255000"/>
+              </a:schemeClr>
+            </a:gs>
+          </a:gsLst>
+          <a:path path="circle">
+            <a:fillToRect l="50000" t="-80000" r="50000" b="180000"/>
+          </a:path>
+        </a:gradFill>
+        <a:gradFill rotWithShape="1">
+          <a:gsLst>
+            <a:gs pos="0">
+              <a:schemeClr val="phClr">
+                <a:tint val="80000"/>
+                <a:satMod val="300000"/>
+              </a:schemeClr>
+            </a:gs>
+            <a:gs pos="100000">
+              <a:schemeClr val="phClr">
+                <a:shade val="30000"/>
+                <a:satMod val="200000"/>
+              </a:schemeClr>
+            </a:gs>
+          </a:gsLst>
+          <a:path path="circle">
+            <a:fillToRect l="50000" t="50000" r="50000" b="50000"/>
+          </a:path>
+        </a:gradFill>
+      </a:bgFillStyleLst>
+    </a:fmtScheme>
+  </a:themeElements>
+  <a:objectDefaults/>
+  <a:extraClrSchemeLst/>
+</a:theme>
 </file>
--- a/talks/PSOAMetamodelGrailogWedding.pptx
+++ b/talks/PSOAMetamodelGrailogWedding.pptx
@@ -5,16 +5,18 @@
     <p:sldMasterId id="2147483648" r:id="rId1"/>
   </p:sldMasterIdLst>
   <p:notesMasterIdLst>
-    <p:notesMasterId r:id="rId9"/>
+    <p:notesMasterId r:id="rId11"/>
   </p:notesMasterIdLst>
   <p:sldIdLst>
-    <p:sldId id="257" r:id="rId2"/>
-    <p:sldId id="260" r:id="rId3"/>
-    <p:sldId id="258" r:id="rId4"/>
-    <p:sldId id="259" r:id="rId5"/>
-    <p:sldId id="261" r:id="rId6"/>
-    <p:sldId id="262" r:id="rId7"/>
-    <p:sldId id="264" r:id="rId8"/>
+    <p:sldId id="265" r:id="rId2"/>
+    <p:sldId id="266" r:id="rId3"/>
+    <p:sldId id="264" r:id="rId4"/>
+    <p:sldId id="257" r:id="rId5"/>
+    <p:sldId id="260" r:id="rId6"/>
+    <p:sldId id="258" r:id="rId7"/>
+    <p:sldId id="259" r:id="rId8"/>
+    <p:sldId id="261" r:id="rId9"/>
+    <p:sldId id="262" r:id="rId10"/>
   </p:sldIdLst>
   <p:sldSz cx="9144000" cy="6858000" type="screen4x3"/>
   <p:notesSz cx="6858000" cy="9144000"/>
@@ -198,7 +200,7 @@
           <a:p>
             <a:fld id="{A9361764-17DB-4EFB-8397-31D7F8C11F64}" type="datetimeFigureOut">
               <a:rPr lang="en-CA" smtClean="0"/>
-              <a:t>2018-06-06</a:t>
+              <a:t>2018-06-09</a:t>
             </a:fld>
             <a:endParaRPr lang="en-CA"/>
           </a:p>
@@ -647,7 +649,7 @@
           <a:p>
             <a:fld id="{098EC68B-E961-416A-B655-846E5AC17167}" type="datetime1">
               <a:rPr lang="en-CA" smtClean="0"/>
-              <a:t>2018-06-06</a:t>
+              <a:t>2018-06-09</a:t>
             </a:fld>
             <a:endParaRPr lang="en-CA"/>
           </a:p>
@@ -817,7 +819,7 @@
           <a:p>
             <a:fld id="{E07626B9-A935-446E-9129-38D11AE25D60}" type="datetime1">
               <a:rPr lang="en-CA" smtClean="0"/>
-              <a:t>2018-06-06</a:t>
+              <a:t>2018-06-09</a:t>
             </a:fld>
             <a:endParaRPr lang="en-CA"/>
           </a:p>
@@ -997,7 +999,7 @@
           <a:p>
             <a:fld id="{583703F1-3B6D-46EB-A76E-6949744F47DE}" type="datetime1">
               <a:rPr lang="en-CA" smtClean="0"/>
-              <a:t>2018-06-06</a:t>
+              <a:t>2018-06-09</a:t>
             </a:fld>
             <a:endParaRPr lang="en-CA"/>
           </a:p>
@@ -1167,7 +1169,7 @@
           <a:p>
             <a:fld id="{31DB09E8-757E-43EB-812C-57B263F18654}" type="datetime1">
               <a:rPr lang="en-CA" smtClean="0"/>
-              <a:t>2018-06-06</a:t>
+              <a:t>2018-06-09</a:t>
             </a:fld>
             <a:endParaRPr lang="en-CA"/>
           </a:p>
@@ -1413,7 +1415,7 @@
           <a:p>
             <a:fld id="{D5E95CC2-566E-4FAB-B06E-7F3B62A5E53C}" type="datetime1">
               <a:rPr lang="en-CA" smtClean="0"/>
-              <a:t>2018-06-06</a:t>
+              <a:t>2018-06-09</a:t>
             </a:fld>
             <a:endParaRPr lang="en-CA"/>
           </a:p>
@@ -1701,7 +1703,7 @@
           <a:p>
             <a:fld id="{95A43E41-714C-4DD9-B56F-86957FFB7A45}" type="datetime1">
               <a:rPr lang="en-CA" smtClean="0"/>
-              <a:t>2018-06-06</a:t>
+              <a:t>2018-06-09</a:t>
             </a:fld>
             <a:endParaRPr lang="en-CA"/>
           </a:p>
@@ -2123,7 +2125,7 @@
           <a:p>
             <a:fld id="{B925E3A5-2D59-44BA-AF6A-9E991D55C46C}" type="datetime1">
               <a:rPr lang="en-CA" smtClean="0"/>
-              <a:t>2018-06-06</a:t>
+              <a:t>2018-06-09</a:t>
             </a:fld>
             <a:endParaRPr lang="en-CA"/>
           </a:p>
@@ -2241,7 +2243,7 @@
           <a:p>
             <a:fld id="{3BD2D63C-9D26-48F9-B4BD-FA63389DE780}" type="datetime1">
               <a:rPr lang="en-CA" smtClean="0"/>
-              <a:t>2018-06-06</a:t>
+              <a:t>2018-06-09</a:t>
             </a:fld>
             <a:endParaRPr lang="en-CA"/>
           </a:p>
@@ -2336,7 +2338,7 @@
           <a:p>
             <a:fld id="{B4260FF7-0F9A-4441-BC4E-F8AA61FD7668}" type="datetime1">
               <a:rPr lang="en-CA" smtClean="0"/>
-              <a:t>2018-06-06</a:t>
+              <a:t>2018-06-09</a:t>
             </a:fld>
             <a:endParaRPr lang="en-CA"/>
           </a:p>
@@ -2613,7 +2615,7 @@
           <a:p>
             <a:fld id="{3B3FDE74-6DB8-45D8-A7CA-E1F60E0D837E}" type="datetime1">
               <a:rPr lang="en-CA" smtClean="0"/>
-              <a:t>2018-06-06</a:t>
+              <a:t>2018-06-09</a:t>
             </a:fld>
             <a:endParaRPr lang="en-CA"/>
           </a:p>
@@ -2866,7 +2868,7 @@
           <a:p>
             <a:fld id="{EFE21605-BC5B-4039-9D4B-D94AAA01DF2D}" type="datetime1">
               <a:rPr lang="en-CA" smtClean="0"/>
-              <a:t>2018-06-06</a:t>
+              <a:t>2018-06-09</a:t>
             </a:fld>
             <a:endParaRPr lang="en-CA"/>
           </a:p>
@@ -3079,7 +3081,7 @@
           <a:p>
             <a:fld id="{3C39659D-CCE5-4A05-8094-1E79A9359DD5}" type="datetime1">
               <a:rPr lang="en-CA" smtClean="0"/>
-              <a:t>2018-06-06</a:t>
+              <a:t>2018-06-09</a:t>
             </a:fld>
             <a:endParaRPr lang="en-CA"/>
           </a:p>
@@ -3457,14 +3459,279 @@
       </p:grpSpPr>
       <p:sp>
         <p:nvSpPr>
-          <p:cNvPr id="11" name="TextBox 10"/>
+          <p:cNvPr id="2" name="Title 1"/>
+          <p:cNvSpPr>
+            <a:spLocks noGrp="1"/>
+          </p:cNvSpPr>
+          <p:nvPr>
+            <p:ph type="ctrTitle"/>
+          </p:nvPr>
+        </p:nvSpPr>
+        <p:spPr>
+          <a:xfrm>
+            <a:off x="251048" y="836712"/>
+            <a:ext cx="8610600" cy="5112568"/>
+          </a:xfrm>
+        </p:spPr>
+        <p:txBody>
+          <a:bodyPr>
+            <a:noAutofit/>
+          </a:bodyPr>
+          <a:lstStyle/>
+          <a:p>
+            <a:pPr>
+              <a:lnSpc>
+                <a:spcPct val="90000"/>
+              </a:lnSpc>
+            </a:pPr>
+            <a:r>
+              <a:rPr lang="en-CA" sz="4800" dirty="0"/>
+              <a:t>Data </a:t>
+            </a:r>
+            <a:r>
+              <a:rPr lang="en-CA" sz="4800" dirty="0" smtClean="0"/>
+              <a:t>Systematics:</a:t>
+            </a:r>
+            <a:br>
+              <a:rPr lang="en-CA" sz="4800" dirty="0" smtClean="0"/>
+            </a:br>
+            <a:r>
+              <a:rPr lang="en-CA" sz="4800" dirty="0" smtClean="0"/>
+              <a:t>The </a:t>
+            </a:r>
+            <a:r>
+              <a:rPr lang="en-CA" sz="4800" dirty="0" err="1"/>
+              <a:t>Metamodel</a:t>
+            </a:r>
+            <a:r>
+              <a:rPr lang="en-CA" sz="4800" dirty="0"/>
+              <a:t> of PSOA </a:t>
+            </a:r>
+            <a:r>
+              <a:rPr lang="en-CA" sz="4800" dirty="0" err="1"/>
+              <a:t>RuleML</a:t>
+            </a:r>
+            <a:r>
+              <a:rPr lang="en-CA" sz="4800" dirty="0"/>
+              <a:t> Illustrated by </a:t>
+            </a:r>
+            <a:r>
+              <a:rPr lang="en-CA" sz="4800" dirty="0" err="1"/>
+              <a:t>Grailog</a:t>
+            </a:r>
+            <a:r>
+              <a:rPr lang="en-CA" sz="4800" dirty="0"/>
+              <a:t> Visualization</a:t>
+            </a:r>
+            <a:r>
+              <a:rPr lang="en-US" sz="100" dirty="0" smtClean="0"/>
+              <a:t/>
+            </a:r>
+            <a:br>
+              <a:rPr lang="en-US" sz="100" dirty="0" smtClean="0"/>
+            </a:br>
+            <a:r>
+              <a:rPr lang="en-US" sz="100" dirty="0" smtClean="0"/>
+              <a:t/>
+            </a:r>
+            <a:br>
+              <a:rPr lang="en-US" sz="100" dirty="0" smtClean="0"/>
+            </a:br>
+            <a:r>
+              <a:rPr lang="en-US" sz="2000" dirty="0"/>
+              <a:t/>
+            </a:r>
+            <a:br>
+              <a:rPr lang="en-US" sz="2000" dirty="0"/>
+            </a:br>
+            <a:r>
+              <a:rPr lang="en-US" sz="2000" dirty="0" smtClean="0"/>
+              <a:t/>
+            </a:r>
+            <a:br>
+              <a:rPr lang="en-US" sz="2000" dirty="0" smtClean="0"/>
+            </a:br>
+            <a:r>
+              <a:rPr lang="en-US" sz="2000" dirty="0"/>
+              <a:t/>
+            </a:r>
+            <a:br>
+              <a:rPr lang="en-US" sz="2000" dirty="0"/>
+            </a:br>
+            <a:r>
+              <a:rPr lang="en-US" sz="2000" dirty="0" smtClean="0"/>
+              <a:t/>
+            </a:r>
+            <a:br>
+              <a:rPr lang="en-US" sz="2000" dirty="0" smtClean="0"/>
+            </a:br>
+            <a:r>
+              <a:rPr lang="en-US" sz="1000" dirty="0" smtClean="0"/>
+              <a:t/>
+            </a:r>
+            <a:br>
+              <a:rPr lang="en-US" sz="1000" dirty="0" smtClean="0"/>
+            </a:br>
+            <a:r>
+              <a:rPr lang="en-US" sz="3200" dirty="0" smtClean="0">
+                <a:solidFill>
+                  <a:schemeClr val="tx1"/>
+                </a:solidFill>
+                <a:latin typeface="+mn-lt"/>
+                <a:ea typeface="+mn-ea"/>
+                <a:cs typeface="+mn-cs"/>
+              </a:rPr>
+              <a:t>Harold Boley</a:t>
+            </a:r>
+            <a:br>
+              <a:rPr lang="en-US" sz="3200" dirty="0" smtClean="0">
+                <a:solidFill>
+                  <a:schemeClr val="tx1"/>
+                </a:solidFill>
+                <a:latin typeface="+mn-lt"/>
+                <a:ea typeface="+mn-ea"/>
+                <a:cs typeface="+mn-cs"/>
+              </a:rPr>
+            </a:br>
+            <a:r>
+              <a:rPr lang="en-CA" sz="2400" dirty="0">
+                <a:solidFill>
+                  <a:schemeClr val="tx1"/>
+                </a:solidFill>
+                <a:latin typeface="+mn-lt"/>
+                <a:ea typeface="+mn-ea"/>
+                <a:cs typeface="+mn-cs"/>
+              </a:rPr>
+              <a:t>University of New </a:t>
+            </a:r>
+            <a:r>
+              <a:rPr lang="en-CA" sz="2400" dirty="0" smtClean="0">
+                <a:solidFill>
+                  <a:schemeClr val="tx1"/>
+                </a:solidFill>
+                <a:latin typeface="+mn-lt"/>
+                <a:ea typeface="+mn-ea"/>
+                <a:cs typeface="+mn-cs"/>
+              </a:rPr>
+              <a:t>Brunswick</a:t>
+            </a:r>
+            <a:br>
+              <a:rPr lang="en-CA" sz="2400" dirty="0" smtClean="0">
+                <a:solidFill>
+                  <a:schemeClr val="tx1"/>
+                </a:solidFill>
+                <a:latin typeface="+mn-lt"/>
+                <a:ea typeface="+mn-ea"/>
+                <a:cs typeface="+mn-cs"/>
+              </a:rPr>
+            </a:br>
+            <a:r>
+              <a:rPr lang="en-CA" sz="2400" dirty="0" smtClean="0">
+                <a:solidFill>
+                  <a:schemeClr val="tx1"/>
+                </a:solidFill>
+                <a:latin typeface="+mn-lt"/>
+                <a:ea typeface="+mn-ea"/>
+                <a:cs typeface="+mn-cs"/>
+              </a:rPr>
+              <a:t>Faculty </a:t>
+            </a:r>
+            <a:r>
+              <a:rPr lang="en-CA" sz="2400" dirty="0">
+                <a:solidFill>
+                  <a:schemeClr val="tx1"/>
+                </a:solidFill>
+                <a:latin typeface="+mn-lt"/>
+                <a:ea typeface="+mn-ea"/>
+                <a:cs typeface="+mn-cs"/>
+              </a:rPr>
+              <a:t>of Computer Science</a:t>
+            </a:r>
+            <a:br>
+              <a:rPr lang="en-CA" sz="2400" dirty="0">
+                <a:solidFill>
+                  <a:schemeClr val="tx1"/>
+                </a:solidFill>
+                <a:latin typeface="+mn-lt"/>
+                <a:ea typeface="+mn-ea"/>
+                <a:cs typeface="+mn-cs"/>
+              </a:rPr>
+            </a:br>
+            <a:r>
+              <a:rPr lang="en-CA" sz="2400" dirty="0" smtClean="0">
+                <a:solidFill>
+                  <a:schemeClr val="tx1"/>
+                </a:solidFill>
+                <a:latin typeface="+mn-lt"/>
+                <a:ea typeface="+mn-ea"/>
+                <a:cs typeface="+mn-cs"/>
+              </a:rPr>
+              <a:t>Fredericton, NB, Canada</a:t>
+            </a:r>
+            <a:endParaRPr lang="en-US" sz="2400" i="1" dirty="0"/>
+          </a:p>
+        </p:txBody>
+      </p:sp>
+      <p:sp>
+        <p:nvSpPr>
+          <p:cNvPr id="3" name="Subtitle 2"/>
+          <p:cNvSpPr>
+            <a:spLocks noGrp="1"/>
+          </p:cNvSpPr>
+          <p:nvPr>
+            <p:ph type="subTitle" idx="1"/>
+          </p:nvPr>
+        </p:nvSpPr>
+        <p:spPr>
+          <a:xfrm>
+            <a:off x="289148" y="6237312"/>
+            <a:ext cx="8534400" cy="297160"/>
+          </a:xfrm>
+        </p:spPr>
+        <p:txBody>
+          <a:bodyPr>
+            <a:noAutofit/>
+          </a:bodyPr>
+          <a:lstStyle/>
+          <a:p>
+            <a:pPr>
+              <a:lnSpc>
+                <a:spcPct val="90000"/>
+              </a:lnSpc>
+            </a:pPr>
+            <a:r>
+              <a:rPr lang="en-US" sz="1800" dirty="0" smtClean="0"/>
+              <a:t>June 9, 2018</a:t>
+            </a:r>
+          </a:p>
+          <a:p>
+            <a:pPr>
+              <a:lnSpc>
+                <a:spcPct val="90000"/>
+              </a:lnSpc>
+            </a:pPr>
+            <a:endParaRPr lang="en-US" sz="1800" b="1" dirty="0" smtClean="0"/>
+          </a:p>
+          <a:p>
+            <a:pPr>
+              <a:lnSpc>
+                <a:spcPct val="90000"/>
+              </a:lnSpc>
+            </a:pPr>
+            <a:endParaRPr lang="en-US" sz="1600" dirty="0"/>
+          </a:p>
+        </p:txBody>
+      </p:sp>
+      <p:sp>
+        <p:nvSpPr>
+          <p:cNvPr id="5" name="TextBox 4"/>
           <p:cNvSpPr txBox="1"/>
           <p:nvPr/>
         </p:nvSpPr>
         <p:spPr>
           <a:xfrm>
-            <a:off x="72008" y="35331"/>
-            <a:ext cx="9108504" cy="384721"/>
+            <a:off x="127856" y="3284984"/>
+            <a:ext cx="8856984" cy="461665"/>
           </a:xfrm>
           <a:prstGeom prst="rect">
             <a:avLst/>
@@ -3478,150 +3745,375 @@
           <a:lstStyle/>
           <a:p>
             <a:r>
-              <a:rPr lang="en-CA" sz="1900" dirty="0">
+              <a:rPr lang="en-CA" sz="2400" b="1" dirty="0" smtClean="0">
+                <a:solidFill>
+                  <a:schemeClr val="accent3">
+                    <a:tint val="90000"/>
+                    <a:satMod val="120000"/>
+                  </a:schemeClr>
+                </a:solidFill>
                 <a:effectLst>
-                  <a:outerShdw blurRad="38100" dist="38100" dir="2700000" algn="tl">
+                  <a:outerShdw blurRad="38100" dist="25400" dir="5400000" algn="tl" rotWithShape="0">
                     <a:srgbClr val="000000">
-                      <a:alpha val="43137"/>
+                      <a:alpha val="43000"/>
                     </a:srgbClr>
                   </a:outerShdw>
                 </a:effectLst>
               </a:rPr>
-              <a:t>Data </a:t>
-            </a:r>
-            <a:r>
-              <a:rPr lang="en-CA" sz="1900" dirty="0" smtClean="0">
+              <a:t> (PDF </a:t>
+            </a:r>
+            <a:r>
+              <a:rPr lang="en-CA" sz="2400" b="1" dirty="0">
+                <a:solidFill>
+                  <a:schemeClr val="accent3">
+                    <a:tint val="90000"/>
+                    <a:satMod val="120000"/>
+                  </a:schemeClr>
+                </a:solidFill>
                 <a:effectLst>
-                  <a:outerShdw blurRad="38100" dist="38100" dir="2700000" algn="tl">
+                  <a:outerShdw blurRad="38100" dist="25400" dir="5400000" algn="tl" rotWithShape="0">
                     <a:srgbClr val="000000">
-                      <a:alpha val="43137"/>
+                      <a:alpha val="43000"/>
                     </a:srgbClr>
                   </a:outerShdw>
                 </a:effectLst>
               </a:rPr>
-              <a:t>Systematics: </a:t>
-            </a:r>
-            <a:r>
-              <a:rPr lang="en-CA" sz="1900" dirty="0">
+              <a:t>version</a:t>
+            </a:r>
+            <a:r>
+              <a:rPr lang="en-CA" sz="2400" b="1" dirty="0" smtClean="0">
+                <a:solidFill>
+                  <a:schemeClr val="accent3">
+                    <a:tint val="90000"/>
+                    <a:satMod val="120000"/>
+                  </a:schemeClr>
+                </a:solidFill>
                 <a:effectLst>
-                  <a:outerShdw blurRad="38100" dist="38100" dir="2700000" algn="tl">
+                  <a:outerShdw blurRad="38100" dist="25400" dir="5400000" algn="tl" rotWithShape="0">
                     <a:srgbClr val="000000">
-                      <a:alpha val="43137"/>
+                      <a:alpha val="43000"/>
                     </a:srgbClr>
                   </a:outerShdw>
                 </a:effectLst>
               </a:rPr>
-              <a:t>The </a:t>
-            </a:r>
-            <a:r>
-              <a:rPr lang="en-CA" sz="1900" dirty="0" err="1">
+              <a:t>: </a:t>
+            </a:r>
+            <a:r>
+              <a:rPr lang="en-CA" sz="2400" dirty="0">
+                <a:hlinkClick r:id="rId2"/>
+              </a:rPr>
+              <a:t>ruleml.org/talks/PSOAMetamodelGrailogWedding.pdf</a:t>
+            </a:r>
+            <a:r>
+              <a:rPr lang="en-CA" sz="2400" b="1" dirty="0" smtClean="0">
+                <a:solidFill>
+                  <a:schemeClr val="accent3">
+                    <a:tint val="90000"/>
+                    <a:satMod val="120000"/>
+                  </a:schemeClr>
+                </a:solidFill>
                 <a:effectLst>
-                  <a:outerShdw blurRad="38100" dist="38100" dir="2700000" algn="tl">
+                  <a:outerShdw blurRad="38100" dist="25400" dir="5400000" algn="tl" rotWithShape="0">
                     <a:srgbClr val="000000">
-                      <a:alpha val="43137"/>
+                      <a:alpha val="43000"/>
                     </a:srgbClr>
                   </a:outerShdw>
                 </a:effectLst>
               </a:rPr>
-              <a:t>Metamodel</a:t>
-            </a:r>
-            <a:r>
-              <a:rPr lang="en-CA" sz="1900" dirty="0">
-                <a:effectLst>
-                  <a:outerShdw blurRad="38100" dist="38100" dir="2700000" algn="tl">
-                    <a:srgbClr val="000000">
-                      <a:alpha val="43137"/>
-                    </a:srgbClr>
-                  </a:outerShdw>
-                </a:effectLst>
-              </a:rPr>
-              <a:t> </a:t>
-            </a:r>
-            <a:r>
-              <a:rPr lang="en-CA" sz="1900" dirty="0" smtClean="0">
-                <a:effectLst>
-                  <a:outerShdw blurRad="38100" dist="38100" dir="2700000" algn="tl">
-                    <a:srgbClr val="000000">
-                      <a:alpha val="43137"/>
-                    </a:srgbClr>
-                  </a:outerShdw>
-                </a:effectLst>
-              </a:rPr>
-              <a:t>of PSOA </a:t>
-            </a:r>
-            <a:r>
-              <a:rPr lang="en-CA" sz="1900" dirty="0" err="1">
-                <a:effectLst>
-                  <a:outerShdw blurRad="38100" dist="38100" dir="2700000" algn="tl">
-                    <a:srgbClr val="000000">
-                      <a:alpha val="43137"/>
-                    </a:srgbClr>
-                  </a:outerShdw>
-                </a:effectLst>
-              </a:rPr>
-              <a:t>RuleML</a:t>
-            </a:r>
-            <a:r>
-              <a:rPr lang="en-CA" sz="1900" dirty="0">
-                <a:effectLst>
-                  <a:outerShdw blurRad="38100" dist="38100" dir="2700000" algn="tl">
-                    <a:srgbClr val="000000">
-                      <a:alpha val="43137"/>
-                    </a:srgbClr>
-                  </a:outerShdw>
-                </a:effectLst>
-              </a:rPr>
-              <a:t> </a:t>
-            </a:r>
-            <a:r>
-              <a:rPr lang="en-CA" sz="1900" dirty="0" smtClean="0">
-                <a:effectLst>
-                  <a:outerShdw blurRad="38100" dist="38100" dir="2700000" algn="tl">
-                    <a:srgbClr val="000000">
-                      <a:alpha val="43137"/>
-                    </a:srgbClr>
-                  </a:outerShdw>
-                </a:effectLst>
-              </a:rPr>
-              <a:t>Illustrated by </a:t>
-            </a:r>
-            <a:r>
-              <a:rPr lang="en-CA" sz="1900" dirty="0" err="1" smtClean="0">
-                <a:effectLst>
-                  <a:outerShdw blurRad="38100" dist="38100" dir="2700000" algn="tl">
-                    <a:srgbClr val="000000">
-                      <a:alpha val="43137"/>
-                    </a:srgbClr>
-                  </a:outerShdw>
-                </a:effectLst>
-              </a:rPr>
-              <a:t>Grailog</a:t>
-            </a:r>
-            <a:r>
-              <a:rPr lang="en-CA" sz="1900" dirty="0" smtClean="0">
-                <a:effectLst>
-                  <a:outerShdw blurRad="38100" dist="38100" dir="2700000" algn="tl">
-                    <a:srgbClr val="000000">
-                      <a:alpha val="43137"/>
-                    </a:srgbClr>
-                  </a:outerShdw>
-                </a:effectLst>
-              </a:rPr>
-              <a:t> Visualization </a:t>
-            </a:r>
+              <a:t>)</a:t>
+            </a:r>
+            <a:endParaRPr lang="en-CA" sz="2400" dirty="0"/>
+          </a:p>
+        </p:txBody>
+      </p:sp>
+    </p:spTree>
+    <p:extLst>
+      <p:ext uri="{BB962C8B-B14F-4D97-AF65-F5344CB8AC3E}">
+        <p14:creationId xmlns:p14="http://schemas.microsoft.com/office/powerpoint/2010/main" val="866448951"/>
+      </p:ext>
+    </p:extLst>
+  </p:cSld>
+  <p:clrMapOvr>
+    <a:masterClrMapping/>
+  </p:clrMapOvr>
+  <mc:AlternateContent xmlns:mc="http://schemas.openxmlformats.org/markup-compatibility/2006" xmlns:p14="http://schemas.microsoft.com/office/powerpoint/2010/main">
+    <mc:Choice Requires="p14">
+      <p:transition spd="slow" p14:dur="2000"/>
+    </mc:Choice>
+    <mc:Fallback xmlns="">
+      <p:transition spd="slow"/>
+    </mc:Fallback>
+  </mc:AlternateContent>
+  <p:timing>
+    <p:tnLst>
+      <p:par>
+        <p:cTn id="1" dur="indefinite" restart="never" nodeType="tmRoot"/>
+      </p:par>
+    </p:tnLst>
+  </p:timing>
+</p:sld>
+</file>
+
+<file path=ppt/slides/slide2.xml><?xml version="1.0" encoding="utf-8"?>
+<p:sld xmlns:a="http://schemas.openxmlformats.org/drawingml/2006/main" xmlns:r="http://schemas.openxmlformats.org/officeDocument/2006/relationships" xmlns:p="http://schemas.openxmlformats.org/presentationml/2006/main">
+  <p:cSld>
+    <p:spTree>
+      <p:nvGrpSpPr>
+        <p:cNvPr id="1" name=""/>
+        <p:cNvGrpSpPr/>
+        <p:nvPr/>
+      </p:nvGrpSpPr>
+      <p:grpSpPr>
+        <a:xfrm>
+          <a:off x="0" y="0"/>
+          <a:ext cx="0" cy="0"/>
+          <a:chOff x="0" y="0"/>
+          <a:chExt cx="0" cy="0"/>
+        </a:xfrm>
+      </p:grpSpPr>
+      <p:sp>
+        <p:nvSpPr>
+          <p:cNvPr id="2" name="Title 1"/>
+          <p:cNvSpPr>
+            <a:spLocks noGrp="1"/>
+          </p:cNvSpPr>
+          <p:nvPr>
+            <p:ph type="title"/>
+          </p:nvPr>
+        </p:nvSpPr>
+        <p:spPr>
+          <a:xfrm>
+            <a:off x="228600" y="548680"/>
+            <a:ext cx="8915400" cy="762000"/>
+          </a:xfrm>
+        </p:spPr>
+        <p:txBody>
+          <a:bodyPr>
+            <a:noAutofit/>
+          </a:bodyPr>
+          <a:lstStyle/>
+          <a:p>
+            <a:r>
+              <a:rPr lang="en-CA" altLang="en-US" sz="4500" dirty="0" smtClean="0"/>
+              <a:t>Introduction</a:t>
+            </a:r>
+            <a:endParaRPr lang="en-CA" sz="4500" dirty="0"/>
           </a:p>
         </p:txBody>
       </p:sp>
       <p:sp>
         <p:nvSpPr>
-          <p:cNvPr id="13" name="TextBox 12"/>
+          <p:cNvPr id="3" name="Content Placeholder 2"/>
+          <p:cNvSpPr>
+            <a:spLocks noGrp="1"/>
+          </p:cNvSpPr>
+          <p:nvPr>
+            <p:ph idx="1"/>
+          </p:nvPr>
+        </p:nvSpPr>
+        <p:spPr>
+          <a:xfrm>
+            <a:off x="152400" y="1600200"/>
+            <a:ext cx="8991600" cy="5181600"/>
+          </a:xfrm>
+        </p:spPr>
+        <p:txBody>
+          <a:bodyPr>
+            <a:normAutofit/>
+          </a:bodyPr>
+          <a:lstStyle/>
+          <a:p>
+            <a:pPr>
+              <a:lnSpc>
+                <a:spcPct val="110000"/>
+              </a:lnSpc>
+            </a:pPr>
+            <a:r>
+              <a:rPr lang="en-CA" dirty="0">
+                <a:hlinkClick r:id="rId2"/>
+              </a:rPr>
+              <a:t>PSOA </a:t>
+            </a:r>
+            <a:r>
+              <a:rPr lang="en-CA" dirty="0" err="1">
+                <a:hlinkClick r:id="rId2"/>
+              </a:rPr>
+              <a:t>RuleML</a:t>
+            </a:r>
+            <a:r>
+              <a:rPr lang="en-CA" dirty="0"/>
+              <a:t> </a:t>
+            </a:r>
+            <a:r>
+              <a:rPr lang="en-CA" dirty="0" smtClean="0"/>
+              <a:t>builds </a:t>
+            </a:r>
+            <a:r>
+              <a:rPr lang="en-CA" dirty="0"/>
+              <a:t>on </a:t>
+            </a:r>
+            <a:r>
+              <a:rPr lang="en-CA" dirty="0" smtClean="0"/>
+              <a:t>a novel data systematics</a:t>
+            </a:r>
+          </a:p>
+          <a:p>
+            <a:pPr>
+              <a:lnSpc>
+                <a:spcPct val="110000"/>
+              </a:lnSpc>
+            </a:pPr>
+            <a:r>
+              <a:rPr lang="en-CA" dirty="0" smtClean="0"/>
+              <a:t>Slicing and dicing the </a:t>
+            </a:r>
+            <a:r>
+              <a:rPr lang="en-CA" dirty="0" smtClean="0">
+                <a:hlinkClick r:id="rId3"/>
+              </a:rPr>
+              <a:t>PSOA </a:t>
+            </a:r>
+            <a:r>
+              <a:rPr lang="en-CA" dirty="0" err="1" smtClean="0">
+                <a:hlinkClick r:id="rId3"/>
+              </a:rPr>
+              <a:t>metamodel</a:t>
+            </a:r>
+            <a:r>
+              <a:rPr lang="en-CA" dirty="0" smtClean="0">
+                <a:hlinkClick r:id="rId3"/>
+              </a:rPr>
+              <a:t> cube</a:t>
+            </a:r>
+            <a:endParaRPr lang="en-US" altLang="en-US" dirty="0" smtClean="0"/>
+          </a:p>
+          <a:p>
+            <a:pPr>
+              <a:lnSpc>
+                <a:spcPct val="110000"/>
+              </a:lnSpc>
+            </a:pPr>
+            <a:r>
+              <a:rPr lang="en-US" altLang="en-US" dirty="0" smtClean="0"/>
+              <a:t>Exemplify with 18 </a:t>
+            </a:r>
+            <a:r>
+              <a:rPr lang="en-US" altLang="en-US" dirty="0" err="1" smtClean="0"/>
+              <a:t>oidless</a:t>
+            </a:r>
+            <a:r>
+              <a:rPr lang="en-US" altLang="en-US" dirty="0" smtClean="0"/>
+              <a:t>/</a:t>
+            </a:r>
+            <a:r>
+              <a:rPr lang="en-US" altLang="en-US" dirty="0" err="1" smtClean="0"/>
+              <a:t>oidful</a:t>
+            </a:r>
+            <a:r>
+              <a:rPr lang="en-US" altLang="en-US" dirty="0" smtClean="0"/>
+              <a:t>, </a:t>
+            </a:r>
+            <a:r>
+              <a:rPr lang="en-US" altLang="en-US" dirty="0" err="1" smtClean="0"/>
+              <a:t>tupled</a:t>
+            </a:r>
+            <a:r>
+              <a:rPr lang="en-US" altLang="en-US" dirty="0" smtClean="0"/>
+              <a:t>/slotted, </a:t>
+            </a:r>
+            <a:r>
+              <a:rPr lang="en-US" altLang="en-US" dirty="0" err="1" smtClean="0"/>
+              <a:t>perspeneutral</a:t>
+            </a:r>
+            <a:r>
+              <a:rPr lang="en-US" altLang="en-US" dirty="0" smtClean="0"/>
+              <a:t>/perspectival wedding atoms</a:t>
+            </a:r>
+          </a:p>
+          <a:p>
+            <a:pPr>
+              <a:lnSpc>
+                <a:spcPct val="110000"/>
+              </a:lnSpc>
+            </a:pPr>
+            <a:r>
+              <a:rPr lang="en-US" altLang="en-US" dirty="0" smtClean="0"/>
+              <a:t>Illustrate all kinds of atoms by </a:t>
+            </a:r>
+            <a:r>
+              <a:rPr lang="en-US" altLang="en-US" dirty="0" err="1">
+                <a:hlinkClick r:id="rId4"/>
+              </a:rPr>
+              <a:t>Grailog</a:t>
+            </a:r>
+            <a:r>
+              <a:rPr lang="en-US" altLang="en-US" dirty="0"/>
+              <a:t> </a:t>
+            </a:r>
+            <a:r>
+              <a:rPr lang="en-US" altLang="en-US" dirty="0" smtClean="0"/>
+              <a:t>visualization</a:t>
+            </a:r>
+          </a:p>
+          <a:p>
+            <a:pPr>
+              <a:lnSpc>
+                <a:spcPct val="110000"/>
+              </a:lnSpc>
+            </a:pPr>
+            <a:r>
+              <a:rPr lang="en-CA" dirty="0" smtClean="0"/>
+              <a:t>Data f</a:t>
+            </a:r>
+            <a:r>
+              <a:rPr lang="en-US" altLang="en-US" dirty="0" smtClean="0"/>
+              <a:t>acts </a:t>
+            </a:r>
+            <a:r>
+              <a:rPr lang="en-US" altLang="en-US" dirty="0"/>
+              <a:t>complemented </a:t>
+            </a:r>
+            <a:r>
+              <a:rPr lang="en-US" altLang="en-US" dirty="0" smtClean="0"/>
+              <a:t>by interoperation rules:</a:t>
+            </a:r>
+          </a:p>
+        </p:txBody>
+      </p:sp>
+      <p:sp>
+        <p:nvSpPr>
+          <p:cNvPr id="4" name="Slide Number Placeholder 3"/>
+          <p:cNvSpPr>
+            <a:spLocks noGrp="1"/>
+          </p:cNvSpPr>
+          <p:nvPr>
+            <p:ph type="sldNum" sz="quarter" idx="12"/>
+          </p:nvPr>
+        </p:nvSpPr>
+        <p:spPr/>
+        <p:txBody>
+          <a:bodyPr/>
+          <a:lstStyle/>
+          <a:p>
+            <a:fld id="{5EFD1475-3101-4DC7-8355-C1B2AA2764C2}" type="slidenum">
+              <a:rPr lang="en-US" smtClean="0"/>
+              <a:pPr/>
+              <a:t>2</a:t>
+            </a:fld>
+            <a:endParaRPr lang="en-US" dirty="0"/>
+          </a:p>
+        </p:txBody>
+      </p:sp>
+      <p:sp>
+        <p:nvSpPr>
+          <p:cNvPr id="5" name="TextBox 4"/>
           <p:cNvSpPr txBox="1"/>
           <p:nvPr/>
         </p:nvSpPr>
         <p:spPr>
           <a:xfrm>
-            <a:off x="122973" y="764704"/>
-            <a:ext cx="1118383" cy="307777"/>
+            <a:off x="207988" y="5302949"/>
+            <a:ext cx="8756500" cy="646331"/>
           </a:xfrm>
           <a:prstGeom prst="rect">
             <a:avLst/>
@@ -3635,26 +4127,186 @@
           <a:lstStyle/>
           <a:p>
             <a:r>
-              <a:rPr lang="en-CA" sz="1400" dirty="0"/>
-              <a:t>Harold </a:t>
-            </a:r>
-            <a:r>
-              <a:rPr lang="en-CA" sz="1400" dirty="0" smtClean="0"/>
-              <a:t>Boley</a:t>
-            </a:r>
+              <a:rPr lang="en-CA" i="1" dirty="0">
+                <a:hlinkClick r:id="rId5"/>
+              </a:rPr>
+              <a:t>http://</a:t>
+            </a:r>
+            <a:r>
+              <a:rPr lang="en-CA" i="1" dirty="0" smtClean="0">
+                <a:hlinkClick r:id="rId5"/>
+              </a:rPr>
+              <a:t>wiki.ruleml.org/index.php/PSOA_RuleML_Bridges_Graph_and_Relational_Databases</a:t>
+            </a:r>
+            <a:endParaRPr lang="en-CA" i="1" dirty="0" smtClean="0"/>
+          </a:p>
+          <a:p>
+            <a:r>
+              <a:rPr lang="en-CA" i="1" dirty="0" smtClean="0"/>
+              <a:t>(</a:t>
+            </a:r>
+            <a:r>
+              <a:rPr lang="en-CA" i="1" dirty="0">
+                <a:solidFill>
+                  <a:schemeClr val="accent3">
+                    <a:lumMod val="75000"/>
+                  </a:schemeClr>
+                </a:solidFill>
+              </a:rPr>
+              <a:t>syntactic </a:t>
+            </a:r>
+            <a:r>
+              <a:rPr lang="en-CA" i="1" dirty="0" smtClean="0">
+                <a:solidFill>
+                  <a:schemeClr val="accent3">
+                    <a:lumMod val="75000"/>
+                  </a:schemeClr>
+                </a:solidFill>
+              </a:rPr>
+              <a:t>realization</a:t>
+            </a:r>
+            <a:r>
+              <a:rPr lang="en-CA" i="1" dirty="0" smtClean="0"/>
+              <a:t> for core interoperation path pv1-pv3-pv4-pn4, abridged </a:t>
+            </a:r>
+            <a:r>
+              <a:rPr lang="en-CA" i="1" dirty="0"/>
+              <a:t>by PSOA </a:t>
+            </a:r>
+            <a:r>
+              <a:rPr lang="en-CA" i="1" dirty="0" smtClean="0"/>
+              <a:t>rule)</a:t>
+            </a:r>
+          </a:p>
+        </p:txBody>
+      </p:sp>
+    </p:spTree>
+    <p:extLst>
+      <p:ext uri="{BB962C8B-B14F-4D97-AF65-F5344CB8AC3E}">
+        <p14:creationId xmlns:p14="http://schemas.microsoft.com/office/powerpoint/2010/main" val="1177973695"/>
+      </p:ext>
+    </p:extLst>
+  </p:cSld>
+  <p:clrMapOvr>
+    <a:masterClrMapping/>
+  </p:clrMapOvr>
+  <p:timing>
+    <p:tnLst>
+      <p:par>
+        <p:cTn id="1" dur="indefinite" restart="never" nodeType="tmRoot"/>
+      </p:par>
+    </p:tnLst>
+  </p:timing>
+</p:sld>
+</file>
+
+<file path=ppt/slides/slide3.xml><?xml version="1.0" encoding="utf-8"?>
+<p:sld xmlns:a="http://schemas.openxmlformats.org/drawingml/2006/main" xmlns:r="http://schemas.openxmlformats.org/officeDocument/2006/relationships" xmlns:p="http://schemas.openxmlformats.org/presentationml/2006/main">
+  <p:cSld>
+    <p:spTree>
+      <p:nvGrpSpPr>
+        <p:cNvPr id="1" name=""/>
+        <p:cNvGrpSpPr/>
+        <p:nvPr/>
+      </p:nvGrpSpPr>
+      <p:grpSpPr>
+        <a:xfrm>
+          <a:off x="0" y="0"/>
+          <a:ext cx="0" cy="0"/>
+          <a:chOff x="0" y="0"/>
+          <a:chExt cx="0" cy="0"/>
+        </a:xfrm>
+      </p:grpSpPr>
+      <p:sp>
+        <p:nvSpPr>
+          <p:cNvPr id="2" name="Title 1"/>
+          <p:cNvSpPr>
+            <a:spLocks noGrp="1"/>
+          </p:cNvSpPr>
+          <p:nvPr>
+            <p:ph type="title"/>
+          </p:nvPr>
+        </p:nvSpPr>
+        <p:spPr>
+          <a:xfrm>
+            <a:off x="179512" y="274638"/>
+            <a:ext cx="8784976" cy="1143000"/>
+          </a:xfrm>
+        </p:spPr>
+        <p:txBody>
+          <a:bodyPr>
+            <a:normAutofit fontScale="90000"/>
+          </a:bodyPr>
+          <a:lstStyle/>
+          <a:p>
+            <a:r>
+              <a:rPr lang="en-CA" dirty="0"/>
+              <a:t>Slicing and </a:t>
+            </a:r>
+            <a:r>
+              <a:rPr lang="en-CA" dirty="0" smtClean="0"/>
+              <a:t>Dicing</a:t>
+            </a:r>
+            <a:br>
+              <a:rPr lang="en-CA" dirty="0" smtClean="0"/>
+            </a:br>
+            <a:r>
+              <a:rPr lang="en-CA" dirty="0" smtClean="0"/>
+              <a:t>the </a:t>
+            </a:r>
+            <a:r>
+              <a:rPr lang="en-CA" dirty="0"/>
+              <a:t>PSOA</a:t>
+            </a:r>
+            <a:r>
+              <a:rPr lang="en-CA" dirty="0" smtClean="0"/>
+              <a:t> </a:t>
+            </a:r>
+            <a:r>
+              <a:rPr lang="en-CA" dirty="0" err="1" smtClean="0"/>
+              <a:t>Metamodel</a:t>
+            </a:r>
+            <a:r>
+              <a:rPr lang="en-CA" dirty="0" smtClean="0"/>
+              <a:t> Cube  </a:t>
+            </a:r>
+            <a:endParaRPr lang="en-CA" dirty="0"/>
           </a:p>
         </p:txBody>
       </p:sp>
       <p:sp>
         <p:nvSpPr>
-          <p:cNvPr id="119" name="TextBox 118"/>
+          <p:cNvPr id="3" name="Slide Number Placeholder 2"/>
+          <p:cNvSpPr>
+            <a:spLocks noGrp="1"/>
+          </p:cNvSpPr>
+          <p:nvPr>
+            <p:ph type="sldNum" sz="quarter" idx="12"/>
+          </p:nvPr>
+        </p:nvSpPr>
+        <p:spPr/>
+        <p:txBody>
+          <a:bodyPr/>
+          <a:lstStyle/>
+          <a:p>
+            <a:fld id="{69E3CB01-9E1A-4A3C-8DCA-3238C6551500}" type="slidenum">
+              <a:rPr lang="en-CA" smtClean="0"/>
+              <a:t>3</a:t>
+            </a:fld>
+            <a:endParaRPr lang="en-CA"/>
+          </a:p>
+        </p:txBody>
+      </p:sp>
+      <p:sp>
+        <p:nvSpPr>
+          <p:cNvPr id="5" name="TextBox 4"/>
           <p:cNvSpPr txBox="1"/>
           <p:nvPr/>
         </p:nvSpPr>
         <p:spPr>
           <a:xfrm>
-            <a:off x="0" y="404664"/>
-            <a:ext cx="9144000" cy="338554"/>
+            <a:off x="236460" y="1556792"/>
+            <a:ext cx="8944052" cy="5355312"/>
           </a:xfrm>
           <a:prstGeom prst="rect">
             <a:avLst/>
@@ -3662,87 +4314,1212 @@
           <a:noFill/>
         </p:spPr>
         <p:txBody>
-          <a:bodyPr wrap="square" rtlCol="0">
+          <a:bodyPr wrap="none" rtlCol="0">
             <a:spAutoFit/>
           </a:bodyPr>
           <a:lstStyle/>
           <a:p>
-            <a:r>
-              <a:rPr lang="en-CA" sz="1600" dirty="0"/>
-              <a:t>Exemplify PSOA</a:t>
-            </a:r>
-            <a:r>
-              <a:rPr lang="en-CA" sz="600" dirty="0"/>
+            <a:pPr marL="285750" indent="-285750">
+              <a:buFont typeface="Arial" charset="0"/>
+              <a:buChar char="•"/>
+            </a:pPr>
+            <a:r>
+              <a:rPr lang="en-US" dirty="0" smtClean="0"/>
+              <a:t>Via 3 </a:t>
+            </a:r>
+            <a:r>
+              <a:rPr lang="en-US" dirty="0"/>
+              <a:t>(orthogonal)</a:t>
+            </a:r>
+            <a:r>
+              <a:rPr lang="en-CA" dirty="0"/>
               <a:t> </a:t>
             </a:r>
             <a:r>
-              <a:rPr lang="en-CA" sz="1600" dirty="0" err="1" smtClean="0"/>
+              <a:rPr lang="en-CA" dirty="0" smtClean="0"/>
+              <a:t>dimensions, </a:t>
+            </a:r>
+            <a:r>
+              <a:rPr lang="en-CA" dirty="0"/>
+              <a:t>the </a:t>
+            </a:r>
+            <a:r>
+              <a:rPr lang="en-CA" b="1" dirty="0"/>
+              <a:t>full </a:t>
+            </a:r>
+            <a:r>
+              <a:rPr lang="en-CA" b="1" dirty="0" err="1"/>
               <a:t>metamodel</a:t>
             </a:r>
             <a:r>
-              <a:rPr lang="en-CA" sz="1600" dirty="0" smtClean="0"/>
-              <a:t> with 18 </a:t>
-            </a:r>
-            <a:r>
-              <a:rPr lang="en-CA" sz="1600" dirty="0" err="1" smtClean="0"/>
+              <a:rPr lang="en-CA" b="1" dirty="0"/>
+              <a:t> </a:t>
+            </a:r>
+            <a:r>
+              <a:rPr lang="en-CA" dirty="0" smtClean="0"/>
+              <a:t>cube systematizes 18 </a:t>
+            </a:r>
+            <a:r>
+              <a:rPr lang="en-US" dirty="0" smtClean="0"/>
+              <a:t>kinds </a:t>
+            </a:r>
+            <a:r>
+              <a:rPr lang="en-US" dirty="0"/>
+              <a:t>of </a:t>
+            </a:r>
+            <a:r>
+              <a:rPr lang="en-US" dirty="0" smtClean="0"/>
+              <a:t>atoms</a:t>
+            </a:r>
+            <a:br>
+              <a:rPr lang="en-US" dirty="0" smtClean="0"/>
+            </a:br>
+            <a:r>
+              <a:rPr lang="en-US" dirty="0" smtClean="0"/>
+              <a:t>that are contained in (3*3*2 =) </a:t>
+            </a:r>
+            <a:r>
+              <a:rPr lang="en-CA" dirty="0"/>
+              <a:t>18 </a:t>
+            </a:r>
+            <a:r>
+              <a:rPr lang="en-US" dirty="0" smtClean="0"/>
+              <a:t>unit </a:t>
+            </a:r>
+            <a:r>
+              <a:rPr lang="en-CA" dirty="0" smtClean="0"/>
+              <a:t>cubes (units)</a:t>
+            </a:r>
+            <a:r>
+              <a:rPr lang="en-US" dirty="0"/>
+              <a:t> </a:t>
+            </a:r>
+            <a:r>
+              <a:rPr lang="en-US" dirty="0" smtClean="0"/>
+              <a:t>named</a:t>
+            </a:r>
+            <a:r>
+              <a:rPr lang="en-CA" dirty="0" smtClean="0"/>
+              <a:t> </a:t>
+            </a:r>
+            <a:r>
+              <a:rPr lang="en-CA" dirty="0" err="1" smtClean="0"/>
+              <a:t>p</a:t>
+            </a:r>
+            <a:r>
+              <a:rPr lang="en-CA" i="1" dirty="0" err="1" smtClean="0"/>
+              <a:t>xi</a:t>
+            </a:r>
+            <a:r>
+              <a:rPr lang="en-CA" dirty="0" smtClean="0"/>
+              <a:t> (</a:t>
+            </a:r>
+            <a:r>
+              <a:rPr lang="en-CA" i="1" dirty="0" smtClean="0"/>
+              <a:t>x</a:t>
+            </a:r>
+            <a:r>
+              <a:rPr lang="en-CA" dirty="0" smtClean="0"/>
+              <a:t>=</a:t>
+            </a:r>
+            <a:r>
+              <a:rPr lang="en-CA" dirty="0" err="1" smtClean="0"/>
+              <a:t>n,v,p</a:t>
+            </a:r>
+            <a:r>
+              <a:rPr lang="en-CA" dirty="0" smtClean="0"/>
+              <a:t>; </a:t>
+            </a:r>
+            <a:r>
+              <a:rPr lang="en-CA" i="1" dirty="0" smtClean="0"/>
+              <a:t>i</a:t>
+            </a:r>
+            <a:r>
+              <a:rPr lang="en-CA" dirty="0" smtClean="0"/>
+              <a:t>=1,…,6)</a:t>
+            </a:r>
+          </a:p>
+          <a:p>
+            <a:pPr marL="285750" indent="-285750">
+              <a:buFont typeface="Arial" charset="0"/>
+              <a:buChar char="•"/>
+            </a:pPr>
+            <a:r>
+              <a:rPr lang="en-CA" dirty="0"/>
+              <a:t>By choosing one of the </a:t>
+            </a:r>
+            <a:r>
+              <a:rPr lang="en-CA" dirty="0" smtClean="0"/>
+              <a:t>reductions PDO</a:t>
+            </a:r>
+            <a:r>
+              <a:rPr lang="en-CA" dirty="0"/>
+              <a:t>, DPO, </a:t>
+            </a:r>
+            <a:r>
+              <a:rPr lang="en-CA" dirty="0" smtClean="0"/>
+              <a:t>or ODP, users can variously slice </a:t>
+            </a:r>
+            <a:r>
+              <a:rPr lang="en-CA" dirty="0"/>
+              <a:t>and dice </a:t>
+            </a:r>
+            <a:r>
+              <a:rPr lang="en-CA" dirty="0" smtClean="0"/>
+              <a:t>the</a:t>
+            </a:r>
+            <a:br>
+              <a:rPr lang="en-CA" dirty="0" smtClean="0"/>
+            </a:br>
+            <a:r>
+              <a:rPr lang="en-CA" dirty="0" smtClean="0"/>
+              <a:t>cube</a:t>
+            </a:r>
+            <a:r>
+              <a:rPr lang="en-CA" dirty="0" smtClean="0">
+                <a:sym typeface="Symbol"/>
+              </a:rPr>
+              <a:t>, </a:t>
+            </a:r>
+            <a:r>
+              <a:rPr lang="en-CA" dirty="0" smtClean="0"/>
+              <a:t>in a kind of (meta)</a:t>
+            </a:r>
+            <a:r>
+              <a:rPr lang="en-CA" dirty="0" smtClean="0">
+                <a:hlinkClick r:id="rId2"/>
+              </a:rPr>
+              <a:t>OLAP</a:t>
+            </a:r>
+            <a:r>
+              <a:rPr lang="en-CA" dirty="0" smtClean="0">
+                <a:sym typeface="Symbol"/>
+              </a:rPr>
+              <a:t>, </a:t>
+            </a:r>
+            <a:r>
+              <a:rPr lang="en-CA" dirty="0" smtClean="0"/>
+              <a:t>initially reducing </a:t>
+            </a:r>
+            <a:r>
+              <a:rPr lang="en-CA" dirty="0"/>
+              <a:t>its </a:t>
+            </a:r>
+            <a:r>
+              <a:rPr lang="en-CA" dirty="0" smtClean="0"/>
+              <a:t>3 </a:t>
+            </a:r>
+            <a:r>
+              <a:rPr lang="en-CA" dirty="0"/>
+              <a:t>dimension</a:t>
+            </a:r>
+            <a:r>
+              <a:rPr lang="en-US" dirty="0"/>
+              <a:t>s to</a:t>
+            </a:r>
+            <a:r>
+              <a:rPr lang="en-CA" dirty="0"/>
+              <a:t> </a:t>
+            </a:r>
+            <a:r>
+              <a:rPr lang="en-CA" dirty="0" smtClean="0"/>
+              <a:t>slices </a:t>
+            </a:r>
+            <a:r>
+              <a:rPr lang="en-CA" dirty="0"/>
+              <a:t>of </a:t>
+            </a:r>
+            <a:r>
+              <a:rPr lang="en-CA" dirty="0" smtClean="0"/>
+              <a:t>2 </a:t>
+            </a:r>
+            <a:r>
+              <a:rPr lang="en-CA" dirty="0"/>
+              <a:t>dimension</a:t>
+            </a:r>
+            <a:r>
+              <a:rPr lang="en-US" dirty="0" smtClean="0"/>
+              <a:t>s:</a:t>
+            </a:r>
+            <a:endParaRPr lang="en-CA" i="1" dirty="0" smtClean="0"/>
+          </a:p>
+          <a:p>
+            <a:pPr marL="285750" indent="-285750">
+              <a:buFont typeface="Arial" charset="0"/>
+              <a:buChar char="•"/>
+            </a:pPr>
+            <a:r>
+              <a:rPr lang="en-CA" dirty="0" smtClean="0">
+                <a:effectLst>
+                  <a:outerShdw blurRad="38100" dist="38100" dir="2700000" algn="tl">
+                    <a:srgbClr val="000000">
+                      <a:alpha val="43137"/>
+                    </a:srgbClr>
+                  </a:outerShdw>
+                </a:effectLst>
+              </a:rPr>
+              <a:t>PDO</a:t>
+            </a:r>
+            <a:r>
+              <a:rPr lang="en-CA" dirty="0" smtClean="0"/>
+              <a:t> reduction, via </a:t>
+            </a:r>
+            <a:r>
+              <a:rPr lang="en-CA" dirty="0" err="1" smtClean="0">
+                <a:effectLst>
+                  <a:outerShdw blurRad="38100" dist="38100" dir="2700000" algn="tl">
+                    <a:srgbClr val="000000">
+                      <a:alpha val="43137"/>
+                    </a:srgbClr>
+                  </a:outerShdw>
+                </a:effectLst>
+              </a:rPr>
+              <a:t>P</a:t>
+            </a:r>
+            <a:r>
+              <a:rPr lang="en-CA" dirty="0" err="1" smtClean="0"/>
+              <a:t>erspectivity</a:t>
+            </a:r>
+            <a:r>
+              <a:rPr lang="en-CA" dirty="0" smtClean="0"/>
+              <a:t> dimension,</a:t>
+            </a:r>
+            <a:r>
+              <a:rPr lang="en-US" dirty="0" smtClean="0"/>
+              <a:t> to 3</a:t>
+            </a:r>
+            <a:r>
+              <a:rPr lang="en-CA" dirty="0" smtClean="0"/>
+              <a:t> </a:t>
+            </a:r>
+            <a:r>
+              <a:rPr lang="en-CA" dirty="0"/>
+              <a:t>slices, each</a:t>
+            </a:r>
+            <a:r>
+              <a:rPr lang="en-US" dirty="0" smtClean="0"/>
+              <a:t> with </a:t>
+            </a:r>
+            <a:r>
+              <a:rPr lang="en-CA" dirty="0" smtClean="0"/>
+              <a:t>6 units</a:t>
+            </a:r>
+            <a:br>
+              <a:rPr lang="en-CA" dirty="0" smtClean="0"/>
+            </a:br>
+            <a:r>
+              <a:rPr lang="en-CA" dirty="0" smtClean="0"/>
+              <a:t>structured by </a:t>
+            </a:r>
+            <a:r>
+              <a:rPr lang="en-CA" dirty="0" smtClean="0">
+                <a:effectLst>
+                  <a:outerShdw blurRad="38100" dist="38100" dir="2700000" algn="tl">
+                    <a:srgbClr val="000000">
+                      <a:alpha val="43137"/>
+                    </a:srgbClr>
+                  </a:outerShdw>
+                </a:effectLst>
+              </a:rPr>
+              <a:t>D</a:t>
+            </a:r>
+            <a:r>
+              <a:rPr lang="en-CA" dirty="0" smtClean="0"/>
+              <a:t>escriptor-row and </a:t>
+            </a:r>
+            <a:r>
+              <a:rPr lang="en-CA" dirty="0" smtClean="0">
+                <a:effectLst>
+                  <a:outerShdw blurRad="38100" dist="38100" dir="2700000" algn="tl">
+                    <a:srgbClr val="000000">
+                      <a:alpha val="43137"/>
+                    </a:srgbClr>
+                  </a:outerShdw>
+                </a:effectLst>
+              </a:rPr>
+              <a:t>O</a:t>
+            </a:r>
+            <a:r>
+              <a:rPr lang="en-CA" dirty="0" smtClean="0"/>
+              <a:t>ID-column dimensions:</a:t>
+            </a:r>
+          </a:p>
+          <a:p>
+            <a:pPr marL="742950" lvl="1" indent="-285750">
+              <a:buFont typeface="Arial" charset="0"/>
+              <a:buChar char="•"/>
+            </a:pPr>
+            <a:r>
+              <a:rPr lang="en-CA" dirty="0"/>
+              <a:t>6 </a:t>
+            </a:r>
+            <a:r>
+              <a:rPr lang="en-CA" dirty="0" err="1" smtClean="0"/>
+              <a:t>perspeneutral</a:t>
+            </a:r>
+            <a:r>
+              <a:rPr lang="en-CA" dirty="0" smtClean="0"/>
+              <a:t> units </a:t>
+            </a:r>
+            <a:r>
+              <a:rPr lang="en-CA" dirty="0"/>
+              <a:t>(</a:t>
+            </a:r>
+            <a:r>
+              <a:rPr lang="en-CA" i="1" dirty="0" smtClean="0"/>
+              <a:t>x</a:t>
+            </a:r>
+            <a:r>
+              <a:rPr lang="en-CA" dirty="0" smtClean="0"/>
+              <a:t>=n; </a:t>
+            </a:r>
+            <a:r>
+              <a:rPr lang="en-CA" i="1" dirty="0"/>
+              <a:t>i</a:t>
+            </a:r>
+            <a:r>
+              <a:rPr lang="en-CA" dirty="0"/>
+              <a:t>=1,…,6) vs. 6 perspectival </a:t>
+            </a:r>
+            <a:r>
+              <a:rPr lang="en-CA" dirty="0" smtClean="0"/>
+              <a:t>units </a:t>
+            </a:r>
+            <a:r>
+              <a:rPr lang="en-CA" dirty="0"/>
+              <a:t>(</a:t>
+            </a:r>
+            <a:r>
+              <a:rPr lang="en-CA" i="1" dirty="0" smtClean="0"/>
+              <a:t>x</a:t>
+            </a:r>
+            <a:r>
+              <a:rPr lang="en-CA" dirty="0" smtClean="0"/>
+              <a:t>=v; </a:t>
+            </a:r>
+            <a:r>
+              <a:rPr lang="en-CA" i="1" dirty="0"/>
+              <a:t>i</a:t>
+            </a:r>
+            <a:r>
+              <a:rPr lang="en-CA" dirty="0"/>
+              <a:t>=1,…,6) vs.</a:t>
+            </a:r>
+            <a:br>
+              <a:rPr lang="en-CA" dirty="0"/>
+            </a:br>
+            <a:r>
+              <a:rPr lang="en-CA" dirty="0"/>
+              <a:t>6 </a:t>
+            </a:r>
+            <a:r>
+              <a:rPr lang="en-CA" dirty="0" err="1"/>
+              <a:t>perspeneutral+perspectival</a:t>
+            </a:r>
+            <a:r>
+              <a:rPr lang="en-CA" dirty="0"/>
+              <a:t> </a:t>
+            </a:r>
+            <a:r>
+              <a:rPr lang="en-CA" dirty="0" smtClean="0"/>
+              <a:t>units </a:t>
+            </a:r>
+            <a:r>
+              <a:rPr lang="en-CA" dirty="0"/>
+              <a:t>(</a:t>
+            </a:r>
+            <a:r>
+              <a:rPr lang="en-CA" i="1" dirty="0" smtClean="0"/>
+              <a:t>x</a:t>
+            </a:r>
+            <a:r>
+              <a:rPr lang="en-CA" dirty="0" smtClean="0"/>
+              <a:t>=p; </a:t>
+            </a:r>
+            <a:r>
+              <a:rPr lang="en-CA" i="1" dirty="0"/>
+              <a:t>i</a:t>
+            </a:r>
+            <a:r>
+              <a:rPr lang="en-CA" dirty="0"/>
+              <a:t>=1,…,6)</a:t>
+            </a:r>
+            <a:endParaRPr lang="en-CA" i="1" dirty="0"/>
+          </a:p>
+          <a:p>
+            <a:pPr marL="285750" indent="-285750">
+              <a:buFont typeface="Arial" charset="0"/>
+              <a:buChar char="•"/>
+            </a:pPr>
+            <a:r>
+              <a:rPr lang="en-CA" dirty="0" smtClean="0">
+                <a:solidFill>
+                  <a:srgbClr val="002060"/>
+                </a:solidFill>
+              </a:rPr>
+              <a:t>The </a:t>
+            </a:r>
+            <a:r>
+              <a:rPr lang="en-CA" b="1" dirty="0" smtClean="0">
+                <a:solidFill>
+                  <a:srgbClr val="002060"/>
+                </a:solidFill>
+              </a:rPr>
+              <a:t>core </a:t>
+            </a:r>
+            <a:r>
+              <a:rPr lang="en-CA" b="1" dirty="0" err="1" smtClean="0">
+                <a:solidFill>
+                  <a:srgbClr val="002060"/>
+                </a:solidFill>
+              </a:rPr>
+              <a:t>metamodel</a:t>
+            </a:r>
+            <a:r>
+              <a:rPr lang="en-CA" dirty="0" smtClean="0">
+                <a:solidFill>
+                  <a:srgbClr val="002060"/>
+                </a:solidFill>
+              </a:rPr>
+              <a:t> </a:t>
+            </a:r>
+            <a:r>
+              <a:rPr lang="en-CA" dirty="0">
+                <a:solidFill>
+                  <a:srgbClr val="002060"/>
+                </a:solidFill>
+              </a:rPr>
+              <a:t>is </a:t>
+            </a:r>
+            <a:r>
+              <a:rPr lang="en-CA" dirty="0" smtClean="0">
+                <a:solidFill>
+                  <a:srgbClr val="002060"/>
+                </a:solidFill>
+              </a:rPr>
+              <a:t>an 8-</a:t>
+            </a:r>
+            <a:r>
+              <a:rPr lang="en-US" dirty="0" smtClean="0">
+                <a:solidFill>
+                  <a:srgbClr val="002060"/>
+                </a:solidFill>
+              </a:rPr>
+              <a:t>unit </a:t>
+            </a:r>
+            <a:r>
+              <a:rPr lang="en-CA" dirty="0" err="1" smtClean="0">
+                <a:solidFill>
+                  <a:srgbClr val="002060"/>
+                </a:solidFill>
+              </a:rPr>
+              <a:t>subcube</a:t>
+            </a:r>
+            <a:r>
+              <a:rPr lang="en-CA" dirty="0" smtClean="0">
+                <a:solidFill>
+                  <a:srgbClr val="002060"/>
+                </a:solidFill>
+              </a:rPr>
+              <a:t> of the </a:t>
+            </a:r>
+            <a:r>
+              <a:rPr lang="en-CA" dirty="0">
+                <a:solidFill>
+                  <a:srgbClr val="002060"/>
+                </a:solidFill>
+              </a:rPr>
+              <a:t>full </a:t>
+            </a:r>
+            <a:r>
+              <a:rPr lang="en-CA" dirty="0" err="1">
+                <a:solidFill>
+                  <a:srgbClr val="002060"/>
+                </a:solidFill>
+              </a:rPr>
+              <a:t>metamodel</a:t>
+            </a:r>
+            <a:r>
+              <a:rPr lang="en-CA" dirty="0">
+                <a:solidFill>
+                  <a:srgbClr val="002060"/>
+                </a:solidFill>
+              </a:rPr>
+              <a:t> </a:t>
+            </a:r>
+            <a:r>
+              <a:rPr lang="en-CA" dirty="0" smtClean="0">
+                <a:solidFill>
+                  <a:srgbClr val="002060"/>
+                </a:solidFill>
+              </a:rPr>
+              <a:t>cube,</a:t>
+            </a:r>
+            <a:br>
+              <a:rPr lang="en-CA" dirty="0" smtClean="0">
+                <a:solidFill>
+                  <a:srgbClr val="002060"/>
+                </a:solidFill>
+              </a:rPr>
+            </a:br>
+            <a:r>
+              <a:rPr lang="en-CA" dirty="0" smtClean="0">
+                <a:solidFill>
+                  <a:srgbClr val="002060"/>
+                </a:solidFill>
+              </a:rPr>
+              <a:t>which can </a:t>
+            </a:r>
+            <a:r>
+              <a:rPr lang="en-CA" dirty="0">
+                <a:solidFill>
+                  <a:srgbClr val="002060"/>
+                </a:solidFill>
+              </a:rPr>
+              <a:t>be reduced, </a:t>
+            </a:r>
+            <a:r>
+              <a:rPr lang="en-CA" dirty="0" smtClean="0">
+                <a:solidFill>
+                  <a:srgbClr val="002060"/>
+                </a:solidFill>
+              </a:rPr>
+              <a:t>PDO-style, to 2 </a:t>
+            </a:r>
+            <a:r>
+              <a:rPr lang="en-CA" dirty="0" err="1" smtClean="0">
+                <a:solidFill>
+                  <a:srgbClr val="002060"/>
+                </a:solidFill>
+              </a:rPr>
+              <a:t>Perspectivity</a:t>
+            </a:r>
+            <a:r>
+              <a:rPr lang="en-CA" dirty="0" smtClean="0">
+                <a:solidFill>
+                  <a:srgbClr val="002060"/>
+                </a:solidFill>
+              </a:rPr>
+              <a:t> slices:</a:t>
+            </a:r>
+            <a:r>
+              <a:rPr lang="en-US" dirty="0" smtClean="0">
+                <a:solidFill>
+                  <a:srgbClr val="002060"/>
+                </a:solidFill>
+              </a:rPr>
+              <a:t> </a:t>
+            </a:r>
+            <a:r>
+              <a:rPr lang="en-CA" dirty="0" smtClean="0">
+                <a:solidFill>
+                  <a:srgbClr val="002060"/>
+                </a:solidFill>
+              </a:rPr>
+              <a:t>pn1-pn4 and pv1-pv4</a:t>
+            </a:r>
+          </a:p>
+          <a:p>
+            <a:pPr marL="742950" lvl="1" indent="-285750">
+              <a:buFont typeface="Arial" charset="0"/>
+              <a:buChar char="•"/>
+            </a:pPr>
+            <a:r>
+              <a:rPr lang="en-CA" dirty="0" smtClean="0">
+                <a:solidFill>
+                  <a:srgbClr val="002060"/>
+                </a:solidFill>
+              </a:rPr>
+              <a:t>Each includes a prominent unit: </a:t>
+            </a:r>
+            <a:r>
+              <a:rPr lang="en-CA" i="1" dirty="0" smtClean="0">
+                <a:solidFill>
+                  <a:srgbClr val="002060"/>
+                </a:solidFill>
+              </a:rPr>
+              <a:t>frame</a:t>
+            </a:r>
+            <a:r>
+              <a:rPr lang="en-CA" dirty="0" smtClean="0">
+                <a:solidFill>
+                  <a:srgbClr val="002060"/>
+                </a:solidFill>
+              </a:rPr>
+              <a:t> </a:t>
+            </a:r>
+            <a:r>
+              <a:rPr lang="en-US" dirty="0" smtClean="0">
+                <a:solidFill>
+                  <a:srgbClr val="002060"/>
+                </a:solidFill>
+              </a:rPr>
+              <a:t>atoms</a:t>
+            </a:r>
+            <a:r>
+              <a:rPr lang="en-CA" dirty="0" smtClean="0">
+                <a:solidFill>
+                  <a:srgbClr val="002060"/>
+                </a:solidFill>
+              </a:rPr>
+              <a:t> </a:t>
+            </a:r>
+            <a:r>
+              <a:rPr lang="en-CA" dirty="0">
+                <a:solidFill>
+                  <a:srgbClr val="002060"/>
+                </a:solidFill>
+              </a:rPr>
+              <a:t>(pn4) </a:t>
+            </a:r>
+            <a:r>
+              <a:rPr lang="en-CA" dirty="0" smtClean="0">
+                <a:solidFill>
+                  <a:srgbClr val="002060"/>
+                </a:solidFill>
+              </a:rPr>
+              <a:t>and</a:t>
+            </a:r>
+            <a:r>
+              <a:rPr lang="en-US" dirty="0" smtClean="0">
+                <a:solidFill>
+                  <a:srgbClr val="002060"/>
+                </a:solidFill>
+              </a:rPr>
+              <a:t> </a:t>
+            </a:r>
+            <a:r>
+              <a:rPr lang="en-CA" i="1" dirty="0" smtClean="0">
+                <a:solidFill>
+                  <a:srgbClr val="002060"/>
+                </a:solidFill>
+              </a:rPr>
+              <a:t>relationship</a:t>
+            </a:r>
+            <a:r>
+              <a:rPr lang="en-CA" dirty="0" smtClean="0">
+                <a:solidFill>
+                  <a:srgbClr val="002060"/>
+                </a:solidFill>
+              </a:rPr>
+              <a:t> </a:t>
+            </a:r>
+            <a:r>
+              <a:rPr lang="en-US" dirty="0" smtClean="0">
+                <a:solidFill>
+                  <a:srgbClr val="002060"/>
+                </a:solidFill>
+              </a:rPr>
+              <a:t>atoms</a:t>
+            </a:r>
+            <a:r>
+              <a:rPr lang="en-CA" dirty="0">
+                <a:solidFill>
+                  <a:srgbClr val="002060"/>
+                </a:solidFill>
+              </a:rPr>
+              <a:t> (pv1</a:t>
+            </a:r>
+            <a:r>
+              <a:rPr lang="en-CA" dirty="0" smtClean="0">
+                <a:solidFill>
+                  <a:srgbClr val="002060"/>
+                </a:solidFill>
+              </a:rPr>
+              <a:t>)</a:t>
+            </a:r>
+          </a:p>
+          <a:p>
+            <a:pPr marL="285750" indent="-285750">
+              <a:buFont typeface="Arial" charset="0"/>
+              <a:buChar char="•"/>
+            </a:pPr>
+            <a:r>
+              <a:rPr lang="en-CA" dirty="0" smtClean="0">
+                <a:effectLst>
+                  <a:outerShdw blurRad="38100" dist="38100" dir="2700000" algn="tl">
+                    <a:srgbClr val="000000">
+                      <a:alpha val="43137"/>
+                    </a:srgbClr>
+                  </a:outerShdw>
+                </a:effectLst>
+              </a:rPr>
+              <a:t>DPO</a:t>
+            </a:r>
+            <a:r>
+              <a:rPr lang="en-CA" dirty="0" smtClean="0"/>
+              <a:t> reduction (e.g., for full </a:t>
+            </a:r>
+            <a:r>
+              <a:rPr lang="en-CA" dirty="0" err="1" smtClean="0"/>
+              <a:t>metamodel</a:t>
+            </a:r>
+            <a:r>
+              <a:rPr lang="en-CA" dirty="0" smtClean="0"/>
+              <a:t>), </a:t>
+            </a:r>
+            <a:r>
+              <a:rPr lang="en-CA" dirty="0"/>
+              <a:t>via </a:t>
+            </a:r>
+            <a:r>
+              <a:rPr lang="en-CA" dirty="0" smtClean="0">
+                <a:effectLst>
+                  <a:outerShdw blurRad="38100" dist="38100" dir="2700000" algn="tl">
+                    <a:srgbClr val="000000">
+                      <a:alpha val="43137"/>
+                    </a:srgbClr>
+                  </a:outerShdw>
+                </a:effectLst>
+              </a:rPr>
+              <a:t>D</a:t>
+            </a:r>
+            <a:r>
+              <a:rPr lang="en-CA" dirty="0" smtClean="0"/>
+              <a:t>escriptor dimension,</a:t>
+            </a:r>
+            <a:r>
+              <a:rPr lang="en-US" dirty="0" smtClean="0"/>
+              <a:t> to 3 </a:t>
+            </a:r>
+            <a:r>
+              <a:rPr lang="en-CA" dirty="0" smtClean="0"/>
+              <a:t>slices,</a:t>
+            </a:r>
+            <a:br>
+              <a:rPr lang="en-CA" dirty="0" smtClean="0"/>
+            </a:br>
+            <a:r>
+              <a:rPr lang="en-CA" dirty="0" smtClean="0"/>
+              <a:t>each</a:t>
+            </a:r>
+            <a:r>
+              <a:rPr lang="en-US" dirty="0" smtClean="0"/>
+              <a:t> </a:t>
+            </a:r>
+            <a:r>
+              <a:rPr lang="en-US" dirty="0"/>
+              <a:t>with </a:t>
+            </a:r>
+            <a:r>
+              <a:rPr lang="en-CA" dirty="0"/>
+              <a:t>6 </a:t>
+            </a:r>
+            <a:r>
+              <a:rPr lang="en-CA" dirty="0" smtClean="0"/>
+              <a:t>units structured </a:t>
+            </a:r>
+            <a:r>
+              <a:rPr lang="en-CA" dirty="0"/>
+              <a:t>by </a:t>
+            </a:r>
+            <a:r>
+              <a:rPr lang="en-CA" dirty="0" err="1" smtClean="0">
+                <a:effectLst>
+                  <a:outerShdw blurRad="38100" dist="38100" dir="2700000" algn="tl">
+                    <a:srgbClr val="000000">
+                      <a:alpha val="43137"/>
+                    </a:srgbClr>
+                  </a:outerShdw>
+                </a:effectLst>
+              </a:rPr>
+              <a:t>P</a:t>
+            </a:r>
+            <a:r>
+              <a:rPr lang="en-CA" dirty="0" err="1" smtClean="0"/>
+              <a:t>erspectivity</a:t>
+            </a:r>
+            <a:r>
+              <a:rPr lang="en-CA" dirty="0" smtClean="0"/>
+              <a:t>-row </a:t>
+            </a:r>
+            <a:r>
+              <a:rPr lang="en-CA" dirty="0"/>
+              <a:t>and </a:t>
+            </a:r>
+            <a:r>
+              <a:rPr lang="en-CA" dirty="0">
+                <a:effectLst>
+                  <a:outerShdw blurRad="38100" dist="38100" dir="2700000" algn="tl">
+                    <a:srgbClr val="000000">
+                      <a:alpha val="43137"/>
+                    </a:srgbClr>
+                  </a:outerShdw>
+                </a:effectLst>
+              </a:rPr>
+              <a:t>O</a:t>
+            </a:r>
+            <a:r>
+              <a:rPr lang="en-CA" dirty="0"/>
+              <a:t>ID-column </a:t>
+            </a:r>
+            <a:r>
+              <a:rPr lang="en-CA" dirty="0" smtClean="0"/>
+              <a:t>dimensions:</a:t>
+            </a:r>
+          </a:p>
+          <a:p>
+            <a:pPr marL="742950" lvl="1" indent="-285750">
+              <a:buFont typeface="Arial" charset="0"/>
+              <a:buChar char="•"/>
+            </a:pPr>
+            <a:r>
+              <a:rPr lang="en-CA" dirty="0" smtClean="0"/>
+              <a:t>6 </a:t>
+            </a:r>
+            <a:r>
+              <a:rPr lang="en-CA" dirty="0" err="1" smtClean="0"/>
+              <a:t>tupled</a:t>
+            </a:r>
+            <a:r>
+              <a:rPr lang="en-CA" dirty="0" smtClean="0"/>
+              <a:t> units (</a:t>
+            </a:r>
+            <a:r>
+              <a:rPr lang="en-CA" i="1" dirty="0" smtClean="0"/>
+              <a:t>x</a:t>
+            </a:r>
+            <a:r>
+              <a:rPr lang="en-CA" dirty="0" smtClean="0"/>
+              <a:t>=</a:t>
+            </a:r>
+            <a:r>
+              <a:rPr lang="en-CA" dirty="0" err="1" smtClean="0"/>
+              <a:t>n,v,p</a:t>
+            </a:r>
+            <a:r>
+              <a:rPr lang="en-CA" dirty="0" smtClean="0"/>
+              <a:t>; </a:t>
+            </a:r>
+            <a:r>
+              <a:rPr lang="en-CA" i="1" dirty="0" smtClean="0"/>
+              <a:t>i</a:t>
+            </a:r>
+            <a:r>
+              <a:rPr lang="en-CA" dirty="0" smtClean="0"/>
+              <a:t>=1,2) vs. 6 slotted units (</a:t>
+            </a:r>
+            <a:r>
+              <a:rPr lang="en-CA" i="1" dirty="0" smtClean="0"/>
+              <a:t>x</a:t>
+            </a:r>
+            <a:r>
+              <a:rPr lang="en-CA" dirty="0" smtClean="0"/>
+              <a:t>=</a:t>
+            </a:r>
+            <a:r>
+              <a:rPr lang="en-CA" dirty="0" err="1" smtClean="0"/>
+              <a:t>n,v,p</a:t>
+            </a:r>
+            <a:r>
+              <a:rPr lang="en-CA" dirty="0" smtClean="0"/>
+              <a:t>; </a:t>
+            </a:r>
+            <a:r>
+              <a:rPr lang="en-CA" i="1" dirty="0" smtClean="0"/>
+              <a:t>i</a:t>
+            </a:r>
+            <a:r>
+              <a:rPr lang="en-CA" dirty="0" smtClean="0"/>
+              <a:t>=3,4) vs.</a:t>
+            </a:r>
+            <a:br>
+              <a:rPr lang="en-CA" dirty="0" smtClean="0"/>
+            </a:br>
+            <a:r>
+              <a:rPr lang="en-CA" dirty="0" smtClean="0"/>
+              <a:t>6 </a:t>
+            </a:r>
+            <a:r>
+              <a:rPr lang="en-CA" dirty="0" err="1" smtClean="0"/>
+              <a:t>tupled+slotted</a:t>
+            </a:r>
+            <a:r>
+              <a:rPr lang="en-CA" dirty="0" smtClean="0"/>
+              <a:t> units (</a:t>
+            </a:r>
+            <a:r>
+              <a:rPr lang="en-CA" i="1" dirty="0" smtClean="0"/>
+              <a:t>x</a:t>
+            </a:r>
+            <a:r>
+              <a:rPr lang="en-CA" dirty="0" smtClean="0"/>
+              <a:t>=</a:t>
+            </a:r>
+            <a:r>
+              <a:rPr lang="en-CA" dirty="0" err="1" smtClean="0"/>
+              <a:t>n,v,p</a:t>
+            </a:r>
+            <a:r>
+              <a:rPr lang="en-CA" dirty="0" smtClean="0"/>
+              <a:t>; </a:t>
+            </a:r>
+            <a:r>
+              <a:rPr lang="en-CA" i="1" dirty="0" smtClean="0"/>
+              <a:t>i</a:t>
+            </a:r>
+            <a:r>
+              <a:rPr lang="en-CA" dirty="0" smtClean="0"/>
+              <a:t>=5,6)</a:t>
+            </a:r>
+          </a:p>
+          <a:p>
+            <a:pPr marL="285750" indent="-285750">
+              <a:buFont typeface="Arial" charset="0"/>
+              <a:buChar char="•"/>
+            </a:pPr>
+            <a:r>
+              <a:rPr lang="en-CA" dirty="0">
+                <a:effectLst>
+                  <a:outerShdw blurRad="38100" dist="38100" dir="2700000" algn="tl">
+                    <a:srgbClr val="000000">
+                      <a:alpha val="43137"/>
+                    </a:srgbClr>
+                  </a:outerShdw>
+                </a:effectLst>
+              </a:rPr>
+              <a:t>ODP</a:t>
+            </a:r>
+            <a:r>
+              <a:rPr lang="en-CA" dirty="0"/>
+              <a:t> reduction (e.g., for </a:t>
+            </a:r>
+            <a:r>
+              <a:rPr lang="en-CA" dirty="0" smtClean="0"/>
+              <a:t>full </a:t>
+            </a:r>
+            <a:r>
+              <a:rPr lang="en-CA" dirty="0" err="1" smtClean="0"/>
+              <a:t>metamodel</a:t>
+            </a:r>
+            <a:r>
+              <a:rPr lang="en-CA" dirty="0" smtClean="0"/>
+              <a:t>), </a:t>
+            </a:r>
+            <a:r>
+              <a:rPr lang="en-CA" dirty="0"/>
+              <a:t>via </a:t>
+            </a:r>
+            <a:r>
+              <a:rPr lang="en-CA" dirty="0" smtClean="0">
+                <a:effectLst>
+                  <a:outerShdw blurRad="38100" dist="38100" dir="2700000" algn="tl">
+                    <a:srgbClr val="000000">
+                      <a:alpha val="43137"/>
+                    </a:srgbClr>
+                  </a:outerShdw>
+                </a:effectLst>
+              </a:rPr>
+              <a:t>O</a:t>
+            </a:r>
+            <a:r>
+              <a:rPr lang="en-CA" dirty="0" smtClean="0"/>
+              <a:t>ID dimension, t</a:t>
+            </a:r>
+            <a:r>
+              <a:rPr lang="en-US" dirty="0" smtClean="0"/>
+              <a:t>o 2 </a:t>
+            </a:r>
+            <a:r>
+              <a:rPr lang="en-CA" dirty="0" smtClean="0"/>
+              <a:t>slices</a:t>
+            </a:r>
+            <a:r>
+              <a:rPr lang="en-CA" dirty="0"/>
+              <a:t>,</a:t>
+            </a:r>
+            <a:br>
+              <a:rPr lang="en-CA" dirty="0"/>
+            </a:br>
+            <a:r>
+              <a:rPr lang="en-CA" dirty="0"/>
+              <a:t>each</a:t>
+            </a:r>
+            <a:r>
+              <a:rPr lang="en-US" dirty="0"/>
+              <a:t> with </a:t>
+            </a:r>
+            <a:r>
+              <a:rPr lang="en-CA" dirty="0" smtClean="0"/>
+              <a:t>9 units </a:t>
+            </a:r>
+            <a:r>
+              <a:rPr lang="en-CA" dirty="0"/>
+              <a:t>structured by </a:t>
+            </a:r>
+            <a:r>
+              <a:rPr lang="en-CA" dirty="0" smtClean="0">
+                <a:effectLst>
+                  <a:outerShdw blurRad="38100" dist="38100" dir="2700000" algn="tl">
+                    <a:srgbClr val="000000">
+                      <a:alpha val="43137"/>
+                    </a:srgbClr>
+                  </a:outerShdw>
+                </a:effectLst>
+              </a:rPr>
+              <a:t>D</a:t>
+            </a:r>
+            <a:r>
+              <a:rPr lang="en-CA" dirty="0" smtClean="0"/>
+              <a:t>escriptor-row </a:t>
+            </a:r>
+            <a:r>
+              <a:rPr lang="en-CA" dirty="0"/>
+              <a:t>and </a:t>
+            </a:r>
+            <a:r>
+              <a:rPr lang="en-CA" dirty="0" err="1">
+                <a:effectLst>
+                  <a:outerShdw blurRad="38100" dist="38100" dir="2700000" algn="tl">
+                    <a:srgbClr val="000000">
+                      <a:alpha val="43137"/>
+                    </a:srgbClr>
+                  </a:outerShdw>
+                </a:effectLst>
+              </a:rPr>
+              <a:t>P</a:t>
+            </a:r>
+            <a:r>
+              <a:rPr lang="en-CA" dirty="0" err="1"/>
+              <a:t>erspectivity</a:t>
+            </a:r>
+            <a:r>
+              <a:rPr lang="en-CA" dirty="0"/>
+              <a:t>-column dimensions:</a:t>
+            </a:r>
+          </a:p>
+          <a:p>
+            <a:pPr marL="742950" lvl="1" indent="-285750">
+              <a:buFont typeface="Arial" charset="0"/>
+              <a:buChar char="•"/>
+            </a:pPr>
+            <a:r>
+              <a:rPr lang="en-CA" dirty="0" smtClean="0"/>
+              <a:t>9 </a:t>
+            </a:r>
+            <a:r>
+              <a:rPr lang="en-CA" dirty="0" err="1"/>
               <a:t>oidless</a:t>
             </a:r>
             <a:r>
-              <a:rPr lang="en-CA" sz="1600" dirty="0" smtClean="0"/>
-              <a:t>/</a:t>
-            </a:r>
-            <a:r>
-              <a:rPr lang="en-CA" sz="1600" dirty="0" err="1" smtClean="0"/>
+              <a:rPr lang="en-CA" dirty="0"/>
+              <a:t> </a:t>
+            </a:r>
+            <a:r>
+              <a:rPr lang="en-CA" dirty="0" smtClean="0"/>
+              <a:t>units </a:t>
+            </a:r>
+            <a:r>
+              <a:rPr lang="en-CA" dirty="0"/>
+              <a:t>(</a:t>
+            </a:r>
+            <a:r>
+              <a:rPr lang="en-CA" i="1" dirty="0"/>
+              <a:t>x</a:t>
+            </a:r>
+            <a:r>
+              <a:rPr lang="en-CA" dirty="0"/>
+              <a:t>=</a:t>
+            </a:r>
+            <a:r>
+              <a:rPr lang="en-CA" dirty="0" err="1"/>
+              <a:t>n,v,p</a:t>
+            </a:r>
+            <a:r>
+              <a:rPr lang="en-CA" dirty="0"/>
+              <a:t>; </a:t>
+            </a:r>
+            <a:r>
+              <a:rPr lang="en-CA" i="1" dirty="0"/>
+              <a:t>i</a:t>
+            </a:r>
+            <a:r>
+              <a:rPr lang="en-CA" dirty="0"/>
+              <a:t>=1,3,5) vs. 9 </a:t>
+            </a:r>
+            <a:r>
+              <a:rPr lang="en-CA" dirty="0" err="1"/>
               <a:t>oidful</a:t>
             </a:r>
             <a:r>
-              <a:rPr lang="en-CA" sz="1600" dirty="0" smtClean="0"/>
-              <a:t>,</a:t>
-            </a:r>
-            <a:r>
-              <a:rPr lang="en-CA" sz="100" dirty="0" smtClean="0"/>
+              <a:rPr lang="en-CA" dirty="0"/>
               <a:t> </a:t>
             </a:r>
             <a:r>
-              <a:rPr lang="en-CA" sz="1600" dirty="0" err="1" smtClean="0"/>
-              <a:t>tupled</a:t>
-            </a:r>
-            <a:r>
-              <a:rPr lang="en-CA" sz="1600" dirty="0"/>
-              <a:t>/slotted,</a:t>
-            </a:r>
-            <a:r>
-              <a:rPr lang="en-CA" sz="100" dirty="0"/>
-              <a:t> </a:t>
-            </a:r>
-            <a:r>
-              <a:rPr lang="en-CA" sz="1600" dirty="0" err="1" smtClean="0"/>
-              <a:t>perspeneutral</a:t>
-            </a:r>
-            <a:r>
-              <a:rPr lang="en-CA" sz="1600" dirty="0" smtClean="0"/>
-              <a:t>/perspectival</a:t>
-            </a:r>
-            <a:r>
-              <a:rPr lang="en-CA" sz="1500" dirty="0" smtClean="0"/>
-              <a:t> </a:t>
-            </a:r>
-            <a:r>
-              <a:rPr lang="en-CA" sz="1600" dirty="0"/>
-              <a:t>wedding</a:t>
-            </a:r>
-            <a:r>
-              <a:rPr lang="en-CA" sz="1500" dirty="0"/>
-              <a:t> </a:t>
-            </a:r>
-            <a:r>
-              <a:rPr lang="en-CA" sz="1600" dirty="0" smtClean="0"/>
-              <a:t>atoms.</a:t>
-            </a:r>
-            <a:endParaRPr lang="en-CA" sz="1900" dirty="0"/>
+              <a:rPr lang="en-CA" dirty="0" smtClean="0"/>
+              <a:t>units </a:t>
+            </a:r>
+            <a:r>
+              <a:rPr lang="en-CA" dirty="0"/>
+              <a:t>(</a:t>
+            </a:r>
+            <a:r>
+              <a:rPr lang="en-CA" i="1" dirty="0"/>
+              <a:t>x</a:t>
+            </a:r>
+            <a:r>
+              <a:rPr lang="en-CA" dirty="0"/>
+              <a:t>=</a:t>
+            </a:r>
+            <a:r>
+              <a:rPr lang="en-CA" dirty="0" err="1"/>
+              <a:t>n,v,p</a:t>
+            </a:r>
+            <a:r>
+              <a:rPr lang="en-CA" dirty="0"/>
+              <a:t>; </a:t>
+            </a:r>
+            <a:r>
+              <a:rPr lang="en-CA" i="1" dirty="0"/>
+              <a:t>i</a:t>
+            </a:r>
+            <a:r>
+              <a:rPr lang="en-CA" dirty="0"/>
+              <a:t>=2,4,6)</a:t>
+            </a:r>
+          </a:p>
+          <a:p>
+            <a:endParaRPr lang="en-CA" dirty="0"/>
           </a:p>
         </p:txBody>
       </p:sp>
+    </p:spTree>
+    <p:extLst>
+      <p:ext uri="{BB962C8B-B14F-4D97-AF65-F5344CB8AC3E}">
+        <p14:creationId xmlns:p14="http://schemas.microsoft.com/office/powerpoint/2010/main" val="1382929786"/>
+      </p:ext>
+    </p:extLst>
+  </p:cSld>
+  <p:clrMapOvr>
+    <a:masterClrMapping/>
+  </p:clrMapOvr>
+  <p:timing>
+    <p:tnLst>
+      <p:par>
+        <p:cTn id="1" dur="indefinite" restart="never" nodeType="tmRoot"/>
+      </p:par>
+    </p:tnLst>
+  </p:timing>
+</p:sld>
+</file>
+
+<file path=ppt/slides/slide4.xml><?xml version="1.0" encoding="utf-8"?>
+<p:sld xmlns:a="http://schemas.openxmlformats.org/drawingml/2006/main" xmlns:r="http://schemas.openxmlformats.org/officeDocument/2006/relationships" xmlns:p="http://schemas.openxmlformats.org/presentationml/2006/main">
+  <p:cSld>
+    <p:spTree>
+      <p:nvGrpSpPr>
+        <p:cNvPr id="1" name=""/>
+        <p:cNvGrpSpPr/>
+        <p:nvPr/>
+      </p:nvGrpSpPr>
+      <p:grpSpPr>
+        <a:xfrm>
+          <a:off x="0" y="0"/>
+          <a:ext cx="0" cy="0"/>
+          <a:chOff x="0" y="0"/>
+          <a:chExt cx="0" cy="0"/>
+        </a:xfrm>
+      </p:grpSpPr>
       <p:grpSp>
         <p:nvGrpSpPr>
           <p:cNvPr id="401" name="Group 400"/>
@@ -9123,111 +10900,6 @@
       </p:grpSp>
       <p:sp>
         <p:nvSpPr>
-          <p:cNvPr id="151" name="TextBox 150"/>
-          <p:cNvSpPr txBox="1"/>
-          <p:nvPr/>
-        </p:nvSpPr>
-        <p:spPr>
-          <a:xfrm>
-            <a:off x="3059832" y="748441"/>
-            <a:ext cx="5886933" cy="461665"/>
-          </a:xfrm>
-          <a:prstGeom prst="rect">
-            <a:avLst/>
-          </a:prstGeom>
-          <a:noFill/>
-        </p:spPr>
-        <p:txBody>
-          <a:bodyPr wrap="none" rtlCol="0">
-            <a:spAutoFit/>
-          </a:bodyPr>
-          <a:lstStyle/>
-          <a:p>
-            <a:r>
-              <a:rPr lang="en-CA" sz="1200" i="1" dirty="0">
-                <a:hlinkClick r:id="rId2"/>
-              </a:rPr>
-              <a:t>http://</a:t>
-            </a:r>
-            <a:r>
-              <a:rPr lang="en-CA" sz="1200" i="1" dirty="0" smtClean="0">
-                <a:hlinkClick r:id="rId2"/>
-              </a:rPr>
-              <a:t>wiki.ruleml.org/index.php/PSOA_RuleML_Bridges_Graph_and_Relational_Databases</a:t>
-            </a:r>
-            <a:endParaRPr lang="en-CA" sz="1200" i="1" dirty="0" smtClean="0"/>
-          </a:p>
-          <a:p>
-            <a:r>
-              <a:rPr lang="en-CA" sz="1200" i="1" dirty="0" smtClean="0"/>
-              <a:t>(</a:t>
-            </a:r>
-            <a:r>
-              <a:rPr lang="en-CA" sz="1200" i="1" dirty="0">
-                <a:solidFill>
-                  <a:schemeClr val="accent3">
-                    <a:lumMod val="75000"/>
-                  </a:schemeClr>
-                </a:solidFill>
-              </a:rPr>
-              <a:t>syntactic </a:t>
-            </a:r>
-            <a:r>
-              <a:rPr lang="en-CA" sz="1200" i="1" dirty="0" smtClean="0">
-                <a:solidFill>
-                  <a:schemeClr val="accent3">
-                    <a:lumMod val="75000"/>
-                  </a:schemeClr>
-                </a:solidFill>
-              </a:rPr>
-              <a:t>realization</a:t>
-            </a:r>
-            <a:r>
-              <a:rPr lang="en-CA" sz="1200" i="1" dirty="0" smtClean="0"/>
-              <a:t> for core interoperation path pv1-pv3-pv4-pn4, abridged </a:t>
-            </a:r>
-            <a:r>
-              <a:rPr lang="en-CA" sz="1200" i="1" dirty="0"/>
-              <a:t>by PSOA </a:t>
-            </a:r>
-            <a:r>
-              <a:rPr lang="en-CA" sz="1200" i="1" dirty="0" smtClean="0"/>
-              <a:t>rule)</a:t>
-            </a:r>
-          </a:p>
-        </p:txBody>
-      </p:sp>
-      <p:sp>
-        <p:nvSpPr>
-          <p:cNvPr id="152" name="TextBox 151"/>
-          <p:cNvSpPr txBox="1"/>
-          <p:nvPr/>
-        </p:nvSpPr>
-        <p:spPr>
-          <a:xfrm>
-            <a:off x="1452589" y="764704"/>
-            <a:ext cx="1103187" cy="307777"/>
-          </a:xfrm>
-          <a:prstGeom prst="rect">
-            <a:avLst/>
-          </a:prstGeom>
-          <a:noFill/>
-        </p:spPr>
-        <p:txBody>
-          <a:bodyPr wrap="none" rtlCol="0">
-            <a:spAutoFit/>
-          </a:bodyPr>
-          <a:lstStyle/>
-          <a:p>
-            <a:r>
-              <a:rPr lang="en-CA" sz="1400" dirty="0" smtClean="0"/>
-              <a:t>June 6, 2018</a:t>
-            </a:r>
-          </a:p>
-        </p:txBody>
-      </p:sp>
-      <p:sp>
-        <p:nvSpPr>
           <p:cNvPr id="2" name="TextBox 1"/>
           <p:cNvSpPr txBox="1"/>
           <p:nvPr/>
@@ -9823,7 +11495,7 @@
           <a:p>
             <a:fld id="{69E3CB01-9E1A-4A3C-8DCA-3238C6551500}" type="slidenum">
               <a:rPr lang="en-CA" smtClean="0"/>
-              <a:t>1</a:t>
+              <a:t>4</a:t>
             </a:fld>
             <a:endParaRPr lang="en-CA"/>
           </a:p>
@@ -9859,17 +11531,7 @@
                   </a:schemeClr>
                 </a:solidFill>
               </a:rPr>
-              <a:t>Wedding(-[</a:t>
-            </a:r>
-            <a:r>
-              <a:rPr lang="en-CA" sz="1400" dirty="0">
-                <a:solidFill>
-                  <a:schemeClr val="accent3">
-                    <a:lumMod val="50000"/>
-                  </a:schemeClr>
-                </a:solidFill>
-              </a:rPr>
-              <a:t>Mary John])</a:t>
+              <a:t>Wedding(-[Mary John])</a:t>
             </a:r>
           </a:p>
         </p:txBody>
@@ -10009,6 +11671,64 @@
           </a:p>
         </p:txBody>
       </p:sp>
+      <p:sp>
+        <p:nvSpPr>
+          <p:cNvPr id="162" name="Title 1"/>
+          <p:cNvSpPr txBox="1">
+            <a:spLocks/>
+          </p:cNvSpPr>
+          <p:nvPr/>
+        </p:nvSpPr>
+        <p:spPr>
+          <a:xfrm>
+            <a:off x="35496" y="260648"/>
+            <a:ext cx="9108504" cy="762000"/>
+          </a:xfrm>
+          <a:prstGeom prst="rect">
+            <a:avLst/>
+          </a:prstGeom>
+        </p:spPr>
+        <p:txBody>
+          <a:bodyPr>
+            <a:noAutofit/>
+          </a:bodyPr>
+          <a:lstStyle>
+            <a:lvl1pPr algn="ctr" defTabSz="914400" rtl="0" eaLnBrk="1" latinLnBrk="0" hangingPunct="1">
+              <a:spcBef>
+                <a:spcPct val="0"/>
+              </a:spcBef>
+              <a:buNone/>
+              <a:defRPr sz="4400" kern="1200">
+                <a:solidFill>
+                  <a:schemeClr val="tx1"/>
+                </a:solidFill>
+                <a:latin typeface="+mj-lt"/>
+                <a:ea typeface="+mj-ea"/>
+                <a:cs typeface="+mj-cs"/>
+              </a:defRPr>
+            </a:lvl1pPr>
+          </a:lstStyle>
+          <a:p>
+            <a:r>
+              <a:rPr lang="en-US" altLang="en-US" sz="4800" dirty="0"/>
+              <a:t>Exemplifying </a:t>
+            </a:r>
+            <a:r>
+              <a:rPr lang="en-CA" sz="4800" dirty="0"/>
+              <a:t>the </a:t>
+            </a:r>
+            <a:r>
+              <a:rPr lang="en-US" altLang="en-US" sz="4800" dirty="0" err="1" smtClean="0"/>
+              <a:t>Perspectivity</a:t>
+            </a:r>
+            <a:r>
+              <a:rPr lang="en-US" altLang="en-US" sz="4800" dirty="0" smtClean="0"/>
+              <a:t> Slices</a:t>
+            </a:r>
+            <a:endParaRPr lang="en-CA" sz="4500" dirty="0"/>
+          </a:p>
+        </p:txBody>
+      </p:sp>
     </p:spTree>
     <p:extLst>
       <p:ext uri="{BB962C8B-B14F-4D97-AF65-F5344CB8AC3E}">
@@ -10029,7 +11749,7 @@
 </p:sld>
 </file>
 
-<file path=ppt/slides/slide2.xml><?xml version="1.0" encoding="utf-8"?>
+<file path=ppt/slides/slide5.xml><?xml version="1.0" encoding="utf-8"?>
 <p:sld xmlns:a="http://schemas.openxmlformats.org/drawingml/2006/main" xmlns:r="http://schemas.openxmlformats.org/officeDocument/2006/relationships" xmlns:p="http://schemas.openxmlformats.org/presentationml/2006/main">
   <p:cSld>
     <p:spTree>
@@ -13623,7 +15343,7 @@
           <a:p>
             <a:fld id="{69E3CB01-9E1A-4A3C-8DCA-3238C6551500}" type="slidenum">
               <a:rPr lang="en-CA" smtClean="0"/>
-              <a:t>2</a:t>
+              <a:t>5</a:t>
             </a:fld>
             <a:endParaRPr lang="en-CA"/>
           </a:p>
@@ -13757,7 +15477,7 @@
 </p:sld>
 </file>
 
-<file path=ppt/slides/slide3.xml><?xml version="1.0" encoding="utf-8"?>
+<file path=ppt/slides/slide6.xml><?xml version="1.0" encoding="utf-8"?>
 <p:sld xmlns:a="http://schemas.openxmlformats.org/drawingml/2006/main" xmlns:r="http://schemas.openxmlformats.org/officeDocument/2006/relationships" xmlns:p="http://schemas.openxmlformats.org/presentationml/2006/main">
   <p:cSld>
     <p:spTree>
@@ -21190,7 +22910,7 @@
           <a:p>
             <a:fld id="{69E3CB01-9E1A-4A3C-8DCA-3238C6551500}" type="slidenum">
               <a:rPr lang="en-CA" smtClean="0"/>
-              <a:t>3</a:t>
+              <a:t>6</a:t>
             </a:fld>
             <a:endParaRPr lang="en-CA"/>
           </a:p>
@@ -21255,7 +22975,6 @@
               <a:rPr lang="en-CA" sz="1400" dirty="0"/>
               <a:t>Mary John])</a:t>
             </a:r>
-            <a:endParaRPr lang="en-CA" sz="1400" dirty="0"/>
           </a:p>
         </p:txBody>
       </p:sp>
@@ -21414,7 +23133,7 @@
 </p:sld>
 </file>
 
-<file path=ppt/slides/slide4.xml><?xml version="1.0" encoding="utf-8"?>
+<file path=ppt/slides/slide7.xml><?xml version="1.0" encoding="utf-8"?>
 <p:sld xmlns:a="http://schemas.openxmlformats.org/drawingml/2006/main" xmlns:r="http://schemas.openxmlformats.org/officeDocument/2006/relationships" xmlns:p="http://schemas.openxmlformats.org/presentationml/2006/main">
   <p:cSld>
     <p:spTree>
@@ -25299,7 +27018,7 @@
           <a:p>
             <a:fld id="{69E3CB01-9E1A-4A3C-8DCA-3238C6551500}" type="slidenum">
               <a:rPr lang="en-CA" smtClean="0"/>
-              <a:t>4</a:t>
+              <a:t>7</a:t>
             </a:fld>
             <a:endParaRPr lang="en-CA"/>
           </a:p>
@@ -25441,7 +27160,7 @@
 </p:sld>
 </file>
 
-<file path=ppt/slides/slide5.xml><?xml version="1.0" encoding="utf-8"?>
+<file path=ppt/slides/slide8.xml><?xml version="1.0" encoding="utf-8"?>
 <p:sld xmlns:a="http://schemas.openxmlformats.org/drawingml/2006/main" xmlns:r="http://schemas.openxmlformats.org/officeDocument/2006/relationships" xmlns:p="http://schemas.openxmlformats.org/presentationml/2006/main">
   <p:cSld>
     <p:spTree>
@@ -32973,7 +34692,7 @@
           <a:p>
             <a:fld id="{69E3CB01-9E1A-4A3C-8DCA-3238C6551500}" type="slidenum">
               <a:rPr lang="en-CA" smtClean="0"/>
-              <a:t>5</a:t>
+              <a:t>8</a:t>
             </a:fld>
             <a:endParaRPr lang="en-CA"/>
           </a:p>
@@ -33223,7 +34942,7 @@
 </p:sld>
 </file>
 
-<file path=ppt/slides/slide6.xml><?xml version="1.0" encoding="utf-8"?>
+<file path=ppt/slides/slide9.xml><?xml version="1.0" encoding="utf-8"?>
 <p:sld xmlns:a="http://schemas.openxmlformats.org/drawingml/2006/main" xmlns:r="http://schemas.openxmlformats.org/officeDocument/2006/relationships" xmlns:p="http://schemas.openxmlformats.org/presentationml/2006/main">
   <p:cSld>
     <p:spTree>
@@ -38261,7 +39980,7 @@
           <a:p>
             <a:fld id="{69E3CB01-9E1A-4A3C-8DCA-3238C6551500}" type="slidenum">
               <a:rPr lang="en-CA" smtClean="0"/>
-              <a:t>6</a:t>
+              <a:t>9</a:t>
             </a:fld>
             <a:endParaRPr lang="en-CA"/>
           </a:p>
@@ -38364,714 +40083,6 @@
       </p:par>
     </p:tnLst>
   </p:timing>
-</p:sld>
-</file>
-
-<file path=ppt/slides/slide7.xml><?xml version="1.0" encoding="utf-8"?>
-<p:sld xmlns:a="http://schemas.openxmlformats.org/drawingml/2006/main" xmlns:r="http://schemas.openxmlformats.org/officeDocument/2006/relationships" xmlns:p="http://schemas.openxmlformats.org/presentationml/2006/main">
-  <p:cSld>
-    <p:spTree>
-      <p:nvGrpSpPr>
-        <p:cNvPr id="1" name=""/>
-        <p:cNvGrpSpPr/>
-        <p:nvPr/>
-      </p:nvGrpSpPr>
-      <p:grpSpPr>
-        <a:xfrm>
-          <a:off x="0" y="0"/>
-          <a:ext cx="0" cy="0"/>
-          <a:chOff x="0" y="0"/>
-          <a:chExt cx="0" cy="0"/>
-        </a:xfrm>
-      </p:grpSpPr>
-      <p:sp>
-        <p:nvSpPr>
-          <p:cNvPr id="2" name="Title 1"/>
-          <p:cNvSpPr>
-            <a:spLocks noGrp="1"/>
-          </p:cNvSpPr>
-          <p:nvPr>
-            <p:ph type="title"/>
-          </p:nvPr>
-        </p:nvSpPr>
-        <p:spPr>
-          <a:xfrm>
-            <a:off x="179512" y="274638"/>
-            <a:ext cx="8784976" cy="1143000"/>
-          </a:xfrm>
-        </p:spPr>
-        <p:txBody>
-          <a:bodyPr>
-            <a:normAutofit fontScale="90000"/>
-          </a:bodyPr>
-          <a:lstStyle/>
-          <a:p>
-            <a:r>
-              <a:rPr lang="en-CA" dirty="0" smtClean="0"/>
-              <a:t>Opening Up the</a:t>
-            </a:r>
-            <a:r>
-              <a:rPr lang="en-CA" dirty="0"/>
-              <a:t> PSOA</a:t>
-            </a:r>
-            <a:r>
-              <a:rPr lang="en-CA" dirty="0" smtClean="0"/>
-              <a:t> </a:t>
-            </a:r>
-            <a:r>
-              <a:rPr lang="en-CA" dirty="0" err="1" smtClean="0"/>
-              <a:t>Metamodel</a:t>
-            </a:r>
-            <a:r>
-              <a:rPr lang="en-CA" dirty="0" smtClean="0"/>
-              <a:t> Cube  </a:t>
-            </a:r>
-            <a:endParaRPr lang="en-CA" dirty="0"/>
-          </a:p>
-        </p:txBody>
-      </p:sp>
-      <p:sp>
-        <p:nvSpPr>
-          <p:cNvPr id="3" name="Slide Number Placeholder 2"/>
-          <p:cNvSpPr>
-            <a:spLocks noGrp="1"/>
-          </p:cNvSpPr>
-          <p:nvPr>
-            <p:ph type="sldNum" sz="quarter" idx="12"/>
-          </p:nvPr>
-        </p:nvSpPr>
-        <p:spPr/>
-        <p:txBody>
-          <a:bodyPr/>
-          <a:lstStyle/>
-          <a:p>
-            <a:fld id="{69E3CB01-9E1A-4A3C-8DCA-3238C6551500}" type="slidenum">
-              <a:rPr lang="en-CA" smtClean="0"/>
-              <a:t>7</a:t>
-            </a:fld>
-            <a:endParaRPr lang="en-CA"/>
-          </a:p>
-        </p:txBody>
-      </p:sp>
-      <p:sp>
-        <p:nvSpPr>
-          <p:cNvPr id="5" name="TextBox 4"/>
-          <p:cNvSpPr txBox="1"/>
-          <p:nvPr/>
-        </p:nvSpPr>
-        <p:spPr>
-          <a:xfrm>
-            <a:off x="467544" y="1556792"/>
-            <a:ext cx="7938520" cy="3970318"/>
-          </a:xfrm>
-          <a:prstGeom prst="rect">
-            <a:avLst/>
-          </a:prstGeom>
-          <a:noFill/>
-        </p:spPr>
-        <p:txBody>
-          <a:bodyPr wrap="none" rtlCol="0">
-            <a:spAutoFit/>
-          </a:bodyPr>
-          <a:lstStyle/>
-          <a:p>
-            <a:pPr marL="285750" indent="-285750">
-              <a:buFont typeface="Arial" charset="0"/>
-              <a:buChar char="•"/>
-            </a:pPr>
-            <a:r>
-              <a:rPr lang="en-CA" dirty="0" err="1"/>
-              <a:t>Metamodel</a:t>
-            </a:r>
-            <a:r>
-              <a:rPr lang="en-CA" dirty="0"/>
-              <a:t> </a:t>
-            </a:r>
-            <a:r>
-              <a:rPr lang="en-CA" dirty="0" smtClean="0"/>
-              <a:t>given as 18 </a:t>
-            </a:r>
-            <a:r>
-              <a:rPr lang="en-US" dirty="0" smtClean="0"/>
-              <a:t>kinds </a:t>
-            </a:r>
-            <a:r>
-              <a:rPr lang="en-US" dirty="0"/>
-              <a:t>of </a:t>
-            </a:r>
-            <a:r>
-              <a:rPr lang="en-US" dirty="0" smtClean="0"/>
-              <a:t>atoms</a:t>
-            </a:r>
-            <a:br>
-              <a:rPr lang="en-US" dirty="0" smtClean="0"/>
-            </a:br>
-            <a:r>
-              <a:rPr lang="en-US" dirty="0" smtClean="0"/>
-              <a:t>populating (elementary) </a:t>
-            </a:r>
-            <a:r>
-              <a:rPr lang="en-CA" dirty="0" err="1" smtClean="0"/>
-              <a:t>subcubes</a:t>
-            </a:r>
-            <a:r>
-              <a:rPr lang="en-CA" dirty="0" smtClean="0"/>
-              <a:t> </a:t>
-            </a:r>
-            <a:r>
-              <a:rPr lang="en-CA" dirty="0" err="1" smtClean="0"/>
-              <a:t>p</a:t>
-            </a:r>
-            <a:r>
-              <a:rPr lang="en-CA" i="1" dirty="0" err="1" smtClean="0"/>
-              <a:t>xi</a:t>
-            </a:r>
-            <a:r>
-              <a:rPr lang="en-CA" dirty="0" smtClean="0"/>
-              <a:t> (</a:t>
-            </a:r>
-            <a:r>
-              <a:rPr lang="en-CA" i="1" dirty="0" smtClean="0"/>
-              <a:t>x</a:t>
-            </a:r>
-            <a:r>
-              <a:rPr lang="en-CA" dirty="0" smtClean="0"/>
-              <a:t>=</a:t>
-            </a:r>
-            <a:r>
-              <a:rPr lang="en-CA" dirty="0" err="1" smtClean="0"/>
-              <a:t>n,v,p</a:t>
-            </a:r>
-            <a:r>
-              <a:rPr lang="en-CA" dirty="0" smtClean="0"/>
-              <a:t>; </a:t>
-            </a:r>
-            <a:r>
-              <a:rPr lang="en-CA" i="1" dirty="0" smtClean="0"/>
-              <a:t>i</a:t>
-            </a:r>
-            <a:r>
-              <a:rPr lang="en-CA" dirty="0" smtClean="0"/>
-              <a:t>=1,…,6)</a:t>
-            </a:r>
-            <a:endParaRPr lang="en-CA" i="1" dirty="0" smtClean="0"/>
-          </a:p>
-          <a:p>
-            <a:pPr marL="285750" indent="-285750">
-              <a:buFont typeface="Arial" charset="0"/>
-              <a:buChar char="•"/>
-            </a:pPr>
-            <a:r>
-              <a:rPr lang="en-CA" dirty="0" smtClean="0"/>
-              <a:t>Usually arranged</a:t>
-            </a:r>
-            <a:r>
-              <a:rPr lang="en-CA" dirty="0"/>
-              <a:t> </a:t>
-            </a:r>
-            <a:r>
-              <a:rPr lang="en-CA" dirty="0" smtClean="0"/>
-              <a:t>in 3 layers, </a:t>
-            </a:r>
-            <a:r>
-              <a:rPr lang="en-CA" dirty="0"/>
-              <a:t>each</a:t>
-            </a:r>
-            <a:r>
-              <a:rPr lang="en-US" dirty="0" smtClean="0"/>
-              <a:t> with </a:t>
-            </a:r>
-            <a:r>
-              <a:rPr lang="en-CA" dirty="0" smtClean="0"/>
-              <a:t>6 </a:t>
-            </a:r>
-            <a:r>
-              <a:rPr lang="en-CA" dirty="0" err="1" smtClean="0"/>
-              <a:t>subcubes</a:t>
-            </a:r>
-            <a:r>
-              <a:rPr lang="en-CA" dirty="0" smtClean="0"/>
-              <a:t>:</a:t>
-            </a:r>
-          </a:p>
-          <a:p>
-            <a:pPr marL="742950" lvl="1" indent="-285750">
-              <a:buFont typeface="Arial" charset="0"/>
-              <a:buChar char="•"/>
-            </a:pPr>
-            <a:r>
-              <a:rPr lang="en-CA" dirty="0"/>
-              <a:t>6 </a:t>
-            </a:r>
-            <a:r>
-              <a:rPr lang="en-CA" dirty="0" err="1" smtClean="0"/>
-              <a:t>perspeneutral</a:t>
-            </a:r>
-            <a:r>
-              <a:rPr lang="en-CA" dirty="0" smtClean="0"/>
-              <a:t> </a:t>
-            </a:r>
-            <a:r>
-              <a:rPr lang="en-CA" dirty="0" err="1" smtClean="0"/>
-              <a:t>subcubes</a:t>
-            </a:r>
-            <a:r>
-              <a:rPr lang="en-CA" dirty="0" smtClean="0"/>
-              <a:t> </a:t>
-            </a:r>
-            <a:r>
-              <a:rPr lang="en-CA" dirty="0"/>
-              <a:t>(</a:t>
-            </a:r>
-            <a:r>
-              <a:rPr lang="en-CA" i="1" dirty="0" smtClean="0"/>
-              <a:t>x</a:t>
-            </a:r>
-            <a:r>
-              <a:rPr lang="en-CA" dirty="0" smtClean="0"/>
-              <a:t>=n) </a:t>
-            </a:r>
-            <a:r>
-              <a:rPr lang="en-CA" dirty="0"/>
-              <a:t>vs. 6 perspectival </a:t>
-            </a:r>
-            <a:r>
-              <a:rPr lang="en-CA" dirty="0" err="1"/>
-              <a:t>subcubes</a:t>
-            </a:r>
-            <a:r>
-              <a:rPr lang="en-CA" dirty="0"/>
-              <a:t> (</a:t>
-            </a:r>
-            <a:r>
-              <a:rPr lang="en-CA" i="1" dirty="0" smtClean="0"/>
-              <a:t>x</a:t>
-            </a:r>
-            <a:r>
-              <a:rPr lang="en-CA" dirty="0" smtClean="0"/>
-              <a:t>=v) </a:t>
-            </a:r>
-            <a:r>
-              <a:rPr lang="en-CA" dirty="0"/>
-              <a:t>vs.</a:t>
-            </a:r>
-            <a:br>
-              <a:rPr lang="en-CA" dirty="0"/>
-            </a:br>
-            <a:r>
-              <a:rPr lang="en-CA" dirty="0"/>
-              <a:t>6 </a:t>
-            </a:r>
-            <a:r>
-              <a:rPr lang="en-CA" dirty="0" err="1"/>
-              <a:t>perspeneutral+perspectival</a:t>
-            </a:r>
-            <a:r>
-              <a:rPr lang="en-CA" dirty="0"/>
-              <a:t> </a:t>
-            </a:r>
-            <a:r>
-              <a:rPr lang="en-CA" dirty="0" err="1"/>
-              <a:t>subcubes</a:t>
-            </a:r>
-            <a:r>
-              <a:rPr lang="en-CA" dirty="0"/>
-              <a:t> (</a:t>
-            </a:r>
-            <a:r>
-              <a:rPr lang="en-CA" i="1" dirty="0" smtClean="0"/>
-              <a:t>x</a:t>
-            </a:r>
-            <a:r>
-              <a:rPr lang="en-CA" dirty="0" smtClean="0"/>
-              <a:t>=p)</a:t>
-            </a:r>
-            <a:endParaRPr lang="en-CA" i="1" dirty="0"/>
-          </a:p>
-          <a:p>
-            <a:pPr marL="285750" indent="-285750">
-              <a:buFont typeface="Arial" charset="0"/>
-              <a:buChar char="•"/>
-            </a:pPr>
-            <a:r>
-              <a:rPr lang="en-CA" dirty="0" smtClean="0"/>
-              <a:t>Core </a:t>
-            </a:r>
-            <a:r>
-              <a:rPr lang="en-CA" dirty="0" err="1" smtClean="0"/>
-              <a:t>metamodel</a:t>
-            </a:r>
-            <a:r>
-              <a:rPr lang="en-CA" dirty="0" smtClean="0"/>
-              <a:t> has</a:t>
-            </a:r>
-            <a:r>
-              <a:rPr lang="en-CA" dirty="0"/>
-              <a:t> 8 </a:t>
-            </a:r>
-            <a:r>
-              <a:rPr lang="en-CA" dirty="0" err="1"/>
-              <a:t>subcubes</a:t>
-            </a:r>
-            <a:r>
-              <a:rPr lang="en-CA" dirty="0" smtClean="0"/>
-              <a:t> </a:t>
-            </a:r>
-            <a:r>
-              <a:rPr lang="en-CA" dirty="0"/>
-              <a:t>arranged </a:t>
-            </a:r>
-            <a:r>
-              <a:rPr lang="en-CA" dirty="0" smtClean="0"/>
-              <a:t>in 2 </a:t>
-            </a:r>
-            <a:r>
-              <a:rPr lang="en-CA" dirty="0"/>
-              <a:t>layers</a:t>
-            </a:r>
-            <a:r>
-              <a:rPr lang="en-US" dirty="0"/>
-              <a:t> with </a:t>
-            </a:r>
-            <a:r>
-              <a:rPr lang="en-CA" dirty="0" smtClean="0"/>
-              <a:t>pn1-pn4 and pv1-pv4</a:t>
-            </a:r>
-          </a:p>
-          <a:p>
-            <a:pPr marL="742950" lvl="1" indent="-285750">
-              <a:buFont typeface="Arial" charset="0"/>
-              <a:buChar char="•"/>
-            </a:pPr>
-            <a:r>
-              <a:rPr lang="en-CA" dirty="0" smtClean="0"/>
-              <a:t>Contain pivotal </a:t>
-            </a:r>
-            <a:r>
-              <a:rPr lang="en-CA" dirty="0" err="1" smtClean="0"/>
-              <a:t>subcubes</a:t>
-            </a:r>
-            <a:r>
-              <a:rPr lang="en-CA" dirty="0"/>
-              <a:t> for </a:t>
-            </a:r>
-            <a:r>
-              <a:rPr lang="en-CA" dirty="0" smtClean="0"/>
-              <a:t>frame </a:t>
-            </a:r>
-            <a:r>
-              <a:rPr lang="en-CA" dirty="0"/>
-              <a:t>(pn4) and </a:t>
-            </a:r>
-            <a:r>
-              <a:rPr lang="en-CA" dirty="0" smtClean="0"/>
-              <a:t>relationship (pv1)</a:t>
-            </a:r>
-            <a:r>
-              <a:rPr lang="en-US" dirty="0"/>
-              <a:t> atoms</a:t>
-            </a:r>
-            <a:endParaRPr lang="en-CA" dirty="0" smtClean="0"/>
-          </a:p>
-          <a:p>
-            <a:pPr marL="285750" indent="-285750">
-              <a:buFont typeface="Arial" charset="0"/>
-              <a:buChar char="•"/>
-            </a:pPr>
-            <a:r>
-              <a:rPr lang="en-CA" dirty="0" smtClean="0"/>
-              <a:t>Other arrangements of all</a:t>
-            </a:r>
-            <a:r>
-              <a:rPr lang="en-CA" dirty="0"/>
-              <a:t> </a:t>
-            </a:r>
-            <a:r>
-              <a:rPr lang="en-CA" dirty="0" smtClean="0"/>
-              <a:t>18 (according to the OID and descriptor dimensions):</a:t>
-            </a:r>
-          </a:p>
-          <a:p>
-            <a:pPr marL="742950" lvl="1" indent="-285750">
-              <a:buFont typeface="Arial" charset="0"/>
-              <a:buChar char="•"/>
-            </a:pPr>
-            <a:r>
-              <a:rPr lang="en-CA" dirty="0" smtClean="0"/>
-              <a:t>9 </a:t>
-            </a:r>
-            <a:r>
-              <a:rPr lang="en-CA" dirty="0" err="1" smtClean="0"/>
-              <a:t>oidless</a:t>
-            </a:r>
-            <a:r>
-              <a:rPr lang="en-CA" dirty="0" smtClean="0"/>
-              <a:t> </a:t>
-            </a:r>
-            <a:r>
-              <a:rPr lang="en-CA" dirty="0" err="1"/>
-              <a:t>subcubes</a:t>
-            </a:r>
-            <a:r>
-              <a:rPr lang="en-CA" dirty="0"/>
-              <a:t> </a:t>
-            </a:r>
-            <a:r>
-              <a:rPr lang="en-CA" dirty="0" smtClean="0"/>
-              <a:t>(</a:t>
-            </a:r>
-            <a:r>
-              <a:rPr lang="en-CA" i="1" dirty="0"/>
-              <a:t>x</a:t>
-            </a:r>
-            <a:r>
-              <a:rPr lang="en-CA" dirty="0"/>
-              <a:t>=</a:t>
-            </a:r>
-            <a:r>
-              <a:rPr lang="en-CA" dirty="0" err="1"/>
-              <a:t>n,v,p</a:t>
-            </a:r>
-            <a:r>
-              <a:rPr lang="en-CA" dirty="0"/>
-              <a:t>; </a:t>
-            </a:r>
-            <a:r>
-              <a:rPr lang="en-CA" i="1" dirty="0" smtClean="0"/>
-              <a:t>i</a:t>
-            </a:r>
-            <a:r>
-              <a:rPr lang="en-CA" dirty="0" smtClean="0"/>
-              <a:t>=1,3,5) vs.</a:t>
-            </a:r>
-            <a:r>
-              <a:rPr lang="en-CA" dirty="0"/>
-              <a:t> 9 </a:t>
-            </a:r>
-            <a:r>
-              <a:rPr lang="en-CA" dirty="0" err="1"/>
-              <a:t>oidful</a:t>
-            </a:r>
-            <a:r>
-              <a:rPr lang="en-CA" dirty="0"/>
-              <a:t> </a:t>
-            </a:r>
-            <a:r>
-              <a:rPr lang="en-CA" dirty="0" err="1"/>
-              <a:t>subcubes</a:t>
-            </a:r>
-            <a:r>
-              <a:rPr lang="en-CA" dirty="0"/>
-              <a:t> (</a:t>
-            </a:r>
-            <a:r>
-              <a:rPr lang="en-CA" i="1" dirty="0"/>
-              <a:t>x</a:t>
-            </a:r>
-            <a:r>
-              <a:rPr lang="en-CA" dirty="0"/>
-              <a:t>=</a:t>
-            </a:r>
-            <a:r>
-              <a:rPr lang="en-CA" dirty="0" err="1"/>
-              <a:t>n,v,p</a:t>
-            </a:r>
-            <a:r>
-              <a:rPr lang="en-CA" dirty="0"/>
-              <a:t>; </a:t>
-            </a:r>
-            <a:r>
-              <a:rPr lang="en-CA" i="1" dirty="0" smtClean="0"/>
-              <a:t>i</a:t>
-            </a:r>
-            <a:r>
-              <a:rPr lang="en-CA" dirty="0" smtClean="0"/>
-              <a:t>=2,4,6)</a:t>
-            </a:r>
-          </a:p>
-          <a:p>
-            <a:pPr marL="742950" lvl="1" indent="-285750">
-              <a:buFont typeface="Arial" charset="0"/>
-              <a:buChar char="•"/>
-            </a:pPr>
-            <a:r>
-              <a:rPr lang="en-CA" dirty="0"/>
-              <a:t>6 </a:t>
-            </a:r>
-            <a:r>
-              <a:rPr lang="en-CA" dirty="0" err="1" smtClean="0"/>
-              <a:t>tupled</a:t>
-            </a:r>
-            <a:r>
-              <a:rPr lang="en-CA" dirty="0"/>
-              <a:t> </a:t>
-            </a:r>
-            <a:r>
-              <a:rPr lang="en-CA" dirty="0" err="1"/>
-              <a:t>subcubes</a:t>
-            </a:r>
-            <a:r>
-              <a:rPr lang="en-CA" dirty="0"/>
-              <a:t> </a:t>
-            </a:r>
-            <a:r>
-              <a:rPr lang="en-CA" dirty="0" smtClean="0"/>
-              <a:t>(</a:t>
-            </a:r>
-            <a:r>
-              <a:rPr lang="en-CA" i="1" dirty="0"/>
-              <a:t>x</a:t>
-            </a:r>
-            <a:r>
-              <a:rPr lang="en-CA" dirty="0"/>
-              <a:t>=</a:t>
-            </a:r>
-            <a:r>
-              <a:rPr lang="en-CA" dirty="0" err="1"/>
-              <a:t>n,v,p</a:t>
-            </a:r>
-            <a:r>
-              <a:rPr lang="en-CA" dirty="0"/>
-              <a:t>; </a:t>
-            </a:r>
-            <a:r>
-              <a:rPr lang="en-CA" i="1" dirty="0" smtClean="0"/>
-              <a:t>i</a:t>
-            </a:r>
-            <a:r>
-              <a:rPr lang="en-CA" dirty="0" smtClean="0"/>
-              <a:t>=1,2) vs</a:t>
-            </a:r>
-            <a:r>
-              <a:rPr lang="en-CA" dirty="0"/>
-              <a:t>. </a:t>
-            </a:r>
-            <a:r>
-              <a:rPr lang="en-CA" dirty="0" smtClean="0"/>
-              <a:t>6 slotted</a:t>
-            </a:r>
-            <a:r>
-              <a:rPr lang="en-CA" dirty="0"/>
-              <a:t> </a:t>
-            </a:r>
-            <a:r>
-              <a:rPr lang="en-CA" dirty="0" err="1"/>
-              <a:t>subcubes</a:t>
-            </a:r>
-            <a:r>
-              <a:rPr lang="en-CA" dirty="0"/>
-              <a:t> </a:t>
-            </a:r>
-            <a:r>
-              <a:rPr lang="en-CA" dirty="0" smtClean="0"/>
-              <a:t>(</a:t>
-            </a:r>
-            <a:r>
-              <a:rPr lang="en-CA" i="1" dirty="0"/>
-              <a:t>x</a:t>
-            </a:r>
-            <a:r>
-              <a:rPr lang="en-CA" dirty="0"/>
-              <a:t>=</a:t>
-            </a:r>
-            <a:r>
-              <a:rPr lang="en-CA" dirty="0" err="1"/>
-              <a:t>n,v,p</a:t>
-            </a:r>
-            <a:r>
-              <a:rPr lang="en-CA" dirty="0"/>
-              <a:t>; </a:t>
-            </a:r>
-            <a:r>
-              <a:rPr lang="en-CA" i="1" dirty="0" smtClean="0"/>
-              <a:t>i</a:t>
-            </a:r>
-            <a:r>
-              <a:rPr lang="en-CA" dirty="0" smtClean="0"/>
-              <a:t>=3,4) vs.</a:t>
-            </a:r>
-            <a:br>
-              <a:rPr lang="en-CA" dirty="0" smtClean="0"/>
-            </a:br>
-            <a:r>
-              <a:rPr lang="en-CA" dirty="0" smtClean="0"/>
-              <a:t>6 </a:t>
-            </a:r>
-            <a:r>
-              <a:rPr lang="en-CA" dirty="0" err="1" smtClean="0"/>
-              <a:t>tupled+slotted</a:t>
-            </a:r>
-            <a:r>
-              <a:rPr lang="en-CA" dirty="0" smtClean="0"/>
-              <a:t> </a:t>
-            </a:r>
-            <a:r>
-              <a:rPr lang="en-CA" dirty="0" err="1"/>
-              <a:t>subcubes</a:t>
-            </a:r>
-            <a:r>
-              <a:rPr lang="en-CA" dirty="0"/>
-              <a:t> </a:t>
-            </a:r>
-            <a:r>
-              <a:rPr lang="en-CA" dirty="0" smtClean="0"/>
-              <a:t>(</a:t>
-            </a:r>
-            <a:r>
-              <a:rPr lang="en-CA" i="1" dirty="0"/>
-              <a:t>x</a:t>
-            </a:r>
-            <a:r>
-              <a:rPr lang="en-CA" dirty="0"/>
-              <a:t>=</a:t>
-            </a:r>
-            <a:r>
-              <a:rPr lang="en-CA" dirty="0" err="1"/>
-              <a:t>n,v,p</a:t>
-            </a:r>
-            <a:r>
-              <a:rPr lang="en-CA" dirty="0"/>
-              <a:t>; </a:t>
-            </a:r>
-            <a:r>
-              <a:rPr lang="en-CA" i="1" dirty="0" smtClean="0"/>
-              <a:t>i</a:t>
-            </a:r>
-            <a:r>
-              <a:rPr lang="en-CA" dirty="0" smtClean="0"/>
-              <a:t>=5,6)</a:t>
-            </a:r>
-            <a:endParaRPr lang="en-CA" i="1" dirty="0"/>
-          </a:p>
-          <a:p>
-            <a:endParaRPr lang="en-CA" dirty="0"/>
-          </a:p>
-          <a:p>
-            <a:pPr marL="285750" indent="-285750">
-              <a:buFont typeface="Arial" charset="0"/>
-              <a:buChar char="•"/>
-            </a:pPr>
-            <a:endParaRPr lang="en-CA" dirty="0" smtClean="0"/>
-          </a:p>
-          <a:p>
-            <a:pPr marL="285750" indent="-285750">
-              <a:buFont typeface="Arial" charset="0"/>
-              <a:buChar char="•"/>
-            </a:pPr>
-            <a:endParaRPr lang="en-CA" dirty="0"/>
-          </a:p>
-        </p:txBody>
-      </p:sp>
-    </p:spTree>
-    <p:extLst>
-      <p:ext uri="{BB962C8B-B14F-4D97-AF65-F5344CB8AC3E}">
-        <p14:creationId xmlns:p14="http://schemas.microsoft.com/office/powerpoint/2010/main" val="1382929786"/>
-      </p:ext>
-    </p:extLst>
-  </p:cSld>
-  <p:clrMapOvr>
-    <a:masterClrMapping/>
-  </p:clrMapOvr>
 </p:sld>
 </file>
 

--- a/talks/PSOAMetamodelGrailogWedding.pptx
+++ b/talks/PSOAMetamodelGrailogWedding.pptx
@@ -5,7 +5,7 @@
     <p:sldMasterId id="2147483648" r:id="rId1"/>
   </p:sldMasterIdLst>
   <p:notesMasterIdLst>
-    <p:notesMasterId r:id="rId11"/>
+    <p:notesMasterId r:id="rId17"/>
   </p:notesMasterIdLst>
   <p:sldIdLst>
     <p:sldId id="265" r:id="rId2"/>
@@ -17,6 +17,12 @@
     <p:sldId id="259" r:id="rId8"/>
     <p:sldId id="261" r:id="rId9"/>
     <p:sldId id="262" r:id="rId10"/>
+    <p:sldId id="267" r:id="rId11"/>
+    <p:sldId id="268" r:id="rId12"/>
+    <p:sldId id="269" r:id="rId13"/>
+    <p:sldId id="270" r:id="rId14"/>
+    <p:sldId id="271" r:id="rId15"/>
+    <p:sldId id="272" r:id="rId16"/>
   </p:sldIdLst>
   <p:sldSz cx="9144000" cy="6858000" type="screen4x3"/>
   <p:notesSz cx="6858000" cy="9144000"/>
@@ -3854,6 +3860,4334 @@
 </p:sld>
 </file>
 
+<file path=ppt/slides/slide10.xml><?xml version="1.0" encoding="utf-8"?>
+<p:sld xmlns:a="http://schemas.openxmlformats.org/drawingml/2006/main" xmlns:r="http://schemas.openxmlformats.org/officeDocument/2006/relationships" xmlns:p="http://schemas.openxmlformats.org/presentationml/2006/main">
+  <p:cSld>
+    <p:spTree>
+      <p:nvGrpSpPr>
+        <p:cNvPr id="1" name=""/>
+        <p:cNvGrpSpPr/>
+        <p:nvPr/>
+      </p:nvGrpSpPr>
+      <p:grpSpPr>
+        <a:xfrm>
+          <a:off x="0" y="0"/>
+          <a:ext cx="0" cy="0"/>
+          <a:chOff x="0" y="0"/>
+          <a:chExt cx="0" cy="0"/>
+        </a:xfrm>
+      </p:grpSpPr>
+      <p:sp>
+        <p:nvSpPr>
+          <p:cNvPr id="393" name="TextBox 392"/>
+          <p:cNvSpPr txBox="1"/>
+          <p:nvPr/>
+        </p:nvSpPr>
+        <p:spPr>
+          <a:xfrm>
+            <a:off x="971600" y="1835532"/>
+            <a:ext cx="545342" cy="369332"/>
+          </a:xfrm>
+          <a:prstGeom prst="rect">
+            <a:avLst/>
+          </a:prstGeom>
+          <a:noFill/>
+        </p:spPr>
+        <p:txBody>
+          <a:bodyPr wrap="none" rtlCol="0">
+            <a:spAutoFit/>
+          </a:bodyPr>
+          <a:lstStyle/>
+          <a:p>
+            <a:r>
+              <a:rPr lang="en-CA" dirty="0" smtClean="0"/>
+              <a:t>pn1</a:t>
+            </a:r>
+            <a:endParaRPr lang="en-CA" dirty="0"/>
+          </a:p>
+        </p:txBody>
+      </p:sp>
+      <p:sp>
+        <p:nvSpPr>
+          <p:cNvPr id="396" name="TextBox 395"/>
+          <p:cNvSpPr txBox="1"/>
+          <p:nvPr/>
+        </p:nvSpPr>
+        <p:spPr>
+          <a:xfrm>
+            <a:off x="971600" y="5805264"/>
+            <a:ext cx="1319336" cy="369332"/>
+          </a:xfrm>
+          <a:prstGeom prst="rect">
+            <a:avLst/>
+          </a:prstGeom>
+          <a:noFill/>
+        </p:spPr>
+        <p:txBody>
+          <a:bodyPr wrap="none" rtlCol="0">
+            <a:spAutoFit/>
+          </a:bodyPr>
+          <a:lstStyle/>
+          <a:p>
+            <a:r>
+              <a:rPr lang="en-CA" dirty="0" smtClean="0"/>
+              <a:t>pn4: </a:t>
+            </a:r>
+            <a:r>
+              <a:rPr lang="en-CA" b="1" dirty="0"/>
+              <a:t>frames</a:t>
+            </a:r>
+            <a:endParaRPr lang="en-CA" dirty="0"/>
+          </a:p>
+        </p:txBody>
+      </p:sp>
+      <p:sp>
+        <p:nvSpPr>
+          <p:cNvPr id="397" name="TextBox 396"/>
+          <p:cNvSpPr txBox="1"/>
+          <p:nvPr/>
+        </p:nvSpPr>
+        <p:spPr>
+          <a:xfrm>
+            <a:off x="971600" y="4355812"/>
+            <a:ext cx="545342" cy="369332"/>
+          </a:xfrm>
+          <a:prstGeom prst="rect">
+            <a:avLst/>
+          </a:prstGeom>
+          <a:noFill/>
+        </p:spPr>
+        <p:txBody>
+          <a:bodyPr wrap="none" rtlCol="0">
+            <a:spAutoFit/>
+          </a:bodyPr>
+          <a:lstStyle/>
+          <a:p>
+            <a:r>
+              <a:rPr lang="en-CA" dirty="0" smtClean="0"/>
+              <a:t>pn3</a:t>
+            </a:r>
+            <a:endParaRPr lang="en-CA" dirty="0"/>
+          </a:p>
+        </p:txBody>
+      </p:sp>
+      <p:sp>
+        <p:nvSpPr>
+          <p:cNvPr id="430" name="TextBox 429"/>
+          <p:cNvSpPr txBox="1"/>
+          <p:nvPr/>
+        </p:nvSpPr>
+        <p:spPr>
+          <a:xfrm>
+            <a:off x="971600" y="2854677"/>
+            <a:ext cx="1819729" cy="646331"/>
+          </a:xfrm>
+          <a:prstGeom prst="rect">
+            <a:avLst/>
+          </a:prstGeom>
+          <a:noFill/>
+        </p:spPr>
+        <p:txBody>
+          <a:bodyPr wrap="none" rtlCol="0">
+            <a:spAutoFit/>
+          </a:bodyPr>
+          <a:lstStyle/>
+          <a:p>
+            <a:r>
+              <a:rPr lang="en-CA" dirty="0"/>
+              <a:t>pn2. </a:t>
+            </a:r>
+            <a:r>
+              <a:rPr lang="en-CA" dirty="0" smtClean="0"/>
+              <a:t>single-tuple:</a:t>
+            </a:r>
+          </a:p>
+          <a:p>
+            <a:r>
+              <a:rPr lang="en-CA" dirty="0" smtClean="0"/>
+              <a:t>shelves</a:t>
+            </a:r>
+            <a:endParaRPr lang="en-CA" dirty="0"/>
+          </a:p>
+        </p:txBody>
+      </p:sp>
+      <p:sp>
+        <p:nvSpPr>
+          <p:cNvPr id="2" name="TextBox 1"/>
+          <p:cNvSpPr txBox="1"/>
+          <p:nvPr/>
+        </p:nvSpPr>
+        <p:spPr>
+          <a:xfrm>
+            <a:off x="971600" y="1156682"/>
+            <a:ext cx="6943696" cy="400110"/>
+          </a:xfrm>
+          <a:prstGeom prst="rect">
+            <a:avLst/>
+          </a:prstGeom>
+          <a:noFill/>
+        </p:spPr>
+        <p:txBody>
+          <a:bodyPr wrap="none" rtlCol="0">
+            <a:spAutoFit/>
+          </a:bodyPr>
+          <a:lstStyle/>
+          <a:p>
+            <a:r>
+              <a:rPr lang="en-CA" sz="2000" dirty="0" smtClean="0"/>
+              <a:t>Core </a:t>
+            </a:r>
+            <a:r>
+              <a:rPr lang="en-CA" sz="2000" dirty="0" err="1" smtClean="0"/>
+              <a:t>oidless</a:t>
+            </a:r>
+            <a:r>
+              <a:rPr lang="en-CA" sz="2000" dirty="0" smtClean="0"/>
+              <a:t>/</a:t>
+            </a:r>
+            <a:r>
+              <a:rPr lang="en-CA" sz="2000" dirty="0" err="1" smtClean="0"/>
+              <a:t>oidful</a:t>
+            </a:r>
+            <a:r>
+              <a:rPr lang="en-CA" sz="2000" dirty="0"/>
+              <a:t>, </a:t>
+            </a:r>
+            <a:r>
+              <a:rPr lang="en-CA" sz="2000" dirty="0" err="1" smtClean="0"/>
+              <a:t>tupled</a:t>
+            </a:r>
+            <a:r>
+              <a:rPr lang="en-CA" sz="2000" dirty="0" smtClean="0"/>
+              <a:t>/slotted atoms that are </a:t>
+            </a:r>
+            <a:r>
+              <a:rPr lang="en-CA" sz="2000" b="1" dirty="0" err="1"/>
+              <a:t>p</a:t>
+            </a:r>
+            <a:r>
+              <a:rPr lang="en-CA" sz="2000" dirty="0" err="1" smtClean="0"/>
+              <a:t>erspe</a:t>
+            </a:r>
+            <a:r>
+              <a:rPr lang="en-CA" sz="2000" b="1" dirty="0" err="1" smtClean="0"/>
+              <a:t>n</a:t>
+            </a:r>
+            <a:r>
+              <a:rPr lang="en-CA" sz="2000" dirty="0" err="1" smtClean="0"/>
+              <a:t>eutral</a:t>
+            </a:r>
+            <a:r>
+              <a:rPr lang="en-CA" sz="2000" dirty="0" smtClean="0"/>
+              <a:t>:</a:t>
+            </a:r>
+            <a:endParaRPr lang="en-CA" sz="2000" dirty="0"/>
+          </a:p>
+        </p:txBody>
+      </p:sp>
+      <p:sp>
+        <p:nvSpPr>
+          <p:cNvPr id="4" name="Slide Number Placeholder 3"/>
+          <p:cNvSpPr>
+            <a:spLocks noGrp="1"/>
+          </p:cNvSpPr>
+          <p:nvPr>
+            <p:ph type="sldNum" sz="quarter" idx="12"/>
+          </p:nvPr>
+        </p:nvSpPr>
+        <p:spPr/>
+        <p:txBody>
+          <a:bodyPr/>
+          <a:lstStyle/>
+          <a:p>
+            <a:fld id="{69E3CB01-9E1A-4A3C-8DCA-3238C6551500}" type="slidenum">
+              <a:rPr lang="en-CA" smtClean="0"/>
+              <a:t>10</a:t>
+            </a:fld>
+            <a:endParaRPr lang="en-CA"/>
+          </a:p>
+        </p:txBody>
+      </p:sp>
+      <p:sp>
+        <p:nvSpPr>
+          <p:cNvPr id="5" name="TextBox 4"/>
+          <p:cNvSpPr txBox="1"/>
+          <p:nvPr/>
+        </p:nvSpPr>
+        <p:spPr>
+          <a:xfrm>
+            <a:off x="971600" y="2306753"/>
+            <a:ext cx="1643399" cy="307777"/>
+          </a:xfrm>
+          <a:prstGeom prst="rect">
+            <a:avLst/>
+          </a:prstGeom>
+          <a:noFill/>
+        </p:spPr>
+        <p:txBody>
+          <a:bodyPr wrap="none" rtlCol="0">
+            <a:spAutoFit/>
+          </a:bodyPr>
+          <a:lstStyle/>
+          <a:p>
+            <a:r>
+              <a:rPr lang="en-CA" sz="1400" dirty="0" smtClean="0">
+                <a:solidFill>
+                  <a:schemeClr val="accent3">
+                    <a:lumMod val="50000"/>
+                  </a:schemeClr>
+                </a:solidFill>
+              </a:rPr>
+              <a:t>f</a:t>
+            </a:r>
+            <a:r>
+              <a:rPr lang="en-CA" sz="1400" dirty="0">
+                <a:solidFill>
+                  <a:schemeClr val="accent3">
+                    <a:lumMod val="50000"/>
+                  </a:schemeClr>
+                </a:solidFill>
+              </a:rPr>
+              <a:t>(-[</a:t>
+            </a:r>
+            <a:r>
+              <a:rPr lang="en-CA" sz="1400" dirty="0">
+                <a:solidFill>
+                  <a:schemeClr val="accent3">
+                    <a:lumMod val="50000"/>
+                  </a:schemeClr>
+                </a:solidFill>
+              </a:rPr>
+              <a:t>t ... t</a:t>
+            </a:r>
+            <a:r>
+              <a:rPr lang="en-CA" sz="1400" dirty="0">
+                <a:solidFill>
+                  <a:schemeClr val="accent3">
+                    <a:lumMod val="50000"/>
+                  </a:schemeClr>
+                </a:solidFill>
+              </a:rPr>
+              <a:t>] . . . -[</a:t>
+            </a:r>
+            <a:r>
+              <a:rPr lang="en-CA" sz="1400" dirty="0">
+                <a:solidFill>
+                  <a:schemeClr val="accent3">
+                    <a:lumMod val="50000"/>
+                  </a:schemeClr>
+                </a:solidFill>
+              </a:rPr>
+              <a:t>t ... t</a:t>
+            </a:r>
+            <a:r>
+              <a:rPr lang="en-CA" sz="1400" dirty="0">
+                <a:solidFill>
+                  <a:schemeClr val="accent3">
+                    <a:lumMod val="50000"/>
+                  </a:schemeClr>
+                </a:solidFill>
+              </a:rPr>
+              <a:t>])</a:t>
+            </a:r>
+            <a:endParaRPr lang="en-CA" sz="1400" dirty="0">
+              <a:solidFill>
+                <a:schemeClr val="accent3">
+                  <a:lumMod val="50000"/>
+                </a:schemeClr>
+              </a:solidFill>
+            </a:endParaRPr>
+          </a:p>
+        </p:txBody>
+      </p:sp>
+      <p:sp>
+        <p:nvSpPr>
+          <p:cNvPr id="160" name="TextBox 159"/>
+          <p:cNvSpPr txBox="1"/>
+          <p:nvPr/>
+        </p:nvSpPr>
+        <p:spPr>
+          <a:xfrm>
+            <a:off x="971600" y="5024209"/>
+            <a:ext cx="1324402" cy="307777"/>
+          </a:xfrm>
+          <a:prstGeom prst="rect">
+            <a:avLst/>
+          </a:prstGeom>
+          <a:noFill/>
+        </p:spPr>
+        <p:txBody>
+          <a:bodyPr wrap="none" rtlCol="0">
+            <a:spAutoFit/>
+          </a:bodyPr>
+          <a:lstStyle/>
+          <a:p>
+            <a:r>
+              <a:rPr lang="en-CA" sz="1400" dirty="0" smtClean="0">
+                <a:solidFill>
+                  <a:schemeClr val="accent3">
+                    <a:lumMod val="50000"/>
+                  </a:schemeClr>
+                </a:solidFill>
+              </a:rPr>
+              <a:t>f(p-</a:t>
+            </a:r>
+            <a:r>
+              <a:rPr lang="en-CA" sz="1400" dirty="0">
+                <a:solidFill>
+                  <a:schemeClr val="accent3">
+                    <a:lumMod val="50000"/>
+                  </a:schemeClr>
+                </a:solidFill>
+              </a:rPr>
+              <a:t>&gt;</a:t>
+            </a:r>
+            <a:r>
+              <a:rPr lang="en-CA" sz="1400" dirty="0" smtClean="0">
+                <a:solidFill>
+                  <a:schemeClr val="accent3">
+                    <a:lumMod val="50000"/>
+                  </a:schemeClr>
+                </a:solidFill>
+              </a:rPr>
+              <a:t>v</a:t>
+            </a:r>
+            <a:r>
+              <a:rPr lang="en-CA" sz="1400" dirty="0">
+                <a:solidFill>
+                  <a:schemeClr val="accent3">
+                    <a:lumMod val="50000"/>
+                  </a:schemeClr>
+                </a:solidFill>
+              </a:rPr>
+              <a:t> . . </a:t>
+            </a:r>
+            <a:r>
+              <a:rPr lang="en-CA" sz="1400" dirty="0" smtClean="0">
+                <a:solidFill>
+                  <a:schemeClr val="accent3">
+                    <a:lumMod val="50000"/>
+                  </a:schemeClr>
+                </a:solidFill>
+              </a:rPr>
+              <a:t>. </a:t>
+            </a:r>
+            <a:r>
+              <a:rPr lang="en-CA" sz="1400" dirty="0">
+                <a:solidFill>
+                  <a:schemeClr val="accent3">
+                    <a:lumMod val="50000"/>
+                  </a:schemeClr>
+                </a:solidFill>
+              </a:rPr>
+              <a:t>p-&gt;</a:t>
+            </a:r>
+            <a:r>
+              <a:rPr lang="en-CA" sz="1400" dirty="0" smtClean="0">
+                <a:solidFill>
+                  <a:schemeClr val="accent3">
+                    <a:lumMod val="50000"/>
+                  </a:schemeClr>
+                </a:solidFill>
+              </a:rPr>
+              <a:t>v)</a:t>
+            </a:r>
+            <a:endParaRPr lang="en-CA" sz="1400" dirty="0">
+              <a:solidFill>
+                <a:schemeClr val="accent3">
+                  <a:lumMod val="50000"/>
+                </a:schemeClr>
+              </a:solidFill>
+            </a:endParaRPr>
+          </a:p>
+        </p:txBody>
+      </p:sp>
+      <p:sp>
+        <p:nvSpPr>
+          <p:cNvPr id="161" name="TextBox 160"/>
+          <p:cNvSpPr txBox="1"/>
+          <p:nvPr/>
+        </p:nvSpPr>
+        <p:spPr>
+          <a:xfrm>
+            <a:off x="971600" y="6329645"/>
+            <a:ext cx="1468672" cy="307777"/>
+          </a:xfrm>
+          <a:prstGeom prst="rect">
+            <a:avLst/>
+          </a:prstGeom>
+          <a:noFill/>
+        </p:spPr>
+        <p:txBody>
+          <a:bodyPr wrap="none" rtlCol="0">
+            <a:spAutoFit/>
+          </a:bodyPr>
+          <a:lstStyle/>
+          <a:p>
+            <a:r>
+              <a:rPr lang="en-CA" sz="1400" dirty="0" err="1">
+                <a:solidFill>
+                  <a:schemeClr val="accent3">
+                    <a:lumMod val="50000"/>
+                  </a:schemeClr>
+                </a:solidFill>
+              </a:rPr>
+              <a:t>o</a:t>
+            </a:r>
+            <a:r>
+              <a:rPr lang="en-CA" sz="1400" dirty="0" err="1" smtClean="0">
+                <a:solidFill>
+                  <a:schemeClr val="accent3">
+                    <a:lumMod val="50000"/>
+                  </a:schemeClr>
+                </a:solidFill>
+              </a:rPr>
+              <a:t>#f</a:t>
+            </a:r>
+            <a:r>
+              <a:rPr lang="en-CA" sz="1400" dirty="0" smtClean="0">
+                <a:solidFill>
+                  <a:schemeClr val="accent3">
+                    <a:lumMod val="50000"/>
+                  </a:schemeClr>
+                </a:solidFill>
+              </a:rPr>
+              <a:t>(p-</a:t>
+            </a:r>
+            <a:r>
+              <a:rPr lang="en-CA" sz="1400" dirty="0">
+                <a:solidFill>
+                  <a:schemeClr val="accent3">
+                    <a:lumMod val="50000"/>
+                  </a:schemeClr>
+                </a:solidFill>
+              </a:rPr>
+              <a:t>&gt;v . . . p-&gt;v)</a:t>
+            </a:r>
+            <a:endParaRPr lang="en-CA" sz="1400" dirty="0">
+              <a:solidFill>
+                <a:schemeClr val="accent3">
+                  <a:lumMod val="50000"/>
+                </a:schemeClr>
+              </a:solidFill>
+            </a:endParaRPr>
+          </a:p>
+        </p:txBody>
+      </p:sp>
+      <p:sp>
+        <p:nvSpPr>
+          <p:cNvPr id="162" name="Title 1"/>
+          <p:cNvSpPr txBox="1">
+            <a:spLocks/>
+          </p:cNvSpPr>
+          <p:nvPr/>
+        </p:nvSpPr>
+        <p:spPr>
+          <a:xfrm>
+            <a:off x="35496" y="260648"/>
+            <a:ext cx="9108504" cy="762000"/>
+          </a:xfrm>
+          <a:prstGeom prst="rect">
+            <a:avLst/>
+          </a:prstGeom>
+        </p:spPr>
+        <p:txBody>
+          <a:bodyPr>
+            <a:noAutofit/>
+          </a:bodyPr>
+          <a:lstStyle>
+            <a:lvl1pPr algn="ctr" defTabSz="914400" rtl="0" eaLnBrk="1" latinLnBrk="0" hangingPunct="1">
+              <a:spcBef>
+                <a:spcPct val="0"/>
+              </a:spcBef>
+              <a:buNone/>
+              <a:defRPr sz="4400" kern="1200">
+                <a:solidFill>
+                  <a:schemeClr val="tx1"/>
+                </a:solidFill>
+                <a:latin typeface="+mj-lt"/>
+                <a:ea typeface="+mj-ea"/>
+                <a:cs typeface="+mj-cs"/>
+              </a:defRPr>
+            </a:lvl1pPr>
+          </a:lstStyle>
+          <a:p>
+            <a:r>
+              <a:rPr lang="en-CA" altLang="en-US" sz="4800" dirty="0"/>
+              <a:t>Syntax </a:t>
+            </a:r>
+            <a:r>
+              <a:rPr lang="en-CA" altLang="en-US" sz="4800" dirty="0" smtClean="0"/>
+              <a:t>and </a:t>
+            </a:r>
+            <a:r>
+              <a:rPr lang="en-CA" sz="4800" dirty="0" smtClean="0"/>
+              <a:t>Semantics </a:t>
+            </a:r>
+            <a:r>
+              <a:rPr lang="en-CA" altLang="en-US" sz="4800" dirty="0" smtClean="0"/>
+              <a:t>of Atoms</a:t>
+            </a:r>
+            <a:endParaRPr lang="en-CA" sz="4500" dirty="0"/>
+          </a:p>
+        </p:txBody>
+      </p:sp>
+      <p:sp>
+        <p:nvSpPr>
+          <p:cNvPr id="151" name="TextBox 150"/>
+          <p:cNvSpPr txBox="1"/>
+          <p:nvPr/>
+        </p:nvSpPr>
+        <p:spPr>
+          <a:xfrm>
+            <a:off x="3851920" y="2306753"/>
+            <a:ext cx="5103257" cy="307777"/>
+          </a:xfrm>
+          <a:prstGeom prst="rect">
+            <a:avLst/>
+          </a:prstGeom>
+          <a:noFill/>
+        </p:spPr>
+        <p:txBody>
+          <a:bodyPr wrap="none" rtlCol="0">
+            <a:spAutoFit/>
+          </a:bodyPr>
+          <a:lstStyle/>
+          <a:p>
+            <a:r>
+              <a:rPr lang="en-CA" sz="1400" dirty="0" smtClean="0"/>
+              <a:t>Implicit existential OID; tuples </a:t>
+            </a:r>
+            <a:r>
+              <a:rPr lang="en-CA" sz="1400" dirty="0" smtClean="0">
+                <a:solidFill>
+                  <a:schemeClr val="accent3">
+                    <a:lumMod val="50000"/>
+                  </a:schemeClr>
+                </a:solidFill>
+              </a:rPr>
+              <a:t>-[</a:t>
+            </a:r>
+            <a:r>
+              <a:rPr lang="en-CA" sz="1400" dirty="0">
+                <a:solidFill>
+                  <a:schemeClr val="accent3">
+                    <a:lumMod val="50000"/>
+                  </a:schemeClr>
+                </a:solidFill>
+              </a:rPr>
+              <a:t>t ... t</a:t>
+            </a:r>
+            <a:r>
+              <a:rPr lang="en-CA" sz="1400" dirty="0" smtClean="0">
+                <a:solidFill>
+                  <a:schemeClr val="accent3">
+                    <a:lumMod val="50000"/>
+                  </a:schemeClr>
+                </a:solidFill>
+              </a:rPr>
+              <a:t>]</a:t>
+            </a:r>
+            <a:r>
+              <a:rPr lang="en-CA" sz="1400" dirty="0" smtClean="0"/>
+              <a:t> independent from predicate </a:t>
+            </a:r>
+            <a:r>
+              <a:rPr lang="en-CA" sz="1400" dirty="0">
+                <a:solidFill>
+                  <a:schemeClr val="accent3">
+                    <a:lumMod val="50000"/>
+                  </a:schemeClr>
+                </a:solidFill>
+              </a:rPr>
+              <a:t>f</a:t>
+            </a:r>
+          </a:p>
+        </p:txBody>
+      </p:sp>
+      <p:sp>
+        <p:nvSpPr>
+          <p:cNvPr id="152" name="TextBox 151"/>
+          <p:cNvSpPr txBox="1"/>
+          <p:nvPr/>
+        </p:nvSpPr>
+        <p:spPr>
+          <a:xfrm>
+            <a:off x="971600" y="3697287"/>
+            <a:ext cx="1827744" cy="307777"/>
+          </a:xfrm>
+          <a:prstGeom prst="rect">
+            <a:avLst/>
+          </a:prstGeom>
+          <a:noFill/>
+        </p:spPr>
+        <p:txBody>
+          <a:bodyPr wrap="none" rtlCol="0">
+            <a:spAutoFit/>
+          </a:bodyPr>
+          <a:lstStyle/>
+          <a:p>
+            <a:r>
+              <a:rPr lang="en-CA" sz="1400" dirty="0" err="1" smtClean="0">
+                <a:solidFill>
+                  <a:schemeClr val="accent3">
+                    <a:lumMod val="50000"/>
+                  </a:schemeClr>
+                </a:solidFill>
+              </a:rPr>
+              <a:t>o#f</a:t>
+            </a:r>
+            <a:r>
+              <a:rPr lang="en-CA" sz="1400" dirty="0" smtClean="0">
+                <a:solidFill>
+                  <a:schemeClr val="accent3">
+                    <a:lumMod val="50000"/>
+                  </a:schemeClr>
+                </a:solidFill>
+              </a:rPr>
+              <a:t>(-[</a:t>
+            </a:r>
+            <a:r>
+              <a:rPr lang="en-CA" sz="1400" dirty="0">
+                <a:solidFill>
+                  <a:schemeClr val="accent3">
+                    <a:lumMod val="50000"/>
+                  </a:schemeClr>
+                </a:solidFill>
+              </a:rPr>
+              <a:t>t ... t</a:t>
+            </a:r>
+            <a:r>
+              <a:rPr lang="en-CA" sz="1400" dirty="0" smtClean="0">
+                <a:solidFill>
+                  <a:schemeClr val="accent3">
+                    <a:lumMod val="50000"/>
+                  </a:schemeClr>
+                </a:solidFill>
+              </a:rPr>
+              <a:t>] </a:t>
+            </a:r>
+            <a:r>
+              <a:rPr lang="en-CA" sz="1400" dirty="0">
+                <a:solidFill>
+                  <a:schemeClr val="accent3">
+                    <a:lumMod val="50000"/>
+                  </a:schemeClr>
+                </a:solidFill>
+              </a:rPr>
+              <a:t>. . . </a:t>
+            </a:r>
+            <a:r>
+              <a:rPr lang="en-CA" sz="1400" dirty="0" smtClean="0">
+                <a:solidFill>
+                  <a:schemeClr val="accent3">
+                    <a:lumMod val="50000"/>
+                  </a:schemeClr>
+                </a:solidFill>
+              </a:rPr>
+              <a:t>-[</a:t>
+            </a:r>
+            <a:r>
+              <a:rPr lang="en-CA" sz="1400" dirty="0">
+                <a:solidFill>
+                  <a:schemeClr val="accent3">
+                    <a:lumMod val="50000"/>
+                  </a:schemeClr>
+                </a:solidFill>
+              </a:rPr>
+              <a:t>t ... t</a:t>
+            </a:r>
+            <a:r>
+              <a:rPr lang="en-CA" sz="1400" dirty="0" smtClean="0">
+                <a:solidFill>
+                  <a:schemeClr val="accent3">
+                    <a:lumMod val="50000"/>
+                  </a:schemeClr>
+                </a:solidFill>
+              </a:rPr>
+              <a:t>])</a:t>
+            </a:r>
+            <a:endParaRPr lang="en-CA" sz="1400" dirty="0">
+              <a:solidFill>
+                <a:schemeClr val="accent3">
+                  <a:lumMod val="50000"/>
+                </a:schemeClr>
+              </a:solidFill>
+            </a:endParaRPr>
+          </a:p>
+        </p:txBody>
+      </p:sp>
+      <p:sp>
+        <p:nvSpPr>
+          <p:cNvPr id="163" name="TextBox 162"/>
+          <p:cNvSpPr txBox="1"/>
+          <p:nvPr/>
+        </p:nvSpPr>
+        <p:spPr>
+          <a:xfrm>
+            <a:off x="3851920" y="3697287"/>
+            <a:ext cx="4428648" cy="307777"/>
+          </a:xfrm>
+          <a:prstGeom prst="rect">
+            <a:avLst/>
+          </a:prstGeom>
+          <a:noFill/>
+        </p:spPr>
+        <p:txBody>
+          <a:bodyPr wrap="none" rtlCol="0">
+            <a:spAutoFit/>
+          </a:bodyPr>
+          <a:lstStyle/>
+          <a:p>
+            <a:r>
+              <a:rPr lang="en-CA" sz="1400" dirty="0" smtClean="0"/>
+              <a:t>Explicit OID </a:t>
+            </a:r>
+            <a:r>
+              <a:rPr lang="en-CA" sz="1400" dirty="0">
+                <a:solidFill>
+                  <a:schemeClr val="accent3">
+                    <a:lumMod val="50000"/>
+                  </a:schemeClr>
+                </a:solidFill>
+              </a:rPr>
+              <a:t>o</a:t>
+            </a:r>
+            <a:r>
+              <a:rPr lang="en-CA" sz="1400" dirty="0" smtClean="0"/>
+              <a:t>; tuples </a:t>
+            </a:r>
+            <a:r>
+              <a:rPr lang="en-CA" sz="1400" dirty="0" smtClean="0">
+                <a:solidFill>
+                  <a:schemeClr val="accent3">
+                    <a:lumMod val="50000"/>
+                  </a:schemeClr>
+                </a:solidFill>
+              </a:rPr>
+              <a:t>-[</a:t>
+            </a:r>
+            <a:r>
+              <a:rPr lang="en-CA" sz="1400" dirty="0">
+                <a:solidFill>
+                  <a:schemeClr val="accent3">
+                    <a:lumMod val="50000"/>
+                  </a:schemeClr>
+                </a:solidFill>
+              </a:rPr>
+              <a:t>t ... t</a:t>
+            </a:r>
+            <a:r>
+              <a:rPr lang="en-CA" sz="1400" dirty="0" smtClean="0">
+                <a:solidFill>
+                  <a:schemeClr val="accent3">
+                    <a:lumMod val="50000"/>
+                  </a:schemeClr>
+                </a:solidFill>
+              </a:rPr>
+              <a:t>]</a:t>
+            </a:r>
+            <a:r>
+              <a:rPr lang="en-CA" sz="1400" dirty="0" smtClean="0"/>
+              <a:t> independent from predicate </a:t>
+            </a:r>
+            <a:r>
+              <a:rPr lang="en-CA" sz="1400" dirty="0">
+                <a:solidFill>
+                  <a:schemeClr val="accent3">
+                    <a:lumMod val="50000"/>
+                  </a:schemeClr>
+                </a:solidFill>
+              </a:rPr>
+              <a:t>f</a:t>
+            </a:r>
+          </a:p>
+        </p:txBody>
+      </p:sp>
+      <p:sp>
+        <p:nvSpPr>
+          <p:cNvPr id="164" name="TextBox 163"/>
+          <p:cNvSpPr txBox="1"/>
+          <p:nvPr/>
+        </p:nvSpPr>
+        <p:spPr>
+          <a:xfrm>
+            <a:off x="3851920" y="4993431"/>
+            <a:ext cx="4883645" cy="307777"/>
+          </a:xfrm>
+          <a:prstGeom prst="rect">
+            <a:avLst/>
+          </a:prstGeom>
+          <a:noFill/>
+        </p:spPr>
+        <p:txBody>
+          <a:bodyPr wrap="none" rtlCol="0">
+            <a:spAutoFit/>
+          </a:bodyPr>
+          <a:lstStyle/>
+          <a:p>
+            <a:r>
+              <a:rPr lang="en-CA" sz="1400" dirty="0" smtClean="0"/>
+              <a:t>Implicit existential OID</a:t>
+            </a:r>
+            <a:r>
+              <a:rPr lang="en-CA" sz="1400" dirty="0"/>
+              <a:t>; slots </a:t>
+            </a:r>
+            <a:r>
+              <a:rPr lang="en-CA" sz="1400" dirty="0">
+                <a:solidFill>
+                  <a:schemeClr val="accent3">
+                    <a:lumMod val="50000"/>
+                  </a:schemeClr>
+                </a:solidFill>
+              </a:rPr>
+              <a:t>p-&gt;v </a:t>
+            </a:r>
+            <a:r>
+              <a:rPr lang="en-CA" sz="1400" dirty="0" smtClean="0"/>
+              <a:t>independent from predicate </a:t>
+            </a:r>
+            <a:r>
+              <a:rPr lang="en-CA" sz="1400" dirty="0">
+                <a:solidFill>
+                  <a:schemeClr val="accent3">
+                    <a:lumMod val="50000"/>
+                  </a:schemeClr>
+                </a:solidFill>
+              </a:rPr>
+              <a:t>f</a:t>
+            </a:r>
+          </a:p>
+        </p:txBody>
+      </p:sp>
+      <p:sp>
+        <p:nvSpPr>
+          <p:cNvPr id="165" name="TextBox 164"/>
+          <p:cNvSpPr txBox="1"/>
+          <p:nvPr/>
+        </p:nvSpPr>
+        <p:spPr>
+          <a:xfrm>
+            <a:off x="3851920" y="6329645"/>
+            <a:ext cx="4215449" cy="307777"/>
+          </a:xfrm>
+          <a:prstGeom prst="rect">
+            <a:avLst/>
+          </a:prstGeom>
+          <a:noFill/>
+        </p:spPr>
+        <p:txBody>
+          <a:bodyPr wrap="none" rtlCol="0">
+            <a:spAutoFit/>
+          </a:bodyPr>
+          <a:lstStyle/>
+          <a:p>
+            <a:r>
+              <a:rPr lang="en-CA" sz="1400" dirty="0" smtClean="0"/>
+              <a:t>Explicit OID </a:t>
+            </a:r>
+            <a:r>
+              <a:rPr lang="en-CA" sz="1400" dirty="0">
+                <a:solidFill>
+                  <a:schemeClr val="accent3">
+                    <a:lumMod val="50000"/>
+                  </a:schemeClr>
+                </a:solidFill>
+              </a:rPr>
+              <a:t>o</a:t>
+            </a:r>
+            <a:r>
+              <a:rPr lang="en-CA" sz="1400" dirty="0" smtClean="0"/>
+              <a:t>; </a:t>
+            </a:r>
+            <a:r>
+              <a:rPr lang="en-CA" sz="1400" dirty="0"/>
+              <a:t>slots </a:t>
+            </a:r>
+            <a:r>
+              <a:rPr lang="en-CA" sz="1400" dirty="0">
+                <a:solidFill>
+                  <a:schemeClr val="accent3">
+                    <a:lumMod val="50000"/>
+                  </a:schemeClr>
+                </a:solidFill>
+              </a:rPr>
+              <a:t>p-&gt;v </a:t>
+            </a:r>
+            <a:r>
+              <a:rPr lang="en-CA" sz="1400" dirty="0" smtClean="0"/>
+              <a:t>independent from predicate </a:t>
+            </a:r>
+            <a:r>
+              <a:rPr lang="en-CA" sz="1400" dirty="0">
+                <a:solidFill>
+                  <a:schemeClr val="accent3">
+                    <a:lumMod val="50000"/>
+                  </a:schemeClr>
+                </a:solidFill>
+              </a:rPr>
+              <a:t>f</a:t>
+            </a:r>
+          </a:p>
+        </p:txBody>
+      </p:sp>
+    </p:spTree>
+    <p:extLst>
+      <p:ext uri="{BB962C8B-B14F-4D97-AF65-F5344CB8AC3E}">
+        <p14:creationId xmlns:p14="http://schemas.microsoft.com/office/powerpoint/2010/main" val="1085104798"/>
+      </p:ext>
+    </p:extLst>
+  </p:cSld>
+  <p:clrMapOvr>
+    <a:masterClrMapping/>
+  </p:clrMapOvr>
+  <p:timing>
+    <p:tnLst>
+      <p:par>
+        <p:cTn id="1" dur="indefinite" restart="never" nodeType="tmRoot"/>
+      </p:par>
+    </p:tnLst>
+  </p:timing>
+</p:sld>
+</file>
+
+<file path=ppt/slides/slide11.xml><?xml version="1.0" encoding="utf-8"?>
+<p:sld xmlns:a="http://schemas.openxmlformats.org/drawingml/2006/main" xmlns:r="http://schemas.openxmlformats.org/officeDocument/2006/relationships" xmlns:p="http://schemas.openxmlformats.org/presentationml/2006/main">
+  <p:cSld>
+    <p:spTree>
+      <p:nvGrpSpPr>
+        <p:cNvPr id="1" name=""/>
+        <p:cNvGrpSpPr/>
+        <p:nvPr/>
+      </p:nvGrpSpPr>
+      <p:grpSpPr>
+        <a:xfrm>
+          <a:off x="0" y="0"/>
+          <a:ext cx="0" cy="0"/>
+          <a:chOff x="0" y="0"/>
+          <a:chExt cx="0" cy="0"/>
+        </a:xfrm>
+      </p:grpSpPr>
+      <p:sp>
+        <p:nvSpPr>
+          <p:cNvPr id="9" name="TextBox 8"/>
+          <p:cNvSpPr txBox="1"/>
+          <p:nvPr/>
+        </p:nvSpPr>
+        <p:spPr>
+          <a:xfrm>
+            <a:off x="971600" y="1837273"/>
+            <a:ext cx="545342" cy="369332"/>
+          </a:xfrm>
+          <a:prstGeom prst="rect">
+            <a:avLst/>
+          </a:prstGeom>
+          <a:noFill/>
+        </p:spPr>
+        <p:txBody>
+          <a:bodyPr wrap="none" rtlCol="0">
+            <a:spAutoFit/>
+          </a:bodyPr>
+          <a:lstStyle/>
+          <a:p>
+            <a:r>
+              <a:rPr lang="en-CA" dirty="0" smtClean="0"/>
+              <a:t>pn5</a:t>
+            </a:r>
+            <a:endParaRPr lang="en-CA" dirty="0"/>
+          </a:p>
+        </p:txBody>
+      </p:sp>
+      <p:sp>
+        <p:nvSpPr>
+          <p:cNvPr id="75" name="TextBox 74"/>
+          <p:cNvSpPr txBox="1"/>
+          <p:nvPr/>
+        </p:nvSpPr>
+        <p:spPr>
+          <a:xfrm>
+            <a:off x="971600" y="3265239"/>
+            <a:ext cx="1819729" cy="646331"/>
+          </a:xfrm>
+          <a:prstGeom prst="rect">
+            <a:avLst/>
+          </a:prstGeom>
+          <a:noFill/>
+        </p:spPr>
+        <p:txBody>
+          <a:bodyPr wrap="none" rtlCol="0">
+            <a:spAutoFit/>
+          </a:bodyPr>
+          <a:lstStyle/>
+          <a:p>
+            <a:r>
+              <a:rPr lang="en-CA" dirty="0"/>
+              <a:t>pn6. single-tuple:</a:t>
+            </a:r>
+          </a:p>
+          <a:p>
+            <a:r>
+              <a:rPr lang="en-CA" dirty="0" err="1"/>
+              <a:t>shelframes</a:t>
+            </a:r>
+            <a:endParaRPr lang="en-CA" dirty="0"/>
+          </a:p>
+        </p:txBody>
+      </p:sp>
+      <p:sp>
+        <p:nvSpPr>
+          <p:cNvPr id="76" name="TextBox 75"/>
+          <p:cNvSpPr txBox="1"/>
+          <p:nvPr/>
+        </p:nvSpPr>
+        <p:spPr>
+          <a:xfrm>
+            <a:off x="971600" y="1052736"/>
+            <a:ext cx="8061053" cy="400110"/>
+          </a:xfrm>
+          <a:prstGeom prst="rect">
+            <a:avLst/>
+          </a:prstGeom>
+          <a:noFill/>
+        </p:spPr>
+        <p:txBody>
+          <a:bodyPr wrap="none" rtlCol="0">
+            <a:spAutoFit/>
+          </a:bodyPr>
+          <a:lstStyle/>
+          <a:p>
+            <a:r>
+              <a:rPr lang="en-CA" sz="2000" dirty="0" smtClean="0"/>
+              <a:t>Extra </a:t>
+            </a:r>
+            <a:r>
+              <a:rPr lang="en-CA" sz="2000" dirty="0" err="1" smtClean="0"/>
+              <a:t>oidless</a:t>
+            </a:r>
+            <a:r>
+              <a:rPr lang="en-CA" sz="2000" dirty="0" smtClean="0"/>
+              <a:t>/</a:t>
+            </a:r>
+            <a:r>
+              <a:rPr lang="en-CA" sz="2000" dirty="0" err="1" smtClean="0"/>
+              <a:t>oidful</a:t>
+            </a:r>
+            <a:r>
+              <a:rPr lang="en-CA" sz="2000" dirty="0"/>
+              <a:t>, </a:t>
+            </a:r>
+            <a:r>
+              <a:rPr lang="en-CA" sz="2000" dirty="0" smtClean="0"/>
+              <a:t>combined </a:t>
+            </a:r>
+            <a:r>
+              <a:rPr lang="en-CA" sz="2000" dirty="0" err="1" smtClean="0"/>
+              <a:t>tupled+slotted</a:t>
+            </a:r>
+            <a:r>
+              <a:rPr lang="en-CA" sz="2000" dirty="0" smtClean="0"/>
+              <a:t> atoms that are </a:t>
+            </a:r>
+            <a:r>
+              <a:rPr lang="en-CA" sz="2000" b="1" dirty="0" err="1"/>
+              <a:t>p</a:t>
+            </a:r>
+            <a:r>
+              <a:rPr lang="en-CA" sz="2000" dirty="0" err="1" smtClean="0"/>
+              <a:t>erspe</a:t>
+            </a:r>
+            <a:r>
+              <a:rPr lang="en-CA" sz="2000" b="1" dirty="0" err="1" smtClean="0"/>
+              <a:t>n</a:t>
+            </a:r>
+            <a:r>
+              <a:rPr lang="en-CA" sz="2000" dirty="0" err="1" smtClean="0"/>
+              <a:t>eutral</a:t>
+            </a:r>
+            <a:r>
+              <a:rPr lang="en-CA" sz="2000" dirty="0" smtClean="0"/>
+              <a:t>:</a:t>
+            </a:r>
+            <a:endParaRPr lang="en-CA" sz="2000" dirty="0"/>
+          </a:p>
+        </p:txBody>
+      </p:sp>
+      <p:sp>
+        <p:nvSpPr>
+          <p:cNvPr id="52" name="Slide Number Placeholder 51"/>
+          <p:cNvSpPr>
+            <a:spLocks noGrp="1"/>
+          </p:cNvSpPr>
+          <p:nvPr>
+            <p:ph type="sldNum" sz="quarter" idx="12"/>
+          </p:nvPr>
+        </p:nvSpPr>
+        <p:spPr/>
+        <p:txBody>
+          <a:bodyPr/>
+          <a:lstStyle/>
+          <a:p>
+            <a:fld id="{69E3CB01-9E1A-4A3C-8DCA-3238C6551500}" type="slidenum">
+              <a:rPr lang="en-CA" smtClean="0"/>
+              <a:t>11</a:t>
+            </a:fld>
+            <a:endParaRPr lang="en-CA"/>
+          </a:p>
+        </p:txBody>
+      </p:sp>
+      <p:sp>
+        <p:nvSpPr>
+          <p:cNvPr id="77" name="TextBox 76"/>
+          <p:cNvSpPr txBox="1"/>
+          <p:nvPr/>
+        </p:nvSpPr>
+        <p:spPr>
+          <a:xfrm>
+            <a:off x="971600" y="4201343"/>
+            <a:ext cx="2803973" cy="307777"/>
+          </a:xfrm>
+          <a:prstGeom prst="rect">
+            <a:avLst/>
+          </a:prstGeom>
+          <a:noFill/>
+        </p:spPr>
+        <p:txBody>
+          <a:bodyPr wrap="none" rtlCol="0">
+            <a:spAutoFit/>
+          </a:bodyPr>
+          <a:lstStyle>
+            <a:defPPr>
+              <a:defRPr lang="en-US"/>
+            </a:defPPr>
+            <a:lvl1pPr>
+              <a:defRPr sz="1200">
+                <a:solidFill>
+                  <a:schemeClr val="accent3">
+                    <a:lumMod val="50000"/>
+                  </a:schemeClr>
+                </a:solidFill>
+              </a:defRPr>
+            </a:lvl1pPr>
+          </a:lstStyle>
+          <a:p>
+            <a:r>
+              <a:rPr lang="en-CA" sz="1400" dirty="0" err="1"/>
+              <a:t>o</a:t>
+            </a:r>
+            <a:r>
+              <a:rPr lang="en-CA" sz="1400" dirty="0" err="1" smtClean="0"/>
+              <a:t>#f</a:t>
+            </a:r>
+            <a:r>
+              <a:rPr lang="en-CA" sz="1400" dirty="0" smtClean="0"/>
+              <a:t>(-[</a:t>
+            </a:r>
+            <a:r>
+              <a:rPr lang="en-CA" sz="1400" dirty="0"/>
+              <a:t>t ... t</a:t>
+            </a:r>
+            <a:r>
+              <a:rPr lang="en-CA" sz="1400" dirty="0" smtClean="0"/>
+              <a:t>] </a:t>
+            </a:r>
+            <a:r>
+              <a:rPr lang="en-CA" sz="1400" dirty="0"/>
+              <a:t>. . . </a:t>
+            </a:r>
+            <a:r>
+              <a:rPr lang="en-CA" sz="1400" dirty="0" smtClean="0"/>
+              <a:t>-[</a:t>
+            </a:r>
+            <a:r>
+              <a:rPr lang="en-CA" sz="1400" dirty="0"/>
+              <a:t>t ... t</a:t>
+            </a:r>
+            <a:r>
+              <a:rPr lang="en-CA" sz="1400" dirty="0" smtClean="0"/>
+              <a:t>] </a:t>
+            </a:r>
+            <a:r>
+              <a:rPr lang="en-CA" sz="1400" dirty="0"/>
+              <a:t>p-&gt;v . . . p-&gt;v)</a:t>
+            </a:r>
+            <a:endParaRPr lang="en-CA" sz="1400" dirty="0"/>
+          </a:p>
+        </p:txBody>
+      </p:sp>
+      <p:sp>
+        <p:nvSpPr>
+          <p:cNvPr id="82" name="TextBox 81"/>
+          <p:cNvSpPr txBox="1"/>
+          <p:nvPr/>
+        </p:nvSpPr>
+        <p:spPr>
+          <a:xfrm>
+            <a:off x="971600" y="2473151"/>
+            <a:ext cx="2619628" cy="307777"/>
+          </a:xfrm>
+          <a:prstGeom prst="rect">
+            <a:avLst/>
+          </a:prstGeom>
+          <a:noFill/>
+        </p:spPr>
+        <p:txBody>
+          <a:bodyPr wrap="none" rtlCol="0">
+            <a:spAutoFit/>
+          </a:bodyPr>
+          <a:lstStyle>
+            <a:defPPr>
+              <a:defRPr lang="en-US"/>
+            </a:defPPr>
+            <a:lvl1pPr>
+              <a:defRPr sz="1200">
+                <a:solidFill>
+                  <a:schemeClr val="accent3">
+                    <a:lumMod val="50000"/>
+                  </a:schemeClr>
+                </a:solidFill>
+              </a:defRPr>
+            </a:lvl1pPr>
+          </a:lstStyle>
+          <a:p>
+            <a:r>
+              <a:rPr lang="en-CA" sz="1400" dirty="0" smtClean="0"/>
+              <a:t>f(-[</a:t>
+            </a:r>
+            <a:r>
+              <a:rPr lang="en-CA" sz="1400" dirty="0"/>
+              <a:t>t ... t</a:t>
+            </a:r>
+            <a:r>
+              <a:rPr lang="en-CA" sz="1400" dirty="0" smtClean="0"/>
+              <a:t>] . . . -[</a:t>
+            </a:r>
+            <a:r>
+              <a:rPr lang="en-CA" sz="1400" dirty="0"/>
+              <a:t>t ... t</a:t>
+            </a:r>
+            <a:r>
+              <a:rPr lang="en-CA" sz="1400" dirty="0" smtClean="0"/>
+              <a:t>] </a:t>
+            </a:r>
+            <a:r>
+              <a:rPr lang="en-CA" sz="1400" dirty="0"/>
+              <a:t>p-&gt;v . . . p-&gt;v)</a:t>
+            </a:r>
+            <a:endParaRPr lang="en-CA" sz="1400" dirty="0"/>
+          </a:p>
+        </p:txBody>
+      </p:sp>
+      <p:sp>
+        <p:nvSpPr>
+          <p:cNvPr id="83" name="TextBox 82"/>
+          <p:cNvSpPr txBox="1"/>
+          <p:nvPr/>
+        </p:nvSpPr>
+        <p:spPr>
+          <a:xfrm>
+            <a:off x="3851920" y="2473151"/>
+            <a:ext cx="4922951" cy="307777"/>
+          </a:xfrm>
+          <a:prstGeom prst="rect">
+            <a:avLst/>
+          </a:prstGeom>
+          <a:noFill/>
+        </p:spPr>
+        <p:txBody>
+          <a:bodyPr wrap="none" rtlCol="0">
+            <a:spAutoFit/>
+          </a:bodyPr>
+          <a:lstStyle/>
+          <a:p>
+            <a:r>
+              <a:rPr lang="en-CA" sz="1400" dirty="0" smtClean="0"/>
+              <a:t>Implicit existential OID; descriptors independent from predicate </a:t>
+            </a:r>
+            <a:r>
+              <a:rPr lang="en-CA" sz="1400" dirty="0">
+                <a:solidFill>
+                  <a:schemeClr val="accent3">
+                    <a:lumMod val="50000"/>
+                  </a:schemeClr>
+                </a:solidFill>
+              </a:rPr>
+              <a:t>f</a:t>
+            </a:r>
+          </a:p>
+        </p:txBody>
+      </p:sp>
+      <p:sp>
+        <p:nvSpPr>
+          <p:cNvPr id="84" name="TextBox 83"/>
+          <p:cNvSpPr txBox="1"/>
+          <p:nvPr/>
+        </p:nvSpPr>
+        <p:spPr>
+          <a:xfrm>
+            <a:off x="3851920" y="4201343"/>
+            <a:ext cx="4248342" cy="307777"/>
+          </a:xfrm>
+          <a:prstGeom prst="rect">
+            <a:avLst/>
+          </a:prstGeom>
+          <a:noFill/>
+        </p:spPr>
+        <p:txBody>
+          <a:bodyPr wrap="none" rtlCol="0">
+            <a:spAutoFit/>
+          </a:bodyPr>
+          <a:lstStyle/>
+          <a:p>
+            <a:r>
+              <a:rPr lang="en-CA" sz="1400" dirty="0"/>
+              <a:t>Explicit OID </a:t>
+            </a:r>
+            <a:r>
+              <a:rPr lang="en-CA" sz="1400" dirty="0">
+                <a:solidFill>
+                  <a:schemeClr val="accent3">
+                    <a:lumMod val="50000"/>
+                  </a:schemeClr>
+                </a:solidFill>
+              </a:rPr>
+              <a:t>o</a:t>
+            </a:r>
+            <a:r>
+              <a:rPr lang="en-CA" sz="1400" dirty="0" smtClean="0"/>
+              <a:t>; descriptors independent from predicate </a:t>
+            </a:r>
+            <a:r>
+              <a:rPr lang="en-CA" sz="1400" dirty="0">
+                <a:solidFill>
+                  <a:schemeClr val="accent3">
+                    <a:lumMod val="50000"/>
+                  </a:schemeClr>
+                </a:solidFill>
+              </a:rPr>
+              <a:t>f</a:t>
+            </a:r>
+          </a:p>
+        </p:txBody>
+      </p:sp>
+    </p:spTree>
+    <p:extLst>
+      <p:ext uri="{BB962C8B-B14F-4D97-AF65-F5344CB8AC3E}">
+        <p14:creationId xmlns:p14="http://schemas.microsoft.com/office/powerpoint/2010/main" val="4275617523"/>
+      </p:ext>
+    </p:extLst>
+  </p:cSld>
+  <p:clrMapOvr>
+    <a:masterClrMapping/>
+  </p:clrMapOvr>
+  <p:timing>
+    <p:tnLst>
+      <p:par>
+        <p:cTn id="1" dur="indefinite" restart="never" nodeType="tmRoot"/>
+      </p:par>
+    </p:tnLst>
+  </p:timing>
+</p:sld>
+</file>
+
+<file path=ppt/slides/slide12.xml><?xml version="1.0" encoding="utf-8"?>
+<p:sld xmlns:a="http://schemas.openxmlformats.org/drawingml/2006/main" xmlns:r="http://schemas.openxmlformats.org/officeDocument/2006/relationships" xmlns:p="http://schemas.openxmlformats.org/presentationml/2006/main">
+  <p:cSld>
+    <p:spTree>
+      <p:nvGrpSpPr>
+        <p:cNvPr id="1" name=""/>
+        <p:cNvGrpSpPr/>
+        <p:nvPr/>
+      </p:nvGrpSpPr>
+      <p:grpSpPr>
+        <a:xfrm>
+          <a:off x="0" y="0"/>
+          <a:ext cx="0" cy="0"/>
+          <a:chOff x="0" y="0"/>
+          <a:chExt cx="0" cy="0"/>
+        </a:xfrm>
+      </p:grpSpPr>
+      <p:sp>
+        <p:nvSpPr>
+          <p:cNvPr id="393" name="TextBox 392"/>
+          <p:cNvSpPr txBox="1"/>
+          <p:nvPr/>
+        </p:nvSpPr>
+        <p:spPr>
+          <a:xfrm>
+            <a:off x="971600" y="1342509"/>
+            <a:ext cx="1800942" cy="646331"/>
+          </a:xfrm>
+          <a:prstGeom prst="rect">
+            <a:avLst/>
+          </a:prstGeom>
+          <a:noFill/>
+        </p:spPr>
+        <p:txBody>
+          <a:bodyPr wrap="none" rtlCol="0">
+            <a:spAutoFit/>
+          </a:bodyPr>
+          <a:lstStyle/>
+          <a:p>
+            <a:r>
+              <a:rPr lang="en-CA" dirty="0"/>
+              <a:t>pv1. </a:t>
+            </a:r>
+            <a:r>
+              <a:rPr lang="en-CA" dirty="0" smtClean="0"/>
+              <a:t>single-tuple:</a:t>
+            </a:r>
+          </a:p>
+          <a:p>
+            <a:r>
+              <a:rPr lang="en-CA" b="1" dirty="0" smtClean="0"/>
+              <a:t>relationships</a:t>
+            </a:r>
+            <a:endParaRPr lang="en-CA" dirty="0"/>
+          </a:p>
+        </p:txBody>
+      </p:sp>
+      <p:sp>
+        <p:nvSpPr>
+          <p:cNvPr id="394" name="TextBox 393"/>
+          <p:cNvSpPr txBox="1"/>
+          <p:nvPr/>
+        </p:nvSpPr>
+        <p:spPr>
+          <a:xfrm>
+            <a:off x="971600" y="4367536"/>
+            <a:ext cx="1536126" cy="369332"/>
+          </a:xfrm>
+          <a:prstGeom prst="rect">
+            <a:avLst/>
+          </a:prstGeom>
+          <a:noFill/>
+        </p:spPr>
+        <p:txBody>
+          <a:bodyPr wrap="none" rtlCol="0">
+            <a:spAutoFit/>
+          </a:bodyPr>
+          <a:lstStyle/>
+          <a:p>
+            <a:r>
+              <a:rPr lang="en-CA" dirty="0" smtClean="0"/>
+              <a:t>pv3: </a:t>
+            </a:r>
+            <a:r>
+              <a:rPr lang="en-CA" dirty="0" err="1"/>
+              <a:t>pairships</a:t>
+            </a:r>
+            <a:endParaRPr lang="en-CA" dirty="0"/>
+          </a:p>
+        </p:txBody>
+      </p:sp>
+      <p:sp>
+        <p:nvSpPr>
+          <p:cNvPr id="395" name="TextBox 394"/>
+          <p:cNvSpPr txBox="1"/>
+          <p:nvPr/>
+        </p:nvSpPr>
+        <p:spPr>
+          <a:xfrm>
+            <a:off x="971600" y="5805264"/>
+            <a:ext cx="526554" cy="369332"/>
+          </a:xfrm>
+          <a:prstGeom prst="rect">
+            <a:avLst/>
+          </a:prstGeom>
+          <a:noFill/>
+        </p:spPr>
+        <p:txBody>
+          <a:bodyPr wrap="none" rtlCol="0">
+            <a:spAutoFit/>
+          </a:bodyPr>
+          <a:lstStyle/>
+          <a:p>
+            <a:r>
+              <a:rPr lang="en-CA" dirty="0" smtClean="0"/>
+              <a:t>pv4</a:t>
+            </a:r>
+            <a:endParaRPr lang="en-CA" dirty="0"/>
+          </a:p>
+        </p:txBody>
+      </p:sp>
+      <p:sp>
+        <p:nvSpPr>
+          <p:cNvPr id="291" name="TextBox 290"/>
+          <p:cNvSpPr txBox="1"/>
+          <p:nvPr/>
+        </p:nvSpPr>
+        <p:spPr>
+          <a:xfrm>
+            <a:off x="971600" y="2924944"/>
+            <a:ext cx="526554" cy="369332"/>
+          </a:xfrm>
+          <a:prstGeom prst="rect">
+            <a:avLst/>
+          </a:prstGeom>
+          <a:noFill/>
+        </p:spPr>
+        <p:txBody>
+          <a:bodyPr wrap="none" rtlCol="0">
+            <a:spAutoFit/>
+          </a:bodyPr>
+          <a:lstStyle/>
+          <a:p>
+            <a:r>
+              <a:rPr lang="en-CA" dirty="0" smtClean="0"/>
+              <a:t>pv2</a:t>
+            </a:r>
+            <a:endParaRPr lang="en-CA" dirty="0"/>
+          </a:p>
+        </p:txBody>
+      </p:sp>
+      <p:sp>
+        <p:nvSpPr>
+          <p:cNvPr id="177" name="TextBox 176"/>
+          <p:cNvSpPr txBox="1"/>
+          <p:nvPr/>
+        </p:nvSpPr>
+        <p:spPr>
+          <a:xfrm>
+            <a:off x="971600" y="404664"/>
+            <a:ext cx="6806287" cy="400110"/>
+          </a:xfrm>
+          <a:prstGeom prst="rect">
+            <a:avLst/>
+          </a:prstGeom>
+          <a:noFill/>
+        </p:spPr>
+        <p:txBody>
+          <a:bodyPr wrap="none" rtlCol="0">
+            <a:spAutoFit/>
+          </a:bodyPr>
+          <a:lstStyle/>
+          <a:p>
+            <a:r>
+              <a:rPr lang="en-CA" sz="2000" dirty="0" smtClean="0"/>
+              <a:t>Core </a:t>
+            </a:r>
+            <a:r>
+              <a:rPr lang="en-CA" sz="2000" dirty="0" err="1" smtClean="0"/>
+              <a:t>oidless</a:t>
+            </a:r>
+            <a:r>
+              <a:rPr lang="en-CA" sz="2000" dirty="0" smtClean="0"/>
+              <a:t>/</a:t>
+            </a:r>
+            <a:r>
+              <a:rPr lang="en-CA" sz="2000" dirty="0" err="1" smtClean="0"/>
+              <a:t>oidful</a:t>
+            </a:r>
+            <a:r>
+              <a:rPr lang="en-CA" sz="2000" dirty="0"/>
+              <a:t>, </a:t>
+            </a:r>
+            <a:r>
+              <a:rPr lang="en-CA" sz="2000" dirty="0" err="1" smtClean="0"/>
+              <a:t>tupled</a:t>
+            </a:r>
+            <a:r>
+              <a:rPr lang="en-CA" sz="2000" dirty="0" smtClean="0"/>
+              <a:t>/slotted atoms that are</a:t>
+            </a:r>
+            <a:r>
+              <a:rPr lang="en-CA" sz="2000" b="1" dirty="0"/>
+              <a:t> </a:t>
+            </a:r>
+            <a:r>
+              <a:rPr lang="en-CA" sz="2000" b="1" dirty="0" smtClean="0"/>
+              <a:t>p</a:t>
+            </a:r>
+            <a:r>
+              <a:rPr lang="en-CA" sz="2000" dirty="0" smtClean="0"/>
+              <a:t>erspecti</a:t>
+            </a:r>
+            <a:r>
+              <a:rPr lang="en-CA" sz="2000" b="1" dirty="0" smtClean="0"/>
+              <a:t>v</a:t>
+            </a:r>
+            <a:r>
+              <a:rPr lang="en-CA" sz="2000" dirty="0" smtClean="0"/>
+              <a:t>al:</a:t>
+            </a:r>
+            <a:endParaRPr lang="en-CA" sz="2000" dirty="0"/>
+          </a:p>
+        </p:txBody>
+      </p:sp>
+      <p:sp>
+        <p:nvSpPr>
+          <p:cNvPr id="4" name="Slide Number Placeholder 3"/>
+          <p:cNvSpPr>
+            <a:spLocks noGrp="1"/>
+          </p:cNvSpPr>
+          <p:nvPr>
+            <p:ph type="sldNum" sz="quarter" idx="12"/>
+          </p:nvPr>
+        </p:nvSpPr>
+        <p:spPr/>
+        <p:txBody>
+          <a:bodyPr/>
+          <a:lstStyle/>
+          <a:p>
+            <a:fld id="{69E3CB01-9E1A-4A3C-8DCA-3238C6551500}" type="slidenum">
+              <a:rPr lang="en-CA" smtClean="0"/>
+              <a:t>12</a:t>
+            </a:fld>
+            <a:endParaRPr lang="en-CA"/>
+          </a:p>
+        </p:txBody>
+      </p:sp>
+      <p:sp>
+        <p:nvSpPr>
+          <p:cNvPr id="179" name="TextBox 178"/>
+          <p:cNvSpPr txBox="1"/>
+          <p:nvPr/>
+        </p:nvSpPr>
+        <p:spPr>
+          <a:xfrm>
+            <a:off x="971600" y="2348880"/>
+            <a:ext cx="1713931" cy="307777"/>
+          </a:xfrm>
+          <a:prstGeom prst="rect">
+            <a:avLst/>
+          </a:prstGeom>
+          <a:noFill/>
+        </p:spPr>
+        <p:txBody>
+          <a:bodyPr wrap="none" rtlCol="0">
+            <a:spAutoFit/>
+          </a:bodyPr>
+          <a:lstStyle>
+            <a:defPPr>
+              <a:defRPr lang="en-US"/>
+            </a:defPPr>
+            <a:lvl1pPr>
+              <a:defRPr sz="1200">
+                <a:solidFill>
+                  <a:schemeClr val="accent3">
+                    <a:lumMod val="50000"/>
+                  </a:schemeClr>
+                </a:solidFill>
+              </a:defRPr>
+            </a:lvl1pPr>
+          </a:lstStyle>
+          <a:p>
+            <a:r>
+              <a:rPr lang="en-CA" sz="1400" dirty="0" smtClean="0"/>
+              <a:t>f</a:t>
+            </a:r>
+            <a:r>
+              <a:rPr lang="en-CA" sz="1400" dirty="0"/>
+              <a:t>(+[t ... t]</a:t>
+            </a:r>
+            <a:r>
+              <a:rPr lang="en-CA" sz="1400" dirty="0" smtClean="0"/>
+              <a:t> </a:t>
+            </a:r>
+            <a:r>
+              <a:rPr lang="en-CA" sz="1400" dirty="0"/>
+              <a:t>. . . </a:t>
+            </a:r>
+            <a:r>
+              <a:rPr lang="en-CA" sz="1400" dirty="0" smtClean="0"/>
+              <a:t>+[</a:t>
+            </a:r>
+            <a:r>
+              <a:rPr lang="en-CA" sz="1400" dirty="0"/>
+              <a:t>t ... t</a:t>
+            </a:r>
+            <a:r>
+              <a:rPr lang="en-CA" sz="1400" dirty="0" smtClean="0"/>
+              <a:t>])</a:t>
+            </a:r>
+            <a:endParaRPr lang="en-CA" sz="1400" dirty="0"/>
+          </a:p>
+        </p:txBody>
+      </p:sp>
+      <p:sp>
+        <p:nvSpPr>
+          <p:cNvPr id="197" name="TextBox 196"/>
+          <p:cNvSpPr txBox="1"/>
+          <p:nvPr/>
+        </p:nvSpPr>
+        <p:spPr>
+          <a:xfrm>
+            <a:off x="971600" y="4941168"/>
+            <a:ext cx="1354858" cy="307777"/>
+          </a:xfrm>
+          <a:prstGeom prst="rect">
+            <a:avLst/>
+          </a:prstGeom>
+          <a:noFill/>
+        </p:spPr>
+        <p:txBody>
+          <a:bodyPr wrap="none" rtlCol="0">
+            <a:spAutoFit/>
+          </a:bodyPr>
+          <a:lstStyle/>
+          <a:p>
+            <a:r>
+              <a:rPr lang="en-CA" sz="1400" dirty="0" smtClean="0">
+                <a:solidFill>
+                  <a:schemeClr val="accent3">
+                    <a:lumMod val="50000"/>
+                  </a:schemeClr>
+                </a:solidFill>
+              </a:rPr>
+              <a:t>f(p+&gt;</a:t>
+            </a:r>
+            <a:r>
+              <a:rPr lang="en-CA" sz="1400" dirty="0">
+                <a:solidFill>
+                  <a:schemeClr val="accent3">
+                    <a:lumMod val="50000"/>
+                  </a:schemeClr>
+                </a:solidFill>
+              </a:rPr>
+              <a:t>v . . . </a:t>
+            </a:r>
+            <a:r>
+              <a:rPr lang="en-CA" sz="1400" dirty="0" smtClean="0">
+                <a:solidFill>
+                  <a:schemeClr val="accent3">
+                    <a:lumMod val="50000"/>
+                  </a:schemeClr>
+                </a:solidFill>
+              </a:rPr>
+              <a:t>p+&gt;</a:t>
+            </a:r>
+            <a:r>
+              <a:rPr lang="en-CA" sz="1400" dirty="0">
+                <a:solidFill>
+                  <a:schemeClr val="accent3">
+                    <a:lumMod val="50000"/>
+                  </a:schemeClr>
+                </a:solidFill>
+              </a:rPr>
+              <a:t>v</a:t>
+            </a:r>
+            <a:r>
+              <a:rPr lang="en-CA" sz="1400" dirty="0" smtClean="0">
+                <a:solidFill>
+                  <a:schemeClr val="accent3">
+                    <a:lumMod val="50000"/>
+                  </a:schemeClr>
+                </a:solidFill>
+              </a:rPr>
+              <a:t>)</a:t>
+            </a:r>
+            <a:endParaRPr lang="en-CA" sz="1400" dirty="0">
+              <a:solidFill>
+                <a:schemeClr val="accent3">
+                  <a:lumMod val="50000"/>
+                </a:schemeClr>
+              </a:solidFill>
+            </a:endParaRPr>
+          </a:p>
+        </p:txBody>
+      </p:sp>
+      <p:sp>
+        <p:nvSpPr>
+          <p:cNvPr id="215" name="TextBox 214"/>
+          <p:cNvSpPr txBox="1"/>
+          <p:nvPr/>
+        </p:nvSpPr>
+        <p:spPr>
+          <a:xfrm>
+            <a:off x="971600" y="6300570"/>
+            <a:ext cx="1539204" cy="307777"/>
+          </a:xfrm>
+          <a:prstGeom prst="rect">
+            <a:avLst/>
+          </a:prstGeom>
+          <a:noFill/>
+        </p:spPr>
+        <p:txBody>
+          <a:bodyPr wrap="none" rtlCol="0">
+            <a:spAutoFit/>
+          </a:bodyPr>
+          <a:lstStyle/>
+          <a:p>
+            <a:r>
+              <a:rPr lang="en-CA" sz="1400" dirty="0" err="1">
+                <a:solidFill>
+                  <a:schemeClr val="accent3">
+                    <a:lumMod val="50000"/>
+                  </a:schemeClr>
+                </a:solidFill>
+              </a:rPr>
+              <a:t>o</a:t>
+            </a:r>
+            <a:r>
+              <a:rPr lang="en-CA" sz="1400" dirty="0" err="1" smtClean="0">
+                <a:solidFill>
+                  <a:schemeClr val="accent3">
+                    <a:lumMod val="50000"/>
+                  </a:schemeClr>
+                </a:solidFill>
+              </a:rPr>
+              <a:t>#f</a:t>
+            </a:r>
+            <a:r>
+              <a:rPr lang="en-CA" sz="1400" dirty="0" smtClean="0">
+                <a:solidFill>
+                  <a:schemeClr val="accent3">
+                    <a:lumMod val="50000"/>
+                  </a:schemeClr>
+                </a:solidFill>
+              </a:rPr>
+              <a:t>(p</a:t>
+            </a:r>
+            <a:r>
+              <a:rPr lang="en-CA" sz="1400" dirty="0">
+                <a:solidFill>
+                  <a:schemeClr val="accent3">
+                    <a:lumMod val="50000"/>
+                  </a:schemeClr>
+                </a:solidFill>
+              </a:rPr>
+              <a:t>+&gt;v . . . p+&gt;v)</a:t>
+            </a:r>
+            <a:endParaRPr lang="en-CA" sz="1400" dirty="0">
+              <a:solidFill>
+                <a:schemeClr val="accent3">
+                  <a:lumMod val="50000"/>
+                </a:schemeClr>
+              </a:solidFill>
+            </a:endParaRPr>
+          </a:p>
+        </p:txBody>
+      </p:sp>
+      <p:sp>
+        <p:nvSpPr>
+          <p:cNvPr id="195" name="TextBox 194"/>
+          <p:cNvSpPr txBox="1"/>
+          <p:nvPr/>
+        </p:nvSpPr>
+        <p:spPr>
+          <a:xfrm>
+            <a:off x="971600" y="2041103"/>
+            <a:ext cx="1736373" cy="307777"/>
+          </a:xfrm>
+          <a:prstGeom prst="rect">
+            <a:avLst/>
+          </a:prstGeom>
+          <a:noFill/>
+        </p:spPr>
+        <p:txBody>
+          <a:bodyPr wrap="none" rtlCol="0">
+            <a:spAutoFit/>
+          </a:bodyPr>
+          <a:lstStyle>
+            <a:defPPr>
+              <a:defRPr lang="en-US"/>
+            </a:defPPr>
+            <a:lvl1pPr>
+              <a:defRPr sz="1200">
+                <a:solidFill>
+                  <a:schemeClr val="accent3">
+                    <a:lumMod val="50000"/>
+                  </a:schemeClr>
+                </a:solidFill>
+              </a:defRPr>
+            </a:lvl1pPr>
+          </a:lstStyle>
+          <a:p>
+            <a:r>
+              <a:rPr lang="en-CA" sz="1400" dirty="0" smtClean="0"/>
+              <a:t>f(t ... t)</a:t>
+            </a:r>
+            <a:r>
+              <a:rPr lang="en-CA" sz="1400" dirty="0" smtClean="0"/>
+              <a:t>  </a:t>
+            </a:r>
+            <a:r>
+              <a:rPr lang="en-CA" sz="1400" i="1" dirty="0" smtClean="0"/>
+              <a:t>or</a:t>
+            </a:r>
+            <a:r>
+              <a:rPr lang="en-CA" sz="1400" dirty="0" smtClean="0"/>
+              <a:t> </a:t>
+            </a:r>
+            <a:r>
+              <a:rPr lang="en-CA" sz="1400" dirty="0" smtClean="0"/>
+              <a:t> </a:t>
+            </a:r>
+            <a:r>
+              <a:rPr lang="en-CA" sz="1400" dirty="0" smtClean="0"/>
+              <a:t>f(</a:t>
+            </a:r>
+            <a:r>
+              <a:rPr lang="en-CA" sz="1400" dirty="0"/>
+              <a:t>+[</a:t>
+            </a:r>
+            <a:r>
+              <a:rPr lang="en-CA" sz="1400" dirty="0" smtClean="0"/>
+              <a:t>t ... t]) </a:t>
+            </a:r>
+            <a:endParaRPr lang="en-CA" sz="1400" dirty="0"/>
+          </a:p>
+        </p:txBody>
+      </p:sp>
+      <p:sp>
+        <p:nvSpPr>
+          <p:cNvPr id="216" name="TextBox 215"/>
+          <p:cNvSpPr txBox="1"/>
+          <p:nvPr/>
+        </p:nvSpPr>
+        <p:spPr>
+          <a:xfrm>
+            <a:off x="3851920" y="2204864"/>
+            <a:ext cx="4840043" cy="307777"/>
+          </a:xfrm>
+          <a:prstGeom prst="rect">
+            <a:avLst/>
+          </a:prstGeom>
+          <a:noFill/>
+        </p:spPr>
+        <p:txBody>
+          <a:bodyPr wrap="none" rtlCol="0">
+            <a:spAutoFit/>
+          </a:bodyPr>
+          <a:lstStyle/>
+          <a:p>
+            <a:r>
+              <a:rPr lang="en-CA" sz="1400" dirty="0" smtClean="0"/>
+              <a:t>Implicit existential OID; tuples </a:t>
+            </a:r>
+            <a:r>
+              <a:rPr lang="en-CA" sz="1400" dirty="0">
+                <a:solidFill>
+                  <a:schemeClr val="accent3">
+                    <a:lumMod val="50000"/>
+                  </a:schemeClr>
+                </a:solidFill>
+              </a:rPr>
+              <a:t>+[</a:t>
+            </a:r>
+            <a:r>
+              <a:rPr lang="en-CA" sz="1400" dirty="0">
+                <a:solidFill>
+                  <a:schemeClr val="accent3">
+                    <a:lumMod val="50000"/>
+                  </a:schemeClr>
+                </a:solidFill>
+              </a:rPr>
+              <a:t>t ... t</a:t>
+            </a:r>
+            <a:r>
+              <a:rPr lang="en-CA" sz="1400" dirty="0">
+                <a:solidFill>
+                  <a:schemeClr val="accent3">
+                    <a:lumMod val="50000"/>
+                  </a:schemeClr>
+                </a:solidFill>
+              </a:rPr>
+              <a:t>]</a:t>
+            </a:r>
+            <a:r>
+              <a:rPr lang="en-CA" sz="1400" dirty="0" smtClean="0"/>
+              <a:t> dependent on predicate </a:t>
+            </a:r>
+            <a:r>
+              <a:rPr lang="en-CA" sz="1400" dirty="0">
+                <a:solidFill>
+                  <a:schemeClr val="accent3">
+                    <a:lumMod val="50000"/>
+                  </a:schemeClr>
+                </a:solidFill>
+              </a:rPr>
+              <a:t>f</a:t>
+            </a:r>
+          </a:p>
+        </p:txBody>
+      </p:sp>
+      <p:sp>
+        <p:nvSpPr>
+          <p:cNvPr id="217" name="TextBox 216"/>
+          <p:cNvSpPr txBox="1"/>
+          <p:nvPr/>
+        </p:nvSpPr>
+        <p:spPr>
+          <a:xfrm>
+            <a:off x="971600" y="3664769"/>
+            <a:ext cx="1898277" cy="307777"/>
+          </a:xfrm>
+          <a:prstGeom prst="rect">
+            <a:avLst/>
+          </a:prstGeom>
+          <a:noFill/>
+        </p:spPr>
+        <p:txBody>
+          <a:bodyPr wrap="none" rtlCol="0">
+            <a:spAutoFit/>
+          </a:bodyPr>
+          <a:lstStyle>
+            <a:defPPr>
+              <a:defRPr lang="en-US"/>
+            </a:defPPr>
+            <a:lvl1pPr>
+              <a:defRPr sz="1200">
+                <a:solidFill>
+                  <a:schemeClr val="accent3">
+                    <a:lumMod val="50000"/>
+                  </a:schemeClr>
+                </a:solidFill>
+              </a:defRPr>
+            </a:lvl1pPr>
+          </a:lstStyle>
+          <a:p>
+            <a:r>
+              <a:rPr lang="en-CA" sz="1400" dirty="0" err="1"/>
+              <a:t>o#</a:t>
+            </a:r>
+            <a:r>
+              <a:rPr lang="en-CA" sz="1400" dirty="0" err="1" smtClean="0"/>
+              <a:t>f</a:t>
+            </a:r>
+            <a:r>
+              <a:rPr lang="en-CA" sz="1400" dirty="0"/>
+              <a:t>(+[t ... t]</a:t>
+            </a:r>
+            <a:r>
+              <a:rPr lang="en-CA" sz="1400" dirty="0" smtClean="0"/>
+              <a:t> </a:t>
+            </a:r>
+            <a:r>
+              <a:rPr lang="en-CA" sz="1400" dirty="0"/>
+              <a:t>. . . </a:t>
+            </a:r>
+            <a:r>
+              <a:rPr lang="en-CA" sz="1400" dirty="0" smtClean="0"/>
+              <a:t>+[</a:t>
+            </a:r>
+            <a:r>
+              <a:rPr lang="en-CA" sz="1400" dirty="0"/>
+              <a:t>t ... t</a:t>
+            </a:r>
+            <a:r>
+              <a:rPr lang="en-CA" sz="1400" dirty="0" smtClean="0"/>
+              <a:t>])</a:t>
+            </a:r>
+            <a:endParaRPr lang="en-CA" sz="1400" dirty="0"/>
+          </a:p>
+        </p:txBody>
+      </p:sp>
+      <p:sp>
+        <p:nvSpPr>
+          <p:cNvPr id="218" name="TextBox 217"/>
+          <p:cNvSpPr txBox="1"/>
+          <p:nvPr/>
+        </p:nvSpPr>
+        <p:spPr>
+          <a:xfrm>
+            <a:off x="971600" y="3356992"/>
+            <a:ext cx="2105063" cy="307777"/>
+          </a:xfrm>
+          <a:prstGeom prst="rect">
+            <a:avLst/>
+          </a:prstGeom>
+          <a:noFill/>
+        </p:spPr>
+        <p:txBody>
+          <a:bodyPr wrap="none" rtlCol="0">
+            <a:spAutoFit/>
+          </a:bodyPr>
+          <a:lstStyle>
+            <a:defPPr>
+              <a:defRPr lang="en-US"/>
+            </a:defPPr>
+            <a:lvl1pPr>
+              <a:defRPr sz="1200">
+                <a:solidFill>
+                  <a:schemeClr val="accent3">
+                    <a:lumMod val="50000"/>
+                  </a:schemeClr>
+                </a:solidFill>
+              </a:defRPr>
+            </a:lvl1pPr>
+          </a:lstStyle>
+          <a:p>
+            <a:r>
+              <a:rPr lang="en-CA" sz="1400" dirty="0" err="1"/>
+              <a:t>o#</a:t>
+            </a:r>
+            <a:r>
+              <a:rPr lang="en-CA" sz="1400" dirty="0" err="1" smtClean="0"/>
+              <a:t>f</a:t>
+            </a:r>
+            <a:r>
+              <a:rPr lang="en-CA" sz="1400" dirty="0" smtClean="0"/>
+              <a:t>(t ... t)</a:t>
+            </a:r>
+            <a:r>
+              <a:rPr lang="en-CA" sz="1400" dirty="0" smtClean="0"/>
+              <a:t>  </a:t>
+            </a:r>
+            <a:r>
+              <a:rPr lang="en-CA" sz="1400" i="1" dirty="0" smtClean="0"/>
+              <a:t>or</a:t>
+            </a:r>
+            <a:r>
+              <a:rPr lang="en-CA" sz="1400" dirty="0" smtClean="0"/>
+              <a:t> </a:t>
+            </a:r>
+            <a:r>
+              <a:rPr lang="en-CA" sz="1400" dirty="0"/>
+              <a:t> </a:t>
+            </a:r>
+            <a:r>
+              <a:rPr lang="en-CA" sz="1400" dirty="0" err="1"/>
+              <a:t>o#</a:t>
+            </a:r>
+            <a:r>
+              <a:rPr lang="en-CA" sz="1400" dirty="0" err="1" smtClean="0"/>
+              <a:t>f</a:t>
+            </a:r>
+            <a:r>
+              <a:rPr lang="en-CA" sz="1400" dirty="0" smtClean="0"/>
+              <a:t>(</a:t>
+            </a:r>
+            <a:r>
+              <a:rPr lang="en-CA" sz="1400" dirty="0"/>
+              <a:t>+[</a:t>
+            </a:r>
+            <a:r>
+              <a:rPr lang="en-CA" sz="1400" dirty="0" smtClean="0"/>
+              <a:t>t ... t]) </a:t>
+            </a:r>
+            <a:endParaRPr lang="en-CA" sz="1400" dirty="0"/>
+          </a:p>
+        </p:txBody>
+      </p:sp>
+      <p:sp>
+        <p:nvSpPr>
+          <p:cNvPr id="219" name="TextBox 218"/>
+          <p:cNvSpPr txBox="1"/>
+          <p:nvPr/>
+        </p:nvSpPr>
+        <p:spPr>
+          <a:xfrm>
+            <a:off x="3851920" y="3520753"/>
+            <a:ext cx="4165436" cy="307777"/>
+          </a:xfrm>
+          <a:prstGeom prst="rect">
+            <a:avLst/>
+          </a:prstGeom>
+          <a:noFill/>
+        </p:spPr>
+        <p:txBody>
+          <a:bodyPr wrap="none" rtlCol="0">
+            <a:spAutoFit/>
+          </a:bodyPr>
+          <a:lstStyle/>
+          <a:p>
+            <a:r>
+              <a:rPr lang="en-CA" sz="1400" dirty="0"/>
+              <a:t>Explicit OID </a:t>
+            </a:r>
+            <a:r>
+              <a:rPr lang="en-CA" sz="1400" dirty="0">
+                <a:solidFill>
+                  <a:schemeClr val="accent3">
+                    <a:lumMod val="50000"/>
+                  </a:schemeClr>
+                </a:solidFill>
+              </a:rPr>
+              <a:t>o</a:t>
+            </a:r>
+            <a:r>
+              <a:rPr lang="en-CA" sz="1400" dirty="0" smtClean="0"/>
+              <a:t>; tuples </a:t>
+            </a:r>
+            <a:r>
+              <a:rPr lang="en-CA" sz="1400" dirty="0">
+                <a:solidFill>
+                  <a:schemeClr val="accent3">
+                    <a:lumMod val="50000"/>
+                  </a:schemeClr>
+                </a:solidFill>
+              </a:rPr>
+              <a:t>+[</a:t>
+            </a:r>
+            <a:r>
+              <a:rPr lang="en-CA" sz="1400" dirty="0">
+                <a:solidFill>
+                  <a:schemeClr val="accent3">
+                    <a:lumMod val="50000"/>
+                  </a:schemeClr>
+                </a:solidFill>
+              </a:rPr>
+              <a:t>t ... t</a:t>
+            </a:r>
+            <a:r>
+              <a:rPr lang="en-CA" sz="1400" dirty="0">
+                <a:solidFill>
+                  <a:schemeClr val="accent3">
+                    <a:lumMod val="50000"/>
+                  </a:schemeClr>
+                </a:solidFill>
+              </a:rPr>
+              <a:t>]</a:t>
+            </a:r>
+            <a:r>
+              <a:rPr lang="en-CA" sz="1400" dirty="0" smtClean="0"/>
+              <a:t> dependent on predicate </a:t>
+            </a:r>
+            <a:r>
+              <a:rPr lang="en-CA" sz="1400" dirty="0">
+                <a:solidFill>
+                  <a:schemeClr val="accent3">
+                    <a:lumMod val="50000"/>
+                  </a:schemeClr>
+                </a:solidFill>
+              </a:rPr>
+              <a:t>f</a:t>
+            </a:r>
+          </a:p>
+        </p:txBody>
+      </p:sp>
+      <p:sp>
+        <p:nvSpPr>
+          <p:cNvPr id="220" name="TextBox 219"/>
+          <p:cNvSpPr txBox="1"/>
+          <p:nvPr/>
+        </p:nvSpPr>
+        <p:spPr>
+          <a:xfrm>
+            <a:off x="3851920" y="4941168"/>
+            <a:ext cx="4546694" cy="307777"/>
+          </a:xfrm>
+          <a:prstGeom prst="rect">
+            <a:avLst/>
+          </a:prstGeom>
+          <a:noFill/>
+        </p:spPr>
+        <p:txBody>
+          <a:bodyPr wrap="none" rtlCol="0">
+            <a:spAutoFit/>
+          </a:bodyPr>
+          <a:lstStyle/>
+          <a:p>
+            <a:r>
+              <a:rPr lang="en-CA" sz="1400" dirty="0" smtClean="0"/>
+              <a:t>Implicit existential OID</a:t>
+            </a:r>
+            <a:r>
+              <a:rPr lang="en-CA" sz="1400" dirty="0"/>
+              <a:t>; slots </a:t>
+            </a:r>
+            <a:r>
+              <a:rPr lang="en-CA" sz="1400" dirty="0" smtClean="0">
+                <a:solidFill>
+                  <a:schemeClr val="accent3">
+                    <a:lumMod val="50000"/>
+                  </a:schemeClr>
+                </a:solidFill>
+              </a:rPr>
+              <a:t>p+&gt;</a:t>
+            </a:r>
+            <a:r>
+              <a:rPr lang="en-CA" sz="1400" dirty="0">
+                <a:solidFill>
+                  <a:schemeClr val="accent3">
+                    <a:lumMod val="50000"/>
+                  </a:schemeClr>
+                </a:solidFill>
+              </a:rPr>
+              <a:t>v </a:t>
+            </a:r>
+            <a:r>
+              <a:rPr lang="en-CA" sz="1400" dirty="0"/>
+              <a:t>dependent on </a:t>
+            </a:r>
+            <a:r>
+              <a:rPr lang="en-CA" sz="1400" dirty="0" smtClean="0"/>
+              <a:t>predicate </a:t>
+            </a:r>
+            <a:r>
+              <a:rPr lang="en-CA" sz="1400" dirty="0">
+                <a:solidFill>
+                  <a:schemeClr val="accent3">
+                    <a:lumMod val="50000"/>
+                  </a:schemeClr>
+                </a:solidFill>
+              </a:rPr>
+              <a:t>f</a:t>
+            </a:r>
+          </a:p>
+        </p:txBody>
+      </p:sp>
+      <p:sp>
+        <p:nvSpPr>
+          <p:cNvPr id="221" name="TextBox 220"/>
+          <p:cNvSpPr txBox="1"/>
+          <p:nvPr/>
+        </p:nvSpPr>
+        <p:spPr>
+          <a:xfrm>
+            <a:off x="3851920" y="6263958"/>
+            <a:ext cx="3872086" cy="307777"/>
+          </a:xfrm>
+          <a:prstGeom prst="rect">
+            <a:avLst/>
+          </a:prstGeom>
+          <a:noFill/>
+        </p:spPr>
+        <p:txBody>
+          <a:bodyPr wrap="none" rtlCol="0">
+            <a:spAutoFit/>
+          </a:bodyPr>
+          <a:lstStyle/>
+          <a:p>
+            <a:r>
+              <a:rPr lang="en-CA" sz="1400" dirty="0"/>
+              <a:t>Explicit OID </a:t>
+            </a:r>
+            <a:r>
+              <a:rPr lang="en-CA" sz="1400" dirty="0">
+                <a:solidFill>
+                  <a:schemeClr val="accent3">
+                    <a:lumMod val="50000"/>
+                  </a:schemeClr>
+                </a:solidFill>
+              </a:rPr>
+              <a:t>o</a:t>
+            </a:r>
+            <a:r>
+              <a:rPr lang="en-CA" sz="1400" dirty="0" smtClean="0"/>
+              <a:t>; </a:t>
+            </a:r>
+            <a:r>
+              <a:rPr lang="en-CA" sz="1400" dirty="0"/>
+              <a:t>slots </a:t>
+            </a:r>
+            <a:r>
+              <a:rPr lang="en-CA" sz="1400" dirty="0" smtClean="0">
+                <a:solidFill>
+                  <a:schemeClr val="accent3">
+                    <a:lumMod val="50000"/>
+                  </a:schemeClr>
+                </a:solidFill>
+              </a:rPr>
+              <a:t>p+&gt;</a:t>
+            </a:r>
+            <a:r>
+              <a:rPr lang="en-CA" sz="1400" dirty="0">
+                <a:solidFill>
+                  <a:schemeClr val="accent3">
+                    <a:lumMod val="50000"/>
+                  </a:schemeClr>
+                </a:solidFill>
+              </a:rPr>
+              <a:t>v </a:t>
+            </a:r>
+            <a:r>
+              <a:rPr lang="en-CA" sz="1400" dirty="0"/>
+              <a:t>dependent on </a:t>
+            </a:r>
+            <a:r>
+              <a:rPr lang="en-CA" sz="1400" dirty="0" smtClean="0"/>
+              <a:t>predicate </a:t>
+            </a:r>
+            <a:r>
+              <a:rPr lang="en-CA" sz="1400" dirty="0">
+                <a:solidFill>
+                  <a:schemeClr val="accent3">
+                    <a:lumMod val="50000"/>
+                  </a:schemeClr>
+                </a:solidFill>
+              </a:rPr>
+              <a:t>f</a:t>
+            </a:r>
+          </a:p>
+        </p:txBody>
+      </p:sp>
+    </p:spTree>
+    <p:extLst>
+      <p:ext uri="{BB962C8B-B14F-4D97-AF65-F5344CB8AC3E}">
+        <p14:creationId xmlns:p14="http://schemas.microsoft.com/office/powerpoint/2010/main" val="1901101660"/>
+      </p:ext>
+    </p:extLst>
+  </p:cSld>
+  <p:clrMapOvr>
+    <a:masterClrMapping/>
+  </p:clrMapOvr>
+  <p:timing>
+    <p:tnLst>
+      <p:par>
+        <p:cTn id="1" dur="indefinite" restart="never" nodeType="tmRoot"/>
+      </p:par>
+    </p:tnLst>
+  </p:timing>
+</p:sld>
+</file>
+
+<file path=ppt/slides/slide13.xml><?xml version="1.0" encoding="utf-8"?>
+<p:sld xmlns:a="http://schemas.openxmlformats.org/drawingml/2006/main" xmlns:r="http://schemas.openxmlformats.org/officeDocument/2006/relationships" xmlns:p="http://schemas.openxmlformats.org/presentationml/2006/main">
+  <p:cSld>
+    <p:spTree>
+      <p:nvGrpSpPr>
+        <p:cNvPr id="1" name=""/>
+        <p:cNvGrpSpPr/>
+        <p:nvPr/>
+      </p:nvGrpSpPr>
+      <p:grpSpPr>
+        <a:xfrm>
+          <a:off x="0" y="0"/>
+          <a:ext cx="0" cy="0"/>
+          <a:chOff x="0" y="0"/>
+          <a:chExt cx="0" cy="0"/>
+        </a:xfrm>
+      </p:grpSpPr>
+      <p:sp>
+        <p:nvSpPr>
+          <p:cNvPr id="95" name="TextBox 94"/>
+          <p:cNvSpPr txBox="1"/>
+          <p:nvPr/>
+        </p:nvSpPr>
+        <p:spPr>
+          <a:xfrm>
+            <a:off x="971600" y="1774557"/>
+            <a:ext cx="1800942" cy="646331"/>
+          </a:xfrm>
+          <a:prstGeom prst="rect">
+            <a:avLst/>
+          </a:prstGeom>
+          <a:noFill/>
+        </p:spPr>
+        <p:txBody>
+          <a:bodyPr wrap="none" rtlCol="0">
+            <a:spAutoFit/>
+          </a:bodyPr>
+          <a:lstStyle/>
+          <a:p>
+            <a:r>
+              <a:rPr lang="en-CA" dirty="0" smtClean="0"/>
+              <a:t>pv5</a:t>
+            </a:r>
+            <a:r>
+              <a:rPr lang="en-CA" dirty="0"/>
+              <a:t>. </a:t>
+            </a:r>
+            <a:r>
+              <a:rPr lang="en-CA" dirty="0" smtClean="0"/>
+              <a:t>single-tuple:</a:t>
+            </a:r>
+          </a:p>
+          <a:p>
+            <a:r>
+              <a:rPr lang="en-CA" dirty="0" err="1" smtClean="0"/>
+              <a:t>relpairships</a:t>
+            </a:r>
+            <a:endParaRPr lang="en-CA" dirty="0"/>
+          </a:p>
+        </p:txBody>
+      </p:sp>
+      <p:sp>
+        <p:nvSpPr>
+          <p:cNvPr id="96" name="TextBox 95"/>
+          <p:cNvSpPr txBox="1"/>
+          <p:nvPr/>
+        </p:nvSpPr>
+        <p:spPr>
+          <a:xfrm>
+            <a:off x="971600" y="3409255"/>
+            <a:ext cx="526554" cy="369332"/>
+          </a:xfrm>
+          <a:prstGeom prst="rect">
+            <a:avLst/>
+          </a:prstGeom>
+          <a:noFill/>
+        </p:spPr>
+        <p:txBody>
+          <a:bodyPr wrap="none" rtlCol="0">
+            <a:spAutoFit/>
+          </a:bodyPr>
+          <a:lstStyle/>
+          <a:p>
+            <a:r>
+              <a:rPr lang="en-CA" dirty="0" smtClean="0"/>
+              <a:t>pv6</a:t>
+            </a:r>
+            <a:endParaRPr lang="en-CA" dirty="0"/>
+          </a:p>
+        </p:txBody>
+      </p:sp>
+      <p:sp>
+        <p:nvSpPr>
+          <p:cNvPr id="86" name="TextBox 85"/>
+          <p:cNvSpPr txBox="1"/>
+          <p:nvPr/>
+        </p:nvSpPr>
+        <p:spPr>
+          <a:xfrm>
+            <a:off x="971600" y="1052736"/>
+            <a:ext cx="7981352" cy="400110"/>
+          </a:xfrm>
+          <a:prstGeom prst="rect">
+            <a:avLst/>
+          </a:prstGeom>
+          <a:noFill/>
+        </p:spPr>
+        <p:txBody>
+          <a:bodyPr wrap="none" rtlCol="0">
+            <a:spAutoFit/>
+          </a:bodyPr>
+          <a:lstStyle/>
+          <a:p>
+            <a:r>
+              <a:rPr lang="en-CA" sz="2000" dirty="0" smtClean="0"/>
+              <a:t>Extra </a:t>
+            </a:r>
+            <a:r>
+              <a:rPr lang="en-CA" sz="2000" dirty="0" err="1" smtClean="0"/>
+              <a:t>oidless</a:t>
+            </a:r>
+            <a:r>
+              <a:rPr lang="en-CA" sz="2000" dirty="0" smtClean="0"/>
+              <a:t>/</a:t>
+            </a:r>
+            <a:r>
+              <a:rPr lang="en-CA" sz="2000" dirty="0" err="1" smtClean="0"/>
+              <a:t>oidful</a:t>
+            </a:r>
+            <a:r>
+              <a:rPr lang="en-CA" sz="2000" dirty="0"/>
+              <a:t>, </a:t>
+            </a:r>
+            <a:r>
+              <a:rPr lang="en-CA" sz="2000" dirty="0" smtClean="0"/>
+              <a:t>combined </a:t>
+            </a:r>
+            <a:r>
+              <a:rPr lang="en-CA" sz="2000" dirty="0" err="1" smtClean="0"/>
+              <a:t>tupled+slotted</a:t>
+            </a:r>
+            <a:r>
+              <a:rPr lang="en-CA" sz="2000" dirty="0" smtClean="0"/>
+              <a:t> atoms that are</a:t>
+            </a:r>
+            <a:r>
+              <a:rPr lang="en-CA" sz="2000" b="1" dirty="0"/>
+              <a:t> </a:t>
+            </a:r>
+            <a:r>
+              <a:rPr lang="en-CA" sz="2000" b="1" dirty="0" smtClean="0"/>
+              <a:t>p</a:t>
+            </a:r>
+            <a:r>
+              <a:rPr lang="en-CA" sz="2000" dirty="0" smtClean="0"/>
+              <a:t>erspecti</a:t>
+            </a:r>
+            <a:r>
+              <a:rPr lang="en-CA" sz="2000" b="1" dirty="0" smtClean="0"/>
+              <a:t>v</a:t>
+            </a:r>
+            <a:r>
+              <a:rPr lang="en-CA" sz="2000" dirty="0" smtClean="0"/>
+              <a:t>al:</a:t>
+            </a:r>
+            <a:endParaRPr lang="en-CA" sz="2000" dirty="0"/>
+          </a:p>
+        </p:txBody>
+      </p:sp>
+      <p:sp>
+        <p:nvSpPr>
+          <p:cNvPr id="38" name="Slide Number Placeholder 37"/>
+          <p:cNvSpPr>
+            <a:spLocks noGrp="1"/>
+          </p:cNvSpPr>
+          <p:nvPr>
+            <p:ph type="sldNum" sz="quarter" idx="12"/>
+          </p:nvPr>
+        </p:nvSpPr>
+        <p:spPr/>
+        <p:txBody>
+          <a:bodyPr/>
+          <a:lstStyle/>
+          <a:p>
+            <a:fld id="{69E3CB01-9E1A-4A3C-8DCA-3238C6551500}" type="slidenum">
+              <a:rPr lang="en-CA" smtClean="0"/>
+              <a:t>13</a:t>
+            </a:fld>
+            <a:endParaRPr lang="en-CA"/>
+          </a:p>
+        </p:txBody>
+      </p:sp>
+      <p:sp>
+        <p:nvSpPr>
+          <p:cNvPr id="92" name="TextBox 91"/>
+          <p:cNvSpPr txBox="1"/>
+          <p:nvPr/>
+        </p:nvSpPr>
+        <p:spPr>
+          <a:xfrm>
+            <a:off x="971600" y="4057327"/>
+            <a:ext cx="2945037" cy="307777"/>
+          </a:xfrm>
+          <a:prstGeom prst="rect">
+            <a:avLst/>
+          </a:prstGeom>
+          <a:noFill/>
+        </p:spPr>
+        <p:txBody>
+          <a:bodyPr wrap="none" rtlCol="0">
+            <a:spAutoFit/>
+          </a:bodyPr>
+          <a:lstStyle>
+            <a:defPPr>
+              <a:defRPr lang="en-US"/>
+            </a:defPPr>
+            <a:lvl1pPr>
+              <a:defRPr sz="1200">
+                <a:solidFill>
+                  <a:schemeClr val="accent3">
+                    <a:lumMod val="50000"/>
+                  </a:schemeClr>
+                </a:solidFill>
+              </a:defRPr>
+            </a:lvl1pPr>
+          </a:lstStyle>
+          <a:p>
+            <a:r>
+              <a:rPr lang="en-CA" sz="1400" dirty="0" err="1"/>
+              <a:t>o</a:t>
+            </a:r>
+            <a:r>
+              <a:rPr lang="en-CA" sz="1400" dirty="0" err="1" smtClean="0"/>
+              <a:t>#f</a:t>
+            </a:r>
+            <a:r>
+              <a:rPr lang="en-CA" sz="1400" dirty="0"/>
+              <a:t>(+[t ... t] . . . +[t ... t] p+&gt;v . . . p+&gt;v</a:t>
+            </a:r>
+            <a:r>
+              <a:rPr lang="en-CA" sz="1400" dirty="0" smtClean="0"/>
+              <a:t>)</a:t>
+            </a:r>
+            <a:endParaRPr lang="en-CA" sz="1400" dirty="0"/>
+          </a:p>
+        </p:txBody>
+      </p:sp>
+      <p:sp>
+        <p:nvSpPr>
+          <p:cNvPr id="97" name="TextBox 96"/>
+          <p:cNvSpPr txBox="1"/>
+          <p:nvPr/>
+        </p:nvSpPr>
+        <p:spPr>
+          <a:xfrm>
+            <a:off x="971600" y="2545159"/>
+            <a:ext cx="2760692" cy="307777"/>
+          </a:xfrm>
+          <a:prstGeom prst="rect">
+            <a:avLst/>
+          </a:prstGeom>
+          <a:noFill/>
+        </p:spPr>
+        <p:txBody>
+          <a:bodyPr wrap="none" rtlCol="0">
+            <a:spAutoFit/>
+          </a:bodyPr>
+          <a:lstStyle>
+            <a:defPPr>
+              <a:defRPr lang="en-US"/>
+            </a:defPPr>
+            <a:lvl1pPr>
+              <a:defRPr sz="1200">
+                <a:solidFill>
+                  <a:schemeClr val="accent3">
+                    <a:lumMod val="50000"/>
+                  </a:schemeClr>
+                </a:solidFill>
+              </a:defRPr>
+            </a:lvl1pPr>
+          </a:lstStyle>
+          <a:p>
+            <a:r>
+              <a:rPr lang="en-CA" sz="1400" dirty="0" smtClean="0"/>
+              <a:t>f(+[</a:t>
+            </a:r>
+            <a:r>
+              <a:rPr lang="en-CA" sz="1400" dirty="0"/>
+              <a:t>t ... t</a:t>
+            </a:r>
+            <a:r>
+              <a:rPr lang="en-CA" sz="1400" dirty="0" smtClean="0"/>
+              <a:t>] . . . +[</a:t>
+            </a:r>
+            <a:r>
+              <a:rPr lang="en-CA" sz="1400" dirty="0"/>
+              <a:t>t ... t</a:t>
+            </a:r>
+            <a:r>
+              <a:rPr lang="en-CA" sz="1400" dirty="0" smtClean="0"/>
+              <a:t>] p+&gt;</a:t>
+            </a:r>
+            <a:r>
+              <a:rPr lang="en-CA" sz="1400" dirty="0"/>
+              <a:t>v . . . </a:t>
+            </a:r>
+            <a:r>
+              <a:rPr lang="en-CA" sz="1400" dirty="0" smtClean="0"/>
+              <a:t>p+&gt;</a:t>
+            </a:r>
+            <a:r>
+              <a:rPr lang="en-CA" sz="1400" dirty="0"/>
+              <a:t>v)</a:t>
+            </a:r>
+            <a:endParaRPr lang="en-CA" sz="1400" dirty="0"/>
+          </a:p>
+        </p:txBody>
+      </p:sp>
+      <p:sp>
+        <p:nvSpPr>
+          <p:cNvPr id="98" name="TextBox 97"/>
+          <p:cNvSpPr txBox="1"/>
+          <p:nvPr/>
+        </p:nvSpPr>
+        <p:spPr>
+          <a:xfrm>
+            <a:off x="3851920" y="2545159"/>
+            <a:ext cx="4624471" cy="307777"/>
+          </a:xfrm>
+          <a:prstGeom prst="rect">
+            <a:avLst/>
+          </a:prstGeom>
+          <a:noFill/>
+        </p:spPr>
+        <p:txBody>
+          <a:bodyPr wrap="none" rtlCol="0">
+            <a:spAutoFit/>
+          </a:bodyPr>
+          <a:lstStyle/>
+          <a:p>
+            <a:r>
+              <a:rPr lang="en-CA" sz="1400" dirty="0" smtClean="0"/>
+              <a:t>Implicit existential OID; descriptors </a:t>
+            </a:r>
+            <a:r>
+              <a:rPr lang="en-CA" sz="1400" dirty="0"/>
+              <a:t>dependent on </a:t>
+            </a:r>
+            <a:r>
+              <a:rPr lang="en-CA" sz="1400" dirty="0" smtClean="0"/>
+              <a:t>predicate </a:t>
+            </a:r>
+            <a:r>
+              <a:rPr lang="en-CA" sz="1400" dirty="0">
+                <a:solidFill>
+                  <a:schemeClr val="accent3">
+                    <a:lumMod val="50000"/>
+                  </a:schemeClr>
+                </a:solidFill>
+              </a:rPr>
+              <a:t>f</a:t>
+            </a:r>
+          </a:p>
+        </p:txBody>
+      </p:sp>
+      <p:sp>
+        <p:nvSpPr>
+          <p:cNvPr id="99" name="TextBox 98"/>
+          <p:cNvSpPr txBox="1"/>
+          <p:nvPr/>
+        </p:nvSpPr>
+        <p:spPr>
+          <a:xfrm>
+            <a:off x="3851920" y="4057327"/>
+            <a:ext cx="3949864" cy="307777"/>
+          </a:xfrm>
+          <a:prstGeom prst="rect">
+            <a:avLst/>
+          </a:prstGeom>
+          <a:noFill/>
+        </p:spPr>
+        <p:txBody>
+          <a:bodyPr wrap="none" rtlCol="0">
+            <a:spAutoFit/>
+          </a:bodyPr>
+          <a:lstStyle/>
+          <a:p>
+            <a:r>
+              <a:rPr lang="en-CA" sz="1400" dirty="0"/>
+              <a:t>Explicit OID </a:t>
+            </a:r>
+            <a:r>
+              <a:rPr lang="en-CA" sz="1400" dirty="0">
+                <a:solidFill>
+                  <a:schemeClr val="accent3">
+                    <a:lumMod val="50000"/>
+                  </a:schemeClr>
+                </a:solidFill>
+              </a:rPr>
+              <a:t>o</a:t>
+            </a:r>
+            <a:r>
+              <a:rPr lang="en-CA" sz="1400" dirty="0" smtClean="0"/>
+              <a:t>; descriptors </a:t>
+            </a:r>
+            <a:r>
+              <a:rPr lang="en-CA" sz="1400" dirty="0"/>
+              <a:t>dependent on </a:t>
+            </a:r>
+            <a:r>
+              <a:rPr lang="en-CA" sz="1400" dirty="0" smtClean="0"/>
+              <a:t>predicate </a:t>
+            </a:r>
+            <a:r>
+              <a:rPr lang="en-CA" sz="1400" dirty="0">
+                <a:solidFill>
+                  <a:schemeClr val="accent3">
+                    <a:lumMod val="50000"/>
+                  </a:schemeClr>
+                </a:solidFill>
+              </a:rPr>
+              <a:t>f</a:t>
+            </a:r>
+          </a:p>
+        </p:txBody>
+      </p:sp>
+    </p:spTree>
+    <p:extLst>
+      <p:ext uri="{BB962C8B-B14F-4D97-AF65-F5344CB8AC3E}">
+        <p14:creationId xmlns:p14="http://schemas.microsoft.com/office/powerpoint/2010/main" val="2086618329"/>
+      </p:ext>
+    </p:extLst>
+  </p:cSld>
+  <p:clrMapOvr>
+    <a:masterClrMapping/>
+  </p:clrMapOvr>
+  <p:timing>
+    <p:tnLst>
+      <p:par>
+        <p:cTn id="1" dur="indefinite" restart="never" nodeType="tmRoot"/>
+      </p:par>
+    </p:tnLst>
+  </p:timing>
+</p:sld>
+</file>
+
+<file path=ppt/slides/slide14.xml><?xml version="1.0" encoding="utf-8"?>
+<p:sld xmlns:a="http://schemas.openxmlformats.org/drawingml/2006/main" xmlns:r="http://schemas.openxmlformats.org/officeDocument/2006/relationships" xmlns:p="http://schemas.openxmlformats.org/presentationml/2006/main">
+  <p:cSld>
+    <p:spTree>
+      <p:nvGrpSpPr>
+        <p:cNvPr id="1" name=""/>
+        <p:cNvGrpSpPr/>
+        <p:nvPr/>
+      </p:nvGrpSpPr>
+      <p:grpSpPr>
+        <a:xfrm>
+          <a:off x="0" y="0"/>
+          <a:ext cx="0" cy="0"/>
+          <a:chOff x="0" y="0"/>
+          <a:chExt cx="0" cy="0"/>
+        </a:xfrm>
+      </p:grpSpPr>
+      <p:sp>
+        <p:nvSpPr>
+          <p:cNvPr id="78" name="TextBox 77"/>
+          <p:cNvSpPr txBox="1"/>
+          <p:nvPr/>
+        </p:nvSpPr>
+        <p:spPr>
+          <a:xfrm>
+            <a:off x="971600" y="1315189"/>
+            <a:ext cx="598241" cy="369332"/>
+          </a:xfrm>
+          <a:prstGeom prst="rect">
+            <a:avLst/>
+          </a:prstGeom>
+          <a:noFill/>
+        </p:spPr>
+        <p:txBody>
+          <a:bodyPr wrap="none" rtlCol="0">
+            <a:spAutoFit/>
+          </a:bodyPr>
+          <a:lstStyle/>
+          <a:p>
+            <a:r>
+              <a:rPr lang="en-CA" dirty="0" smtClean="0"/>
+              <a:t>pp1 </a:t>
+            </a:r>
+            <a:endParaRPr lang="en-CA" dirty="0"/>
+          </a:p>
+        </p:txBody>
+      </p:sp>
+      <p:sp>
+        <p:nvSpPr>
+          <p:cNvPr id="79" name="TextBox 78"/>
+          <p:cNvSpPr txBox="1"/>
+          <p:nvPr/>
+        </p:nvSpPr>
+        <p:spPr>
+          <a:xfrm>
+            <a:off x="971600" y="2852936"/>
+            <a:ext cx="545342" cy="369332"/>
+          </a:xfrm>
+          <a:prstGeom prst="rect">
+            <a:avLst/>
+          </a:prstGeom>
+          <a:noFill/>
+        </p:spPr>
+        <p:txBody>
+          <a:bodyPr wrap="none" rtlCol="0">
+            <a:spAutoFit/>
+          </a:bodyPr>
+          <a:lstStyle/>
+          <a:p>
+            <a:r>
+              <a:rPr lang="en-CA" dirty="0" smtClean="0"/>
+              <a:t>pp2</a:t>
+            </a:r>
+            <a:endParaRPr lang="en-CA" dirty="0"/>
+          </a:p>
+        </p:txBody>
+      </p:sp>
+      <p:sp>
+        <p:nvSpPr>
+          <p:cNvPr id="109" name="TextBox 108"/>
+          <p:cNvSpPr txBox="1"/>
+          <p:nvPr/>
+        </p:nvSpPr>
+        <p:spPr>
+          <a:xfrm>
+            <a:off x="971600" y="404664"/>
+            <a:ext cx="7986802" cy="369332"/>
+          </a:xfrm>
+          <a:prstGeom prst="rect">
+            <a:avLst/>
+          </a:prstGeom>
+          <a:noFill/>
+        </p:spPr>
+        <p:txBody>
+          <a:bodyPr wrap="none" rtlCol="0">
+            <a:spAutoFit/>
+          </a:bodyPr>
+          <a:lstStyle/>
+          <a:p>
+            <a:r>
+              <a:rPr lang="en-CA" dirty="0" smtClean="0"/>
+              <a:t>Adding </a:t>
+            </a:r>
+            <a:r>
+              <a:rPr lang="en-CA" dirty="0" err="1" smtClean="0"/>
+              <a:t>oidless</a:t>
+            </a:r>
+            <a:r>
+              <a:rPr lang="en-CA" dirty="0" smtClean="0"/>
+              <a:t>/</a:t>
+            </a:r>
+            <a:r>
+              <a:rPr lang="en-CA" dirty="0" err="1" smtClean="0"/>
+              <a:t>oidful</a:t>
+            </a:r>
+            <a:r>
+              <a:rPr lang="en-CA" dirty="0"/>
+              <a:t>, </a:t>
+            </a:r>
+            <a:r>
+              <a:rPr lang="en-CA" dirty="0" err="1"/>
+              <a:t>tupled</a:t>
+            </a:r>
+            <a:r>
+              <a:rPr lang="en-CA" dirty="0"/>
+              <a:t>/slotted</a:t>
+            </a:r>
+            <a:r>
+              <a:rPr lang="en-CA" dirty="0" smtClean="0"/>
+              <a:t>, combined </a:t>
+            </a:r>
+            <a:r>
+              <a:rPr lang="en-CA" b="1" dirty="0" err="1" smtClean="0"/>
+              <a:t>p</a:t>
+            </a:r>
+            <a:r>
+              <a:rPr lang="en-CA" dirty="0" err="1" smtClean="0"/>
+              <a:t>erspeneutral+</a:t>
+            </a:r>
+            <a:r>
+              <a:rPr lang="en-CA" b="1" dirty="0" err="1" smtClean="0"/>
+              <a:t>p</a:t>
+            </a:r>
+            <a:r>
+              <a:rPr lang="en-CA" dirty="0" err="1" smtClean="0"/>
+              <a:t>erspectival</a:t>
+            </a:r>
+            <a:r>
+              <a:rPr lang="en-CA" dirty="0" smtClean="0"/>
+              <a:t> atoms:</a:t>
+            </a:r>
+            <a:endParaRPr lang="en-CA" dirty="0"/>
+          </a:p>
+        </p:txBody>
+      </p:sp>
+      <p:sp>
+        <p:nvSpPr>
+          <p:cNvPr id="185" name="TextBox 184"/>
+          <p:cNvSpPr txBox="1"/>
+          <p:nvPr/>
+        </p:nvSpPr>
+        <p:spPr>
+          <a:xfrm>
+            <a:off x="971600" y="4293096"/>
+            <a:ext cx="545342" cy="369332"/>
+          </a:xfrm>
+          <a:prstGeom prst="rect">
+            <a:avLst/>
+          </a:prstGeom>
+          <a:noFill/>
+        </p:spPr>
+        <p:txBody>
+          <a:bodyPr wrap="none" rtlCol="0">
+            <a:spAutoFit/>
+          </a:bodyPr>
+          <a:lstStyle/>
+          <a:p>
+            <a:r>
+              <a:rPr lang="en-CA" dirty="0" smtClean="0"/>
+              <a:t>pp3</a:t>
+            </a:r>
+            <a:endParaRPr lang="en-CA" dirty="0"/>
+          </a:p>
+        </p:txBody>
+      </p:sp>
+      <p:sp>
+        <p:nvSpPr>
+          <p:cNvPr id="186" name="TextBox 185"/>
+          <p:cNvSpPr txBox="1"/>
+          <p:nvPr/>
+        </p:nvSpPr>
+        <p:spPr>
+          <a:xfrm>
+            <a:off x="971600" y="5661248"/>
+            <a:ext cx="545342" cy="369332"/>
+          </a:xfrm>
+          <a:prstGeom prst="rect">
+            <a:avLst/>
+          </a:prstGeom>
+          <a:noFill/>
+        </p:spPr>
+        <p:txBody>
+          <a:bodyPr wrap="none" rtlCol="0">
+            <a:spAutoFit/>
+          </a:bodyPr>
+          <a:lstStyle/>
+          <a:p>
+            <a:r>
+              <a:rPr lang="en-CA" dirty="0" smtClean="0"/>
+              <a:t>pp4</a:t>
+            </a:r>
+            <a:endParaRPr lang="en-CA" dirty="0"/>
+          </a:p>
+        </p:txBody>
+      </p:sp>
+      <p:sp>
+        <p:nvSpPr>
+          <p:cNvPr id="31" name="Slide Number Placeholder 30"/>
+          <p:cNvSpPr>
+            <a:spLocks noGrp="1"/>
+          </p:cNvSpPr>
+          <p:nvPr>
+            <p:ph type="sldNum" sz="quarter" idx="12"/>
+          </p:nvPr>
+        </p:nvSpPr>
+        <p:spPr/>
+        <p:txBody>
+          <a:bodyPr/>
+          <a:lstStyle/>
+          <a:p>
+            <a:fld id="{69E3CB01-9E1A-4A3C-8DCA-3238C6551500}" type="slidenum">
+              <a:rPr lang="en-CA" smtClean="0"/>
+              <a:t>14</a:t>
+            </a:fld>
+            <a:endParaRPr lang="en-CA"/>
+          </a:p>
+        </p:txBody>
+      </p:sp>
+      <p:sp>
+        <p:nvSpPr>
+          <p:cNvPr id="176" name="TextBox 175"/>
+          <p:cNvSpPr txBox="1"/>
+          <p:nvPr/>
+        </p:nvSpPr>
+        <p:spPr>
+          <a:xfrm>
+            <a:off x="971600" y="1916832"/>
+            <a:ext cx="1694695" cy="523220"/>
+          </a:xfrm>
+          <a:prstGeom prst="rect">
+            <a:avLst/>
+          </a:prstGeom>
+          <a:noFill/>
+        </p:spPr>
+        <p:txBody>
+          <a:bodyPr wrap="none" rtlCol="0">
+            <a:spAutoFit/>
+          </a:bodyPr>
+          <a:lstStyle>
+            <a:defPPr>
+              <a:defRPr lang="en-US"/>
+            </a:defPPr>
+            <a:lvl1pPr>
+              <a:defRPr sz="1200">
+                <a:solidFill>
+                  <a:schemeClr val="accent3">
+                    <a:lumMod val="50000"/>
+                  </a:schemeClr>
+                </a:solidFill>
+              </a:defRPr>
+            </a:lvl1pPr>
+          </a:lstStyle>
+          <a:p>
+            <a:r>
+              <a:rPr lang="en-CA" sz="1400" dirty="0" smtClean="0"/>
+              <a:t>f(+[</a:t>
+            </a:r>
+            <a:r>
+              <a:rPr lang="en-CA" sz="1400" dirty="0"/>
+              <a:t>t ... t</a:t>
+            </a:r>
+            <a:r>
+              <a:rPr lang="en-CA" sz="1400" dirty="0" smtClean="0"/>
+              <a:t>] . . . +[</a:t>
+            </a:r>
+            <a:r>
+              <a:rPr lang="en-CA" sz="1400" dirty="0"/>
+              <a:t>t ... t</a:t>
+            </a:r>
+            <a:r>
+              <a:rPr lang="en-CA" sz="1400" dirty="0" smtClean="0"/>
+              <a:t>]</a:t>
+            </a:r>
+          </a:p>
+          <a:p>
+            <a:r>
+              <a:rPr lang="en-CA" sz="1400" dirty="0"/>
+              <a:t> </a:t>
+            </a:r>
+            <a:r>
+              <a:rPr lang="en-CA" sz="1400" dirty="0" smtClean="0"/>
+              <a:t>  -[</a:t>
+            </a:r>
+            <a:r>
+              <a:rPr lang="en-CA" sz="1400" dirty="0"/>
+              <a:t>t ... t] . . . </a:t>
+            </a:r>
+            <a:r>
+              <a:rPr lang="en-CA" sz="1400" dirty="0" smtClean="0"/>
+              <a:t>-[</a:t>
+            </a:r>
+            <a:r>
+              <a:rPr lang="en-CA" sz="1400" dirty="0"/>
+              <a:t>t ... t</a:t>
+            </a:r>
+            <a:r>
+              <a:rPr lang="en-CA" sz="1400" dirty="0" smtClean="0"/>
+              <a:t>])</a:t>
+            </a:r>
+            <a:endParaRPr lang="en-CA" sz="1400" dirty="0"/>
+          </a:p>
+        </p:txBody>
+      </p:sp>
+      <p:sp>
+        <p:nvSpPr>
+          <p:cNvPr id="190" name="TextBox 189"/>
+          <p:cNvSpPr txBox="1"/>
+          <p:nvPr/>
+        </p:nvSpPr>
+        <p:spPr>
+          <a:xfrm>
+            <a:off x="3851920" y="1916832"/>
+            <a:ext cx="4978158" cy="307777"/>
+          </a:xfrm>
+          <a:prstGeom prst="rect">
+            <a:avLst/>
+          </a:prstGeom>
+          <a:noFill/>
+        </p:spPr>
+        <p:txBody>
+          <a:bodyPr wrap="none" rtlCol="0">
+            <a:spAutoFit/>
+          </a:bodyPr>
+          <a:lstStyle/>
+          <a:p>
+            <a:r>
+              <a:rPr lang="en-CA" sz="1400" dirty="0" smtClean="0"/>
+              <a:t>Implicit existential OID; both in/dependent </a:t>
+            </a:r>
+            <a:r>
+              <a:rPr lang="en-CA" sz="1400" dirty="0"/>
+              <a:t>tuples </a:t>
+            </a:r>
+            <a:r>
+              <a:rPr lang="en-CA" sz="1400" dirty="0" smtClean="0"/>
+              <a:t>w.r.t. predicate </a:t>
+            </a:r>
+            <a:r>
+              <a:rPr lang="en-CA" sz="1400" dirty="0">
+                <a:solidFill>
+                  <a:schemeClr val="accent3">
+                    <a:lumMod val="50000"/>
+                  </a:schemeClr>
+                </a:solidFill>
+              </a:rPr>
+              <a:t>f</a:t>
+            </a:r>
+          </a:p>
+        </p:txBody>
+      </p:sp>
+      <p:sp>
+        <p:nvSpPr>
+          <p:cNvPr id="191" name="TextBox 190"/>
+          <p:cNvSpPr txBox="1"/>
+          <p:nvPr/>
+        </p:nvSpPr>
+        <p:spPr>
+          <a:xfrm>
+            <a:off x="971600" y="3429000"/>
+            <a:ext cx="1843774" cy="523220"/>
+          </a:xfrm>
+          <a:prstGeom prst="rect">
+            <a:avLst/>
+          </a:prstGeom>
+          <a:noFill/>
+        </p:spPr>
+        <p:txBody>
+          <a:bodyPr wrap="none" rtlCol="0">
+            <a:spAutoFit/>
+          </a:bodyPr>
+          <a:lstStyle>
+            <a:defPPr>
+              <a:defRPr lang="en-US"/>
+            </a:defPPr>
+            <a:lvl1pPr>
+              <a:defRPr sz="1200">
+                <a:solidFill>
+                  <a:schemeClr val="accent3">
+                    <a:lumMod val="50000"/>
+                  </a:schemeClr>
+                </a:solidFill>
+              </a:defRPr>
+            </a:lvl1pPr>
+          </a:lstStyle>
+          <a:p>
+            <a:r>
+              <a:rPr lang="en-CA" sz="1400" dirty="0" err="1"/>
+              <a:t>o#</a:t>
+            </a:r>
+            <a:r>
+              <a:rPr lang="en-CA" sz="1400" dirty="0" err="1" smtClean="0"/>
+              <a:t>f</a:t>
+            </a:r>
+            <a:r>
+              <a:rPr lang="en-CA" sz="1400" dirty="0" smtClean="0"/>
+              <a:t>(+[</a:t>
+            </a:r>
+            <a:r>
+              <a:rPr lang="en-CA" sz="1400" dirty="0"/>
+              <a:t>t ... t</a:t>
+            </a:r>
+            <a:r>
+              <a:rPr lang="en-CA" sz="1400" dirty="0" smtClean="0"/>
+              <a:t>] . . . +[</a:t>
+            </a:r>
+            <a:r>
+              <a:rPr lang="en-CA" sz="1400" dirty="0"/>
+              <a:t>t ... t</a:t>
+            </a:r>
+            <a:r>
+              <a:rPr lang="en-CA" sz="1400" dirty="0" smtClean="0"/>
+              <a:t>]</a:t>
+            </a:r>
+          </a:p>
+          <a:p>
+            <a:r>
+              <a:rPr lang="en-CA" sz="1400" dirty="0"/>
+              <a:t> </a:t>
+            </a:r>
+            <a:r>
+              <a:rPr lang="en-CA" sz="1400" dirty="0" smtClean="0"/>
+              <a:t>       -[</a:t>
+            </a:r>
+            <a:r>
+              <a:rPr lang="en-CA" sz="1400" dirty="0"/>
+              <a:t>t ... t] . . . </a:t>
+            </a:r>
+            <a:r>
+              <a:rPr lang="en-CA" sz="1400" dirty="0" smtClean="0"/>
+              <a:t>-[</a:t>
+            </a:r>
+            <a:r>
+              <a:rPr lang="en-CA" sz="1400" dirty="0"/>
+              <a:t>t ... t</a:t>
+            </a:r>
+            <a:r>
+              <a:rPr lang="en-CA" sz="1400" dirty="0" smtClean="0"/>
+              <a:t>])</a:t>
+            </a:r>
+            <a:endParaRPr lang="en-CA" sz="1400" dirty="0"/>
+          </a:p>
+        </p:txBody>
+      </p:sp>
+      <p:sp>
+        <p:nvSpPr>
+          <p:cNvPr id="192" name="TextBox 191"/>
+          <p:cNvSpPr txBox="1"/>
+          <p:nvPr/>
+        </p:nvSpPr>
+        <p:spPr>
+          <a:xfrm>
+            <a:off x="3851920" y="3429000"/>
+            <a:ext cx="4343625" cy="307777"/>
+          </a:xfrm>
+          <a:prstGeom prst="rect">
+            <a:avLst/>
+          </a:prstGeom>
+          <a:noFill/>
+        </p:spPr>
+        <p:txBody>
+          <a:bodyPr wrap="none" rtlCol="0">
+            <a:spAutoFit/>
+          </a:bodyPr>
+          <a:lstStyle/>
+          <a:p>
+            <a:r>
+              <a:rPr lang="en-CA" sz="1400" dirty="0"/>
+              <a:t>Explicit OID </a:t>
+            </a:r>
+            <a:r>
+              <a:rPr lang="en-CA" sz="1400" dirty="0">
+                <a:solidFill>
+                  <a:schemeClr val="accent3">
+                    <a:lumMod val="50000"/>
+                  </a:schemeClr>
+                </a:solidFill>
+              </a:rPr>
+              <a:t>o</a:t>
+            </a:r>
+            <a:r>
+              <a:rPr lang="en-CA" sz="1400" dirty="0" smtClean="0"/>
+              <a:t>; </a:t>
+            </a:r>
+            <a:r>
+              <a:rPr lang="en-CA" sz="1400" dirty="0"/>
+              <a:t>both in/dependent tuples </a:t>
+            </a:r>
+            <a:r>
+              <a:rPr lang="en-CA" sz="1400" dirty="0" smtClean="0"/>
+              <a:t>w.r.t. predicate </a:t>
+            </a:r>
+            <a:r>
+              <a:rPr lang="en-CA" sz="1400" dirty="0">
+                <a:solidFill>
+                  <a:schemeClr val="accent3">
+                    <a:lumMod val="50000"/>
+                  </a:schemeClr>
+                </a:solidFill>
+              </a:rPr>
+              <a:t>f</a:t>
+            </a:r>
+          </a:p>
+        </p:txBody>
+      </p:sp>
+      <p:sp>
+        <p:nvSpPr>
+          <p:cNvPr id="193" name="TextBox 192"/>
+          <p:cNvSpPr txBox="1"/>
+          <p:nvPr/>
+        </p:nvSpPr>
+        <p:spPr>
+          <a:xfrm>
+            <a:off x="971600" y="4818057"/>
+            <a:ext cx="1300356" cy="523220"/>
+          </a:xfrm>
+          <a:prstGeom prst="rect">
+            <a:avLst/>
+          </a:prstGeom>
+          <a:noFill/>
+        </p:spPr>
+        <p:txBody>
+          <a:bodyPr wrap="none" rtlCol="0">
+            <a:spAutoFit/>
+          </a:bodyPr>
+          <a:lstStyle/>
+          <a:p>
+            <a:r>
+              <a:rPr lang="en-CA" sz="1400" dirty="0" smtClean="0">
+                <a:solidFill>
+                  <a:schemeClr val="accent3">
+                    <a:lumMod val="50000"/>
+                  </a:schemeClr>
+                </a:solidFill>
+              </a:rPr>
+              <a:t>f(p+&gt;</a:t>
+            </a:r>
+            <a:r>
+              <a:rPr lang="en-CA" sz="1400" dirty="0">
+                <a:solidFill>
+                  <a:schemeClr val="accent3">
+                    <a:lumMod val="50000"/>
+                  </a:schemeClr>
+                </a:solidFill>
+              </a:rPr>
+              <a:t>v . . . </a:t>
+            </a:r>
+            <a:r>
+              <a:rPr lang="en-CA" sz="1400" dirty="0" smtClean="0">
+                <a:solidFill>
+                  <a:schemeClr val="accent3">
+                    <a:lumMod val="50000"/>
+                  </a:schemeClr>
+                </a:solidFill>
+              </a:rPr>
+              <a:t>p+&gt;v</a:t>
+            </a:r>
+          </a:p>
+          <a:p>
+            <a:r>
+              <a:rPr lang="en-CA" sz="1400" dirty="0" smtClean="0">
+                <a:solidFill>
+                  <a:schemeClr val="accent3">
+                    <a:lumMod val="50000"/>
+                  </a:schemeClr>
+                </a:solidFill>
+              </a:rPr>
+              <a:t>   p-&gt;</a:t>
+            </a:r>
+            <a:r>
+              <a:rPr lang="en-CA" sz="1400" dirty="0">
+                <a:solidFill>
+                  <a:schemeClr val="accent3">
+                    <a:lumMod val="50000"/>
+                  </a:schemeClr>
+                </a:solidFill>
+              </a:rPr>
+              <a:t>v . . . </a:t>
+            </a:r>
+            <a:r>
+              <a:rPr lang="en-CA" sz="1400" dirty="0" smtClean="0">
+                <a:solidFill>
+                  <a:schemeClr val="accent3">
+                    <a:lumMod val="50000"/>
+                  </a:schemeClr>
+                </a:solidFill>
+              </a:rPr>
+              <a:t>p-&gt;v)</a:t>
+            </a:r>
+            <a:endParaRPr lang="en-CA" sz="1400" dirty="0">
+              <a:solidFill>
+                <a:schemeClr val="accent3">
+                  <a:lumMod val="50000"/>
+                </a:schemeClr>
+              </a:solidFill>
+            </a:endParaRPr>
+          </a:p>
+        </p:txBody>
+      </p:sp>
+      <p:sp>
+        <p:nvSpPr>
+          <p:cNvPr id="194" name="TextBox 193"/>
+          <p:cNvSpPr txBox="1"/>
+          <p:nvPr/>
+        </p:nvSpPr>
+        <p:spPr>
+          <a:xfrm>
+            <a:off x="3851920" y="4818057"/>
+            <a:ext cx="4904420" cy="307777"/>
+          </a:xfrm>
+          <a:prstGeom prst="rect">
+            <a:avLst/>
+          </a:prstGeom>
+          <a:noFill/>
+        </p:spPr>
+        <p:txBody>
+          <a:bodyPr wrap="none" rtlCol="0">
+            <a:spAutoFit/>
+          </a:bodyPr>
+          <a:lstStyle/>
+          <a:p>
+            <a:r>
+              <a:rPr lang="en-CA" sz="1400" dirty="0" smtClean="0"/>
+              <a:t>Implicit existential OID</a:t>
+            </a:r>
+            <a:r>
+              <a:rPr lang="en-CA" sz="1400" dirty="0"/>
+              <a:t>; both in/dependent </a:t>
+            </a:r>
+            <a:r>
+              <a:rPr lang="en-CA" sz="1400" dirty="0" smtClean="0"/>
+              <a:t>slots </a:t>
+            </a:r>
+            <a:r>
+              <a:rPr lang="en-CA" sz="1400" dirty="0"/>
+              <a:t>w.r.t. </a:t>
+            </a:r>
+            <a:r>
+              <a:rPr lang="en-CA" sz="1400" dirty="0" smtClean="0"/>
+              <a:t>predicate </a:t>
+            </a:r>
+            <a:r>
+              <a:rPr lang="en-CA" sz="1400" dirty="0">
+                <a:solidFill>
+                  <a:schemeClr val="accent3">
+                    <a:lumMod val="50000"/>
+                  </a:schemeClr>
+                </a:solidFill>
+              </a:rPr>
+              <a:t>f</a:t>
+            </a:r>
+          </a:p>
+        </p:txBody>
+      </p:sp>
+      <p:sp>
+        <p:nvSpPr>
+          <p:cNvPr id="195" name="TextBox 194"/>
+          <p:cNvSpPr txBox="1"/>
+          <p:nvPr/>
+        </p:nvSpPr>
+        <p:spPr>
+          <a:xfrm>
+            <a:off x="971600" y="6048515"/>
+            <a:ext cx="1484702" cy="523220"/>
+          </a:xfrm>
+          <a:prstGeom prst="rect">
+            <a:avLst/>
+          </a:prstGeom>
+          <a:noFill/>
+        </p:spPr>
+        <p:txBody>
+          <a:bodyPr wrap="none" rtlCol="0">
+            <a:spAutoFit/>
+          </a:bodyPr>
+          <a:lstStyle/>
+          <a:p>
+            <a:r>
+              <a:rPr lang="en-CA" sz="1400" dirty="0" err="1"/>
+              <a:t>o#</a:t>
+            </a:r>
+            <a:r>
+              <a:rPr lang="en-CA" sz="1400" dirty="0" err="1" smtClean="0">
+                <a:solidFill>
+                  <a:schemeClr val="accent3">
+                    <a:lumMod val="50000"/>
+                  </a:schemeClr>
+                </a:solidFill>
+              </a:rPr>
+              <a:t>f</a:t>
+            </a:r>
+            <a:r>
+              <a:rPr lang="en-CA" sz="1400" dirty="0" smtClean="0">
+                <a:solidFill>
+                  <a:schemeClr val="accent3">
+                    <a:lumMod val="50000"/>
+                  </a:schemeClr>
+                </a:solidFill>
+              </a:rPr>
+              <a:t>(p+&gt;</a:t>
+            </a:r>
+            <a:r>
+              <a:rPr lang="en-CA" sz="1400" dirty="0">
+                <a:solidFill>
+                  <a:schemeClr val="accent3">
+                    <a:lumMod val="50000"/>
+                  </a:schemeClr>
+                </a:solidFill>
+              </a:rPr>
+              <a:t>v . . . </a:t>
+            </a:r>
+            <a:r>
+              <a:rPr lang="en-CA" sz="1400" dirty="0" smtClean="0">
+                <a:solidFill>
+                  <a:schemeClr val="accent3">
+                    <a:lumMod val="50000"/>
+                  </a:schemeClr>
+                </a:solidFill>
+              </a:rPr>
+              <a:t>p+&gt;v</a:t>
+            </a:r>
+          </a:p>
+          <a:p>
+            <a:r>
+              <a:rPr lang="en-CA" sz="1400" dirty="0" smtClean="0">
+                <a:solidFill>
+                  <a:schemeClr val="accent3">
+                    <a:lumMod val="50000"/>
+                  </a:schemeClr>
+                </a:solidFill>
+              </a:rPr>
+              <a:t>        p-&gt;</a:t>
+            </a:r>
+            <a:r>
+              <a:rPr lang="en-CA" sz="1400" dirty="0">
+                <a:solidFill>
+                  <a:schemeClr val="accent3">
+                    <a:lumMod val="50000"/>
+                  </a:schemeClr>
+                </a:solidFill>
+              </a:rPr>
+              <a:t>v . . . </a:t>
+            </a:r>
+            <a:r>
+              <a:rPr lang="en-CA" sz="1400" dirty="0" smtClean="0">
+                <a:solidFill>
+                  <a:schemeClr val="accent3">
+                    <a:lumMod val="50000"/>
+                  </a:schemeClr>
+                </a:solidFill>
+              </a:rPr>
+              <a:t>p-&gt;v)</a:t>
+            </a:r>
+            <a:endParaRPr lang="en-CA" sz="1400" dirty="0">
+              <a:solidFill>
+                <a:schemeClr val="accent3">
+                  <a:lumMod val="50000"/>
+                </a:schemeClr>
+              </a:solidFill>
+            </a:endParaRPr>
+          </a:p>
+        </p:txBody>
+      </p:sp>
+      <p:sp>
+        <p:nvSpPr>
+          <p:cNvPr id="196" name="TextBox 195"/>
+          <p:cNvSpPr txBox="1"/>
+          <p:nvPr/>
+        </p:nvSpPr>
+        <p:spPr>
+          <a:xfrm>
+            <a:off x="3851920" y="6048515"/>
+            <a:ext cx="4229812" cy="307777"/>
+          </a:xfrm>
+          <a:prstGeom prst="rect">
+            <a:avLst/>
+          </a:prstGeom>
+          <a:noFill/>
+        </p:spPr>
+        <p:txBody>
+          <a:bodyPr wrap="none" rtlCol="0">
+            <a:spAutoFit/>
+          </a:bodyPr>
+          <a:lstStyle/>
+          <a:p>
+            <a:r>
+              <a:rPr lang="en-CA" sz="1400" dirty="0"/>
+              <a:t>Explicit OID </a:t>
+            </a:r>
+            <a:r>
+              <a:rPr lang="en-CA" sz="1400" dirty="0" smtClean="0">
+                <a:solidFill>
+                  <a:schemeClr val="accent3">
+                    <a:lumMod val="50000"/>
+                  </a:schemeClr>
+                </a:solidFill>
+              </a:rPr>
+              <a:t>o</a:t>
+            </a:r>
+            <a:r>
+              <a:rPr lang="en-CA" sz="1400" dirty="0" smtClean="0"/>
+              <a:t>; </a:t>
+            </a:r>
+            <a:r>
+              <a:rPr lang="en-CA" sz="1400" dirty="0"/>
+              <a:t>both in/dependent </a:t>
+            </a:r>
+            <a:r>
+              <a:rPr lang="en-CA" sz="1400" dirty="0" smtClean="0"/>
+              <a:t>slots </a:t>
+            </a:r>
+            <a:r>
+              <a:rPr lang="en-CA" sz="1400" dirty="0"/>
+              <a:t>w.r.t. </a:t>
+            </a:r>
+            <a:r>
+              <a:rPr lang="en-CA" sz="1400" dirty="0" smtClean="0"/>
+              <a:t>predicate </a:t>
+            </a:r>
+            <a:r>
+              <a:rPr lang="en-CA" sz="1400" dirty="0">
+                <a:solidFill>
+                  <a:schemeClr val="accent3">
+                    <a:lumMod val="50000"/>
+                  </a:schemeClr>
+                </a:solidFill>
+              </a:rPr>
+              <a:t>f</a:t>
+            </a:r>
+          </a:p>
+        </p:txBody>
+      </p:sp>
+    </p:spTree>
+    <p:extLst>
+      <p:ext uri="{BB962C8B-B14F-4D97-AF65-F5344CB8AC3E}">
+        <p14:creationId xmlns:p14="http://schemas.microsoft.com/office/powerpoint/2010/main" val="998346449"/>
+      </p:ext>
+    </p:extLst>
+  </p:cSld>
+  <p:clrMapOvr>
+    <a:masterClrMapping/>
+  </p:clrMapOvr>
+  <p:timing>
+    <p:tnLst>
+      <p:par>
+        <p:cTn id="1" dur="indefinite" restart="never" nodeType="tmRoot"/>
+      </p:par>
+    </p:tnLst>
+  </p:timing>
+</p:sld>
+</file>
+
+<file path=ppt/slides/slide15.xml><?xml version="1.0" encoding="utf-8"?>
+<p:sld xmlns:a="http://schemas.openxmlformats.org/drawingml/2006/main" xmlns:r="http://schemas.openxmlformats.org/officeDocument/2006/relationships" xmlns:p="http://schemas.openxmlformats.org/presentationml/2006/main">
+  <p:cSld>
+    <p:spTree>
+      <p:nvGrpSpPr>
+        <p:cNvPr id="1" name=""/>
+        <p:cNvGrpSpPr/>
+        <p:nvPr/>
+      </p:nvGrpSpPr>
+      <p:grpSpPr>
+        <a:xfrm>
+          <a:off x="0" y="0"/>
+          <a:ext cx="0" cy="0"/>
+          <a:chOff x="0" y="0"/>
+          <a:chExt cx="0" cy="0"/>
+        </a:xfrm>
+      </p:grpSpPr>
+      <p:sp>
+        <p:nvSpPr>
+          <p:cNvPr id="73" name="TextBox 72"/>
+          <p:cNvSpPr txBox="1"/>
+          <p:nvPr/>
+        </p:nvSpPr>
+        <p:spPr>
+          <a:xfrm>
+            <a:off x="971600" y="1484784"/>
+            <a:ext cx="545342" cy="369332"/>
+          </a:xfrm>
+          <a:prstGeom prst="rect">
+            <a:avLst/>
+          </a:prstGeom>
+          <a:noFill/>
+        </p:spPr>
+        <p:txBody>
+          <a:bodyPr wrap="none" rtlCol="0">
+            <a:spAutoFit/>
+          </a:bodyPr>
+          <a:lstStyle/>
+          <a:p>
+            <a:r>
+              <a:rPr lang="en-CA" dirty="0" smtClean="0"/>
+              <a:t>pp5</a:t>
+            </a:r>
+            <a:endParaRPr lang="en-CA" dirty="0"/>
+          </a:p>
+        </p:txBody>
+      </p:sp>
+      <p:sp>
+        <p:nvSpPr>
+          <p:cNvPr id="74" name="TextBox 73"/>
+          <p:cNvSpPr txBox="1"/>
+          <p:nvPr/>
+        </p:nvSpPr>
+        <p:spPr>
+          <a:xfrm>
+            <a:off x="971600" y="4077072"/>
+            <a:ext cx="545342" cy="369332"/>
+          </a:xfrm>
+          <a:prstGeom prst="rect">
+            <a:avLst/>
+          </a:prstGeom>
+          <a:noFill/>
+        </p:spPr>
+        <p:txBody>
+          <a:bodyPr wrap="none" rtlCol="0">
+            <a:spAutoFit/>
+          </a:bodyPr>
+          <a:lstStyle/>
+          <a:p>
+            <a:r>
+              <a:rPr lang="en-CA" dirty="0" smtClean="0"/>
+              <a:t>pp6</a:t>
+            </a:r>
+            <a:endParaRPr lang="en-CA" dirty="0"/>
+          </a:p>
+        </p:txBody>
+      </p:sp>
+      <p:sp>
+        <p:nvSpPr>
+          <p:cNvPr id="129" name="TextBox 128"/>
+          <p:cNvSpPr txBox="1"/>
+          <p:nvPr/>
+        </p:nvSpPr>
+        <p:spPr>
+          <a:xfrm>
+            <a:off x="971600" y="548680"/>
+            <a:ext cx="8057783" cy="369332"/>
+          </a:xfrm>
+          <a:prstGeom prst="rect">
+            <a:avLst/>
+          </a:prstGeom>
+          <a:noFill/>
+        </p:spPr>
+        <p:txBody>
+          <a:bodyPr wrap="none" rtlCol="0">
+            <a:spAutoFit/>
+          </a:bodyPr>
+          <a:lstStyle/>
+          <a:p>
+            <a:r>
+              <a:rPr lang="en-CA" dirty="0" smtClean="0"/>
+              <a:t>Also </a:t>
+            </a:r>
+            <a:r>
+              <a:rPr lang="en-CA" dirty="0" err="1" smtClean="0"/>
+              <a:t>oidless</a:t>
+            </a:r>
+            <a:r>
+              <a:rPr lang="en-CA" dirty="0" smtClean="0"/>
+              <a:t>/</a:t>
+            </a:r>
+            <a:r>
+              <a:rPr lang="en-CA" dirty="0" err="1" smtClean="0"/>
+              <a:t>oidful</a:t>
+            </a:r>
+            <a:r>
+              <a:rPr lang="en-CA" dirty="0"/>
+              <a:t>, </a:t>
+            </a:r>
+            <a:r>
+              <a:rPr lang="en-CA" dirty="0" smtClean="0"/>
+              <a:t>combined </a:t>
+            </a:r>
+            <a:r>
+              <a:rPr lang="en-CA" dirty="0" err="1" smtClean="0"/>
+              <a:t>tupled+slotted</a:t>
+            </a:r>
+            <a:r>
+              <a:rPr lang="en-CA" dirty="0"/>
+              <a:t>,</a:t>
+            </a:r>
+            <a:r>
+              <a:rPr lang="en-CA" dirty="0" smtClean="0"/>
+              <a:t> combined </a:t>
+            </a:r>
+            <a:r>
+              <a:rPr lang="en-CA" b="1" dirty="0" err="1" smtClean="0"/>
+              <a:t>p</a:t>
+            </a:r>
+            <a:r>
+              <a:rPr lang="en-CA" dirty="0" err="1" smtClean="0"/>
+              <a:t>ersp</a:t>
+            </a:r>
+            <a:r>
+              <a:rPr lang="en-CA" dirty="0" err="1"/>
+              <a:t>ene</a:t>
+            </a:r>
+            <a:r>
+              <a:rPr lang="en-CA" dirty="0" err="1" smtClean="0"/>
+              <a:t>utral+</a:t>
+            </a:r>
+            <a:r>
+              <a:rPr lang="en-CA" b="1" dirty="0" err="1" smtClean="0"/>
+              <a:t>p</a:t>
+            </a:r>
+            <a:r>
+              <a:rPr lang="en-CA" dirty="0" err="1" smtClean="0"/>
+              <a:t>erspec</a:t>
+            </a:r>
+            <a:r>
+              <a:rPr lang="en-CA" dirty="0" err="1"/>
+              <a:t>tiv</a:t>
+            </a:r>
+            <a:r>
+              <a:rPr lang="en-CA" dirty="0" err="1" smtClean="0"/>
+              <a:t>al</a:t>
+            </a:r>
+            <a:r>
+              <a:rPr lang="en-CA" dirty="0" smtClean="0"/>
+              <a:t>:</a:t>
+            </a:r>
+            <a:endParaRPr lang="en-CA" dirty="0"/>
+          </a:p>
+        </p:txBody>
+      </p:sp>
+      <p:sp>
+        <p:nvSpPr>
+          <p:cNvPr id="78" name="Slide Number Placeholder 77"/>
+          <p:cNvSpPr>
+            <a:spLocks noGrp="1"/>
+          </p:cNvSpPr>
+          <p:nvPr>
+            <p:ph type="sldNum" sz="quarter" idx="12"/>
+          </p:nvPr>
+        </p:nvSpPr>
+        <p:spPr/>
+        <p:txBody>
+          <a:bodyPr/>
+          <a:lstStyle/>
+          <a:p>
+            <a:fld id="{69E3CB01-9E1A-4A3C-8DCA-3238C6551500}" type="slidenum">
+              <a:rPr lang="en-CA" smtClean="0"/>
+              <a:t>15</a:t>
+            </a:fld>
+            <a:endParaRPr lang="en-CA"/>
+          </a:p>
+        </p:txBody>
+      </p:sp>
+      <p:sp>
+        <p:nvSpPr>
+          <p:cNvPr id="102" name="TextBox 101"/>
+          <p:cNvSpPr txBox="1"/>
+          <p:nvPr/>
+        </p:nvSpPr>
+        <p:spPr>
+          <a:xfrm>
+            <a:off x="971600" y="2111260"/>
+            <a:ext cx="1659429" cy="954107"/>
+          </a:xfrm>
+          <a:prstGeom prst="rect">
+            <a:avLst/>
+          </a:prstGeom>
+          <a:noFill/>
+        </p:spPr>
+        <p:txBody>
+          <a:bodyPr wrap="none" rtlCol="0">
+            <a:spAutoFit/>
+          </a:bodyPr>
+          <a:lstStyle>
+            <a:defPPr>
+              <a:defRPr lang="en-US"/>
+            </a:defPPr>
+            <a:lvl1pPr>
+              <a:defRPr sz="1200">
+                <a:solidFill>
+                  <a:schemeClr val="accent3">
+                    <a:lumMod val="50000"/>
+                  </a:schemeClr>
+                </a:solidFill>
+              </a:defRPr>
+            </a:lvl1pPr>
+          </a:lstStyle>
+          <a:p>
+            <a:r>
+              <a:rPr lang="en-CA" sz="1400" dirty="0" smtClean="0"/>
+              <a:t>f(+[</a:t>
+            </a:r>
+            <a:r>
+              <a:rPr lang="en-CA" sz="1400" dirty="0"/>
+              <a:t>t ... t</a:t>
+            </a:r>
+            <a:r>
+              <a:rPr lang="en-CA" sz="1400" dirty="0" smtClean="0"/>
+              <a:t>] . . . +[</a:t>
+            </a:r>
+            <a:r>
+              <a:rPr lang="en-CA" sz="1400" dirty="0"/>
+              <a:t>t ... t</a:t>
+            </a:r>
+            <a:r>
+              <a:rPr lang="en-CA" sz="1400" dirty="0" smtClean="0"/>
+              <a:t>]</a:t>
+            </a:r>
+          </a:p>
+          <a:p>
+            <a:r>
+              <a:rPr lang="en-CA" sz="1400" dirty="0"/>
+              <a:t> </a:t>
+            </a:r>
+            <a:r>
+              <a:rPr lang="en-CA" sz="1400" dirty="0" smtClean="0"/>
+              <a:t>  -[</a:t>
+            </a:r>
+            <a:r>
+              <a:rPr lang="en-CA" sz="1400" dirty="0"/>
+              <a:t>t ... t] . . . </a:t>
+            </a:r>
+            <a:r>
+              <a:rPr lang="en-CA" sz="1400" dirty="0" smtClean="0"/>
+              <a:t>-[</a:t>
+            </a:r>
+            <a:r>
+              <a:rPr lang="en-CA" sz="1400" dirty="0"/>
+              <a:t>t ... t</a:t>
+            </a:r>
+            <a:r>
+              <a:rPr lang="en-CA" sz="1400" dirty="0" smtClean="0"/>
+              <a:t>]</a:t>
+            </a:r>
+          </a:p>
+          <a:p>
+            <a:r>
+              <a:rPr lang="en-CA" sz="1400" dirty="0"/>
+              <a:t> </a:t>
+            </a:r>
+            <a:r>
+              <a:rPr lang="en-CA" sz="1400" dirty="0" smtClean="0"/>
+              <a:t>  p+&gt;v . . . p+&gt;v</a:t>
+            </a:r>
+          </a:p>
+          <a:p>
+            <a:r>
+              <a:rPr lang="en-CA" sz="1400" dirty="0" smtClean="0"/>
+              <a:t>   </a:t>
+            </a:r>
+            <a:r>
+              <a:rPr lang="en-CA" sz="1400" dirty="0"/>
+              <a:t>p-&gt;v . . . p-&gt;v</a:t>
+            </a:r>
+            <a:r>
+              <a:rPr lang="en-CA" sz="1400" dirty="0" smtClean="0"/>
+              <a:t>)</a:t>
+            </a:r>
+            <a:endParaRPr lang="en-CA" sz="1400" dirty="0"/>
+          </a:p>
+        </p:txBody>
+      </p:sp>
+      <p:sp>
+        <p:nvSpPr>
+          <p:cNvPr id="103" name="TextBox 102"/>
+          <p:cNvSpPr txBox="1"/>
+          <p:nvPr/>
+        </p:nvSpPr>
+        <p:spPr>
+          <a:xfrm>
+            <a:off x="3851920" y="2111260"/>
+            <a:ext cx="5378139" cy="307777"/>
+          </a:xfrm>
+          <a:prstGeom prst="rect">
+            <a:avLst/>
+          </a:prstGeom>
+          <a:noFill/>
+        </p:spPr>
+        <p:txBody>
+          <a:bodyPr wrap="none" rtlCol="0">
+            <a:spAutoFit/>
+          </a:bodyPr>
+          <a:lstStyle/>
+          <a:p>
+            <a:r>
+              <a:rPr lang="en-CA" sz="1400" dirty="0" smtClean="0"/>
+              <a:t>Implicit existential OID; both in/dependent </a:t>
+            </a:r>
+            <a:r>
+              <a:rPr lang="en-CA" sz="1400" dirty="0"/>
+              <a:t>descriptors </a:t>
+            </a:r>
+            <a:r>
+              <a:rPr lang="en-CA" sz="1400" dirty="0" smtClean="0"/>
+              <a:t>w.r.t. predicate </a:t>
+            </a:r>
+            <a:r>
+              <a:rPr lang="en-CA" sz="1400" dirty="0">
+                <a:solidFill>
+                  <a:schemeClr val="accent3">
+                    <a:lumMod val="50000"/>
+                  </a:schemeClr>
+                </a:solidFill>
+              </a:rPr>
+              <a:t>f</a:t>
+            </a:r>
+          </a:p>
+        </p:txBody>
+      </p:sp>
+      <p:sp>
+        <p:nvSpPr>
+          <p:cNvPr id="104" name="TextBox 103"/>
+          <p:cNvSpPr txBox="1"/>
+          <p:nvPr/>
+        </p:nvSpPr>
+        <p:spPr>
+          <a:xfrm>
+            <a:off x="971600" y="4707141"/>
+            <a:ext cx="1896545" cy="954107"/>
+          </a:xfrm>
+          <a:prstGeom prst="rect">
+            <a:avLst/>
+          </a:prstGeom>
+          <a:noFill/>
+        </p:spPr>
+        <p:txBody>
+          <a:bodyPr wrap="none" rtlCol="0">
+            <a:spAutoFit/>
+          </a:bodyPr>
+          <a:lstStyle>
+            <a:defPPr>
+              <a:defRPr lang="en-US"/>
+            </a:defPPr>
+            <a:lvl1pPr>
+              <a:defRPr sz="1200">
+                <a:solidFill>
+                  <a:schemeClr val="accent3">
+                    <a:lumMod val="50000"/>
+                  </a:schemeClr>
+                </a:solidFill>
+              </a:defRPr>
+            </a:lvl1pPr>
+          </a:lstStyle>
+          <a:p>
+            <a:r>
+              <a:rPr lang="en-CA" sz="1400" dirty="0" err="1" smtClean="0"/>
+              <a:t>o#f</a:t>
+            </a:r>
+            <a:r>
+              <a:rPr lang="en-CA" sz="1400" dirty="0" smtClean="0"/>
+              <a:t>(+[</a:t>
+            </a:r>
+            <a:r>
+              <a:rPr lang="en-CA" sz="1400" dirty="0"/>
+              <a:t>t ... t</a:t>
+            </a:r>
+            <a:r>
+              <a:rPr lang="en-CA" sz="1400" dirty="0" smtClean="0"/>
+              <a:t>] . . . +[</a:t>
+            </a:r>
+            <a:r>
+              <a:rPr lang="en-CA" sz="1400" dirty="0"/>
+              <a:t>t ... t</a:t>
+            </a:r>
+            <a:r>
+              <a:rPr lang="en-CA" sz="1400" dirty="0" smtClean="0"/>
+              <a:t>]</a:t>
+            </a:r>
+          </a:p>
+          <a:p>
+            <a:r>
+              <a:rPr lang="en-CA" sz="1400" dirty="0"/>
+              <a:t> </a:t>
+            </a:r>
+            <a:r>
+              <a:rPr lang="en-CA" sz="1400" dirty="0" smtClean="0"/>
+              <a:t>      -[</a:t>
+            </a:r>
+            <a:r>
+              <a:rPr lang="en-CA" sz="1400" dirty="0"/>
+              <a:t>t ... t] . . . </a:t>
+            </a:r>
+            <a:r>
+              <a:rPr lang="en-CA" sz="1400" dirty="0" smtClean="0"/>
+              <a:t>-[</a:t>
+            </a:r>
+            <a:r>
+              <a:rPr lang="en-CA" sz="1400" dirty="0"/>
+              <a:t>t ... t</a:t>
+            </a:r>
+            <a:r>
+              <a:rPr lang="en-CA" sz="1400" dirty="0" smtClean="0"/>
+              <a:t>]</a:t>
+            </a:r>
+          </a:p>
+          <a:p>
+            <a:r>
+              <a:rPr lang="en-CA" sz="1400" dirty="0"/>
+              <a:t> </a:t>
+            </a:r>
+            <a:r>
+              <a:rPr lang="en-CA" sz="1400" dirty="0" smtClean="0"/>
+              <a:t>      p+&gt;v . . . p+&gt;v</a:t>
+            </a:r>
+          </a:p>
+          <a:p>
+            <a:r>
+              <a:rPr lang="en-CA" sz="1400" dirty="0" smtClean="0"/>
+              <a:t>       p-</a:t>
+            </a:r>
+            <a:r>
+              <a:rPr lang="en-CA" sz="1400" dirty="0"/>
+              <a:t>&gt;v . . . p-&gt;v</a:t>
+            </a:r>
+            <a:r>
+              <a:rPr lang="en-CA" sz="1400" dirty="0" smtClean="0"/>
+              <a:t>)</a:t>
+            </a:r>
+            <a:endParaRPr lang="en-CA" sz="1400" dirty="0"/>
+          </a:p>
+        </p:txBody>
+      </p:sp>
+      <p:sp>
+        <p:nvSpPr>
+          <p:cNvPr id="105" name="TextBox 104"/>
+          <p:cNvSpPr txBox="1"/>
+          <p:nvPr/>
+        </p:nvSpPr>
+        <p:spPr>
+          <a:xfrm>
+            <a:off x="3851920" y="4707141"/>
+            <a:ext cx="4703532" cy="307777"/>
+          </a:xfrm>
+          <a:prstGeom prst="rect">
+            <a:avLst/>
+          </a:prstGeom>
+          <a:noFill/>
+        </p:spPr>
+        <p:txBody>
+          <a:bodyPr wrap="none" rtlCol="0">
+            <a:spAutoFit/>
+          </a:bodyPr>
+          <a:lstStyle/>
+          <a:p>
+            <a:r>
+              <a:rPr lang="en-CA" sz="1400" dirty="0"/>
+              <a:t>Explicit OID </a:t>
+            </a:r>
+            <a:r>
+              <a:rPr lang="en-CA" sz="1400" dirty="0">
+                <a:solidFill>
+                  <a:schemeClr val="accent3">
+                    <a:lumMod val="50000"/>
+                  </a:schemeClr>
+                </a:solidFill>
+              </a:rPr>
+              <a:t>o</a:t>
+            </a:r>
+            <a:r>
+              <a:rPr lang="en-CA" sz="1400" dirty="0" smtClean="0"/>
+              <a:t>; both in/dependent </a:t>
+            </a:r>
+            <a:r>
+              <a:rPr lang="en-CA" sz="1400" dirty="0"/>
+              <a:t>descriptors </a:t>
+            </a:r>
+            <a:r>
+              <a:rPr lang="en-CA" sz="1400" dirty="0" smtClean="0"/>
+              <a:t>w.r.t. predicate </a:t>
+            </a:r>
+            <a:r>
+              <a:rPr lang="en-CA" sz="1400" dirty="0">
+                <a:solidFill>
+                  <a:schemeClr val="accent3">
+                    <a:lumMod val="50000"/>
+                  </a:schemeClr>
+                </a:solidFill>
+              </a:rPr>
+              <a:t>f</a:t>
+            </a:r>
+          </a:p>
+        </p:txBody>
+      </p:sp>
+    </p:spTree>
+    <p:extLst>
+      <p:ext uri="{BB962C8B-B14F-4D97-AF65-F5344CB8AC3E}">
+        <p14:creationId xmlns:p14="http://schemas.microsoft.com/office/powerpoint/2010/main" val="3730698722"/>
+      </p:ext>
+    </p:extLst>
+  </p:cSld>
+  <p:clrMapOvr>
+    <a:masterClrMapping/>
+  </p:clrMapOvr>
+  <p:timing>
+    <p:tnLst>
+      <p:par>
+        <p:cTn id="1" dur="indefinite" restart="never" nodeType="tmRoot"/>
+      </p:par>
+    </p:tnLst>
+  </p:timing>
+</p:sld>
+</file>
+
 <file path=ppt/slides/slide2.xml><?xml version="1.0" encoding="utf-8"?>
 <p:sld xmlns:a="http://schemas.openxmlformats.org/drawingml/2006/main" xmlns:r="http://schemas.openxmlformats.org/officeDocument/2006/relationships" xmlns:p="http://schemas.openxmlformats.org/presentationml/2006/main">
   <p:cSld>
@@ -3883,7 +8217,7 @@
         </p:nvSpPr>
         <p:spPr>
           <a:xfrm>
-            <a:off x="228600" y="548680"/>
+            <a:off x="228600" y="476672"/>
             <a:ext cx="8915400" cy="762000"/>
           </a:xfrm>
         </p:spPr>
@@ -3913,7 +8247,7 @@
         </p:nvSpPr>
         <p:spPr>
           <a:xfrm>
-            <a:off x="152400" y="1600200"/>
+            <a:off x="152400" y="1412776"/>
             <a:ext cx="8991600" cy="5181600"/>
           </a:xfrm>
         </p:spPr>
@@ -4062,21 +8396,34 @@
               </a:lnSpc>
             </a:pPr>
             <a:r>
+              <a:rPr lang="en-CA" altLang="en-US" dirty="0" smtClean="0"/>
+              <a:t>Provide template syntax</a:t>
+            </a:r>
+            <a:r>
+              <a:rPr lang="en-CA" altLang="en-US" dirty="0"/>
+              <a:t> and </a:t>
+            </a:r>
+            <a:r>
+              <a:rPr lang="en-CA" altLang="en-US" dirty="0" smtClean="0"/>
+              <a:t>informal semantics</a:t>
+            </a:r>
+            <a:endParaRPr lang="en-US" altLang="en-US" dirty="0" smtClean="0"/>
+          </a:p>
+          <a:p>
+            <a:pPr>
+              <a:lnSpc>
+                <a:spcPct val="110000"/>
+              </a:lnSpc>
+            </a:pPr>
+            <a:r>
               <a:rPr lang="en-CA" dirty="0" smtClean="0"/>
               <a:t>Data f</a:t>
             </a:r>
             <a:r>
               <a:rPr lang="en-US" altLang="en-US" dirty="0" smtClean="0"/>
-              <a:t>acts </a:t>
-            </a:r>
-            <a:r>
-              <a:rPr lang="en-US" altLang="en-US" dirty="0"/>
-              <a:t>complemented </a:t>
-            </a:r>
-            <a:r>
-              <a:rPr lang="en-US" altLang="en-US" dirty="0" smtClean="0"/>
-              <a:t>by interoperation rules:</a:t>
-            </a:r>
+              <a:t>acts complemented by interoperation rules:</a:t>
+            </a:r>
+            <a:endParaRPr lang="en-US" altLang="en-US" dirty="0" smtClean="0"/>
           </a:p>
         </p:txBody>
       </p:sp>
@@ -4112,7 +8459,7 @@
         </p:nvSpPr>
         <p:spPr>
           <a:xfrm>
-            <a:off x="207988" y="5302949"/>
+            <a:off x="207988" y="5805264"/>
             <a:ext cx="8756500" cy="646331"/>
           </a:xfrm>
           <a:prstGeom prst="rect">
@@ -4933,7 +9280,7 @@
               <a:t>Each includes a prominent unit: </a:t>
             </a:r>
             <a:r>
-              <a:rPr lang="en-CA" i="1" dirty="0" smtClean="0">
+              <a:rPr lang="en-CA" b="1" i="1" dirty="0" smtClean="0">
                 <a:solidFill>
                   <a:srgbClr val="002060"/>
                 </a:solidFill>
@@ -4989,7 +9336,7 @@
               <a:t> </a:t>
             </a:r>
             <a:r>
-              <a:rPr lang="en-CA" i="1" dirty="0" smtClean="0">
+              <a:rPr lang="en-CA" b="1" i="1" dirty="0">
                 <a:solidFill>
                   <a:srgbClr val="002060"/>
                 </a:solidFill>
@@ -7126,7 +11473,7 @@
         </p:nvSpPr>
         <p:spPr>
           <a:xfrm>
-            <a:off x="6164023" y="5624636"/>
+            <a:off x="6164023" y="5589240"/>
             <a:ext cx="676788" cy="369332"/>
           </a:xfrm>
           <a:prstGeom prst="rect">
@@ -7155,7 +11502,7 @@
         </p:nvGrpSpPr>
         <p:grpSpPr>
           <a:xfrm>
-            <a:off x="7612781" y="5624636"/>
+            <a:off x="7612781" y="5589240"/>
             <a:ext cx="696216" cy="475130"/>
             <a:chOff x="3299721" y="1057776"/>
             <a:chExt cx="696216" cy="475130"/>
@@ -7408,7 +11755,7 @@
         </p:nvGrpSpPr>
         <p:grpSpPr>
           <a:xfrm>
-            <a:off x="7620200" y="6266238"/>
+            <a:off x="7620200" y="6230842"/>
             <a:ext cx="696216" cy="475130"/>
             <a:chOff x="3299721" y="1057776"/>
             <a:chExt cx="696216" cy="475130"/>
@@ -7661,7 +12008,7 @@
         </p:nvGrpSpPr>
         <p:grpSpPr>
           <a:xfrm>
-            <a:off x="2936321" y="5955750"/>
+            <a:off x="2936321" y="5920354"/>
             <a:ext cx="1000125" cy="457200"/>
             <a:chOff x="1979712" y="4972959"/>
             <a:chExt cx="1000125" cy="457200"/>
@@ -8229,7 +12576,7 @@
         </p:nvCxnSpPr>
         <p:spPr>
           <a:xfrm flipV="1">
-            <a:off x="3936446" y="6176699"/>
+            <a:off x="3936446" y="6141303"/>
             <a:ext cx="1499650" cy="7651"/>
           </a:xfrm>
           <a:prstGeom prst="line">
@@ -8263,7 +12610,7 @@
         </p:nvGrpSpPr>
         <p:grpSpPr>
           <a:xfrm>
-            <a:off x="5240005" y="6128693"/>
+            <a:off x="5240005" y="6093297"/>
             <a:ext cx="196091" cy="96014"/>
             <a:chOff x="5108893" y="6128693"/>
             <a:chExt cx="196091" cy="96014"/>
@@ -8362,7 +12709,7 @@
         </p:nvCxnSpPr>
         <p:spPr>
           <a:xfrm>
-            <a:off x="5960135" y="6003759"/>
+            <a:off x="5960135" y="5968363"/>
             <a:ext cx="1656706" cy="0"/>
           </a:xfrm>
           <a:prstGeom prst="straightConnector1">
@@ -8396,7 +12743,7 @@
         </p:nvCxnSpPr>
         <p:spPr>
           <a:xfrm flipV="1">
-            <a:off x="5960135" y="6367432"/>
+            <a:off x="5960135" y="6332036"/>
             <a:ext cx="1660065" cy="1"/>
           </a:xfrm>
           <a:prstGeom prst="straightConnector1">
@@ -8430,7 +12777,7 @@
         </p:nvSpPr>
         <p:spPr>
           <a:xfrm>
-            <a:off x="6183080" y="6343013"/>
+            <a:off x="6183080" y="6307617"/>
             <a:ext cx="798104" cy="369332"/>
           </a:xfrm>
           <a:prstGeom prst="rect">
@@ -8489,7 +12836,7 @@
         </p:nvSpPr>
         <p:spPr>
           <a:xfrm>
-            <a:off x="971600" y="6011996"/>
+            <a:off x="971600" y="5976600"/>
             <a:ext cx="1319336" cy="369332"/>
           </a:xfrm>
           <a:prstGeom prst="rect">
@@ -11233,7 +15580,7 @@
         </p:nvGrpSpPr>
         <p:grpSpPr>
           <a:xfrm>
-            <a:off x="5441051" y="5947145"/>
+            <a:off x="5441051" y="5911749"/>
             <a:ext cx="563690" cy="475130"/>
             <a:chOff x="4628980" y="4365104"/>
             <a:chExt cx="563690" cy="475130"/>
@@ -11634,7 +15981,7 @@
         </p:nvSpPr>
         <p:spPr>
           <a:xfrm>
-            <a:off x="971600" y="6536377"/>
+            <a:off x="971600" y="6500981"/>
             <a:ext cx="3354829" cy="307777"/>
           </a:xfrm>
           <a:prstGeom prst="rect">
@@ -13411,7 +17758,7 @@
         </p:nvGrpSpPr>
         <p:grpSpPr>
           <a:xfrm>
-            <a:off x="2947800" y="3291454"/>
+            <a:off x="2947800" y="3415725"/>
             <a:ext cx="1000125" cy="457200"/>
             <a:chOff x="1979712" y="4972959"/>
             <a:chExt cx="1000125" cy="457200"/>
@@ -13977,7 +18324,7 @@
         </p:nvGrpSpPr>
         <p:grpSpPr>
           <a:xfrm>
-            <a:off x="6407543" y="3273524"/>
+            <a:off x="6407543" y="3397795"/>
             <a:ext cx="696216" cy="475130"/>
             <a:chOff x="3299721" y="1057776"/>
             <a:chExt cx="696216" cy="475130"/>
@@ -14230,7 +18577,7 @@
         </p:nvCxnSpPr>
         <p:spPr>
           <a:xfrm>
-            <a:off x="5039449" y="3340496"/>
+            <a:off x="5039449" y="3464767"/>
             <a:ext cx="2583028" cy="0"/>
           </a:xfrm>
           <a:prstGeom prst="straightConnector1">
@@ -14264,7 +18611,7 @@
         </p:nvGrpSpPr>
         <p:grpSpPr>
           <a:xfrm>
-            <a:off x="7620200" y="3268484"/>
+            <a:off x="7620200" y="3392755"/>
             <a:ext cx="696216" cy="475130"/>
             <a:chOff x="3299721" y="1057776"/>
             <a:chExt cx="696216" cy="475130"/>
@@ -14517,7 +18864,7 @@
         </p:nvCxnSpPr>
         <p:spPr>
           <a:xfrm>
-            <a:off x="5037511" y="3700647"/>
+            <a:off x="5037511" y="3824918"/>
             <a:ext cx="554080" cy="7093"/>
           </a:xfrm>
           <a:prstGeom prst="straightConnector1">
@@ -14551,7 +18898,7 @@
         </p:nvSpPr>
         <p:spPr>
           <a:xfrm>
-            <a:off x="5050928" y="3707740"/>
+            <a:off x="5050928" y="3832011"/>
             <a:ext cx="457176" cy="369332"/>
           </a:xfrm>
           <a:prstGeom prst="rect">
@@ -14581,7 +18928,7 @@
         </p:nvGrpSpPr>
         <p:grpSpPr>
           <a:xfrm>
-            <a:off x="5591591" y="3601942"/>
+            <a:off x="5591591" y="3726213"/>
             <a:ext cx="480195" cy="475130"/>
             <a:chOff x="3299721" y="1057776"/>
             <a:chExt cx="601901" cy="475130"/>
@@ -14834,7 +19181,7 @@
         </p:nvGrpSpPr>
         <p:grpSpPr>
           <a:xfrm>
-            <a:off x="4518427" y="3284984"/>
+            <a:off x="4518427" y="3409255"/>
             <a:ext cx="563690" cy="475130"/>
             <a:chOff x="4628980" y="4365104"/>
             <a:chExt cx="563690" cy="475130"/>
@@ -15087,7 +19434,7 @@
         </p:nvSpPr>
         <p:spPr>
           <a:xfrm>
-            <a:off x="971600" y="3140968"/>
+            <a:off x="971600" y="3265239"/>
             <a:ext cx="1819729" cy="646331"/>
           </a:xfrm>
           <a:prstGeom prst="rect">
@@ -15123,7 +19470,7 @@
         </p:nvCxnSpPr>
         <p:spPr>
           <a:xfrm>
-            <a:off x="3936660" y="3447962"/>
+            <a:off x="3936660" y="3572233"/>
             <a:ext cx="574811" cy="0"/>
           </a:xfrm>
           <a:prstGeom prst="line">
@@ -15157,7 +19504,7 @@
         </p:nvGrpSpPr>
         <p:grpSpPr>
           <a:xfrm rot="16200000" flipV="1">
-            <a:off x="4356949" y="3339710"/>
+            <a:off x="4356949" y="3463981"/>
             <a:ext cx="96015" cy="213028"/>
             <a:chOff x="2843808" y="2132856"/>
             <a:chExt cx="113535" cy="216024"/>
@@ -15357,7 +19704,7 @@
         </p:nvSpPr>
         <p:spPr>
           <a:xfrm>
-            <a:off x="971600" y="4077072"/>
+            <a:off x="971600" y="4201343"/>
             <a:ext cx="2945743" cy="307777"/>
           </a:xfrm>
           <a:prstGeom prst="rect">
@@ -19424,7 +23771,7 @@
         </p:nvSpPr>
         <p:spPr>
           <a:xfrm>
-            <a:off x="6164023" y="5624636"/>
+            <a:off x="6164023" y="5589240"/>
             <a:ext cx="676788" cy="369332"/>
           </a:xfrm>
           <a:prstGeom prst="rect">
@@ -19453,7 +23800,7 @@
         </p:nvGrpSpPr>
         <p:grpSpPr>
           <a:xfrm>
-            <a:off x="2936321" y="5955750"/>
+            <a:off x="2936321" y="5920354"/>
             <a:ext cx="1000125" cy="457200"/>
             <a:chOff x="1979712" y="4972959"/>
             <a:chExt cx="1000125" cy="457200"/>
@@ -20019,7 +24366,7 @@
         </p:nvGrpSpPr>
         <p:grpSpPr>
           <a:xfrm>
-            <a:off x="7612781" y="5624636"/>
+            <a:off x="7612781" y="5589240"/>
             <a:ext cx="696216" cy="475130"/>
             <a:chOff x="3299721" y="1057776"/>
             <a:chExt cx="696216" cy="475130"/>
@@ -20272,7 +24619,7 @@
         </p:nvGrpSpPr>
         <p:grpSpPr>
           <a:xfrm>
-            <a:off x="7620200" y="6266238"/>
+            <a:off x="7620200" y="6230842"/>
             <a:ext cx="696216" cy="475130"/>
             <a:chOff x="3299721" y="1057776"/>
             <a:chExt cx="696216" cy="475130"/>
@@ -20525,7 +24872,7 @@
         </p:nvGrpSpPr>
         <p:grpSpPr>
           <a:xfrm>
-            <a:off x="3810299" y="5960669"/>
+            <a:off x="3810299" y="5925273"/>
             <a:ext cx="1638171" cy="96015"/>
             <a:chOff x="3810299" y="5960669"/>
             <a:chExt cx="1638171" cy="96015"/>
@@ -20673,7 +25020,7 @@
         </p:nvCxnSpPr>
         <p:spPr>
           <a:xfrm flipV="1">
-            <a:off x="5448470" y="6003759"/>
+            <a:off x="5448470" y="5968363"/>
             <a:ext cx="2168371" cy="4917"/>
           </a:xfrm>
           <a:prstGeom prst="straightConnector1">
@@ -20707,7 +25054,7 @@
         </p:nvCxnSpPr>
         <p:spPr>
           <a:xfrm flipV="1">
-            <a:off x="5450414" y="6367433"/>
+            <a:off x="5450414" y="6332037"/>
             <a:ext cx="2169786" cy="1284"/>
           </a:xfrm>
           <a:prstGeom prst="straightConnector1">
@@ -20741,7 +25088,7 @@
         </p:nvSpPr>
         <p:spPr>
           <a:xfrm>
-            <a:off x="6183080" y="6343013"/>
+            <a:off x="6183080" y="6307617"/>
             <a:ext cx="798104" cy="369332"/>
           </a:xfrm>
           <a:prstGeom prst="rect">
@@ -20770,7 +25117,7 @@
         </p:nvGrpSpPr>
         <p:grpSpPr>
           <a:xfrm>
-            <a:off x="3792160" y="6320709"/>
+            <a:off x="3792160" y="6285313"/>
             <a:ext cx="1656310" cy="96015"/>
             <a:chOff x="3792160" y="6320709"/>
             <a:chExt cx="1656310" cy="96015"/>
@@ -20992,7 +25339,7 @@
         </p:nvSpPr>
         <p:spPr>
           <a:xfrm>
-            <a:off x="971600" y="6010293"/>
+            <a:off x="971600" y="5974897"/>
             <a:ext cx="526554" cy="369332"/>
           </a:xfrm>
           <a:prstGeom prst="rect">
@@ -22574,7 +26921,7 @@
         </p:nvGrpSpPr>
         <p:grpSpPr>
           <a:xfrm>
-            <a:off x="5448470" y="5946784"/>
+            <a:off x="5448470" y="5911388"/>
             <a:ext cx="563690" cy="475130"/>
             <a:chOff x="4628980" y="4365104"/>
             <a:chExt cx="563690" cy="475130"/>
@@ -23076,7 +27423,7 @@
         </p:nvSpPr>
         <p:spPr>
           <a:xfrm>
-            <a:off x="971600" y="6505599"/>
+            <a:off x="971600" y="6470203"/>
             <a:ext cx="3333990" cy="307777"/>
           </a:xfrm>
           <a:prstGeom prst="rect">
@@ -24913,7 +29260,7 @@
         </p:nvGrpSpPr>
         <p:grpSpPr>
           <a:xfrm>
-            <a:off x="2947800" y="3291454"/>
+            <a:off x="2947800" y="3415725"/>
             <a:ext cx="1000125" cy="457200"/>
             <a:chOff x="1979712" y="4972959"/>
             <a:chExt cx="1000125" cy="457200"/>
@@ -25479,7 +29826,7 @@
         </p:nvCxnSpPr>
         <p:spPr>
           <a:xfrm>
-            <a:off x="3801993" y="3339462"/>
+            <a:off x="3801993" y="3463733"/>
             <a:ext cx="716434" cy="0"/>
           </a:xfrm>
           <a:prstGeom prst="line">
@@ -25513,7 +29860,7 @@
         </p:nvGrpSpPr>
         <p:grpSpPr>
           <a:xfrm rot="16200000" flipV="1">
-            <a:off x="4358027" y="3237324"/>
+            <a:off x="4358027" y="3361595"/>
             <a:ext cx="96015" cy="213028"/>
             <a:chOff x="2843808" y="2132856"/>
             <a:chExt cx="113535" cy="216024"/>
@@ -25612,7 +29959,7 @@
         </p:nvGrpSpPr>
         <p:grpSpPr>
           <a:xfrm>
-            <a:off x="6407543" y="3273524"/>
+            <a:off x="6407543" y="3397795"/>
             <a:ext cx="696216" cy="475130"/>
             <a:chOff x="3299721" y="1057776"/>
             <a:chExt cx="696216" cy="475130"/>
@@ -25865,7 +30212,7 @@
         </p:nvCxnSpPr>
         <p:spPr>
           <a:xfrm>
-            <a:off x="4520371" y="3340496"/>
+            <a:off x="4520371" y="3464767"/>
             <a:ext cx="3102106" cy="0"/>
           </a:xfrm>
           <a:prstGeom prst="straightConnector1">
@@ -25899,7 +30246,7 @@
         </p:nvGrpSpPr>
         <p:grpSpPr>
           <a:xfrm>
-            <a:off x="7620200" y="3268484"/>
+            <a:off x="7620200" y="3392755"/>
             <a:ext cx="696216" cy="475130"/>
             <a:chOff x="3299721" y="1057776"/>
             <a:chExt cx="696216" cy="475130"/>
@@ -26152,7 +30499,7 @@
         </p:nvCxnSpPr>
         <p:spPr>
           <a:xfrm>
-            <a:off x="3806949" y="3700647"/>
+            <a:off x="3806949" y="3824918"/>
             <a:ext cx="711478" cy="2490"/>
           </a:xfrm>
           <a:prstGeom prst="line">
@@ -26186,7 +30533,7 @@
         </p:nvGrpSpPr>
         <p:grpSpPr>
           <a:xfrm>
-            <a:off x="4299521" y="3655130"/>
+            <a:off x="4299521" y="3779401"/>
             <a:ext cx="213028" cy="96014"/>
             <a:chOff x="4603679" y="3652640"/>
             <a:chExt cx="213028" cy="96014"/>
@@ -26287,7 +30634,7 @@
         </p:nvCxnSpPr>
         <p:spPr>
           <a:xfrm>
-            <a:off x="4512549" y="3703137"/>
+            <a:off x="4512549" y="3827408"/>
             <a:ext cx="1079042" cy="4603"/>
           </a:xfrm>
           <a:prstGeom prst="straightConnector1">
@@ -26321,7 +30668,7 @@
         </p:nvSpPr>
         <p:spPr>
           <a:xfrm>
-            <a:off x="5050928" y="3707740"/>
+            <a:off x="5050928" y="3832011"/>
             <a:ext cx="457176" cy="369332"/>
           </a:xfrm>
           <a:prstGeom prst="rect">
@@ -26351,7 +30698,7 @@
         </p:nvGrpSpPr>
         <p:grpSpPr>
           <a:xfrm>
-            <a:off x="5591591" y="3601942"/>
+            <a:off x="5591591" y="3726213"/>
             <a:ext cx="480195" cy="475130"/>
             <a:chOff x="3299721" y="1057776"/>
             <a:chExt cx="601901" cy="475130"/>
@@ -26604,7 +30951,7 @@
         </p:nvGrpSpPr>
         <p:grpSpPr>
           <a:xfrm>
-            <a:off x="4518427" y="3284984"/>
+            <a:off x="4518427" y="3409255"/>
             <a:ext cx="563690" cy="475130"/>
             <a:chOff x="4628980" y="4365104"/>
             <a:chExt cx="563690" cy="475130"/>
@@ -26901,7 +31248,7 @@
         </p:nvSpPr>
         <p:spPr>
           <a:xfrm>
-            <a:off x="971600" y="3284984"/>
+            <a:off x="971600" y="3409255"/>
             <a:ext cx="526554" cy="369332"/>
           </a:xfrm>
           <a:prstGeom prst="rect">
@@ -27090,7 +31437,7 @@
         </p:nvSpPr>
         <p:spPr>
           <a:xfrm>
-            <a:off x="971600" y="3933056"/>
+            <a:off x="971600" y="4057327"/>
             <a:ext cx="2924903" cy="307777"/>
           </a:xfrm>
           <a:prstGeom prst="rect">
@@ -33024,7 +37371,7 @@
         </p:nvSpPr>
         <p:spPr>
           <a:xfrm>
-            <a:off x="6164023" y="5624636"/>
+            <a:off x="6164023" y="5589240"/>
             <a:ext cx="676788" cy="369332"/>
           </a:xfrm>
           <a:prstGeom prst="rect">
@@ -33053,7 +37400,7 @@
         </p:nvGrpSpPr>
         <p:grpSpPr>
           <a:xfrm>
-            <a:off x="2936321" y="5955750"/>
+            <a:off x="2936321" y="5920354"/>
             <a:ext cx="1000125" cy="457200"/>
             <a:chOff x="1979712" y="4972959"/>
             <a:chExt cx="1000125" cy="457200"/>
@@ -33619,7 +37966,7 @@
         </p:nvGrpSpPr>
         <p:grpSpPr>
           <a:xfrm>
-            <a:off x="7612781" y="5624636"/>
+            <a:off x="7612781" y="5589240"/>
             <a:ext cx="696216" cy="475130"/>
             <a:chOff x="3299721" y="1057776"/>
             <a:chExt cx="696216" cy="475130"/>
@@ -33872,7 +38219,7 @@
         </p:nvGrpSpPr>
         <p:grpSpPr>
           <a:xfrm>
-            <a:off x="7620200" y="6266238"/>
+            <a:off x="7620200" y="6230842"/>
             <a:ext cx="696216" cy="475130"/>
             <a:chOff x="3299721" y="1057776"/>
             <a:chExt cx="696216" cy="475130"/>
@@ -34125,7 +38472,7 @@
         </p:nvCxnSpPr>
         <p:spPr>
           <a:xfrm>
-            <a:off x="5967554" y="6003759"/>
+            <a:off x="5967554" y="5968363"/>
             <a:ext cx="1649287" cy="1"/>
           </a:xfrm>
           <a:prstGeom prst="straightConnector1">
@@ -34159,7 +38506,7 @@
         </p:nvCxnSpPr>
         <p:spPr>
           <a:xfrm flipV="1">
-            <a:off x="5450414" y="6367433"/>
+            <a:off x="5450414" y="6332037"/>
             <a:ext cx="2169786" cy="1284"/>
           </a:xfrm>
           <a:prstGeom prst="straightConnector1">
@@ -34193,7 +38540,7 @@
         </p:nvSpPr>
         <p:spPr>
           <a:xfrm>
-            <a:off x="6183080" y="6343013"/>
+            <a:off x="6183080" y="6307617"/>
             <a:ext cx="798104" cy="369332"/>
           </a:xfrm>
           <a:prstGeom prst="rect">
@@ -34222,7 +38569,7 @@
         </p:nvGrpSpPr>
         <p:grpSpPr>
           <a:xfrm>
-            <a:off x="3792160" y="6320709"/>
+            <a:off x="3792160" y="6285313"/>
             <a:ext cx="1656310" cy="96015"/>
             <a:chOff x="3792160" y="6320709"/>
             <a:chExt cx="1656310" cy="96015"/>
@@ -34400,7 +38747,7 @@
         </p:nvSpPr>
         <p:spPr>
           <a:xfrm>
-            <a:off x="971600" y="6010293"/>
+            <a:off x="971600" y="5974897"/>
             <a:ext cx="545342" cy="369332"/>
           </a:xfrm>
           <a:prstGeom prst="rect">
@@ -34430,7 +38777,7 @@
         </p:nvGrpSpPr>
         <p:grpSpPr>
           <a:xfrm>
-            <a:off x="5448470" y="5946784"/>
+            <a:off x="5448470" y="5911388"/>
             <a:ext cx="563690" cy="475130"/>
             <a:chOff x="4628980" y="4365104"/>
             <a:chExt cx="563690" cy="475130"/>
@@ -34885,7 +39232,7 @@
         </p:nvSpPr>
         <p:spPr>
           <a:xfrm>
-            <a:off x="971600" y="6505599"/>
+            <a:off x="971600" y="6470203"/>
             <a:ext cx="3333990" cy="307777"/>
           </a:xfrm>
           <a:prstGeom prst="rect">
@@ -36495,7 +40842,7 @@
         </p:nvSpPr>
         <p:spPr>
           <a:xfrm>
-            <a:off x="6164023" y="4472508"/>
+            <a:off x="6164023" y="4524771"/>
             <a:ext cx="676788" cy="369332"/>
           </a:xfrm>
           <a:prstGeom prst="rect">
@@ -36524,7 +40871,7 @@
         </p:nvGrpSpPr>
         <p:grpSpPr>
           <a:xfrm>
-            <a:off x="2936321" y="4803622"/>
+            <a:off x="2936321" y="4855885"/>
             <a:ext cx="1000125" cy="457200"/>
             <a:chOff x="1979712" y="4972959"/>
             <a:chExt cx="1000125" cy="457200"/>
@@ -37090,7 +41437,7 @@
         </p:nvGrpSpPr>
         <p:grpSpPr>
           <a:xfrm>
-            <a:off x="7612781" y="4472508"/>
+            <a:off x="7612781" y="4524771"/>
             <a:ext cx="696216" cy="475130"/>
             <a:chOff x="3299721" y="1057776"/>
             <a:chExt cx="696216" cy="475130"/>
@@ -37343,7 +41690,7 @@
         </p:nvGrpSpPr>
         <p:grpSpPr>
           <a:xfrm>
-            <a:off x="7620200" y="5114110"/>
+            <a:off x="7620200" y="5166373"/>
             <a:ext cx="696216" cy="475130"/>
             <a:chOff x="3299721" y="1057776"/>
             <a:chExt cx="696216" cy="475130"/>
@@ -37596,7 +41943,7 @@
         </p:nvGrpSpPr>
         <p:grpSpPr>
           <a:xfrm>
-            <a:off x="3810299" y="4808541"/>
+            <a:off x="3810299" y="4860804"/>
             <a:ext cx="1638171" cy="96015"/>
             <a:chOff x="3810299" y="5960669"/>
             <a:chExt cx="1638171" cy="96015"/>
@@ -37744,7 +42091,7 @@
         </p:nvCxnSpPr>
         <p:spPr>
           <a:xfrm flipV="1">
-            <a:off x="5448470" y="4851631"/>
+            <a:off x="5448470" y="4903894"/>
             <a:ext cx="2168371" cy="4917"/>
           </a:xfrm>
           <a:prstGeom prst="straightConnector1">
@@ -37778,7 +42125,7 @@
         </p:nvCxnSpPr>
         <p:spPr>
           <a:xfrm flipV="1">
-            <a:off x="5450414" y="5215305"/>
+            <a:off x="5450414" y="5267568"/>
             <a:ext cx="2169786" cy="1284"/>
           </a:xfrm>
           <a:prstGeom prst="straightConnector1">
@@ -37812,7 +42159,7 @@
         </p:nvSpPr>
         <p:spPr>
           <a:xfrm>
-            <a:off x="6183080" y="5190885"/>
+            <a:off x="6183080" y="5243148"/>
             <a:ext cx="798104" cy="369332"/>
           </a:xfrm>
           <a:prstGeom prst="rect">
@@ -37841,7 +42188,7 @@
         </p:nvGrpSpPr>
         <p:grpSpPr>
           <a:xfrm>
-            <a:off x="3792160" y="5168581"/>
+            <a:off x="3792160" y="5220844"/>
             <a:ext cx="1656310" cy="96015"/>
             <a:chOff x="3792160" y="6320709"/>
             <a:chExt cx="1656310" cy="96015"/>
@@ -38019,7 +42366,7 @@
         </p:nvSpPr>
         <p:spPr>
           <a:xfrm>
-            <a:off x="971600" y="4858165"/>
+            <a:off x="971600" y="4910428"/>
             <a:ext cx="545342" cy="369332"/>
           </a:xfrm>
           <a:prstGeom prst="rect">
@@ -38049,7 +42396,7 @@
         </p:nvSpPr>
         <p:spPr>
           <a:xfrm>
-            <a:off x="5448470" y="3790646"/>
+            <a:off x="5448470" y="3842909"/>
             <a:ext cx="519084" cy="1510562"/>
           </a:xfrm>
           <a:prstGeom prst="rect">
@@ -38107,7 +42454,7 @@
         </p:nvSpPr>
         <p:spPr bwMode="auto">
           <a:xfrm>
-            <a:off x="5450414" y="4368378"/>
+            <a:off x="5450414" y="4420641"/>
             <a:ext cx="561746" cy="428774"/>
           </a:xfrm>
           <a:prstGeom prst="rect">
@@ -39080,7 +43427,7 @@
         </p:nvCxnSpPr>
         <p:spPr>
           <a:xfrm>
-            <a:off x="5967554" y="3887746"/>
+            <a:off x="5967554" y="3940009"/>
             <a:ext cx="1988822" cy="0"/>
           </a:xfrm>
           <a:prstGeom prst="straightConnector1">
@@ -39114,7 +43461,7 @@
         </p:nvGrpSpPr>
         <p:grpSpPr>
           <a:xfrm>
-            <a:off x="6372200" y="3789040"/>
+            <a:off x="6372200" y="3841303"/>
             <a:ext cx="720990" cy="475130"/>
             <a:chOff x="5580112" y="476672"/>
             <a:chExt cx="720990" cy="475130"/>
@@ -39367,7 +43714,7 @@
         </p:nvGrpSpPr>
         <p:grpSpPr>
           <a:xfrm>
-            <a:off x="7380312" y="3790646"/>
+            <a:off x="7380312" y="3842909"/>
             <a:ext cx="336179" cy="475130"/>
             <a:chOff x="6324053" y="2492896"/>
             <a:chExt cx="336179" cy="475130"/>
@@ -39620,7 +43967,7 @@
         </p:nvGrpSpPr>
         <p:grpSpPr>
           <a:xfrm>
-            <a:off x="7910046" y="3790646"/>
+            <a:off x="7910046" y="3842909"/>
             <a:ext cx="478378" cy="475130"/>
             <a:chOff x="7622014" y="2492896"/>
             <a:chExt cx="478378" cy="475130"/>
@@ -40029,7 +44376,7 @@
         </p:nvSpPr>
         <p:spPr>
           <a:xfrm>
-            <a:off x="971600" y="5661248"/>
+            <a:off x="971600" y="5713511"/>
             <a:ext cx="4257319" cy="307777"/>
           </a:xfrm>
           <a:prstGeom prst="rect">

--- a/talks/PSOAMetamodelGrailogWedding.pptx
+++ b/talks/PSOAMetamodelGrailogWedding.pptx
@@ -5,7 +5,7 @@
     <p:sldMasterId id="2147483648" r:id="rId1"/>
   </p:sldMasterIdLst>
   <p:notesMasterIdLst>
-    <p:notesMasterId r:id="rId17"/>
+    <p:notesMasterId r:id="rId18"/>
   </p:notesMasterIdLst>
   <p:sldIdLst>
     <p:sldId id="265" r:id="rId2"/>
@@ -23,6 +23,7 @@
     <p:sldId id="270" r:id="rId14"/>
     <p:sldId id="271" r:id="rId15"/>
     <p:sldId id="272" r:id="rId16"/>
+    <p:sldId id="273" r:id="rId17"/>
   </p:sldIdLst>
   <p:sldSz cx="9144000" cy="6858000" type="screen4x3"/>
   <p:notesSz cx="6858000" cy="9144000"/>
@@ -206,7 +207,7 @@
           <a:p>
             <a:fld id="{A9361764-17DB-4EFB-8397-31D7F8C11F64}" type="datetimeFigureOut">
               <a:rPr lang="en-CA" smtClean="0"/>
-              <a:t>2018-06-09</a:t>
+              <a:t>2018-06-10</a:t>
             </a:fld>
             <a:endParaRPr lang="en-CA"/>
           </a:p>
@@ -655,7 +656,7 @@
           <a:p>
             <a:fld id="{098EC68B-E961-416A-B655-846E5AC17167}" type="datetime1">
               <a:rPr lang="en-CA" smtClean="0"/>
-              <a:t>2018-06-09</a:t>
+              <a:t>2018-06-10</a:t>
             </a:fld>
             <a:endParaRPr lang="en-CA"/>
           </a:p>
@@ -825,7 +826,7 @@
           <a:p>
             <a:fld id="{E07626B9-A935-446E-9129-38D11AE25D60}" type="datetime1">
               <a:rPr lang="en-CA" smtClean="0"/>
-              <a:t>2018-06-09</a:t>
+              <a:t>2018-06-10</a:t>
             </a:fld>
             <a:endParaRPr lang="en-CA"/>
           </a:p>
@@ -1005,7 +1006,7 @@
           <a:p>
             <a:fld id="{583703F1-3B6D-46EB-A76E-6949744F47DE}" type="datetime1">
               <a:rPr lang="en-CA" smtClean="0"/>
-              <a:t>2018-06-09</a:t>
+              <a:t>2018-06-10</a:t>
             </a:fld>
             <a:endParaRPr lang="en-CA"/>
           </a:p>
@@ -1175,7 +1176,7 @@
           <a:p>
             <a:fld id="{31DB09E8-757E-43EB-812C-57B263F18654}" type="datetime1">
               <a:rPr lang="en-CA" smtClean="0"/>
-              <a:t>2018-06-09</a:t>
+              <a:t>2018-06-10</a:t>
             </a:fld>
             <a:endParaRPr lang="en-CA"/>
           </a:p>
@@ -1421,7 +1422,7 @@
           <a:p>
             <a:fld id="{D5E95CC2-566E-4FAB-B06E-7F3B62A5E53C}" type="datetime1">
               <a:rPr lang="en-CA" smtClean="0"/>
-              <a:t>2018-06-09</a:t>
+              <a:t>2018-06-10</a:t>
             </a:fld>
             <a:endParaRPr lang="en-CA"/>
           </a:p>
@@ -1709,7 +1710,7 @@
           <a:p>
             <a:fld id="{95A43E41-714C-4DD9-B56F-86957FFB7A45}" type="datetime1">
               <a:rPr lang="en-CA" smtClean="0"/>
-              <a:t>2018-06-09</a:t>
+              <a:t>2018-06-10</a:t>
             </a:fld>
             <a:endParaRPr lang="en-CA"/>
           </a:p>
@@ -2131,7 +2132,7 @@
           <a:p>
             <a:fld id="{B925E3A5-2D59-44BA-AF6A-9E991D55C46C}" type="datetime1">
               <a:rPr lang="en-CA" smtClean="0"/>
-              <a:t>2018-06-09</a:t>
+              <a:t>2018-06-10</a:t>
             </a:fld>
             <a:endParaRPr lang="en-CA"/>
           </a:p>
@@ -2249,7 +2250,7 @@
           <a:p>
             <a:fld id="{3BD2D63C-9D26-48F9-B4BD-FA63389DE780}" type="datetime1">
               <a:rPr lang="en-CA" smtClean="0"/>
-              <a:t>2018-06-09</a:t>
+              <a:t>2018-06-10</a:t>
             </a:fld>
             <a:endParaRPr lang="en-CA"/>
           </a:p>
@@ -2344,7 +2345,7 @@
           <a:p>
             <a:fld id="{B4260FF7-0F9A-4441-BC4E-F8AA61FD7668}" type="datetime1">
               <a:rPr lang="en-CA" smtClean="0"/>
-              <a:t>2018-06-09</a:t>
+              <a:t>2018-06-10</a:t>
             </a:fld>
             <a:endParaRPr lang="en-CA"/>
           </a:p>
@@ -2621,7 +2622,7 @@
           <a:p>
             <a:fld id="{3B3FDE74-6DB8-45D8-A7CA-E1F60E0D837E}" type="datetime1">
               <a:rPr lang="en-CA" smtClean="0"/>
-              <a:t>2018-06-09</a:t>
+              <a:t>2018-06-10</a:t>
             </a:fld>
             <a:endParaRPr lang="en-CA"/>
           </a:p>
@@ -2874,7 +2875,7 @@
           <a:p>
             <a:fld id="{EFE21605-BC5B-4039-9D4B-D94AAA01DF2D}" type="datetime1">
               <a:rPr lang="en-CA" smtClean="0"/>
-              <a:t>2018-06-09</a:t>
+              <a:t>2018-06-10</a:t>
             </a:fld>
             <a:endParaRPr lang="en-CA"/>
           </a:p>
@@ -3087,7 +3088,7 @@
           <a:p>
             <a:fld id="{3C39659D-CCE5-4A05-8094-1E79A9359DD5}" type="datetime1">
               <a:rPr lang="en-CA" smtClean="0"/>
-              <a:t>2018-06-09</a:t>
+              <a:t>2018-06-10</a:t>
             </a:fld>
             <a:endParaRPr lang="en-CA"/>
           </a:p>
@@ -3707,7 +3708,15 @@
             </a:pPr>
             <a:r>
               <a:rPr lang="en-US" sz="1800" dirty="0" smtClean="0"/>
-              <a:t>June 9, 2018</a:t>
+              <a:t>June </a:t>
+            </a:r>
+            <a:r>
+              <a:rPr lang="en-US" sz="1800" dirty="0" smtClean="0"/>
+              <a:t>10, </a:t>
+            </a:r>
+            <a:r>
+              <a:rPr lang="en-US" sz="1800" dirty="0" smtClean="0"/>
+              <a:t>2018</a:t>
             </a:r>
           </a:p>
           <a:p>
@@ -3766,14 +3775,30 @@
                   </a:outerShdw>
                 </a:effectLst>
               </a:rPr>
-              <a:t> (PDF </a:t>
+              <a:t> </a:t>
+            </a:r>
+            <a:r>
+              <a:rPr lang="en-CA" sz="2400" b="1" dirty="0" smtClean="0">
+                <a:solidFill>
+                  <a:schemeClr val="accent5">
+                    <a:lumMod val="75000"/>
+                  </a:schemeClr>
+                </a:solidFill>
+                <a:effectLst>
+                  <a:outerShdw blurRad="38100" dist="25400" dir="5400000" algn="tl" rotWithShape="0">
+                    <a:srgbClr val="000000">
+                      <a:alpha val="43000"/>
+                    </a:srgbClr>
+                  </a:outerShdw>
+                </a:effectLst>
+              </a:rPr>
+              <a:t>(PDF </a:t>
             </a:r>
             <a:r>
               <a:rPr lang="en-CA" sz="2400" b="1" dirty="0">
                 <a:solidFill>
-                  <a:schemeClr val="accent3">
-                    <a:tint val="90000"/>
-                    <a:satMod val="120000"/>
+                  <a:schemeClr val="accent5">
+                    <a:lumMod val="75000"/>
                   </a:schemeClr>
                 </a:solidFill>
                 <a:effectLst>
@@ -3789,9 +3814,8 @@
             <a:r>
               <a:rPr lang="en-CA" sz="2400" b="1" dirty="0" smtClean="0">
                 <a:solidFill>
-                  <a:schemeClr val="accent3">
-                    <a:tint val="90000"/>
-                    <a:satMod val="120000"/>
+                  <a:schemeClr val="accent5">
+                    <a:lumMod val="75000"/>
                   </a:schemeClr>
                 </a:solidFill>
                 <a:effectLst>
@@ -3813,9 +3837,8 @@
             <a:r>
               <a:rPr lang="en-CA" sz="2400" b="1" dirty="0" smtClean="0">
                 <a:solidFill>
-                  <a:schemeClr val="accent3">
-                    <a:tint val="90000"/>
-                    <a:satMod val="120000"/>
+                  <a:schemeClr val="accent5">
+                    <a:lumMod val="75000"/>
                   </a:schemeClr>
                 </a:solidFill>
                 <a:effectLst>
@@ -3828,7 +3851,13 @@
               </a:rPr>
               <a:t>)</a:t>
             </a:r>
-            <a:endParaRPr lang="en-CA" sz="2400" dirty="0"/>
+            <a:endParaRPr lang="en-CA" sz="2400" dirty="0">
+              <a:solidFill>
+                <a:schemeClr val="accent5">
+                  <a:lumMod val="75000"/>
+                </a:schemeClr>
+              </a:solidFill>
+            </a:endParaRPr>
           </a:p>
         </p:txBody>
       </p:sp>
@@ -4148,55 +4177,8 @@
                   </a:schemeClr>
                 </a:solidFill>
               </a:rPr>
-              <a:t>(-[</a:t>
-            </a:r>
-            <a:r>
-              <a:rPr lang="en-CA" sz="1400" dirty="0">
-                <a:solidFill>
-                  <a:schemeClr val="accent3">
-                    <a:lumMod val="50000"/>
-                  </a:schemeClr>
-                </a:solidFill>
-              </a:rPr>
-              <a:t>t ... t</a:t>
-            </a:r>
-            <a:r>
-              <a:rPr lang="en-CA" sz="1400" dirty="0">
-                <a:solidFill>
-                  <a:schemeClr val="accent3">
-                    <a:lumMod val="50000"/>
-                  </a:schemeClr>
-                </a:solidFill>
-              </a:rPr>
-              <a:t>] . . . -[</a:t>
-            </a:r>
-            <a:r>
-              <a:rPr lang="en-CA" sz="1400" dirty="0">
-                <a:solidFill>
-                  <a:schemeClr val="accent3">
-                    <a:lumMod val="50000"/>
-                  </a:schemeClr>
-                </a:solidFill>
-              </a:rPr>
-              <a:t>t ... t</a:t>
-            </a:r>
-            <a:r>
-              <a:rPr lang="en-CA" sz="1400" dirty="0">
-                <a:solidFill>
-                  <a:schemeClr val="accent3">
-                    <a:lumMod val="50000"/>
-                  </a:schemeClr>
-                </a:solidFill>
-              </a:rPr>
-              <a:t>])</a:t>
-            </a:r>
-            <a:endParaRPr lang="en-CA" sz="1400" dirty="0">
-              <a:solidFill>
-                <a:schemeClr val="accent3">
-                  <a:lumMod val="50000"/>
-                </a:schemeClr>
-              </a:solidFill>
-            </a:endParaRPr>
+              <a:t>(-[t ... t] . . . -[t ... t])</a:t>
+            </a:r>
           </a:p>
         </p:txBody>
       </p:sp>
@@ -4364,13 +4346,6 @@
               </a:rPr>
               <a:t>&gt;v . . . p-&gt;v)</a:t>
             </a:r>
-            <a:endParaRPr lang="en-CA" sz="1400" dirty="0">
-              <a:solidFill>
-                <a:schemeClr val="accent3">
-                  <a:lumMod val="50000"/>
-                </a:schemeClr>
-              </a:solidFill>
-            </a:endParaRPr>
           </a:p>
         </p:txBody>
       </p:sp>
@@ -4513,7 +4488,7 @@
         </p:nvSpPr>
         <p:spPr>
           <a:xfrm>
-            <a:off x="971600" y="3697287"/>
+            <a:off x="971600" y="3573016"/>
             <a:ext cx="1827744" cy="307777"/>
           </a:xfrm>
           <a:prstGeom prst="rect">
@@ -4829,6 +4804,78 @@
               </a:rPr>
               <a:t>f</a:t>
             </a:r>
+          </a:p>
+        </p:txBody>
+      </p:sp>
+      <p:sp>
+        <p:nvSpPr>
+          <p:cNvPr id="17" name="TextBox 16"/>
+          <p:cNvSpPr txBox="1"/>
+          <p:nvPr/>
+        </p:nvSpPr>
+        <p:spPr>
+          <a:xfrm>
+            <a:off x="971600" y="3880793"/>
+            <a:ext cx="1032655" cy="307777"/>
+          </a:xfrm>
+          <a:prstGeom prst="rect">
+            <a:avLst/>
+          </a:prstGeom>
+          <a:noFill/>
+        </p:spPr>
+        <p:txBody>
+          <a:bodyPr wrap="none" rtlCol="0">
+            <a:spAutoFit/>
+          </a:bodyPr>
+          <a:lstStyle/>
+          <a:p>
+            <a:r>
+              <a:rPr lang="en-CA" sz="1400" dirty="0" err="1" smtClean="0">
+                <a:solidFill>
+                  <a:schemeClr val="accent3">
+                    <a:lumMod val="50000"/>
+                  </a:schemeClr>
+                </a:solidFill>
+              </a:rPr>
+              <a:t>o#f</a:t>
+            </a:r>
+            <a:r>
+              <a:rPr lang="en-CA" sz="1400" dirty="0" smtClean="0">
+                <a:solidFill>
+                  <a:schemeClr val="accent3">
+                    <a:lumMod val="50000"/>
+                  </a:schemeClr>
+                </a:solidFill>
+              </a:rPr>
+              <a:t>(-[</a:t>
+            </a:r>
+            <a:r>
+              <a:rPr lang="en-CA" sz="1400" dirty="0">
+                <a:solidFill>
+                  <a:schemeClr val="accent3">
+                    <a:lumMod val="50000"/>
+                  </a:schemeClr>
+                </a:solidFill>
+              </a:rPr>
+              <a:t>t ... t</a:t>
+            </a:r>
+            <a:r>
+              <a:rPr lang="en-CA" sz="1400" dirty="0" smtClean="0">
+                <a:solidFill>
+                  <a:schemeClr val="accent3">
+                    <a:lumMod val="50000"/>
+                  </a:schemeClr>
+                </a:solidFill>
+              </a:rPr>
+              <a:t>])</a:t>
+            </a:r>
+            <a:endParaRPr lang="en-CA" sz="1400" dirty="0">
+              <a:solidFill>
+                <a:schemeClr val="accent3">
+                  <a:lumMod val="50000"/>
+                </a:schemeClr>
+              </a:solidFill>
+            </a:endParaRPr>
           </a:p>
         </p:txBody>
       </p:sp>
@@ -5044,7 +5091,7 @@
         </p:nvSpPr>
         <p:spPr>
           <a:xfrm>
-            <a:off x="971600" y="4201343"/>
+            <a:off x="971600" y="4045966"/>
             <a:ext cx="2803973" cy="307777"/>
           </a:xfrm>
           <a:prstGeom prst="rect">
@@ -5111,7 +5158,6 @@
               <a:rPr lang="en-CA" sz="1400" dirty="0"/>
               <a:t>p-&gt;v . . . p-&gt;v)</a:t>
             </a:r>
-            <a:endParaRPr lang="en-CA" sz="1400" dirty="0"/>
           </a:p>
         </p:txBody>
       </p:sp>
@@ -5174,7 +5220,6 @@
               <a:rPr lang="en-CA" sz="1400" dirty="0"/>
               <a:t>p-&gt;v . . . p-&gt;v)</a:t>
             </a:r>
-            <a:endParaRPr lang="en-CA" sz="1400" dirty="0"/>
           </a:p>
         </p:txBody>
       </p:sp>
@@ -5266,6 +5311,72 @@
                 </a:solidFill>
               </a:rPr>
               <a:t>f</a:t>
+            </a:r>
+          </a:p>
+        </p:txBody>
+      </p:sp>
+      <p:sp>
+        <p:nvSpPr>
+          <p:cNvPr id="10" name="TextBox 9"/>
+          <p:cNvSpPr txBox="1"/>
+          <p:nvPr/>
+        </p:nvSpPr>
+        <p:spPr>
+          <a:xfrm>
+            <a:off x="971600" y="4353743"/>
+            <a:ext cx="2008883" cy="307777"/>
+          </a:xfrm>
+          <a:prstGeom prst="rect">
+            <a:avLst/>
+          </a:prstGeom>
+          <a:noFill/>
+        </p:spPr>
+        <p:txBody>
+          <a:bodyPr wrap="none" rtlCol="0">
+            <a:spAutoFit/>
+          </a:bodyPr>
+          <a:lstStyle>
+            <a:defPPr>
+              <a:defRPr lang="en-US"/>
+            </a:defPPr>
+            <a:lvl1pPr>
+              <a:defRPr sz="1200">
+                <a:solidFill>
+                  <a:schemeClr val="accent3">
+                    <a:lumMod val="50000"/>
+                  </a:schemeClr>
+                </a:solidFill>
+              </a:defRPr>
+            </a:lvl1pPr>
+          </a:lstStyle>
+          <a:p>
+            <a:r>
+              <a:rPr lang="en-CA" sz="1400" dirty="0" err="1"/>
+              <a:t>o</a:t>
+            </a:r>
+            <a:r>
+              <a:rPr lang="en-CA" sz="1400" dirty="0" err="1" smtClean="0"/>
+              <a:t>#f</a:t>
+            </a:r>
+            <a:r>
+              <a:rPr lang="en-CA" sz="1400" dirty="0" smtClean="0"/>
+              <a:t>(-[</a:t>
+            </a:r>
+            <a:r>
+              <a:rPr lang="en-CA" sz="1400" dirty="0"/>
+              <a:t>t ... t</a:t>
+            </a:r>
+            <a:r>
+              <a:rPr lang="en-CA" sz="1400" dirty="0" smtClean="0"/>
+              <a:t>] </a:t>
+            </a:r>
+            <a:r>
+              <a:rPr lang="en-CA" sz="1400" dirty="0" smtClean="0"/>
+              <a:t>p-</a:t>
+            </a:r>
+            <a:r>
+              <a:rPr lang="en-CA" sz="1400" dirty="0"/>
+              <a:t>&gt;v . . . p-&gt;v)</a:t>
             </a:r>
           </a:p>
         </p:txBody>
@@ -5546,7 +5657,7 @@
         </p:nvSpPr>
         <p:spPr>
           <a:xfrm>
-            <a:off x="971600" y="2348880"/>
+            <a:off x="971600" y="2041103"/>
             <a:ext cx="1713931" cy="307777"/>
           </a:xfrm>
           <a:prstGeom prst="rect">
@@ -5749,13 +5860,6 @@
               </a:rPr>
               <a:t>+&gt;v . . . p+&gt;v)</a:t>
             </a:r>
-            <a:endParaRPr lang="en-CA" sz="1400" dirty="0">
-              <a:solidFill>
-                <a:schemeClr val="accent3">
-                  <a:lumMod val="50000"/>
-                </a:schemeClr>
-              </a:solidFill>
-            </a:endParaRPr>
           </a:p>
         </p:txBody>
       </p:sp>
@@ -5767,7 +5871,7 @@
         </p:nvSpPr>
         <p:spPr>
           <a:xfrm>
-            <a:off x="971600" y="2041103"/>
+            <a:off x="963419" y="2348880"/>
             <a:ext cx="1736373" cy="307777"/>
           </a:xfrm>
           <a:prstGeom prst="rect">
@@ -5796,11 +5900,7 @@
           <a:p>
             <a:r>
               <a:rPr lang="en-CA" sz="1400" dirty="0" smtClean="0"/>
-              <a:t>f(t ... t)</a:t>
-            </a:r>
-            <a:r>
-              <a:rPr lang="en-CA" sz="1400" dirty="0" smtClean="0"/>
-              <a:t>  </a:t>
+              <a:t>f(t ... t)  </a:t>
             </a:r>
             <a:r>
               <a:rPr lang="en-CA" sz="1400" i="1" dirty="0" smtClean="0"/>
@@ -5808,15 +5908,7 @@
             </a:r>
             <a:r>
               <a:rPr lang="en-CA" sz="1400" dirty="0" smtClean="0"/>
-              <a:t> </a:t>
-            </a:r>
-            <a:r>
-              <a:rPr lang="en-CA" sz="1400" dirty="0" smtClean="0"/>
-              <a:t> </a:t>
-            </a:r>
-            <a:r>
-              <a:rPr lang="en-CA" sz="1400" dirty="0" smtClean="0"/>
-              <a:t>f(</a:t>
+              <a:t>  f(</a:t>
             </a:r>
             <a:r>
               <a:rPr lang="en-CA" sz="1400" dirty="0"/>
@@ -5864,27 +5956,7 @@
                   </a:schemeClr>
                 </a:solidFill>
               </a:rPr>
-              <a:t>+[</a:t>
-            </a:r>
-            <a:r>
-              <a:rPr lang="en-CA" sz="1400" dirty="0">
-                <a:solidFill>
-                  <a:schemeClr val="accent3">
-                    <a:lumMod val="50000"/>
-                  </a:schemeClr>
-                </a:solidFill>
-              </a:rPr>
-              <a:t>t ... t</a:t>
-            </a:r>
-            <a:r>
-              <a:rPr lang="en-CA" sz="1400" dirty="0">
-                <a:solidFill>
-                  <a:schemeClr val="accent3">
-                    <a:lumMod val="50000"/>
-                  </a:schemeClr>
-                </a:solidFill>
-              </a:rPr>
-              <a:t>]</a:t>
+              <a:t>+[t ... t]</a:t>
             </a:r>
             <a:r>
               <a:rPr lang="en-CA" sz="1400" dirty="0" smtClean="0"/>
@@ -5911,7 +5983,7 @@
         </p:nvSpPr>
         <p:spPr>
           <a:xfrm>
-            <a:off x="971600" y="3664769"/>
+            <a:off x="971600" y="3378926"/>
             <a:ext cx="1898277" cy="307777"/>
           </a:xfrm>
           <a:prstGeom prst="rect">
@@ -5982,7 +6054,7 @@
         </p:nvSpPr>
         <p:spPr>
           <a:xfrm>
-            <a:off x="971600" y="3356992"/>
+            <a:off x="971600" y="3697287"/>
             <a:ext cx="2105063" cy="307777"/>
           </a:xfrm>
           <a:prstGeom prst="rect">
@@ -6019,11 +6091,7 @@
             </a:r>
             <a:r>
               <a:rPr lang="en-CA" sz="1400" dirty="0" smtClean="0"/>
-              <a:t>(t ... t)</a:t>
-            </a:r>
-            <a:r>
-              <a:rPr lang="en-CA" sz="1400" dirty="0" smtClean="0"/>
-              <a:t>  </a:t>
+              <a:t>(t ... t)  </a:t>
             </a:r>
             <a:r>
               <a:rPr lang="en-CA" sz="1400" i="1" dirty="0" smtClean="0"/>
@@ -6109,27 +6177,7 @@
                   </a:schemeClr>
                 </a:solidFill>
               </a:rPr>
-              <a:t>+[</a:t>
-            </a:r>
-            <a:r>
-              <a:rPr lang="en-CA" sz="1400" dirty="0">
-                <a:solidFill>
-                  <a:schemeClr val="accent3">
-                    <a:lumMod val="50000"/>
-                  </a:schemeClr>
-                </a:solidFill>
-              </a:rPr>
-              <a:t>t ... t</a:t>
-            </a:r>
-            <a:r>
-              <a:rPr lang="en-CA" sz="1400" dirty="0">
-                <a:solidFill>
-                  <a:schemeClr val="accent3">
-                    <a:lumMod val="50000"/>
-                  </a:schemeClr>
-                </a:solidFill>
-              </a:rPr>
-              <a:t>]</a:t>
+              <a:t>+[t ... t]</a:t>
             </a:r>
             <a:r>
               <a:rPr lang="en-CA" sz="1400" dirty="0" smtClean="0"/>
@@ -6393,7 +6441,7 @@
         </p:nvSpPr>
         <p:spPr>
           <a:xfrm>
-            <a:off x="971600" y="3409255"/>
+            <a:off x="971600" y="3625279"/>
             <a:ext cx="526554" cy="369332"/>
           </a:xfrm>
           <a:prstGeom prst="rect">
@@ -6524,7 +6572,7 @@
         </p:nvSpPr>
         <p:spPr>
           <a:xfrm>
-            <a:off x="971600" y="4057327"/>
+            <a:off x="971600" y="4273351"/>
             <a:ext cx="2945037" cy="307777"/>
           </a:xfrm>
           <a:prstGeom prst="rect">
@@ -6579,7 +6627,7 @@
         </p:nvSpPr>
         <p:spPr>
           <a:xfrm>
-            <a:off x="971600" y="2545159"/>
+            <a:off x="971600" y="2583326"/>
             <a:ext cx="2760692" cy="307777"/>
           </a:xfrm>
           <a:prstGeom prst="rect">
@@ -6638,7 +6686,6 @@
               <a:rPr lang="en-CA" sz="1400" dirty="0"/>
               <a:t>v)</a:t>
             </a:r>
-            <a:endParaRPr lang="en-CA" sz="1400" dirty="0"/>
           </a:p>
         </p:txBody>
       </p:sp>
@@ -6650,7 +6697,7 @@
         </p:nvSpPr>
         <p:spPr>
           <a:xfrm>
-            <a:off x="3851920" y="2545159"/>
+            <a:off x="3851920" y="2689175"/>
             <a:ext cx="4624471" cy="307777"/>
           </a:xfrm>
           <a:prstGeom prst="rect">
@@ -6697,7 +6744,7 @@
         </p:nvSpPr>
         <p:spPr>
           <a:xfrm>
-            <a:off x="3851920" y="4057327"/>
+            <a:off x="3851920" y="4273351"/>
             <a:ext cx="3949864" cy="307777"/>
           </a:xfrm>
           <a:prstGeom prst="rect">
@@ -6746,6 +6793,76 @@
                 </a:solidFill>
               </a:rPr>
               <a:t>f</a:t>
+            </a:r>
+          </a:p>
+        </p:txBody>
+      </p:sp>
+      <p:sp>
+        <p:nvSpPr>
+          <p:cNvPr id="10" name="TextBox 9"/>
+          <p:cNvSpPr txBox="1"/>
+          <p:nvPr/>
+        </p:nvSpPr>
+        <p:spPr>
+          <a:xfrm>
+            <a:off x="971600" y="2905199"/>
+            <a:ext cx="1930337" cy="307777"/>
+          </a:xfrm>
+          <a:prstGeom prst="rect">
+            <a:avLst/>
+          </a:prstGeom>
+          <a:noFill/>
+        </p:spPr>
+        <p:txBody>
+          <a:bodyPr wrap="none" rtlCol="0">
+            <a:spAutoFit/>
+          </a:bodyPr>
+          <a:lstStyle>
+            <a:defPPr>
+              <a:defRPr lang="en-US"/>
+            </a:defPPr>
+            <a:lvl1pPr>
+              <a:defRPr sz="1200">
+                <a:solidFill>
+                  <a:schemeClr val="accent3">
+                    <a:lumMod val="50000"/>
+                  </a:schemeClr>
+                </a:solidFill>
+              </a:defRPr>
+            </a:lvl1pPr>
+          </a:lstStyle>
+          <a:p>
+            <a:r>
+              <a:rPr lang="en-CA" sz="1400" dirty="0" smtClean="0"/>
+              <a:t>f(+[</a:t>
+            </a:r>
+            <a:r>
+              <a:rPr lang="en-CA" sz="1400" dirty="0"/>
+              <a:t>t ... t</a:t>
+            </a:r>
+            <a:r>
+              <a:rPr lang="en-CA" sz="1400" dirty="0" smtClean="0"/>
+              <a:t>] </a:t>
+            </a:r>
+            <a:r>
+              <a:rPr lang="en-CA" sz="1400" dirty="0" smtClean="0"/>
+              <a:t>p</a:t>
+            </a:r>
+            <a:r>
+              <a:rPr lang="en-CA" sz="1400" dirty="0" smtClean="0"/>
+              <a:t>+&gt;</a:t>
+            </a:r>
+            <a:r>
+              <a:rPr lang="en-CA" sz="1400" dirty="0"/>
+              <a:t>v . . . </a:t>
+            </a:r>
+            <a:r>
+              <a:rPr lang="en-CA" sz="1400" dirty="0" smtClean="0"/>
+              <a:t>p+&gt;</a:t>
+            </a:r>
+            <a:r>
+              <a:rPr lang="en-CA" sz="1400" dirty="0"/>
+              <a:t>v)</a:t>
             </a:r>
           </a:p>
         </p:txBody>
@@ -8188,6 +8305,388 @@
 </p:sld>
 </file>
 
+<file path=ppt/slides/slide16.xml><?xml version="1.0" encoding="utf-8"?>
+<p:sld xmlns:a="http://schemas.openxmlformats.org/drawingml/2006/main" xmlns:r="http://schemas.openxmlformats.org/officeDocument/2006/relationships" xmlns:p="http://schemas.openxmlformats.org/presentationml/2006/main">
+  <p:cSld>
+    <p:spTree>
+      <p:nvGrpSpPr>
+        <p:cNvPr id="1" name=""/>
+        <p:cNvGrpSpPr/>
+        <p:nvPr/>
+      </p:nvGrpSpPr>
+      <p:grpSpPr>
+        <a:xfrm>
+          <a:off x="0" y="0"/>
+          <a:ext cx="0" cy="0"/>
+          <a:chOff x="0" y="0"/>
+          <a:chExt cx="0" cy="0"/>
+        </a:xfrm>
+      </p:grpSpPr>
+      <p:sp>
+        <p:nvSpPr>
+          <p:cNvPr id="2" name="Title 1"/>
+          <p:cNvSpPr>
+            <a:spLocks noGrp="1"/>
+          </p:cNvSpPr>
+          <p:nvPr>
+            <p:ph type="title"/>
+          </p:nvPr>
+        </p:nvSpPr>
+        <p:spPr>
+          <a:xfrm>
+            <a:off x="228600" y="335632"/>
+            <a:ext cx="8915400" cy="762000"/>
+          </a:xfrm>
+        </p:spPr>
+        <p:txBody>
+          <a:bodyPr>
+            <a:noAutofit/>
+          </a:bodyPr>
+          <a:lstStyle/>
+          <a:p>
+            <a:r>
+              <a:rPr lang="en-CA" sz="4800" dirty="0"/>
+              <a:t>Conclusions</a:t>
+            </a:r>
+            <a:endParaRPr lang="en-CA" sz="4500" dirty="0"/>
+          </a:p>
+        </p:txBody>
+      </p:sp>
+      <p:sp>
+        <p:nvSpPr>
+          <p:cNvPr id="3" name="Content Placeholder 2"/>
+          <p:cNvSpPr>
+            <a:spLocks noGrp="1"/>
+          </p:cNvSpPr>
+          <p:nvPr>
+            <p:ph idx="1"/>
+          </p:nvPr>
+        </p:nvSpPr>
+        <p:spPr>
+          <a:xfrm>
+            <a:off x="314446" y="1268760"/>
+            <a:ext cx="8794058" cy="5181600"/>
+          </a:xfrm>
+        </p:spPr>
+        <p:txBody>
+          <a:bodyPr>
+            <a:normAutofit fontScale="92500" lnSpcReduction="10000"/>
+          </a:bodyPr>
+          <a:lstStyle/>
+          <a:p>
+            <a:pPr>
+              <a:lnSpc>
+                <a:spcPct val="110000"/>
+              </a:lnSpc>
+            </a:pPr>
+            <a:r>
+              <a:rPr lang="en-CA" dirty="0"/>
+              <a:t>PSOA </a:t>
+            </a:r>
+            <a:r>
+              <a:rPr lang="en-CA" dirty="0" err="1"/>
+              <a:t>metamodel</a:t>
+            </a:r>
+            <a:r>
+              <a:rPr lang="en-CA" dirty="0"/>
+              <a:t> </a:t>
+            </a:r>
+            <a:r>
+              <a:rPr lang="en-CA" dirty="0" smtClean="0"/>
+              <a:t>cube and </a:t>
+            </a:r>
+            <a:r>
+              <a:rPr lang="en-CA" dirty="0" err="1" smtClean="0"/>
+              <a:t>Grailog</a:t>
+            </a:r>
+            <a:r>
+              <a:rPr lang="en-CA" dirty="0" smtClean="0"/>
+              <a:t> visualization</a:t>
+            </a:r>
+            <a:r>
+              <a:rPr lang="en-CA" dirty="0"/>
+              <a:t/>
+            </a:r>
+            <a:br>
+              <a:rPr lang="en-CA" dirty="0"/>
+            </a:br>
+            <a:r>
+              <a:rPr lang="en-CA" dirty="0" smtClean="0"/>
+              <a:t>significantly </a:t>
+            </a:r>
+            <a:r>
+              <a:rPr lang="en-CA" dirty="0"/>
+              <a:t>facilitate </a:t>
+            </a:r>
+            <a:r>
+              <a:rPr lang="en-CA" dirty="0" smtClean="0"/>
+              <a:t>learning </a:t>
+            </a:r>
+            <a:r>
+              <a:rPr lang="en-CA" dirty="0"/>
+              <a:t>PSOA </a:t>
+            </a:r>
+            <a:r>
+              <a:rPr lang="en-US" dirty="0" err="1" smtClean="0"/>
+              <a:t>RuleML</a:t>
+            </a:r>
+            <a:endParaRPr lang="en-US" altLang="en-US" dirty="0" smtClean="0"/>
+          </a:p>
+          <a:p>
+            <a:pPr>
+              <a:lnSpc>
+                <a:spcPct val="110000"/>
+              </a:lnSpc>
+            </a:pPr>
+            <a:r>
+              <a:rPr lang="en-CA" dirty="0" smtClean="0"/>
+              <a:t>Data f</a:t>
+            </a:r>
+            <a:r>
+              <a:rPr lang="en-US" altLang="en-US" dirty="0" smtClean="0"/>
+              <a:t>acts complemented by </a:t>
+            </a:r>
+            <a:r>
+              <a:rPr lang="en-US" altLang="en-US" sz="3000" dirty="0" smtClean="0"/>
+              <a:t>(interoperation, …)</a:t>
+            </a:r>
+            <a:r>
+              <a:rPr lang="en-US" altLang="en-US" dirty="0" smtClean="0"/>
+              <a:t> </a:t>
+            </a:r>
+            <a:r>
+              <a:rPr lang="en-US" altLang="en-US" dirty="0" smtClean="0"/>
+              <a:t>rules</a:t>
+            </a:r>
+            <a:r>
+              <a:rPr lang="en-US" altLang="en-US" dirty="0" smtClean="0"/>
+              <a:t>:</a:t>
+            </a:r>
+            <a:br>
+              <a:rPr lang="en-US" altLang="en-US" dirty="0" smtClean="0"/>
+            </a:br>
+            <a:r>
+              <a:rPr lang="en-US" altLang="en-US" dirty="0" smtClean="0"/>
+              <a:t/>
+            </a:r>
+            <a:br>
+              <a:rPr lang="en-US" altLang="en-US" dirty="0" smtClean="0"/>
+            </a:br>
+            <a:endParaRPr lang="en-US" altLang="en-US" dirty="0" smtClean="0"/>
+          </a:p>
+          <a:p>
+            <a:pPr>
+              <a:lnSpc>
+                <a:spcPct val="110000"/>
+              </a:lnSpc>
+            </a:pPr>
+            <a:r>
+              <a:rPr lang="en-CA" dirty="0" smtClean="0"/>
+              <a:t>PSOA </a:t>
+            </a:r>
+            <a:r>
+              <a:rPr lang="en-US" dirty="0" err="1" smtClean="0"/>
+              <a:t>RuleML</a:t>
+            </a:r>
+            <a:r>
+              <a:rPr lang="en-US" dirty="0" smtClean="0"/>
+              <a:t> being standardized </a:t>
+            </a:r>
+            <a:r>
+              <a:rPr lang="en-US" dirty="0"/>
+              <a:t>by </a:t>
+            </a:r>
+            <a:r>
+              <a:rPr lang="en-CA" dirty="0" smtClean="0"/>
+              <a:t>Relax NG schemas</a:t>
+            </a:r>
+            <a:r>
+              <a:rPr lang="en-CA" dirty="0"/>
+              <a:t> </a:t>
+            </a:r>
+            <a:r>
+              <a:rPr lang="en-CA" dirty="0" smtClean="0"/>
+              <a:t>for XML-serialized f</a:t>
+            </a:r>
+            <a:r>
+              <a:rPr lang="en-US" altLang="en-US" dirty="0"/>
+              <a:t>acts </a:t>
+            </a:r>
+            <a:r>
+              <a:rPr lang="en-US" altLang="en-US" dirty="0" smtClean="0"/>
+              <a:t>and </a:t>
+            </a:r>
+            <a:r>
+              <a:rPr lang="en-CA" dirty="0"/>
+              <a:t>rules: </a:t>
+            </a:r>
+            <a:r>
+              <a:rPr lang="en-CA" sz="2800" dirty="0">
+                <a:hlinkClick r:id="rId2"/>
+              </a:rPr>
+              <a:t>http://</a:t>
+            </a:r>
+            <a:r>
+              <a:rPr lang="en-CA" sz="2800" dirty="0" smtClean="0">
+                <a:hlinkClick r:id="rId2"/>
+              </a:rPr>
+              <a:t>wiki.ruleml.org/index.php/PSOA_RuleML#Syntax</a:t>
+            </a:r>
+            <a:endParaRPr lang="en-CA" dirty="0" smtClean="0"/>
+          </a:p>
+          <a:p>
+            <a:pPr>
+              <a:lnSpc>
+                <a:spcPct val="110000"/>
+              </a:lnSpc>
+            </a:pPr>
+            <a:r>
+              <a:rPr lang="en-CA" dirty="0"/>
+              <a:t>PSOA </a:t>
+            </a:r>
+            <a:r>
+              <a:rPr lang="en-CA" dirty="0" err="1"/>
+              <a:t>metamodel</a:t>
+            </a:r>
+            <a:r>
+              <a:rPr lang="en-CA" dirty="0"/>
+              <a:t> </a:t>
+            </a:r>
+            <a:r>
+              <a:rPr lang="en-CA" dirty="0" smtClean="0"/>
+              <a:t>transferrable to other languages</a:t>
+            </a:r>
+          </a:p>
+          <a:p>
+            <a:pPr>
+              <a:lnSpc>
+                <a:spcPct val="110000"/>
+              </a:lnSpc>
+            </a:pPr>
+            <a:r>
+              <a:rPr lang="en-CA" dirty="0" smtClean="0"/>
+              <a:t>Also see: </a:t>
+            </a:r>
+            <a:r>
+              <a:rPr lang="en-US" altLang="en-US" sz="1200" dirty="0" smtClean="0">
+                <a:hlinkClick r:id="rId3"/>
+              </a:rPr>
+              <a:t>http://wiki.ruleml.org/index.php/PSOA_RuleML_Bridges_Graph_and_Relational_Databases#</a:t>
+            </a:r>
+            <a:r>
+              <a:rPr lang="en-US" altLang="en-US" sz="1800" dirty="0" smtClean="0">
+                <a:hlinkClick r:id="rId3"/>
+              </a:rPr>
+              <a:t>Conclusions</a:t>
+            </a:r>
+            <a:endParaRPr lang="en-US" altLang="en-US" sz="1400" dirty="0"/>
+          </a:p>
+        </p:txBody>
+      </p:sp>
+      <p:sp>
+        <p:nvSpPr>
+          <p:cNvPr id="4" name="Slide Number Placeholder 3"/>
+          <p:cNvSpPr>
+            <a:spLocks noGrp="1"/>
+          </p:cNvSpPr>
+          <p:nvPr>
+            <p:ph type="sldNum" sz="quarter" idx="12"/>
+          </p:nvPr>
+        </p:nvSpPr>
+        <p:spPr/>
+        <p:txBody>
+          <a:bodyPr/>
+          <a:lstStyle/>
+          <a:p>
+            <a:fld id="{5EFD1475-3101-4DC7-8355-C1B2AA2764C2}" type="slidenum">
+              <a:rPr lang="en-US" smtClean="0"/>
+              <a:pPr/>
+              <a:t>16</a:t>
+            </a:fld>
+            <a:endParaRPr lang="en-US" dirty="0"/>
+          </a:p>
+        </p:txBody>
+      </p:sp>
+      <p:sp>
+        <p:nvSpPr>
+          <p:cNvPr id="5" name="TextBox 4"/>
+          <p:cNvSpPr txBox="1"/>
+          <p:nvPr/>
+        </p:nvSpPr>
+        <p:spPr>
+          <a:xfrm>
+            <a:off x="352004" y="2926685"/>
+            <a:ext cx="8756500" cy="646331"/>
+          </a:xfrm>
+          <a:prstGeom prst="rect">
+            <a:avLst/>
+          </a:prstGeom>
+          <a:noFill/>
+        </p:spPr>
+        <p:txBody>
+          <a:bodyPr wrap="none" rtlCol="0">
+            <a:spAutoFit/>
+          </a:bodyPr>
+          <a:lstStyle/>
+          <a:p>
+            <a:r>
+              <a:rPr lang="en-CA" i="1" dirty="0">
+                <a:hlinkClick r:id="rId4"/>
+              </a:rPr>
+              <a:t>http://</a:t>
+            </a:r>
+            <a:r>
+              <a:rPr lang="en-CA" i="1" dirty="0" smtClean="0">
+                <a:hlinkClick r:id="rId4"/>
+              </a:rPr>
+              <a:t>wiki.ruleml.org/index.php/PSOA_RuleML_Bridges_Graph_and_Relational_Databases</a:t>
+            </a:r>
+            <a:endParaRPr lang="en-CA" i="1" dirty="0" smtClean="0"/>
+          </a:p>
+          <a:p>
+            <a:r>
+              <a:rPr lang="en-CA" i="1" dirty="0" smtClean="0"/>
+              <a:t>(includes </a:t>
+            </a:r>
+            <a:r>
+              <a:rPr lang="en-CA" i="1" dirty="0" smtClean="0"/>
+              <a:t>core interoperation path pv1-pv3-pv4-pn4, </a:t>
+            </a:r>
+            <a:r>
+              <a:rPr lang="en-CA" i="1" dirty="0" smtClean="0"/>
+              <a:t>e.g. abridged to one </a:t>
+            </a:r>
+            <a:r>
+              <a:rPr lang="en-CA" i="1" dirty="0"/>
+              <a:t>PSOA </a:t>
+            </a:r>
+            <a:r>
+              <a:rPr lang="en-CA" i="1" dirty="0" smtClean="0"/>
+              <a:t>rule)</a:t>
+            </a:r>
+          </a:p>
+        </p:txBody>
+      </p:sp>
+    </p:spTree>
+    <p:extLst>
+      <p:ext uri="{BB962C8B-B14F-4D97-AF65-F5344CB8AC3E}">
+        <p14:creationId xmlns:p14="http://schemas.microsoft.com/office/powerpoint/2010/main" val="674749656"/>
+      </p:ext>
+    </p:extLst>
+  </p:cSld>
+  <p:clrMapOvr>
+    <a:masterClrMapping/>
+  </p:clrMapOvr>
+  <p:timing>
+    <p:tnLst>
+      <p:par>
+        <p:cTn id="1" dur="indefinite" restart="never" nodeType="tmRoot"/>
+      </p:par>
+    </p:tnLst>
+  </p:timing>
+</p:sld>
+</file>
+
 <file path=ppt/slides/slide2.xml><?xml version="1.0" encoding="utf-8"?>
 <p:sld xmlns:a="http://schemas.openxmlformats.org/drawingml/2006/main" xmlns:r="http://schemas.openxmlformats.org/officeDocument/2006/relationships" xmlns:p="http://schemas.openxmlformats.org/presentationml/2006/main">
   <p:cSld>
@@ -8217,7 +8716,7 @@
         </p:nvSpPr>
         <p:spPr>
           <a:xfrm>
-            <a:off x="228600" y="476672"/>
+            <a:off x="228600" y="407640"/>
             <a:ext cx="8915400" cy="762000"/>
           </a:xfrm>
         </p:spPr>
@@ -8247,13 +8746,13 @@
         </p:nvSpPr>
         <p:spPr>
           <a:xfrm>
-            <a:off x="152400" y="1412776"/>
-            <a:ext cx="8991600" cy="5181600"/>
+            <a:off x="152400" y="1487760"/>
+            <a:ext cx="9316144" cy="5181600"/>
           </a:xfrm>
         </p:spPr>
         <p:txBody>
           <a:bodyPr>
-            <a:normAutofit/>
+            <a:normAutofit lnSpcReduction="10000"/>
           </a:bodyPr>
           <a:lstStyle/>
           <a:p>
@@ -8283,12 +8782,12 @@
               <a:t>builds </a:t>
             </a:r>
             <a:r>
-              <a:rPr lang="en-CA" dirty="0"/>
-              <a:t>on </a:t>
-            </a:r>
-            <a:r>
               <a:rPr lang="en-CA" dirty="0" smtClean="0"/>
-              <a:t>a novel data systematics</a:t>
+              <a:t>on a </a:t>
+            </a:r>
+            <a:r>
+              <a:rPr lang="en-CA" dirty="0" smtClean="0"/>
+              <a:t>novel data systematics</a:t>
             </a:r>
           </a:p>
           <a:p>
@@ -8299,25 +8798,64 @@
             </a:pPr>
             <a:r>
               <a:rPr lang="en-CA" dirty="0" smtClean="0"/>
-              <a:t>Slicing and dicing the </a:t>
-            </a:r>
-            <a:r>
-              <a:rPr lang="en-CA" dirty="0" smtClean="0">
+              <a:t>Slicing </a:t>
+            </a:r>
+            <a:r>
+              <a:rPr lang="en-CA" dirty="0" smtClean="0"/>
+              <a:t>and </a:t>
+            </a:r>
+            <a:r>
+              <a:rPr lang="en-CA" dirty="0" smtClean="0"/>
+              <a:t>dicing </a:t>
+            </a:r>
+            <a:r>
+              <a:rPr lang="en-CA" dirty="0" smtClean="0"/>
+              <a:t>the </a:t>
+            </a:r>
+            <a:r>
+              <a:rPr lang="en-CA" i="1" dirty="0" smtClean="0"/>
+              <a:t>PSOA </a:t>
+            </a:r>
+            <a:r>
+              <a:rPr lang="en-CA" i="1" dirty="0" err="1" smtClean="0"/>
+              <a:t>metamodel</a:t>
+            </a:r>
+            <a:r>
+              <a:rPr lang="en-CA" i="1" dirty="0" smtClean="0"/>
+              <a:t> </a:t>
+            </a:r>
+            <a:r>
+              <a:rPr lang="en-CA" i="1" dirty="0" smtClean="0"/>
+              <a:t>cube</a:t>
+            </a:r>
+            <a:r>
+              <a:rPr lang="en-CA" dirty="0" smtClean="0"/>
+              <a:t/>
+            </a:r>
+            <a:br>
+              <a:rPr lang="en-CA" dirty="0" smtClean="0"/>
+            </a:br>
+            <a:r>
+              <a:rPr lang="en-CA" dirty="0" smtClean="0"/>
+              <a:t>(</a:t>
+            </a:r>
+            <a:r>
+              <a:rPr lang="en-CA" altLang="en-US" dirty="0" smtClean="0"/>
+              <a:t>from </a:t>
+            </a:r>
+            <a:r>
+              <a:rPr lang="en-CA" altLang="en-US" dirty="0" err="1">
                 <a:hlinkClick r:id="rId3"/>
               </a:rPr>
-              <a:t>PSOA </a:t>
-            </a:r>
-            <a:r>
-              <a:rPr lang="en-CA" dirty="0" err="1" smtClean="0">
-                <a:hlinkClick r:id="rId3"/>
-              </a:rPr>
-              <a:t>metamodel</a:t>
-            </a:r>
-            <a:r>
-              <a:rPr lang="en-CA" dirty="0" smtClean="0">
-                <a:hlinkClick r:id="rId3"/>
-              </a:rPr>
-              <a:t> cube</a:t>
+              <a:t>PSOAPerspectivalKnowledge</a:t>
+            </a:r>
+            <a:r>
+              <a:rPr lang="en-CA" altLang="en-US" dirty="0"/>
+              <a:t>, </a:t>
+            </a:r>
+            <a:r>
+              <a:rPr lang="en-CA" altLang="en-US" dirty="0" smtClean="0"/>
+              <a:t>Appendix A)</a:t>
             </a:r>
             <a:endParaRPr lang="en-US" altLang="en-US" dirty="0" smtClean="0"/>
           </a:p>
@@ -8372,13 +8910,17 @@
             </a:pPr>
             <a:r>
               <a:rPr lang="en-US" altLang="en-US" dirty="0" smtClean="0"/>
-              <a:t>Illustrate all kinds of atoms by </a:t>
-            </a:r>
-            <a:r>
-              <a:rPr lang="en-US" altLang="en-US" dirty="0" err="1">
+              <a:t>Illustrate all kinds of </a:t>
+            </a:r>
+            <a:r>
+              <a:rPr lang="en-US" altLang="en-US" dirty="0" err="1" smtClean="0">
                 <a:hlinkClick r:id="rId4"/>
               </a:rPr>
-              <a:t>Grailog</a:t>
+              <a:t>PSOATransRun</a:t>
+            </a:r>
+            <a:r>
+              <a:rPr lang="en-US" altLang="en-US" dirty="0" smtClean="0"/>
+              <a:t>-realized</a:t>
             </a:r>
             <a:r>
               <a:rPr lang="en-US" altLang="en-US" dirty="0"/>
@@ -8386,26 +8928,46 @@
             </a:r>
             <a:r>
               <a:rPr lang="en-US" altLang="en-US" dirty="0" smtClean="0"/>
-              <a:t>visualization</a:t>
-            </a:r>
-          </a:p>
-          <a:p>
-            <a:pPr>
-              <a:lnSpc>
-                <a:spcPct val="110000"/>
-              </a:lnSpc>
-            </a:pPr>
-            <a:r>
-              <a:rPr lang="en-CA" altLang="en-US" dirty="0" smtClean="0"/>
-              <a:t>Provide template syntax</a:t>
-            </a:r>
-            <a:r>
-              <a:rPr lang="en-CA" altLang="en-US" dirty="0"/>
-              <a:t> and </a:t>
-            </a:r>
-            <a:r>
-              <a:rPr lang="en-CA" altLang="en-US" dirty="0" smtClean="0"/>
-              <a:t>informal semantics</a:t>
+              <a:t>atoms</a:t>
+            </a:r>
+            <a:br>
+              <a:rPr lang="en-US" altLang="en-US" dirty="0" smtClean="0"/>
+            </a:br>
+            <a:r>
+              <a:rPr lang="en-US" altLang="en-US" dirty="0"/>
+              <a:t>in </a:t>
+            </a:r>
+            <a:r>
+              <a:rPr lang="en-CA" i="1" dirty="0" smtClean="0">
+                <a:solidFill>
+                  <a:schemeClr val="accent3">
+                    <a:lumMod val="75000"/>
+                  </a:schemeClr>
+                </a:solidFill>
+              </a:rPr>
+              <a:t>presentation syntax</a:t>
+            </a:r>
+            <a:r>
+              <a:rPr lang="en-US" altLang="en-US" dirty="0" smtClean="0"/>
+              <a:t> </a:t>
+            </a:r>
+            <a:r>
+              <a:rPr lang="en-US" altLang="en-US" dirty="0" smtClean="0"/>
+              <a:t>by </a:t>
+            </a:r>
+            <a:r>
+              <a:rPr lang="en-US" altLang="en-US" dirty="0" err="1">
+                <a:hlinkClick r:id="rId5"/>
+              </a:rPr>
+              <a:t>Grailog</a:t>
+            </a:r>
+            <a:r>
+              <a:rPr lang="en-US" altLang="en-US" dirty="0"/>
+              <a:t> </a:t>
+            </a:r>
+            <a:r>
+              <a:rPr lang="en-US" altLang="en-US" dirty="0" smtClean="0"/>
+              <a:t>visualizations</a:t>
             </a:r>
             <a:endParaRPr lang="en-US" altLang="en-US" dirty="0" smtClean="0"/>
           </a:p>
@@ -8416,14 +8978,66 @@
               </a:lnSpc>
             </a:pPr>
             <a:r>
-              <a:rPr lang="en-CA" dirty="0" smtClean="0"/>
-              <a:t>Data f</a:t>
-            </a:r>
-            <a:r>
-              <a:rPr lang="en-US" altLang="en-US" dirty="0" smtClean="0"/>
-              <a:t>acts complemented by interoperation rules:</a:t>
-            </a:r>
-            <a:endParaRPr lang="en-US" altLang="en-US" dirty="0" smtClean="0"/>
+              <a:rPr lang="en-CA" altLang="en-US" dirty="0" smtClean="0"/>
+              <a:t>Informal </a:t>
+            </a:r>
+            <a:r>
+              <a:rPr lang="en-CA" altLang="en-US" dirty="0" smtClean="0"/>
+              <a:t>template syntax</a:t>
+            </a:r>
+            <a:r>
+              <a:rPr lang="en-CA" altLang="en-US" dirty="0"/>
+              <a:t> and </a:t>
+            </a:r>
+            <a:r>
+              <a:rPr lang="en-CA" altLang="en-US" dirty="0" smtClean="0"/>
+              <a:t>English </a:t>
+            </a:r>
+            <a:r>
+              <a:rPr lang="en-CA" altLang="en-US" dirty="0" smtClean="0"/>
+              <a:t>semantics</a:t>
+            </a:r>
+            <a:r>
+              <a:rPr lang="en-CA" altLang="en-US" dirty="0"/>
+              <a:t/>
+            </a:r>
+            <a:br>
+              <a:rPr lang="en-CA" altLang="en-US" dirty="0"/>
+            </a:br>
+            <a:r>
+              <a:rPr lang="en-CA" altLang="en-US" dirty="0"/>
+              <a:t>(</a:t>
+            </a:r>
+            <a:r>
+              <a:rPr lang="en-CA" altLang="en-US" dirty="0" smtClean="0"/>
+              <a:t>formal  </a:t>
+            </a:r>
+            <a:r>
+              <a:rPr lang="en-CA" altLang="en-US" dirty="0"/>
+              <a:t>in </a:t>
+            </a:r>
+            <a:r>
+              <a:rPr lang="en-CA" altLang="en-US" sz="2400" dirty="0" err="1">
+                <a:hlinkClick r:id="rId3"/>
+              </a:rPr>
+              <a:t>PSOAPerspectivalKnowledge</a:t>
+            </a:r>
+            <a:r>
+              <a:rPr lang="en-CA" altLang="en-US" dirty="0"/>
+              <a:t>, </a:t>
+            </a:r>
+            <a:r>
+              <a:rPr lang="en-CA" altLang="en-US" dirty="0" smtClean="0"/>
+              <a:t>Sections 4</a:t>
+            </a:r>
+            <a:r>
+              <a:rPr lang="en-CA" altLang="en-US" dirty="0"/>
+              <a:t> and </a:t>
+            </a:r>
+            <a:r>
+              <a:rPr lang="en-CA" altLang="en-US" dirty="0" smtClean="0"/>
+              <a:t>5)</a:t>
+            </a:r>
           </a:p>
         </p:txBody>
       </p:sp>
@@ -8448,82 +9062,6 @@
               <a:t>2</a:t>
             </a:fld>
             <a:endParaRPr lang="en-US" dirty="0"/>
-          </a:p>
-        </p:txBody>
-      </p:sp>
-      <p:sp>
-        <p:nvSpPr>
-          <p:cNvPr id="5" name="TextBox 4"/>
-          <p:cNvSpPr txBox="1"/>
-          <p:nvPr/>
-        </p:nvSpPr>
-        <p:spPr>
-          <a:xfrm>
-            <a:off x="207988" y="5805264"/>
-            <a:ext cx="8756500" cy="646331"/>
-          </a:xfrm>
-          <a:prstGeom prst="rect">
-            <a:avLst/>
-          </a:prstGeom>
-          <a:noFill/>
-        </p:spPr>
-        <p:txBody>
-          <a:bodyPr wrap="none" rtlCol="0">
-            <a:spAutoFit/>
-          </a:bodyPr>
-          <a:lstStyle/>
-          <a:p>
-            <a:r>
-              <a:rPr lang="en-CA" i="1" dirty="0">
-                <a:hlinkClick r:id="rId5"/>
-              </a:rPr>
-              <a:t>http://</a:t>
-            </a:r>
-            <a:r>
-              <a:rPr lang="en-CA" i="1" dirty="0" smtClean="0">
-                <a:hlinkClick r:id="rId5"/>
-              </a:rPr>
-              <a:t>wiki.ruleml.org/index.php/PSOA_RuleML_Bridges_Graph_and_Relational_Databases</a:t>
-            </a:r>
-            <a:endParaRPr lang="en-CA" i="1" dirty="0" smtClean="0"/>
-          </a:p>
-          <a:p>
-            <a:r>
-              <a:rPr lang="en-CA" i="1" dirty="0" smtClean="0"/>
-              <a:t>(</a:t>
-            </a:r>
-            <a:r>
-              <a:rPr lang="en-CA" i="1" dirty="0">
-                <a:solidFill>
-                  <a:schemeClr val="accent3">
-                    <a:lumMod val="75000"/>
-                  </a:schemeClr>
-                </a:solidFill>
-              </a:rPr>
-              <a:t>syntactic </a:t>
-            </a:r>
-            <a:r>
-              <a:rPr lang="en-CA" i="1" dirty="0" smtClean="0">
-                <a:solidFill>
-                  <a:schemeClr val="accent3">
-                    <a:lumMod val="75000"/>
-                  </a:schemeClr>
-                </a:solidFill>
-              </a:rPr>
-              <a:t>realization</a:t>
-            </a:r>
-            <a:r>
-              <a:rPr lang="en-CA" i="1" dirty="0" smtClean="0"/>
-              <a:t> for core interoperation path pv1-pv3-pv4-pn4, abridged </a:t>
-            </a:r>
-            <a:r>
-              <a:rPr lang="en-CA" i="1" dirty="0"/>
-              <a:t>by PSOA </a:t>
-            </a:r>
-            <a:r>
-              <a:rPr lang="en-CA" i="1" dirty="0" smtClean="0"/>
-              <a:t>rule)</a:t>
-            </a:r>
           </a:p>
         </p:txBody>
       </p:sp>

--- a/talks/PSOAMetamodelGrailogWedding.pptx
+++ b/talks/PSOAMetamodelGrailogWedding.pptx
@@ -207,7 +207,7 @@
           <a:p>
             <a:fld id="{A9361764-17DB-4EFB-8397-31D7F8C11F64}" type="datetimeFigureOut">
               <a:rPr lang="en-CA" smtClean="0"/>
-              <a:t>2018-06-10</a:t>
+              <a:t>2018-07-13</a:t>
             </a:fld>
             <a:endParaRPr lang="en-CA"/>
           </a:p>
@@ -656,7 +656,7 @@
           <a:p>
             <a:fld id="{098EC68B-E961-416A-B655-846E5AC17167}" type="datetime1">
               <a:rPr lang="en-CA" smtClean="0"/>
-              <a:t>2018-06-10</a:t>
+              <a:t>2018-07-13</a:t>
             </a:fld>
             <a:endParaRPr lang="en-CA"/>
           </a:p>
@@ -826,7 +826,7 @@
           <a:p>
             <a:fld id="{E07626B9-A935-446E-9129-38D11AE25D60}" type="datetime1">
               <a:rPr lang="en-CA" smtClean="0"/>
-              <a:t>2018-06-10</a:t>
+              <a:t>2018-07-13</a:t>
             </a:fld>
             <a:endParaRPr lang="en-CA"/>
           </a:p>
@@ -1006,7 +1006,7 @@
           <a:p>
             <a:fld id="{583703F1-3B6D-46EB-A76E-6949744F47DE}" type="datetime1">
               <a:rPr lang="en-CA" smtClean="0"/>
-              <a:t>2018-06-10</a:t>
+              <a:t>2018-07-13</a:t>
             </a:fld>
             <a:endParaRPr lang="en-CA"/>
           </a:p>
@@ -1176,7 +1176,7 @@
           <a:p>
             <a:fld id="{31DB09E8-757E-43EB-812C-57B263F18654}" type="datetime1">
               <a:rPr lang="en-CA" smtClean="0"/>
-              <a:t>2018-06-10</a:t>
+              <a:t>2018-07-13</a:t>
             </a:fld>
             <a:endParaRPr lang="en-CA"/>
           </a:p>
@@ -1422,7 +1422,7 @@
           <a:p>
             <a:fld id="{D5E95CC2-566E-4FAB-B06E-7F3B62A5E53C}" type="datetime1">
               <a:rPr lang="en-CA" smtClean="0"/>
-              <a:t>2018-06-10</a:t>
+              <a:t>2018-07-13</a:t>
             </a:fld>
             <a:endParaRPr lang="en-CA"/>
           </a:p>
@@ -1710,7 +1710,7 @@
           <a:p>
             <a:fld id="{95A43E41-714C-4DD9-B56F-86957FFB7A45}" type="datetime1">
               <a:rPr lang="en-CA" smtClean="0"/>
-              <a:t>2018-06-10</a:t>
+              <a:t>2018-07-13</a:t>
             </a:fld>
             <a:endParaRPr lang="en-CA"/>
           </a:p>
@@ -2132,7 +2132,7 @@
           <a:p>
             <a:fld id="{B925E3A5-2D59-44BA-AF6A-9E991D55C46C}" type="datetime1">
               <a:rPr lang="en-CA" smtClean="0"/>
-              <a:t>2018-06-10</a:t>
+              <a:t>2018-07-13</a:t>
             </a:fld>
             <a:endParaRPr lang="en-CA"/>
           </a:p>
@@ -2250,7 +2250,7 @@
           <a:p>
             <a:fld id="{3BD2D63C-9D26-48F9-B4BD-FA63389DE780}" type="datetime1">
               <a:rPr lang="en-CA" smtClean="0"/>
-              <a:t>2018-06-10</a:t>
+              <a:t>2018-07-13</a:t>
             </a:fld>
             <a:endParaRPr lang="en-CA"/>
           </a:p>
@@ -2345,7 +2345,7 @@
           <a:p>
             <a:fld id="{B4260FF7-0F9A-4441-BC4E-F8AA61FD7668}" type="datetime1">
               <a:rPr lang="en-CA" smtClean="0"/>
-              <a:t>2018-06-10</a:t>
+              <a:t>2018-07-13</a:t>
             </a:fld>
             <a:endParaRPr lang="en-CA"/>
           </a:p>
@@ -2622,7 +2622,7 @@
           <a:p>
             <a:fld id="{3B3FDE74-6DB8-45D8-A7CA-E1F60E0D837E}" type="datetime1">
               <a:rPr lang="en-CA" smtClean="0"/>
-              <a:t>2018-06-10</a:t>
+              <a:t>2018-07-13</a:t>
             </a:fld>
             <a:endParaRPr lang="en-CA"/>
           </a:p>
@@ -2875,7 +2875,7 @@
           <a:p>
             <a:fld id="{EFE21605-BC5B-4039-9D4B-D94AAA01DF2D}" type="datetime1">
               <a:rPr lang="en-CA" smtClean="0"/>
-              <a:t>2018-06-10</a:t>
+              <a:t>2018-07-13</a:t>
             </a:fld>
             <a:endParaRPr lang="en-CA"/>
           </a:p>
@@ -3088,7 +3088,7 @@
           <a:p>
             <a:fld id="{3C39659D-CCE5-4A05-8094-1E79A9359DD5}" type="datetime1">
               <a:rPr lang="en-CA" smtClean="0"/>
-              <a:t>2018-06-10</a:t>
+              <a:t>2018-07-13</a:t>
             </a:fld>
             <a:endParaRPr lang="en-CA"/>
           </a:p>
@@ -3507,20 +3507,32 @@
               <a:t>The </a:t>
             </a:r>
             <a:r>
+              <a:rPr lang="en-CA" sz="4800" dirty="0"/>
+              <a:t>PSOA </a:t>
+            </a:r>
+            <a:r>
+              <a:rPr lang="en-CA" sz="4800" dirty="0" err="1"/>
+              <a:t>RuleML</a:t>
+            </a:r>
+            <a:r>
+              <a:rPr lang="en-CA" sz="4800" dirty="0"/>
+              <a:t> </a:t>
+            </a:r>
+            <a:r>
               <a:rPr lang="en-CA" sz="4800" dirty="0" err="1"/>
               <a:t>Metamodel</a:t>
             </a:r>
             <a:r>
+              <a:rPr lang="en-CA" sz="4800" dirty="0" smtClean="0"/>
+              <a:t> </a:t>
+            </a:r>
+            <a:r>
+              <a:rPr lang="en-CA" sz="4800" dirty="0" smtClean="0"/>
+              <a:t>Illustrated </a:t>
+            </a:r>
+            <a:r>
               <a:rPr lang="en-CA" sz="4800" dirty="0"/>
-              <a:t> of PSOA </a:t>
-            </a:r>
-            <a:r>
-              <a:rPr lang="en-CA" sz="4800" dirty="0" err="1"/>
-              <a:t>RuleML</a:t>
-            </a:r>
-            <a:r>
-              <a:rPr lang="en-CA" sz="4800" dirty="0"/>
-              <a:t> Illustrated by </a:t>
+              <a:t>by </a:t>
             </a:r>
             <a:r>
               <a:rPr lang="en-CA" sz="4800" dirty="0" err="1"/>
@@ -3528,7 +3540,18 @@
             </a:r>
             <a:r>
               <a:rPr lang="en-CA" sz="4800" dirty="0"/>
-              <a:t> Visualization</a:t>
+              <a:t> </a:t>
+            </a:r>
+            <a:r>
+              <a:rPr lang="en-CA" sz="4800" dirty="0" smtClean="0"/>
+              <a:t>Visualization</a:t>
+            </a:r>
+            <a:br>
+              <a:rPr lang="en-CA" sz="4800" dirty="0" smtClean="0"/>
+            </a:br>
+            <a:r>
+              <a:rPr lang="en-CA" sz="4800" dirty="0" smtClean="0"/>
+              <a:t>of Wedding Atoms</a:t>
             </a:r>
             <a:r>
               <a:rPr lang="en-US" sz="100" dirty="0" smtClean="0"/>
@@ -3708,11 +3731,7 @@
             </a:pPr>
             <a:r>
               <a:rPr lang="en-US" sz="1800" dirty="0" smtClean="0"/>
-              <a:t>June </a:t>
-            </a:r>
-            <a:r>
-              <a:rPr lang="en-US" sz="1800" dirty="0" smtClean="0"/>
-              <a:t>10, </a:t>
+              <a:t>July 13, </a:t>
             </a:r>
             <a:r>
               <a:rPr lang="en-US" sz="1800" dirty="0" smtClean="0"/>
@@ -3745,7 +3764,7 @@
         </p:nvSpPr>
         <p:spPr>
           <a:xfrm>
-            <a:off x="127856" y="3284984"/>
+            <a:off x="127856" y="3543399"/>
             <a:ext cx="8856984" cy="461665"/>
           </a:xfrm>
           <a:prstGeom prst="rect">
@@ -5368,11 +5387,7 @@
             </a:r>
             <a:r>
               <a:rPr lang="en-CA" sz="1400" dirty="0" smtClean="0"/>
-              <a:t>] </a:t>
-            </a:r>
-            <a:r>
-              <a:rPr lang="en-CA" sz="1400" dirty="0" smtClean="0"/>
-              <a:t>p-</a:t>
+              <a:t>] p-</a:t>
             </a:r>
             <a:r>
               <a:rPr lang="en-CA" sz="1400" dirty="0"/>
@@ -6842,15 +6857,7 @@
             </a:r>
             <a:r>
               <a:rPr lang="en-CA" sz="1400" dirty="0" smtClean="0"/>
-              <a:t>] </a:t>
-            </a:r>
-            <a:r>
-              <a:rPr lang="en-CA" sz="1400" dirty="0" smtClean="0"/>
-              <a:t>p</a:t>
-            </a:r>
-            <a:r>
-              <a:rPr lang="en-CA" sz="1400" dirty="0" smtClean="0"/>
-              <a:t>+&gt;</a:t>
+              <a:t>] p+&gt;</a:t>
             </a:r>
             <a:r>
               <a:rPr lang="en-CA" sz="1400" dirty="0"/>
@@ -8364,13 +8371,13 @@
         </p:nvSpPr>
         <p:spPr>
           <a:xfrm>
-            <a:off x="314446" y="1268760"/>
-            <a:ext cx="8794058" cy="5181600"/>
+            <a:off x="63972" y="1268760"/>
+            <a:ext cx="8892480" cy="5181600"/>
           </a:xfrm>
         </p:spPr>
         <p:txBody>
           <a:bodyPr>
-            <a:normAutofit fontScale="92500" lnSpcReduction="10000"/>
+            <a:normAutofit fontScale="92500" lnSpcReduction="20000"/>
           </a:bodyPr>
           <a:lstStyle/>
           <a:p>
@@ -8393,7 +8400,33 @@
             </a:r>
             <a:r>
               <a:rPr lang="en-CA" dirty="0" smtClean="0"/>
-              <a:t>cube and </a:t>
+              <a:t>cube </a:t>
+            </a:r>
+            <a:r>
+              <a:rPr lang="en-CA" dirty="0" smtClean="0"/>
+              <a:t>visualized (dynamically by </a:t>
+            </a:r>
+            <a:r>
+              <a:rPr lang="en-CA" dirty="0" err="1" smtClean="0">
+                <a:hlinkClick r:id="rId2"/>
+              </a:rPr>
+              <a:t>PSOAMetaViz</a:t>
+            </a:r>
+            <a:r>
+              <a:rPr lang="en-CA" dirty="0" smtClean="0"/>
+              <a:t>) and atoms (e.g., data </a:t>
+            </a:r>
+            <a:r>
+              <a:rPr lang="en-CA" dirty="0"/>
+              <a:t>f</a:t>
+            </a:r>
+            <a:r>
+              <a:rPr lang="en-US" altLang="en-US" dirty="0" smtClean="0"/>
+              <a:t>acts) </a:t>
+            </a:r>
+            <a:r>
+              <a:rPr lang="en-CA" dirty="0" smtClean="0"/>
+              <a:t>in </a:t>
             </a:r>
             <a:r>
               <a:rPr lang="en-CA" dirty="0" err="1" smtClean="0"/>
@@ -8401,7 +8434,7 @@
             </a:r>
             <a:r>
               <a:rPr lang="en-CA" dirty="0" smtClean="0"/>
-              <a:t> visualization</a:t>
+              <a:t>,</a:t>
             </a:r>
             <a:r>
               <a:rPr lang="en-CA" dirty="0"/>
@@ -8440,39 +8473,35 @@
             </a:pPr>
             <a:r>
               <a:rPr lang="en-CA" dirty="0" smtClean="0"/>
-              <a:t>Data f</a:t>
+              <a:t>F</a:t>
             </a:r>
             <a:r>
               <a:rPr lang="en-US" altLang="en-US" dirty="0" smtClean="0"/>
-              <a:t>acts complemented by </a:t>
-            </a:r>
-            <a:r>
-              <a:rPr lang="en-US" altLang="en-US" sz="3000" dirty="0" smtClean="0"/>
-              <a:t>(interoperation, …)</a:t>
+              <a:t>acts </a:t>
             </a:r>
             <a:r>
               <a:rPr lang="en-US" altLang="en-US" dirty="0" smtClean="0"/>
-              <a:t> </a:t>
-            </a:r>
-            <a:r>
-              <a:rPr lang="en-US" altLang="en-US" dirty="0" smtClean="0"/>
-              <a:t>rules</a:t>
-            </a:r>
-            <a:r>
-              <a:rPr lang="en-US" altLang="en-US" dirty="0" smtClean="0"/>
-              <a:t>:</a:t>
+              <a:t>complemented </a:t>
+            </a:r>
+            <a:r>
+              <a:rPr lang="en-US" altLang="en-US" dirty="0"/>
+              <a:t>by (interoperation, …) rules:</a:t>
+            </a:r>
+            <a:r>
+              <a:rPr lang="en-US" altLang="en-US" sz="2600" dirty="0" smtClean="0"/>
+              <a:t/>
             </a:r>
             <a:br>
-              <a:rPr lang="en-US" altLang="en-US" dirty="0" smtClean="0"/>
+              <a:rPr lang="en-US" altLang="en-US" sz="2600" dirty="0" smtClean="0"/>
             </a:br>
             <a:r>
-              <a:rPr lang="en-US" altLang="en-US" dirty="0" smtClean="0"/>
+              <a:rPr lang="en-US" altLang="en-US" sz="2600" dirty="0" smtClean="0"/>
               <a:t/>
             </a:r>
             <a:br>
-              <a:rPr lang="en-US" altLang="en-US" dirty="0" smtClean="0"/>
+              <a:rPr lang="en-US" altLang="en-US" sz="2600" dirty="0" smtClean="0"/>
             </a:br>
-            <a:endParaRPr lang="en-US" altLang="en-US" dirty="0" smtClean="0"/>
+            <a:endParaRPr lang="en-US" altLang="en-US" sz="2600" dirty="0" smtClean="0"/>
           </a:p>
           <a:p>
             <a:pPr>
@@ -8522,13 +8551,13 @@
             </a:r>
             <a:r>
               <a:rPr lang="en-CA" sz="2800" dirty="0">
-                <a:hlinkClick r:id="rId2"/>
+                <a:hlinkClick r:id="rId3"/>
               </a:rPr>
               <a:t>http://</a:t>
             </a:r>
             <a:r>
               <a:rPr lang="en-CA" sz="2800" dirty="0" smtClean="0">
-                <a:hlinkClick r:id="rId2"/>
+                <a:hlinkClick r:id="rId3"/>
               </a:rPr>
               <a:t>wiki.ruleml.org/index.php/PSOA_RuleML#Syntax</a:t>
             </a:r>
@@ -8569,13 +8598,13 @@
             </a:r>
             <a:r>
               <a:rPr lang="en-US" altLang="en-US" sz="1200" dirty="0" smtClean="0">
-                <a:hlinkClick r:id="rId3"/>
+                <a:hlinkClick r:id="rId4"/>
               </a:rPr>
               <a:t>http://wiki.ruleml.org/index.php/PSOA_RuleML_Bridges_Graph_and_Relational_Databases#</a:t>
             </a:r>
             <a:r>
               <a:rPr lang="en-US" altLang="en-US" sz="1800" dirty="0" smtClean="0">
-                <a:hlinkClick r:id="rId3"/>
+                <a:hlinkClick r:id="rId4"/>
               </a:rPr>
               <a:t>Conclusions</a:t>
             </a:r>
@@ -8615,7 +8644,7 @@
         </p:nvSpPr>
         <p:spPr>
           <a:xfrm>
-            <a:off x="352004" y="2926685"/>
+            <a:off x="424012" y="3048474"/>
             <a:ext cx="8756500" cy="646331"/>
           </a:xfrm>
           <a:prstGeom prst="rect">
@@ -8631,13 +8660,13 @@
           <a:p>
             <a:r>
               <a:rPr lang="en-CA" i="1" dirty="0">
-                <a:hlinkClick r:id="rId4"/>
+                <a:hlinkClick r:id="rId5"/>
               </a:rPr>
               <a:t>http://</a:t>
             </a:r>
             <a:r>
               <a:rPr lang="en-CA" i="1" dirty="0" smtClean="0">
-                <a:hlinkClick r:id="rId4"/>
+                <a:hlinkClick r:id="rId5"/>
               </a:rPr>
               <a:t>wiki.ruleml.org/index.php/PSOA_RuleML_Bridges_Graph_and_Relational_Databases</a:t>
             </a:r>
@@ -8646,15 +8675,7 @@
           <a:p>
             <a:r>
               <a:rPr lang="en-CA" i="1" dirty="0" smtClean="0"/>
-              <a:t>(includes </a:t>
-            </a:r>
-            <a:r>
-              <a:rPr lang="en-CA" i="1" dirty="0" smtClean="0"/>
-              <a:t>core interoperation path pv1-pv3-pv4-pn4, </a:t>
-            </a:r>
-            <a:r>
-              <a:rPr lang="en-CA" i="1" dirty="0" smtClean="0"/>
-              <a:t>e.g. abridged to one </a:t>
+              <a:t>(includes core interoperation path pv1-pv3-pv4-pn4, e.g. abridged to one </a:t>
             </a:r>
             <a:r>
               <a:rPr lang="en-CA" i="1" dirty="0"/>
@@ -8746,7 +8767,7 @@
         </p:nvSpPr>
         <p:spPr>
           <a:xfrm>
-            <a:off x="152400" y="1487760"/>
+            <a:off x="107504" y="1487760"/>
             <a:ext cx="9316144" cy="5181600"/>
           </a:xfrm>
         </p:spPr>
@@ -8779,15 +8800,7 @@
             </a:r>
             <a:r>
               <a:rPr lang="en-CA" dirty="0" smtClean="0"/>
-              <a:t>builds </a:t>
-            </a:r>
-            <a:r>
-              <a:rPr lang="en-CA" dirty="0" smtClean="0"/>
-              <a:t>on a </a:t>
-            </a:r>
-            <a:r>
-              <a:rPr lang="en-CA" dirty="0" smtClean="0"/>
-              <a:t>novel data systematics</a:t>
+              <a:t>builds on a novel data systematics</a:t>
             </a:r>
           </a:p>
           <a:p>
@@ -8798,19 +8811,7 @@
             </a:pPr>
             <a:r>
               <a:rPr lang="en-CA" dirty="0" smtClean="0"/>
-              <a:t>Slicing </a:t>
-            </a:r>
-            <a:r>
-              <a:rPr lang="en-CA" dirty="0" smtClean="0"/>
-              <a:t>and </a:t>
-            </a:r>
-            <a:r>
-              <a:rPr lang="en-CA" dirty="0" smtClean="0"/>
-              <a:t>dicing </a:t>
-            </a:r>
-            <a:r>
-              <a:rPr lang="en-CA" dirty="0" smtClean="0"/>
-              <a:t>the </a:t>
+              <a:t>Slicing and dicing the </a:t>
             </a:r>
             <a:r>
               <a:rPr lang="en-CA" i="1" dirty="0" smtClean="0"/>
@@ -8822,11 +8823,7 @@
             </a:r>
             <a:r>
               <a:rPr lang="en-CA" i="1" dirty="0" smtClean="0"/>
-              <a:t> </a:t>
-            </a:r>
-            <a:r>
-              <a:rPr lang="en-CA" i="1" dirty="0" smtClean="0"/>
-              <a:t>cube</a:t>
+              <a:t> cube</a:t>
             </a:r>
             <a:r>
               <a:rPr lang="en-CA" dirty="0" smtClean="0"/>
@@ -8891,7 +8888,7 @@
             </a:r>
             <a:r>
               <a:rPr lang="en-US" altLang="en-US" dirty="0" smtClean="0"/>
-              <a:t>/slotted, </a:t>
+              <a:t>/slotted/…, </a:t>
             </a:r>
             <a:r>
               <a:rPr lang="en-US" altLang="en-US" dirty="0" err="1" smtClean="0"/>
@@ -8899,7 +8896,11 @@
             </a:r>
             <a:r>
               <a:rPr lang="en-US" altLang="en-US" dirty="0" smtClean="0"/>
-              <a:t>/perspectival wedding atoms</a:t>
+              <a:t>/perspectival/… </a:t>
+            </a:r>
+            <a:r>
+              <a:rPr lang="en-US" altLang="en-US" dirty="0" smtClean="0"/>
+              <a:t>wedding atoms</a:t>
             </a:r>
           </a:p>
           <a:p>
@@ -8909,36 +8910,32 @@
               </a:lnSpc>
             </a:pPr>
             <a:r>
-              <a:rPr lang="en-US" altLang="en-US" dirty="0" smtClean="0"/>
-              <a:t>Illustrate all kinds of </a:t>
+              <a:rPr lang="en-US" altLang="en-US" dirty="0"/>
+              <a:t>Illustrate by </a:t>
             </a:r>
             <a:r>
               <a:rPr lang="en-US" altLang="en-US" dirty="0" err="1" smtClean="0">
                 <a:hlinkClick r:id="rId4"/>
               </a:rPr>
-              <a:t>PSOATransRun</a:t>
+              <a:t>Grailog</a:t>
             </a:r>
             <a:r>
               <a:rPr lang="en-US" altLang="en-US" dirty="0" smtClean="0"/>
-              <a:t>-realized</a:t>
+              <a:t> visualization </a:t>
             </a:r>
             <a:r>
               <a:rPr lang="en-US" altLang="en-US" dirty="0"/>
-              <a:t> </a:t>
-            </a:r>
-            <a:r>
-              <a:rPr lang="en-US" altLang="en-US" dirty="0" smtClean="0"/>
-              <a:t>atoms</a:t>
+              <a:t>all kinds of atoms</a:t>
             </a:r>
             <a:br>
-              <a:rPr lang="en-US" altLang="en-US" dirty="0" smtClean="0"/>
+              <a:rPr lang="en-US" altLang="en-US" dirty="0"/>
             </a:br>
             <a:r>
               <a:rPr lang="en-US" altLang="en-US" dirty="0"/>
               <a:t>in </a:t>
             </a:r>
             <a:r>
-              <a:rPr lang="en-CA" i="1" dirty="0" smtClean="0">
+              <a:rPr lang="en-CA" i="1" dirty="0">
                 <a:solidFill>
                   <a:schemeClr val="accent3">
                     <a:lumMod val="75000"/>
@@ -8953,21 +8950,17 @@
             </a:r>
             <a:r>
               <a:rPr lang="en-US" altLang="en-US" dirty="0" smtClean="0"/>
+              <a:t>realized </a:t>
+            </a:r>
+            <a:r>
+              <a:rPr lang="en-US" altLang="en-US" dirty="0"/>
               <a:t>by </a:t>
             </a:r>
             <a:r>
               <a:rPr lang="en-US" altLang="en-US" dirty="0" err="1">
                 <a:hlinkClick r:id="rId5"/>
               </a:rPr>
-              <a:t>Grailog</a:t>
-            </a:r>
-            <a:r>
-              <a:rPr lang="en-US" altLang="en-US" dirty="0"/>
-              <a:t> </a:t>
-            </a:r>
-            <a:r>
-              <a:rPr lang="en-US" altLang="en-US" dirty="0" smtClean="0"/>
-              <a:t>visualizations</a:t>
+              <a:t>PSOATransRun</a:t>
             </a:r>
             <a:endParaRPr lang="en-US" altLang="en-US" dirty="0" smtClean="0"/>
           </a:p>
@@ -8978,66 +8971,39 @@
               </a:lnSpc>
             </a:pPr>
             <a:r>
+              <a:rPr lang="en-CA" altLang="en-US" dirty="0"/>
+              <a:t>Informal syntax </a:t>
+            </a:r>
+            <a:r>
               <a:rPr lang="en-CA" altLang="en-US" dirty="0" smtClean="0"/>
-              <a:t>Informal </a:t>
+              <a:t>templates </a:t>
+            </a:r>
+            <a:r>
+              <a:rPr lang="en-CA" altLang="en-US" dirty="0"/>
+              <a:t>and </a:t>
             </a:r>
             <a:r>
               <a:rPr lang="en-CA" altLang="en-US" dirty="0" smtClean="0"/>
-              <a:t>template syntax</a:t>
-            </a:r>
-            <a:r>
-              <a:rPr lang="en-CA" altLang="en-US" dirty="0"/>
-              <a:t> and </a:t>
-            </a:r>
-            <a:r>
+              <a:t>English semantics</a:t>
+            </a:r>
+            <a:br>
               <a:rPr lang="en-CA" altLang="en-US" dirty="0" smtClean="0"/>
-              <a:t>English </a:t>
-            </a:r>
+            </a:br>
             <a:r>
               <a:rPr lang="en-CA" altLang="en-US" dirty="0" smtClean="0"/>
-              <a:t>semantics</a:t>
-            </a:r>
-            <a:r>
-              <a:rPr lang="en-CA" altLang="en-US" dirty="0"/>
-              <a:t/>
-            </a:r>
-            <a:br>
-              <a:rPr lang="en-CA" altLang="en-US" dirty="0"/>
-            </a:br>
-            <a:r>
-              <a:rPr lang="en-CA" altLang="en-US" dirty="0"/>
-              <a:t>(</a:t>
-            </a:r>
-            <a:r>
-              <a:rPr lang="en-CA" altLang="en-US" dirty="0" smtClean="0"/>
-              <a:t>formal  </a:t>
-            </a:r>
-            <a:r>
-              <a:rPr lang="en-CA" altLang="en-US" dirty="0"/>
-              <a:t>in </a:t>
-            </a:r>
-            <a:r>
-              <a:rPr lang="en-CA" altLang="en-US" sz="2400" dirty="0" err="1">
+              <a:t>(formal  in </a:t>
+            </a:r>
+            <a:r>
+              <a:rPr lang="en-CA" altLang="en-US" sz="2400" dirty="0" err="1" smtClean="0">
                 <a:hlinkClick r:id="rId3"/>
               </a:rPr>
               <a:t>PSOAPerspectivalKnowledge</a:t>
             </a:r>
             <a:r>
-              <a:rPr lang="en-CA" altLang="en-US" dirty="0"/>
-              <a:t>, </a:t>
-            </a:r>
-            <a:r>
               <a:rPr lang="en-CA" altLang="en-US" dirty="0" smtClean="0"/>
-              <a:t>Sections 4</a:t>
-            </a:r>
-            <a:r>
-              <a:rPr lang="en-CA" altLang="en-US" dirty="0"/>
-              <a:t> and </a:t>
-            </a:r>
-            <a:r>
-              <a:rPr lang="en-CA" altLang="en-US" dirty="0" smtClean="0"/>
-              <a:t>5)</a:t>
-            </a:r>
+              <a:t>, Sections 4 and 5)</a:t>
+            </a:r>
+            <a:endParaRPr lang="en-CA" altLang="en-US" dirty="0" smtClean="0"/>
           </a:p>
         </p:txBody>
       </p:sp>
@@ -10049,16 +10015,48 @@
               <a:buChar char="•"/>
             </a:pPr>
             <a:r>
+              <a:rPr lang="en-CA" dirty="0"/>
+              <a:t>6 </a:t>
+            </a:r>
+            <a:r>
+              <a:rPr lang="en-CA" dirty="0" err="1"/>
+              <a:t>tupled+slotted</a:t>
+            </a:r>
+            <a:r>
+              <a:rPr lang="en-CA" dirty="0"/>
+              <a:t> units (</a:t>
+            </a:r>
+            <a:r>
+              <a:rPr lang="en-CA" i="1" dirty="0"/>
+              <a:t>x</a:t>
+            </a:r>
+            <a:r>
+              <a:rPr lang="en-CA" dirty="0"/>
+              <a:t>=</a:t>
+            </a:r>
+            <a:r>
+              <a:rPr lang="en-CA" dirty="0" err="1"/>
+              <a:t>n,v,p</a:t>
+            </a:r>
+            <a:r>
+              <a:rPr lang="en-CA" dirty="0"/>
+              <a:t>; </a:t>
+            </a:r>
+            <a:r>
+              <a:rPr lang="en-CA" i="1" dirty="0"/>
+              <a:t>i</a:t>
+            </a:r>
+            <a:r>
+              <a:rPr lang="en-CA" dirty="0"/>
+              <a:t>=5,6) </a:t>
+            </a:r>
+            <a:r>
               <a:rPr lang="en-CA" dirty="0" smtClean="0"/>
-              <a:t>6 </a:t>
-            </a:r>
-            <a:r>
-              <a:rPr lang="en-CA" dirty="0" err="1" smtClean="0"/>
-              <a:t>tupled</a:t>
+              <a:t>vs</a:t>
             </a:r>
             <a:r>
               <a:rPr lang="en-CA" dirty="0" smtClean="0"/>
-              <a:t> units (</a:t>
+              <a:t>. 6 slotted units (</a:t>
             </a:r>
             <a:r>
               <a:rPr lang="en-CA" i="1" dirty="0" smtClean="0"/>
@@ -10082,31 +10080,15 @@
             </a:r>
             <a:r>
               <a:rPr lang="en-CA" dirty="0" smtClean="0"/>
-              <a:t>=1,2) vs. 6 slotted units (</a:t>
-            </a:r>
-            <a:r>
-              <a:rPr lang="en-CA" i="1" dirty="0" smtClean="0"/>
-              <a:t>x</a:t>
+              <a:t>=3,4) </a:t>
             </a:r>
             <a:r>
               <a:rPr lang="en-CA" dirty="0" smtClean="0"/>
-              <a:t>=</a:t>
-            </a:r>
-            <a:r>
-              <a:rPr lang="en-CA" dirty="0" err="1" smtClean="0"/>
-              <a:t>n,v,p</a:t>
+              <a:t>vs</a:t>
             </a:r>
             <a:r>
               <a:rPr lang="en-CA" dirty="0" smtClean="0"/>
-              <a:t>; </a:t>
-            </a:r>
-            <a:r>
-              <a:rPr lang="en-CA" i="1" dirty="0" smtClean="0"/>
-              <a:t>i</a:t>
-            </a:r>
-            <a:r>
-              <a:rPr lang="en-CA" dirty="0" smtClean="0"/>
-              <a:t>=3,4) vs.</a:t>
+              <a:t>.</a:t>
             </a:r>
             <a:br>
               <a:rPr lang="en-CA" dirty="0" smtClean="0"/>
@@ -10116,37 +10098,42 @@
               <a:t>6 </a:t>
             </a:r>
             <a:r>
-              <a:rPr lang="en-CA" dirty="0" err="1" smtClean="0"/>
-              <a:t>tupled+slotted</a:t>
+              <a:rPr lang="en-CA" dirty="0" err="1"/>
+              <a:t>tupled</a:t>
+            </a:r>
+            <a:r>
+              <a:rPr lang="en-CA" dirty="0"/>
+              <a:t> units (</a:t>
+            </a:r>
+            <a:r>
+              <a:rPr lang="en-CA" i="1" dirty="0"/>
+              <a:t>x</a:t>
+            </a:r>
+            <a:r>
+              <a:rPr lang="en-CA" dirty="0"/>
+              <a:t>=</a:t>
+            </a:r>
+            <a:r>
+              <a:rPr lang="en-CA" dirty="0" err="1"/>
+              <a:t>n,v,p</a:t>
+            </a:r>
+            <a:r>
+              <a:rPr lang="en-CA" dirty="0"/>
+              <a:t>; </a:t>
+            </a:r>
+            <a:r>
+              <a:rPr lang="en-CA" i="1" dirty="0"/>
+              <a:t>i</a:t>
+            </a:r>
+            <a:r>
+              <a:rPr lang="en-CA" dirty="0"/>
+              <a:t>=1,2</a:t>
             </a:r>
             <a:r>
               <a:rPr lang="en-CA" dirty="0" smtClean="0"/>
-              <a:t> units (</a:t>
-            </a:r>
-            <a:r>
-              <a:rPr lang="en-CA" i="1" dirty="0" smtClean="0"/>
-              <a:t>x</a:t>
-            </a:r>
-            <a:r>
-              <a:rPr lang="en-CA" dirty="0" smtClean="0"/>
-              <a:t>=</a:t>
-            </a:r>
-            <a:r>
-              <a:rPr lang="en-CA" dirty="0" err="1" smtClean="0"/>
-              <a:t>n,v,p</a:t>
-            </a:r>
-            <a:r>
-              <a:rPr lang="en-CA" dirty="0" smtClean="0"/>
-              <a:t>; </a:t>
-            </a:r>
-            <a:r>
-              <a:rPr lang="en-CA" i="1" dirty="0" smtClean="0"/>
-              <a:t>i</a:t>
-            </a:r>
-            <a:r>
-              <a:rPr lang="en-CA" dirty="0" smtClean="0"/>
-              <a:t>=5,6)</a:t>
-            </a:r>
+              <a:t>)</a:t>
+            </a:r>
+            <a:endParaRPr lang="en-CA" dirty="0" smtClean="0"/>
           </a:p>
           <a:p>
             <a:pPr marL="285750" indent="-285750">
@@ -10279,6 +10266,42 @@
               <a:buChar char="•"/>
             </a:pPr>
             <a:r>
+              <a:rPr lang="en-CA" dirty="0"/>
+              <a:t>9 </a:t>
+            </a:r>
+            <a:r>
+              <a:rPr lang="en-CA" dirty="0" err="1"/>
+              <a:t>oidful</a:t>
+            </a:r>
+            <a:r>
+              <a:rPr lang="en-CA" dirty="0"/>
+              <a:t> units (</a:t>
+            </a:r>
+            <a:r>
+              <a:rPr lang="en-CA" i="1" dirty="0"/>
+              <a:t>x</a:t>
+            </a:r>
+            <a:r>
+              <a:rPr lang="en-CA" dirty="0"/>
+              <a:t>=</a:t>
+            </a:r>
+            <a:r>
+              <a:rPr lang="en-CA" dirty="0" err="1"/>
+              <a:t>n,v,p</a:t>
+            </a:r>
+            <a:r>
+              <a:rPr lang="en-CA" dirty="0"/>
+              <a:t>; </a:t>
+            </a:r>
+            <a:r>
+              <a:rPr lang="en-CA" i="1" dirty="0"/>
+              <a:t>i</a:t>
+            </a:r>
+            <a:r>
+              <a:rPr lang="en-CA" dirty="0"/>
+              <a:t>=2,4,6) vs. </a:t>
+            </a:r>
+            <a:r>
               <a:rPr lang="en-CA" dirty="0" smtClean="0"/>
               <a:t>9 </a:t>
             </a:r>
@@ -10320,48 +10343,13 @@
             </a:r>
             <a:r>
               <a:rPr lang="en-CA" dirty="0"/>
-              <a:t>=1,3,5) vs. 9 </a:t>
-            </a:r>
-            <a:r>
-              <a:rPr lang="en-CA" dirty="0" err="1"/>
-              <a:t>oidful</a:t>
-            </a:r>
-            <a:r>
-              <a:rPr lang="en-CA" dirty="0"/>
-              <a:t> </a:t>
+              <a:t>=1,3,5</a:t>
             </a:r>
             <a:r>
               <a:rPr lang="en-CA" dirty="0" smtClean="0"/>
-              <a:t>units </a:t>
-            </a:r>
-            <a:r>
-              <a:rPr lang="en-CA" dirty="0"/>
-              <a:t>(</a:t>
-            </a:r>
-            <a:r>
-              <a:rPr lang="en-CA" i="1" dirty="0"/>
-              <a:t>x</a:t>
-            </a:r>
-            <a:r>
-              <a:rPr lang="en-CA" dirty="0"/>
-              <a:t>=</a:t>
-            </a:r>
-            <a:r>
-              <a:rPr lang="en-CA" dirty="0" err="1"/>
-              <a:t>n,v,p</a:t>
-            </a:r>
-            <a:r>
-              <a:rPr lang="en-CA" dirty="0"/>
-              <a:t>; </a:t>
-            </a:r>
-            <a:r>
-              <a:rPr lang="en-CA" i="1" dirty="0"/>
-              <a:t>i</a:t>
-            </a:r>
-            <a:r>
-              <a:rPr lang="en-CA" dirty="0"/>
-              <a:t>=2,4,6)</a:t>
-            </a:r>
+              <a:t>)</a:t>
+            </a:r>
+            <a:endParaRPr lang="en-CA" dirty="0"/>
           </a:p>
           <a:p>
             <a:endParaRPr lang="en-CA" dirty="0"/>

--- a/talks/PSOAMetamodelGrailogWedding.pptx
+++ b/talks/PSOAMetamodelGrailogWedding.pptx
@@ -207,7 +207,7 @@
           <a:p>
             <a:fld id="{A9361764-17DB-4EFB-8397-31D7F8C11F64}" type="datetimeFigureOut">
               <a:rPr lang="en-CA" smtClean="0"/>
-              <a:t>2018-07-13</a:t>
+              <a:t>2018-12-26</a:t>
             </a:fld>
             <a:endParaRPr lang="en-CA"/>
           </a:p>
@@ -656,7 +656,7 @@
           <a:p>
             <a:fld id="{098EC68B-E961-416A-B655-846E5AC17167}" type="datetime1">
               <a:rPr lang="en-CA" smtClean="0"/>
-              <a:t>2018-07-13</a:t>
+              <a:t>2018-12-26</a:t>
             </a:fld>
             <a:endParaRPr lang="en-CA"/>
           </a:p>
@@ -826,7 +826,7 @@
           <a:p>
             <a:fld id="{E07626B9-A935-446E-9129-38D11AE25D60}" type="datetime1">
               <a:rPr lang="en-CA" smtClean="0"/>
-              <a:t>2018-07-13</a:t>
+              <a:t>2018-12-26</a:t>
             </a:fld>
             <a:endParaRPr lang="en-CA"/>
           </a:p>
@@ -1006,7 +1006,7 @@
           <a:p>
             <a:fld id="{583703F1-3B6D-46EB-A76E-6949744F47DE}" type="datetime1">
               <a:rPr lang="en-CA" smtClean="0"/>
-              <a:t>2018-07-13</a:t>
+              <a:t>2018-12-26</a:t>
             </a:fld>
             <a:endParaRPr lang="en-CA"/>
           </a:p>
@@ -1176,7 +1176,7 @@
           <a:p>
             <a:fld id="{31DB09E8-757E-43EB-812C-57B263F18654}" type="datetime1">
               <a:rPr lang="en-CA" smtClean="0"/>
-              <a:t>2018-07-13</a:t>
+              <a:t>2018-12-26</a:t>
             </a:fld>
             <a:endParaRPr lang="en-CA"/>
           </a:p>
@@ -1422,7 +1422,7 @@
           <a:p>
             <a:fld id="{D5E95CC2-566E-4FAB-B06E-7F3B62A5E53C}" type="datetime1">
               <a:rPr lang="en-CA" smtClean="0"/>
-              <a:t>2018-07-13</a:t>
+              <a:t>2018-12-26</a:t>
             </a:fld>
             <a:endParaRPr lang="en-CA"/>
           </a:p>
@@ -1710,7 +1710,7 @@
           <a:p>
             <a:fld id="{95A43E41-714C-4DD9-B56F-86957FFB7A45}" type="datetime1">
               <a:rPr lang="en-CA" smtClean="0"/>
-              <a:t>2018-07-13</a:t>
+              <a:t>2018-12-26</a:t>
             </a:fld>
             <a:endParaRPr lang="en-CA"/>
           </a:p>
@@ -2132,7 +2132,7 @@
           <a:p>
             <a:fld id="{B925E3A5-2D59-44BA-AF6A-9E991D55C46C}" type="datetime1">
               <a:rPr lang="en-CA" smtClean="0"/>
-              <a:t>2018-07-13</a:t>
+              <a:t>2018-12-26</a:t>
             </a:fld>
             <a:endParaRPr lang="en-CA"/>
           </a:p>
@@ -2250,7 +2250,7 @@
           <a:p>
             <a:fld id="{3BD2D63C-9D26-48F9-B4BD-FA63389DE780}" type="datetime1">
               <a:rPr lang="en-CA" smtClean="0"/>
-              <a:t>2018-07-13</a:t>
+              <a:t>2018-12-26</a:t>
             </a:fld>
             <a:endParaRPr lang="en-CA"/>
           </a:p>
@@ -2345,7 +2345,7 @@
           <a:p>
             <a:fld id="{B4260FF7-0F9A-4441-BC4E-F8AA61FD7668}" type="datetime1">
               <a:rPr lang="en-CA" smtClean="0"/>
-              <a:t>2018-07-13</a:t>
+              <a:t>2018-12-26</a:t>
             </a:fld>
             <a:endParaRPr lang="en-CA"/>
           </a:p>
@@ -2622,7 +2622,7 @@
           <a:p>
             <a:fld id="{3B3FDE74-6DB8-45D8-A7CA-E1F60E0D837E}" type="datetime1">
               <a:rPr lang="en-CA" smtClean="0"/>
-              <a:t>2018-07-13</a:t>
+              <a:t>2018-12-26</a:t>
             </a:fld>
             <a:endParaRPr lang="en-CA"/>
           </a:p>
@@ -2875,7 +2875,7 @@
           <a:p>
             <a:fld id="{EFE21605-BC5B-4039-9D4B-D94AAA01DF2D}" type="datetime1">
               <a:rPr lang="en-CA" smtClean="0"/>
-              <a:t>2018-07-13</a:t>
+              <a:t>2018-12-26</a:t>
             </a:fld>
             <a:endParaRPr lang="en-CA"/>
           </a:p>
@@ -3088,7 +3088,7 @@
           <a:p>
             <a:fld id="{3C39659D-CCE5-4A05-8094-1E79A9359DD5}" type="datetime1">
               <a:rPr lang="en-CA" smtClean="0"/>
-              <a:t>2018-07-13</a:t>
+              <a:t>2018-12-26</a:t>
             </a:fld>
             <a:endParaRPr lang="en-CA"/>
           </a:p>
@@ -3476,7 +3476,7 @@
         </p:nvSpPr>
         <p:spPr>
           <a:xfrm>
-            <a:off x="251048" y="836712"/>
+            <a:off x="251048" y="476672"/>
             <a:ext cx="8610600" cy="5112568"/>
           </a:xfrm>
         </p:spPr>
@@ -3524,11 +3524,7 @@
             </a:r>
             <a:r>
               <a:rPr lang="en-CA" sz="4800" dirty="0" smtClean="0"/>
-              <a:t> </a:t>
-            </a:r>
-            <a:r>
-              <a:rPr lang="en-CA" sz="4800" dirty="0" smtClean="0"/>
-              <a:t>Illustrated </a:t>
+              <a:t> Illustrated </a:t>
             </a:r>
             <a:r>
               <a:rPr lang="en-CA" sz="4800" dirty="0"/>
@@ -3582,18 +3578,11 @@
               <a:rPr lang="en-US" sz="2000" dirty="0" smtClean="0"/>
             </a:br>
             <a:r>
-              <a:rPr lang="en-US" sz="2000" dirty="0"/>
+              <a:rPr lang="en-US" sz="1000" dirty="0"/>
               <a:t/>
             </a:r>
             <a:br>
-              <a:rPr lang="en-US" sz="2000" dirty="0"/>
-            </a:br>
-            <a:r>
-              <a:rPr lang="en-US" sz="2000" dirty="0" smtClean="0"/>
-              <a:t/>
-            </a:r>
-            <a:br>
-              <a:rPr lang="en-US" sz="2000" dirty="0" smtClean="0"/>
+              <a:rPr lang="en-US" sz="1000" dirty="0"/>
             </a:br>
             <a:r>
               <a:rPr lang="en-US" sz="1000" dirty="0" smtClean="0"/>
@@ -3601,6 +3590,13 @@
             </a:r>
             <a:br>
               <a:rPr lang="en-US" sz="1000" dirty="0" smtClean="0"/>
+            </a:br>
+            <a:r>
+              <a:rPr lang="en-US" sz="700" dirty="0" smtClean="0"/>
+              <a:t/>
+            </a:r>
+            <a:br>
+              <a:rPr lang="en-US" sz="700" dirty="0" smtClean="0"/>
             </a:br>
             <a:r>
               <a:rPr lang="en-US" sz="3200" dirty="0" smtClean="0">
@@ -3714,8 +3710,8 @@
         </p:nvSpPr>
         <p:spPr>
           <a:xfrm>
-            <a:off x="289148" y="6237312"/>
-            <a:ext cx="8534400" cy="297160"/>
+            <a:off x="289148" y="5949280"/>
+            <a:ext cx="8534400" cy="620688"/>
           </a:xfrm>
         </p:spPr>
         <p:txBody>
@@ -3737,6 +3733,25 @@
               <a:rPr lang="en-US" sz="1800" dirty="0" smtClean="0"/>
               <a:t>2018</a:t>
             </a:r>
+          </a:p>
+          <a:p>
+            <a:pPr>
+              <a:lnSpc>
+                <a:spcPct val="90000"/>
+              </a:lnSpc>
+            </a:pPr>
+            <a:r>
+              <a:rPr lang="en-US" sz="1800" dirty="0"/>
+              <a:t>Update: Dec. 26, 2018</a:t>
+            </a:r>
+          </a:p>
+          <a:p>
+            <a:pPr>
+              <a:lnSpc>
+                <a:spcPct val="90000"/>
+              </a:lnSpc>
+            </a:pPr>
+            <a:endParaRPr lang="en-US" sz="1800" dirty="0" smtClean="0"/>
           </a:p>
           <a:p>
             <a:pPr>
@@ -3764,7 +3779,7 @@
         </p:nvSpPr>
         <p:spPr>
           <a:xfrm>
-            <a:off x="127856" y="3543399"/>
+            <a:off x="127856" y="3284984"/>
             <a:ext cx="8856984" cy="461665"/>
           </a:xfrm>
           <a:prstGeom prst="rect">
@@ -3933,8 +3948,8 @@
         </p:nvSpPr>
         <p:spPr>
           <a:xfrm>
-            <a:off x="971600" y="1835532"/>
-            <a:ext cx="545342" cy="369332"/>
+            <a:off x="971600" y="1772816"/>
+            <a:ext cx="1819729" cy="646331"/>
           </a:xfrm>
           <a:prstGeom prst="rect">
             <a:avLst/>
@@ -3948,8 +3963,14 @@
           <a:lstStyle/>
           <a:p>
             <a:r>
-              <a:rPr lang="en-CA" dirty="0" smtClean="0"/>
-              <a:t>pn1</a:t>
+              <a:rPr lang="en-CA" dirty="0"/>
+              <a:t>pn1. single-tuple:</a:t>
+            </a:r>
+          </a:p>
+          <a:p>
+            <a:r>
+              <a:rPr lang="en-CA" dirty="0" err="1" smtClean="0"/>
+              <a:t>shelfships</a:t>
             </a:r>
             <a:endParaRPr lang="en-CA" dirty="0"/>
           </a:p>
@@ -3964,7 +3985,7 @@
         <p:spPr>
           <a:xfrm>
             <a:off x="971600" y="5805264"/>
-            <a:ext cx="1319336" cy="369332"/>
+            <a:ext cx="1823769" cy="369332"/>
           </a:xfrm>
           <a:prstGeom prst="rect">
             <a:avLst/>
@@ -3982,8 +4003,8 @@
               <a:t>pn4: </a:t>
             </a:r>
             <a:r>
-              <a:rPr lang="en-CA" b="1" dirty="0"/>
-              <a:t>frames</a:t>
+              <a:rPr lang="en-CA" b="1" dirty="0" err="1"/>
+              <a:t>framepoints</a:t>
             </a:r>
             <a:endParaRPr lang="en-CA" dirty="0"/>
           </a:p>
@@ -3998,7 +4019,7 @@
         <p:spPr>
           <a:xfrm>
             <a:off x="971600" y="4355812"/>
-            <a:ext cx="545342" cy="369332"/>
+            <a:ext cx="1687193" cy="369332"/>
           </a:xfrm>
           <a:prstGeom prst="rect">
             <a:avLst/>
@@ -4013,7 +4034,11 @@
           <a:p>
             <a:r>
               <a:rPr lang="en-CA" dirty="0" smtClean="0"/>
-              <a:t>pn3</a:t>
+              <a:t>pn3: </a:t>
+            </a:r>
+            <a:r>
+              <a:rPr lang="en-CA" dirty="0" err="1"/>
+              <a:t>frameships</a:t>
             </a:r>
             <a:endParaRPr lang="en-CA" dirty="0"/>
           </a:p>
@@ -4052,8 +4077,8 @@
           </a:p>
           <a:p>
             <a:r>
-              <a:rPr lang="en-CA" dirty="0" smtClean="0"/>
-              <a:t>shelves</a:t>
+              <a:rPr lang="en-CA" dirty="0" err="1"/>
+              <a:t>shelfpoints</a:t>
             </a:r>
             <a:endParaRPr lang="en-CA" dirty="0"/>
           </a:p>
@@ -4164,7 +4189,7 @@
         </p:nvSpPr>
         <p:spPr>
           <a:xfrm>
-            <a:off x="971600" y="2306753"/>
+            <a:off x="971600" y="2401143"/>
             <a:ext cx="1643399" cy="307777"/>
           </a:xfrm>
           <a:prstGeom prst="rect">
@@ -4944,7 +4969,7 @@
         <p:spPr>
           <a:xfrm>
             <a:off x="971600" y="1837273"/>
-            <a:ext cx="545342" cy="369332"/>
+            <a:ext cx="1819729" cy="646331"/>
           </a:xfrm>
           <a:prstGeom prst="rect">
             <a:avLst/>
@@ -4958,8 +4983,18 @@
           <a:lstStyle/>
           <a:p>
             <a:r>
+              <a:rPr lang="en-CA" dirty="0"/>
+              <a:t>pn5. </a:t>
+            </a:r>
+            <a:r>
               <a:rPr lang="en-CA" dirty="0" smtClean="0"/>
-              <a:t>pn5</a:t>
+              <a:t>single-tuple:</a:t>
+            </a:r>
+          </a:p>
+          <a:p>
+            <a:r>
+              <a:rPr lang="en-CA" dirty="0" err="1" smtClean="0"/>
+              <a:t>shelframeships</a:t>
             </a:r>
             <a:endParaRPr lang="en-CA" dirty="0"/>
           </a:p>
@@ -4995,7 +5030,7 @@
           <a:p>
             <a:r>
               <a:rPr lang="en-CA" dirty="0" err="1"/>
-              <a:t>shelframes</a:t>
+              <a:t>shelframepoints</a:t>
             </a:r>
             <a:endParaRPr lang="en-CA" dirty="0"/>
           </a:p>
@@ -5188,7 +5223,7 @@
         </p:nvSpPr>
         <p:spPr>
           <a:xfrm>
-            <a:off x="971600" y="2473151"/>
+            <a:off x="971600" y="2545159"/>
             <a:ext cx="2619628" cy="307777"/>
           </a:xfrm>
           <a:prstGeom prst="rect">
@@ -5516,7 +5551,7 @@
         <p:spPr>
           <a:xfrm>
             <a:off x="971600" y="5805264"/>
-            <a:ext cx="526554" cy="369332"/>
+            <a:ext cx="1643335" cy="369332"/>
           </a:xfrm>
           <a:prstGeom prst="rect">
             <a:avLst/>
@@ -5531,7 +5566,11 @@
           <a:p>
             <a:r>
               <a:rPr lang="en-CA" dirty="0" smtClean="0"/>
-              <a:t>pv4</a:t>
+              <a:t>pv4: </a:t>
+            </a:r>
+            <a:r>
+              <a:rPr lang="en-CA" dirty="0" err="1" smtClean="0"/>
+              <a:t>pairpoints</a:t>
             </a:r>
             <a:endParaRPr lang="en-CA" dirty="0"/>
           </a:p>
@@ -5545,8 +5584,8 @@
         </p:nvSpPr>
         <p:spPr>
           <a:xfrm>
-            <a:off x="971600" y="2924944"/>
-            <a:ext cx="526554" cy="369332"/>
+            <a:off x="971600" y="2852936"/>
+            <a:ext cx="1800942" cy="646331"/>
           </a:xfrm>
           <a:prstGeom prst="rect">
             <a:avLst/>
@@ -5560,8 +5599,14 @@
           <a:lstStyle/>
           <a:p>
             <a:r>
-              <a:rPr lang="en-CA" dirty="0" smtClean="0"/>
-              <a:t>pv2</a:t>
+              <a:rPr lang="en-CA" dirty="0"/>
+              <a:t>pv2. single-tuple:</a:t>
+            </a:r>
+          </a:p>
+          <a:p>
+            <a:r>
+              <a:rPr lang="en-CA" dirty="0" err="1" smtClean="0"/>
+              <a:t>relationpoints</a:t>
             </a:r>
             <a:endParaRPr lang="en-CA" dirty="0"/>
           </a:p>
@@ -5998,7 +6043,7 @@
         </p:nvSpPr>
         <p:spPr>
           <a:xfrm>
-            <a:off x="971600" y="3378926"/>
+            <a:off x="971600" y="3522942"/>
             <a:ext cx="1898277" cy="307777"/>
           </a:xfrm>
           <a:prstGeom prst="rect">
@@ -6069,7 +6114,7 @@
         </p:nvSpPr>
         <p:spPr>
           <a:xfrm>
-            <a:off x="971600" y="3697287"/>
+            <a:off x="971600" y="3841303"/>
             <a:ext cx="2105063" cy="307777"/>
           </a:xfrm>
           <a:prstGeom prst="rect">
@@ -6456,8 +6501,8 @@
         </p:nvSpPr>
         <p:spPr>
           <a:xfrm>
-            <a:off x="971600" y="3625279"/>
-            <a:ext cx="526554" cy="369332"/>
+            <a:off x="971600" y="3573016"/>
+            <a:ext cx="1800942" cy="646331"/>
           </a:xfrm>
           <a:prstGeom prst="rect">
             <a:avLst/>
@@ -6471,8 +6516,18 @@
           <a:lstStyle/>
           <a:p>
             <a:r>
+              <a:rPr lang="en-CA" dirty="0"/>
+              <a:t>pv6. </a:t>
+            </a:r>
+            <a:r>
               <a:rPr lang="en-CA" dirty="0" smtClean="0"/>
-              <a:t>pv6</a:t>
+              <a:t>single-tuple:</a:t>
+            </a:r>
+          </a:p>
+          <a:p>
+            <a:r>
+              <a:rPr lang="en-CA" dirty="0" err="1" smtClean="0"/>
+              <a:t>relpairpoints</a:t>
             </a:r>
             <a:endParaRPr lang="en-CA" dirty="0"/>
           </a:p>
@@ -8400,11 +8455,7 @@
             </a:r>
             <a:r>
               <a:rPr lang="en-CA" dirty="0" smtClean="0"/>
-              <a:t>cube </a:t>
-            </a:r>
-            <a:r>
-              <a:rPr lang="en-CA" dirty="0" smtClean="0"/>
-              <a:t>visualized (dynamically by </a:t>
+              <a:t>cube visualized (dynamically by </a:t>
             </a:r>
             <a:r>
               <a:rPr lang="en-CA" dirty="0" err="1" smtClean="0">
@@ -8477,11 +8528,7 @@
             </a:r>
             <a:r>
               <a:rPr lang="en-US" altLang="en-US" dirty="0" smtClean="0"/>
-              <a:t>acts </a:t>
-            </a:r>
-            <a:r>
-              <a:rPr lang="en-US" altLang="en-US" dirty="0" smtClean="0"/>
-              <a:t>complemented </a:t>
+              <a:t>acts complemented </a:t>
             </a:r>
             <a:r>
               <a:rPr lang="en-US" altLang="en-US" dirty="0"/>
@@ -8896,11 +8943,7 @@
             </a:r>
             <a:r>
               <a:rPr lang="en-US" altLang="en-US" dirty="0" smtClean="0"/>
-              <a:t>/perspectival/… </a:t>
-            </a:r>
-            <a:r>
-              <a:rPr lang="en-US" altLang="en-US" dirty="0" smtClean="0"/>
-              <a:t>wedding atoms</a:t>
+              <a:t>/perspectival/… wedding atoms</a:t>
             </a:r>
           </a:p>
           <a:p>
@@ -8946,11 +8989,7 @@
             </a:r>
             <a:r>
               <a:rPr lang="en-US" altLang="en-US" dirty="0" smtClean="0"/>
-              <a:t> </a:t>
-            </a:r>
-            <a:r>
-              <a:rPr lang="en-US" altLang="en-US" dirty="0" smtClean="0"/>
-              <a:t>realized </a:t>
+              <a:t> realized </a:t>
             </a:r>
             <a:r>
               <a:rPr lang="en-US" altLang="en-US" dirty="0"/>
@@ -9003,7 +9042,6 @@
               <a:rPr lang="en-CA" altLang="en-US" dirty="0" smtClean="0"/>
               <a:t>, Sections 4 and 5)</a:t>
             </a:r>
-            <a:endParaRPr lang="en-CA" altLang="en-US" dirty="0" smtClean="0"/>
           </a:p>
         </p:txBody>
       </p:sp>
@@ -9784,12 +9822,12 @@
               <a:t>Each includes a prominent unit: </a:t>
             </a:r>
             <a:r>
-              <a:rPr lang="en-CA" b="1" i="1" dirty="0" smtClean="0">
+              <a:rPr lang="en-CA" b="1" i="1" dirty="0" err="1">
                 <a:solidFill>
                   <a:srgbClr val="002060"/>
                 </a:solidFill>
               </a:rPr>
-              <a:t>frame</a:t>
+              <a:t>framepoint</a:t>
             </a:r>
             <a:r>
               <a:rPr lang="en-CA" dirty="0" smtClean="0">
@@ -10052,11 +10090,7 @@
             </a:r>
             <a:r>
               <a:rPr lang="en-CA" dirty="0" smtClean="0"/>
-              <a:t>vs</a:t>
-            </a:r>
-            <a:r>
-              <a:rPr lang="en-CA" dirty="0" smtClean="0"/>
-              <a:t>. 6 slotted units (</a:t>
+              <a:t>vs. 6 slotted units (</a:t>
             </a:r>
             <a:r>
               <a:rPr lang="en-CA" i="1" dirty="0" smtClean="0"/>
@@ -10080,15 +10114,7 @@
             </a:r>
             <a:r>
               <a:rPr lang="en-CA" dirty="0" smtClean="0"/>
-              <a:t>=3,4) </a:t>
-            </a:r>
-            <a:r>
-              <a:rPr lang="en-CA" dirty="0" smtClean="0"/>
-              <a:t>vs</a:t>
-            </a:r>
-            <a:r>
-              <a:rPr lang="en-CA" dirty="0" smtClean="0"/>
-              <a:t>.</a:t>
+              <a:t>=3,4) vs.</a:t>
             </a:r>
             <a:br>
               <a:rPr lang="en-CA" dirty="0" smtClean="0"/>
@@ -10133,7 +10159,6 @@
               <a:rPr lang="en-CA" dirty="0" smtClean="0"/>
               <a:t>)</a:t>
             </a:r>
-            <a:endParaRPr lang="en-CA" dirty="0" smtClean="0"/>
           </a:p>
           <a:p>
             <a:pPr marL="285750" indent="-285750">
@@ -13332,8 +13357,8 @@
         </p:nvSpPr>
         <p:spPr>
           <a:xfrm>
-            <a:off x="971600" y="1835532"/>
-            <a:ext cx="545342" cy="369332"/>
+            <a:off x="971600" y="1700808"/>
+            <a:ext cx="1819729" cy="646331"/>
           </a:xfrm>
           <a:prstGeom prst="rect">
             <a:avLst/>
@@ -13347,8 +13372,14 @@
           <a:lstStyle/>
           <a:p>
             <a:r>
-              <a:rPr lang="en-CA" dirty="0" smtClean="0"/>
-              <a:t>pn1</a:t>
+              <a:rPr lang="en-CA" dirty="0"/>
+              <a:t>pn1. single-tuple:</a:t>
+            </a:r>
+          </a:p>
+          <a:p>
+            <a:r>
+              <a:rPr lang="en-CA" dirty="0" err="1" smtClean="0"/>
+              <a:t>shelfships</a:t>
             </a:r>
             <a:endParaRPr lang="en-CA" dirty="0"/>
           </a:p>
@@ -13363,7 +13394,7 @@
         <p:spPr>
           <a:xfrm>
             <a:off x="971600" y="5976600"/>
-            <a:ext cx="1319336" cy="369332"/>
+            <a:ext cx="1823769" cy="369332"/>
           </a:xfrm>
           <a:prstGeom prst="rect">
             <a:avLst/>
@@ -13381,8 +13412,8 @@
               <a:t>pn4: </a:t>
             </a:r>
             <a:r>
-              <a:rPr lang="en-CA" b="1" dirty="0"/>
-              <a:t>frames</a:t>
+              <a:rPr lang="en-CA" b="1" dirty="0" err="1" smtClean="0"/>
+              <a:t>framepoints</a:t>
             </a:r>
             <a:endParaRPr lang="en-CA" dirty="0"/>
           </a:p>
@@ -13397,7 +13428,7 @@
         <p:spPr>
           <a:xfrm>
             <a:off x="971600" y="4355812"/>
-            <a:ext cx="545342" cy="369332"/>
+            <a:ext cx="1687193" cy="369332"/>
           </a:xfrm>
           <a:prstGeom prst="rect">
             <a:avLst/>
@@ -13411,8 +13442,12 @@
           <a:lstStyle/>
           <a:p>
             <a:r>
-              <a:rPr lang="en-CA" dirty="0" smtClean="0"/>
-              <a:t>pn3</a:t>
+              <a:rPr lang="en-CA" dirty="0"/>
+              <a:t>pn3. </a:t>
+            </a:r>
+            <a:r>
+              <a:rPr lang="en-CA" dirty="0" err="1"/>
+              <a:t>frameships</a:t>
             </a:r>
             <a:endParaRPr lang="en-CA" dirty="0"/>
           </a:p>
@@ -14692,8 +14727,8 @@
           </a:p>
           <a:p>
             <a:r>
-              <a:rPr lang="en-CA" dirty="0" smtClean="0"/>
-              <a:t>shelves</a:t>
+              <a:rPr lang="en-CA" dirty="0" err="1"/>
+              <a:t>shelfpoints</a:t>
             </a:r>
             <a:endParaRPr lang="en-CA" dirty="0"/>
           </a:p>
@@ -16382,7 +16417,7 @@
         </p:nvSpPr>
         <p:spPr>
           <a:xfrm>
-            <a:off x="971600" y="2306753"/>
+            <a:off x="971600" y="2348880"/>
             <a:ext cx="1878143" cy="307777"/>
           </a:xfrm>
           <a:prstGeom prst="rect">
@@ -16832,7 +16867,7 @@
         <p:spPr>
           <a:xfrm>
             <a:off x="971600" y="1837273"/>
-            <a:ext cx="545342" cy="369332"/>
+            <a:ext cx="1819729" cy="646331"/>
           </a:xfrm>
           <a:prstGeom prst="rect">
             <a:avLst/>
@@ -16846,8 +16881,18 @@
           <a:lstStyle/>
           <a:p>
             <a:r>
+              <a:rPr lang="en-CA" dirty="0"/>
+              <a:t>pn5. </a:t>
+            </a:r>
+            <a:r>
               <a:rPr lang="en-CA" dirty="0" smtClean="0"/>
-              <a:t>pn5</a:t>
+              <a:t>single-tuple:</a:t>
+            </a:r>
+          </a:p>
+          <a:p>
+            <a:r>
+              <a:rPr lang="en-CA" dirty="0" err="1" smtClean="0"/>
+              <a:t>shelframeships</a:t>
             </a:r>
             <a:endParaRPr lang="en-CA" dirty="0"/>
           </a:p>
@@ -19982,7 +20027,7 @@
           <a:p>
             <a:r>
               <a:rPr lang="en-CA" dirty="0" err="1"/>
-              <a:t>shelframes</a:t>
+              <a:t>shelframepoints</a:t>
             </a:r>
             <a:endParaRPr lang="en-CA" dirty="0"/>
           </a:p>
@@ -20284,7 +20329,7 @@
         </p:nvSpPr>
         <p:spPr>
           <a:xfrm>
-            <a:off x="971600" y="2473151"/>
+            <a:off x="971600" y="2545159"/>
             <a:ext cx="2453620" cy="307777"/>
           </a:xfrm>
           <a:prstGeom prst="rect">
@@ -25866,7 +25911,7 @@
         <p:spPr>
           <a:xfrm>
             <a:off x="971600" y="5974897"/>
-            <a:ext cx="526554" cy="369332"/>
+            <a:ext cx="1585627" cy="369332"/>
           </a:xfrm>
           <a:prstGeom prst="rect">
             <a:avLst/>
@@ -25880,8 +25925,12 @@
           <a:lstStyle/>
           <a:p>
             <a:r>
-              <a:rPr lang="en-CA" dirty="0" smtClean="0"/>
-              <a:t>pv4</a:t>
+              <a:rPr lang="en-CA" dirty="0"/>
+              <a:t>pv4. </a:t>
+            </a:r>
+            <a:r>
+              <a:rPr lang="en-CA" dirty="0" err="1"/>
+              <a:t>pairpoints</a:t>
             </a:r>
             <a:endParaRPr lang="en-CA" dirty="0"/>
           </a:p>
@@ -27135,7 +27184,7 @@
         <p:spPr>
           <a:xfrm>
             <a:off x="971600" y="2924944"/>
-            <a:ext cx="526554" cy="369332"/>
+            <a:ext cx="1800942" cy="646331"/>
           </a:xfrm>
           <a:prstGeom prst="rect">
             <a:avLst/>
@@ -27149,8 +27198,14 @@
           <a:lstStyle/>
           <a:p>
             <a:r>
-              <a:rPr lang="en-CA" dirty="0" smtClean="0"/>
-              <a:t>pv2</a:t>
+              <a:rPr lang="en-CA" dirty="0"/>
+              <a:t>pv2. single-tuple:</a:t>
+            </a:r>
+          </a:p>
+          <a:p>
+            <a:r>
+              <a:rPr lang="en-CA" dirty="0" err="1" smtClean="0"/>
+              <a:t>relationpoints</a:t>
             </a:r>
             <a:endParaRPr lang="en-CA" dirty="0"/>
           </a:p>
@@ -27859,7 +27914,7 @@
         </p:nvSpPr>
         <p:spPr>
           <a:xfrm>
-            <a:off x="971600" y="3501008"/>
+            <a:off x="971600" y="3553271"/>
             <a:ext cx="2314160" cy="307777"/>
           </a:xfrm>
           <a:prstGeom prst="rect">
@@ -31775,7 +31830,7 @@
         <p:spPr>
           <a:xfrm>
             <a:off x="971600" y="3409255"/>
-            <a:ext cx="526554" cy="369332"/>
+            <a:ext cx="1800942" cy="646331"/>
           </a:xfrm>
           <a:prstGeom prst="rect">
             <a:avLst/>
@@ -31789,8 +31844,18 @@
           <a:lstStyle/>
           <a:p>
             <a:r>
+              <a:rPr lang="en-CA" dirty="0"/>
+              <a:t>pv6. </a:t>
+            </a:r>
+            <a:r>
               <a:rPr lang="en-CA" dirty="0" smtClean="0"/>
-              <a:t>pv6</a:t>
+              <a:t>single-tuple:</a:t>
+            </a:r>
+          </a:p>
+          <a:p>
+            <a:r>
+              <a:rPr lang="en-CA" dirty="0" err="1" smtClean="0"/>
+              <a:t>relpairpoints</a:t>
             </a:r>
             <a:endParaRPr lang="en-CA" dirty="0"/>
           </a:p>
@@ -31963,7 +32028,7 @@
         </p:nvSpPr>
         <p:spPr>
           <a:xfrm>
-            <a:off x="971600" y="4057327"/>
+            <a:off x="971600" y="4129335"/>
             <a:ext cx="2924903" cy="307777"/>
           </a:xfrm>
           <a:prstGeom prst="rect">

--- a/talks/PSOAMetamodelGrailogWedding.pptx
+++ b/talks/PSOAMetamodelGrailogWedding.pptx
@@ -207,7 +207,7 @@
           <a:p>
             <a:fld id="{A9361764-17DB-4EFB-8397-31D7F8C11F64}" type="datetimeFigureOut">
               <a:rPr lang="en-CA" smtClean="0"/>
-              <a:t>2018-12-26</a:t>
+              <a:t>2019-10-13</a:t>
             </a:fld>
             <a:endParaRPr lang="en-CA"/>
           </a:p>
@@ -656,7 +656,7 @@
           <a:p>
             <a:fld id="{098EC68B-E961-416A-B655-846E5AC17167}" type="datetime1">
               <a:rPr lang="en-CA" smtClean="0"/>
-              <a:t>2018-12-26</a:t>
+              <a:t>2019-10-13</a:t>
             </a:fld>
             <a:endParaRPr lang="en-CA"/>
           </a:p>
@@ -826,7 +826,7 @@
           <a:p>
             <a:fld id="{E07626B9-A935-446E-9129-38D11AE25D60}" type="datetime1">
               <a:rPr lang="en-CA" smtClean="0"/>
-              <a:t>2018-12-26</a:t>
+              <a:t>2019-10-13</a:t>
             </a:fld>
             <a:endParaRPr lang="en-CA"/>
           </a:p>
@@ -1006,7 +1006,7 @@
           <a:p>
             <a:fld id="{583703F1-3B6D-46EB-A76E-6949744F47DE}" type="datetime1">
               <a:rPr lang="en-CA" smtClean="0"/>
-              <a:t>2018-12-26</a:t>
+              <a:t>2019-10-13</a:t>
             </a:fld>
             <a:endParaRPr lang="en-CA"/>
           </a:p>
@@ -1176,7 +1176,7 @@
           <a:p>
             <a:fld id="{31DB09E8-757E-43EB-812C-57B263F18654}" type="datetime1">
               <a:rPr lang="en-CA" smtClean="0"/>
-              <a:t>2018-12-26</a:t>
+              <a:t>2019-10-13</a:t>
             </a:fld>
             <a:endParaRPr lang="en-CA"/>
           </a:p>
@@ -1422,7 +1422,7 @@
           <a:p>
             <a:fld id="{D5E95CC2-566E-4FAB-B06E-7F3B62A5E53C}" type="datetime1">
               <a:rPr lang="en-CA" smtClean="0"/>
-              <a:t>2018-12-26</a:t>
+              <a:t>2019-10-13</a:t>
             </a:fld>
             <a:endParaRPr lang="en-CA"/>
           </a:p>
@@ -1710,7 +1710,7 @@
           <a:p>
             <a:fld id="{95A43E41-714C-4DD9-B56F-86957FFB7A45}" type="datetime1">
               <a:rPr lang="en-CA" smtClean="0"/>
-              <a:t>2018-12-26</a:t>
+              <a:t>2019-10-13</a:t>
             </a:fld>
             <a:endParaRPr lang="en-CA"/>
           </a:p>
@@ -2132,7 +2132,7 @@
           <a:p>
             <a:fld id="{B925E3A5-2D59-44BA-AF6A-9E991D55C46C}" type="datetime1">
               <a:rPr lang="en-CA" smtClean="0"/>
-              <a:t>2018-12-26</a:t>
+              <a:t>2019-10-13</a:t>
             </a:fld>
             <a:endParaRPr lang="en-CA"/>
           </a:p>
@@ -2250,7 +2250,7 @@
           <a:p>
             <a:fld id="{3BD2D63C-9D26-48F9-B4BD-FA63389DE780}" type="datetime1">
               <a:rPr lang="en-CA" smtClean="0"/>
-              <a:t>2018-12-26</a:t>
+              <a:t>2019-10-13</a:t>
             </a:fld>
             <a:endParaRPr lang="en-CA"/>
           </a:p>
@@ -2345,7 +2345,7 @@
           <a:p>
             <a:fld id="{B4260FF7-0F9A-4441-BC4E-F8AA61FD7668}" type="datetime1">
               <a:rPr lang="en-CA" smtClean="0"/>
-              <a:t>2018-12-26</a:t>
+              <a:t>2019-10-13</a:t>
             </a:fld>
             <a:endParaRPr lang="en-CA"/>
           </a:p>
@@ -2622,7 +2622,7 @@
           <a:p>
             <a:fld id="{3B3FDE74-6DB8-45D8-A7CA-E1F60E0D837E}" type="datetime1">
               <a:rPr lang="en-CA" smtClean="0"/>
-              <a:t>2018-12-26</a:t>
+              <a:t>2019-10-13</a:t>
             </a:fld>
             <a:endParaRPr lang="en-CA"/>
           </a:p>
@@ -2875,7 +2875,7 @@
           <a:p>
             <a:fld id="{EFE21605-BC5B-4039-9D4B-D94AAA01DF2D}" type="datetime1">
               <a:rPr lang="en-CA" smtClean="0"/>
-              <a:t>2018-12-26</a:t>
+              <a:t>2019-10-13</a:t>
             </a:fld>
             <a:endParaRPr lang="en-CA"/>
           </a:p>
@@ -3088,7 +3088,7 @@
           <a:p>
             <a:fld id="{3C39659D-CCE5-4A05-8094-1E79A9359DD5}" type="datetime1">
               <a:rPr lang="en-CA" smtClean="0"/>
-              <a:t>2018-12-26</a:t>
+              <a:t>2019-10-13</a:t>
             </a:fld>
             <a:endParaRPr lang="en-CA"/>
           </a:p>
@@ -3727,11 +3727,7 @@
             </a:pPr>
             <a:r>
               <a:rPr lang="en-US" sz="1800" dirty="0" smtClean="0"/>
-              <a:t>July 13, </a:t>
-            </a:r>
-            <a:r>
-              <a:rPr lang="en-US" sz="1800" dirty="0" smtClean="0"/>
-              <a:t>2018</a:t>
+              <a:t>July 13, 2018</a:t>
             </a:r>
           </a:p>
           <a:p>
@@ -3742,8 +3738,21 @@
             </a:pPr>
             <a:r>
               <a:rPr lang="en-US" sz="1800" dirty="0"/>
-              <a:t>Update: Dec. 26, 2018</a:t>
-            </a:r>
+              <a:t>Update: </a:t>
+            </a:r>
+            <a:r>
+              <a:rPr lang="en-US" sz="1800" dirty="0" smtClean="0"/>
+              <a:t>Oct</a:t>
+            </a:r>
+            <a:r>
+              <a:rPr lang="en-US" sz="1800" dirty="0"/>
+              <a:t>. 13, </a:t>
+            </a:r>
+            <a:r>
+              <a:rPr lang="en-US" sz="1800" dirty="0" smtClean="0"/>
+              <a:t>2019</a:t>
+            </a:r>
+            <a:endParaRPr lang="en-US" sz="1800" dirty="0"/>
           </a:p>
           <a:p>
             <a:pPr>
@@ -3963,8 +3972,12 @@
           <a:lstStyle/>
           <a:p>
             <a:r>
+              <a:rPr lang="en-CA" dirty="0" smtClean="0"/>
+              <a:t>in1</a:t>
+            </a:r>
+            <a:r>
               <a:rPr lang="en-CA" dirty="0"/>
-              <a:t>pn1. single-tuple:</a:t>
+              <a:t>. single-tuple:</a:t>
             </a:r>
           </a:p>
           <a:p>
@@ -4000,7 +4013,7 @@
           <a:p>
             <a:r>
               <a:rPr lang="en-CA" dirty="0" smtClean="0"/>
-              <a:t>pn4: </a:t>
+              <a:t>in4: </a:t>
             </a:r>
             <a:r>
               <a:rPr lang="en-CA" b="1" dirty="0" err="1"/>
@@ -4034,7 +4047,7 @@
           <a:p>
             <a:r>
               <a:rPr lang="en-CA" dirty="0" smtClean="0"/>
-              <a:t>pn3: </a:t>
+              <a:t>in3: </a:t>
             </a:r>
             <a:r>
               <a:rPr lang="en-CA" dirty="0" err="1"/>
@@ -4067,8 +4080,12 @@
           <a:lstStyle/>
           <a:p>
             <a:r>
+              <a:rPr lang="en-CA" dirty="0" smtClean="0"/>
+              <a:t>in2</a:t>
+            </a:r>
+            <a:r>
               <a:rPr lang="en-CA" dirty="0"/>
-              <a:t>pn2. </a:t>
+              <a:t>. </a:t>
             </a:r>
             <a:r>
               <a:rPr lang="en-CA" dirty="0" smtClean="0"/>
@@ -4093,7 +4110,7 @@
         <p:spPr>
           <a:xfrm>
             <a:off x="971600" y="1156682"/>
-            <a:ext cx="6943696" cy="400110"/>
+            <a:ext cx="6873998" cy="400110"/>
           </a:xfrm>
           <a:prstGeom prst="rect">
             <a:avLst/>
@@ -4135,24 +4152,12 @@
               <a:t>/slotted atoms that are </a:t>
             </a:r>
             <a:r>
-              <a:rPr lang="en-CA" sz="2000" b="1" dirty="0" err="1"/>
-              <a:t>p</a:t>
-            </a:r>
-            <a:r>
-              <a:rPr lang="en-CA" sz="2000" dirty="0" err="1" smtClean="0"/>
-              <a:t>erspe</a:t>
-            </a:r>
-            <a:r>
-              <a:rPr lang="en-CA" sz="2000" b="1" dirty="0" err="1" smtClean="0"/>
-              <a:t>n</a:t>
-            </a:r>
-            <a:r>
-              <a:rPr lang="en-CA" sz="2000" dirty="0" err="1" smtClean="0"/>
-              <a:t>eutral</a:t>
+              <a:rPr lang="en-CA" sz="2000" b="1" dirty="0" smtClean="0"/>
+              <a:t>in</a:t>
             </a:r>
             <a:r>
               <a:rPr lang="en-CA" sz="2000" dirty="0" smtClean="0"/>
-              <a:t>:</a:t>
+              <a:t>dependent:</a:t>
             </a:r>
             <a:endParaRPr lang="en-CA" sz="2000" dirty="0"/>
           </a:p>
@@ -4983,8 +4988,12 @@
           <a:lstStyle/>
           <a:p>
             <a:r>
+              <a:rPr lang="en-CA" dirty="0" smtClean="0"/>
+              <a:t>in5</a:t>
+            </a:r>
+            <a:r>
               <a:rPr lang="en-CA" dirty="0"/>
-              <a:t>pn5. </a:t>
+              <a:t>. </a:t>
             </a:r>
             <a:r>
               <a:rPr lang="en-CA" dirty="0" smtClean="0"/>
@@ -5023,8 +5032,12 @@
           <a:lstStyle/>
           <a:p>
             <a:r>
+              <a:rPr lang="en-CA" dirty="0" smtClean="0"/>
+              <a:t>in6</a:t>
+            </a:r>
+            <a:r>
               <a:rPr lang="en-CA" dirty="0"/>
-              <a:t>pn6. single-tuple:</a:t>
+              <a:t>. single-tuple:</a:t>
             </a:r>
           </a:p>
           <a:p>
@@ -5045,7 +5058,7 @@
         <p:spPr>
           <a:xfrm>
             <a:off x="971600" y="1052736"/>
-            <a:ext cx="8061053" cy="400110"/>
+            <a:ext cx="8049063" cy="400110"/>
           </a:xfrm>
           <a:prstGeom prst="rect">
             <a:avLst/>
@@ -5091,24 +5104,12 @@
               <a:t> atoms that are </a:t>
             </a:r>
             <a:r>
-              <a:rPr lang="en-CA" sz="2000" b="1" dirty="0" err="1"/>
-              <a:t>p</a:t>
-            </a:r>
-            <a:r>
-              <a:rPr lang="en-CA" sz="2000" dirty="0" err="1" smtClean="0"/>
-              <a:t>erspe</a:t>
-            </a:r>
-            <a:r>
-              <a:rPr lang="en-CA" sz="2000" b="1" dirty="0" err="1" smtClean="0"/>
-              <a:t>n</a:t>
-            </a:r>
-            <a:r>
-              <a:rPr lang="en-CA" sz="2000" dirty="0" err="1" smtClean="0"/>
-              <a:t>eutral</a:t>
+              <a:rPr lang="en-CA" sz="2000" b="1" dirty="0" smtClean="0"/>
+              <a:t>in</a:t>
             </a:r>
             <a:r>
               <a:rPr lang="en-CA" sz="2000" dirty="0" smtClean="0"/>
-              <a:t>:</a:t>
+              <a:t>dependent:</a:t>
             </a:r>
             <a:endParaRPr lang="en-CA" sz="2000" dirty="0"/>
           </a:p>
@@ -5491,8 +5492,12 @@
           <a:lstStyle/>
           <a:p>
             <a:r>
+              <a:rPr lang="en-CA" dirty="0" smtClean="0"/>
+              <a:t>de1</a:t>
+            </a:r>
+            <a:r>
               <a:rPr lang="en-CA" dirty="0"/>
-              <a:t>pv1. </a:t>
+              <a:t>. </a:t>
             </a:r>
             <a:r>
               <a:rPr lang="en-CA" dirty="0" smtClean="0"/>
@@ -5532,7 +5537,7 @@
           <a:p>
             <a:r>
               <a:rPr lang="en-CA" dirty="0" smtClean="0"/>
-              <a:t>pv3: </a:t>
+              <a:t>de3: </a:t>
             </a:r>
             <a:r>
               <a:rPr lang="en-CA" dirty="0" err="1"/>
@@ -5566,7 +5571,7 @@
           <a:p>
             <a:r>
               <a:rPr lang="en-CA" dirty="0" smtClean="0"/>
-              <a:t>pv4: </a:t>
+              <a:t>de4: </a:t>
             </a:r>
             <a:r>
               <a:rPr lang="en-CA" dirty="0" err="1" smtClean="0"/>
@@ -5599,8 +5604,12 @@
           <a:lstStyle/>
           <a:p>
             <a:r>
+              <a:rPr lang="en-CA" dirty="0" smtClean="0"/>
+              <a:t>de2</a:t>
+            </a:r>
+            <a:r>
               <a:rPr lang="en-CA" dirty="0"/>
-              <a:t>pv2. single-tuple:</a:t>
+              <a:t>. single-tuple:</a:t>
             </a:r>
           </a:p>
           <a:p>
@@ -5621,7 +5630,7 @@
         <p:spPr>
           <a:xfrm>
             <a:off x="971600" y="404664"/>
-            <a:ext cx="6806287" cy="400110"/>
+            <a:ext cx="6678431" cy="400110"/>
           </a:xfrm>
           <a:prstGeom prst="rect">
             <a:avLst/>
@@ -5660,27 +5669,15 @@
             </a:r>
             <a:r>
               <a:rPr lang="en-CA" sz="2000" dirty="0" smtClean="0"/>
-              <a:t>/slotted atoms that are</a:t>
-            </a:r>
-            <a:r>
-              <a:rPr lang="en-CA" sz="2000" b="1" dirty="0"/>
-              <a:t> </a:t>
+              <a:t>/slotted atoms that are </a:t>
             </a:r>
             <a:r>
               <a:rPr lang="en-CA" sz="2000" b="1" dirty="0" smtClean="0"/>
-              <a:t>p</a:t>
+              <a:t>de</a:t>
             </a:r>
             <a:r>
               <a:rPr lang="en-CA" sz="2000" dirty="0" smtClean="0"/>
-              <a:t>erspecti</a:t>
-            </a:r>
-            <a:r>
-              <a:rPr lang="en-CA" sz="2000" b="1" dirty="0" smtClean="0"/>
-              <a:t>v</a:t>
-            </a:r>
-            <a:r>
-              <a:rPr lang="en-CA" sz="2000" dirty="0" smtClean="0"/>
-              <a:t>al:</a:t>
+              <a:t>pendent:</a:t>
             </a:r>
             <a:endParaRPr lang="en-CA" sz="2000" dirty="0"/>
           </a:p>
@@ -6473,7 +6470,7 @@
           <a:p>
             <a:r>
               <a:rPr lang="en-CA" dirty="0" smtClean="0"/>
-              <a:t>pv5</a:t>
+              <a:t>de5</a:t>
             </a:r>
             <a:r>
               <a:rPr lang="en-CA" dirty="0"/>
@@ -6516,8 +6513,12 @@
           <a:lstStyle/>
           <a:p>
             <a:r>
+              <a:rPr lang="en-CA" dirty="0" smtClean="0"/>
+              <a:t>de6</a:t>
+            </a:r>
+            <a:r>
               <a:rPr lang="en-CA" dirty="0"/>
-              <a:t>pv6. </a:t>
+              <a:t>. </a:t>
             </a:r>
             <a:r>
               <a:rPr lang="en-CA" dirty="0" smtClean="0"/>
@@ -6542,7 +6543,7 @@
         <p:spPr>
           <a:xfrm>
             <a:off x="971600" y="1052736"/>
-            <a:ext cx="7981352" cy="400110"/>
+            <a:ext cx="7853497" cy="400110"/>
           </a:xfrm>
           <a:prstGeom prst="rect">
             <a:avLst/>
@@ -6585,27 +6586,15 @@
             </a:r>
             <a:r>
               <a:rPr lang="en-CA" sz="2000" dirty="0" smtClean="0"/>
-              <a:t> atoms that are</a:t>
-            </a:r>
-            <a:r>
-              <a:rPr lang="en-CA" sz="2000" b="1" dirty="0"/>
-              <a:t> </a:t>
+              <a:t> atoms that are </a:t>
             </a:r>
             <a:r>
               <a:rPr lang="en-CA" sz="2000" b="1" dirty="0" smtClean="0"/>
-              <a:t>p</a:t>
+              <a:t>de</a:t>
             </a:r>
             <a:r>
               <a:rPr lang="en-CA" sz="2000" dirty="0" smtClean="0"/>
-              <a:t>erspecti</a:t>
-            </a:r>
-            <a:r>
-              <a:rPr lang="en-CA" sz="2000" b="1" dirty="0" smtClean="0"/>
-              <a:t>v</a:t>
-            </a:r>
-            <a:r>
-              <a:rPr lang="en-CA" sz="2000" dirty="0" smtClean="0"/>
-              <a:t>al:</a:t>
+              <a:t>pendent:</a:t>
             </a:r>
             <a:endParaRPr lang="en-CA" sz="2000" dirty="0"/>
           </a:p>
@@ -6975,7 +6964,7 @@
         <p:spPr>
           <a:xfrm>
             <a:off x="971600" y="1315189"/>
-            <a:ext cx="598241" cy="369332"/>
+            <a:ext cx="529312" cy="369332"/>
           </a:xfrm>
           <a:prstGeom prst="rect">
             <a:avLst/>
@@ -6990,7 +6979,7 @@
           <a:p>
             <a:r>
               <a:rPr lang="en-CA" dirty="0" smtClean="0"/>
-              <a:t>pp1 </a:t>
+              <a:t>id1 </a:t>
             </a:r>
             <a:endParaRPr lang="en-CA" dirty="0"/>
           </a:p>
@@ -7005,7 +6994,7 @@
         <p:spPr>
           <a:xfrm>
             <a:off x="971600" y="2852936"/>
-            <a:ext cx="545342" cy="369332"/>
+            <a:ext cx="476412" cy="369332"/>
           </a:xfrm>
           <a:prstGeom prst="rect">
             <a:avLst/>
@@ -7020,7 +7009,7 @@
           <a:p>
             <a:r>
               <a:rPr lang="en-CA" dirty="0" smtClean="0"/>
-              <a:t>pp2</a:t>
+              <a:t>id2</a:t>
             </a:r>
             <a:endParaRPr lang="en-CA" dirty="0"/>
           </a:p>
@@ -7035,7 +7024,7 @@
         <p:spPr>
           <a:xfrm>
             <a:off x="971600" y="404664"/>
-            <a:ext cx="7986802" cy="369332"/>
+            <a:ext cx="7775847" cy="369332"/>
           </a:xfrm>
           <a:prstGeom prst="rect">
             <a:avLst/>
@@ -7081,24 +7070,28 @@
               <a:t>, combined </a:t>
             </a:r>
             <a:r>
-              <a:rPr lang="en-CA" b="1" dirty="0" err="1" smtClean="0"/>
-              <a:t>p</a:t>
-            </a:r>
-            <a:r>
-              <a:rPr lang="en-CA" dirty="0" err="1" smtClean="0"/>
-              <a:t>erspeneutral+</a:t>
-            </a:r>
-            <a:r>
-              <a:rPr lang="en-CA" b="1" dirty="0" err="1" smtClean="0"/>
-              <a:t>p</a:t>
-            </a:r>
-            <a:r>
-              <a:rPr lang="en-CA" dirty="0" err="1" smtClean="0"/>
-              <a:t>erspectival</a:t>
+              <a:rPr lang="en-CA" b="1" dirty="0" err="1"/>
+              <a:t>i</a:t>
+            </a:r>
+            <a:r>
+              <a:rPr lang="en-CA" dirty="0" err="1"/>
+              <a:t>ndependent+</a:t>
+            </a:r>
+            <a:r>
+              <a:rPr lang="en-CA" b="1" dirty="0" err="1"/>
+              <a:t>d</a:t>
+            </a:r>
+            <a:r>
+              <a:rPr lang="en-CA" dirty="0" err="1"/>
+              <a:t>ependent</a:t>
+            </a:r>
+            <a:r>
+              <a:rPr lang="en-CA" dirty="0"/>
+              <a:t> </a:t>
             </a:r>
             <a:r>
               <a:rPr lang="en-CA" dirty="0" smtClean="0"/>
-              <a:t> atoms:</a:t>
+              <a:t>atoms:</a:t>
             </a:r>
             <a:endParaRPr lang="en-CA" dirty="0"/>
           </a:p>
@@ -7113,7 +7106,7 @@
         <p:spPr>
           <a:xfrm>
             <a:off x="971600" y="4293096"/>
-            <a:ext cx="545342" cy="369332"/>
+            <a:ext cx="476412" cy="369332"/>
           </a:xfrm>
           <a:prstGeom prst="rect">
             <a:avLst/>
@@ -7128,7 +7121,7 @@
           <a:p>
             <a:r>
               <a:rPr lang="en-CA" dirty="0" smtClean="0"/>
-              <a:t>pp3</a:t>
+              <a:t>id3</a:t>
             </a:r>
             <a:endParaRPr lang="en-CA" dirty="0"/>
           </a:p>
@@ -7143,7 +7136,7 @@
         <p:spPr>
           <a:xfrm>
             <a:off x="971600" y="5661248"/>
-            <a:ext cx="545342" cy="369332"/>
+            <a:ext cx="476412" cy="369332"/>
           </a:xfrm>
           <a:prstGeom prst="rect">
             <a:avLst/>
@@ -7158,7 +7151,7 @@
           <a:p>
             <a:r>
               <a:rPr lang="en-CA" dirty="0" smtClean="0"/>
-              <a:t>pp4</a:t>
+              <a:t>id4</a:t>
             </a:r>
             <a:endParaRPr lang="en-CA" dirty="0"/>
           </a:p>
@@ -7845,7 +7838,7 @@
         <p:spPr>
           <a:xfrm>
             <a:off x="971600" y="1484784"/>
-            <a:ext cx="545342" cy="369332"/>
+            <a:ext cx="476412" cy="369332"/>
           </a:xfrm>
           <a:prstGeom prst="rect">
             <a:avLst/>
@@ -7860,7 +7853,7 @@
           <a:p>
             <a:r>
               <a:rPr lang="en-CA" dirty="0" smtClean="0"/>
-              <a:t>pp5</a:t>
+              <a:t>id5</a:t>
             </a:r>
             <a:endParaRPr lang="en-CA" dirty="0"/>
           </a:p>
@@ -7875,7 +7868,7 @@
         <p:spPr>
           <a:xfrm>
             <a:off x="971600" y="4077072"/>
-            <a:ext cx="545342" cy="369332"/>
+            <a:ext cx="476412" cy="369332"/>
           </a:xfrm>
           <a:prstGeom prst="rect">
             <a:avLst/>
@@ -7890,7 +7883,7 @@
           <a:p>
             <a:r>
               <a:rPr lang="en-CA" dirty="0" smtClean="0"/>
-              <a:t>pp6</a:t>
+              <a:t>id6</a:t>
             </a:r>
             <a:endParaRPr lang="en-CA" dirty="0"/>
           </a:p>
@@ -7905,7 +7898,7 @@
         <p:spPr>
           <a:xfrm>
             <a:off x="971600" y="548680"/>
-            <a:ext cx="8057783" cy="369332"/>
+            <a:ext cx="7952626" cy="369332"/>
           </a:xfrm>
           <a:prstGeom prst="rect">
             <a:avLst/>
@@ -7956,35 +7949,19 @@
             </a:r>
             <a:r>
               <a:rPr lang="en-CA" b="1" dirty="0" err="1" smtClean="0"/>
-              <a:t>p</a:t>
+              <a:t>i</a:t>
             </a:r>
             <a:r>
               <a:rPr lang="en-CA" dirty="0" err="1" smtClean="0"/>
-              <a:t>ersp</a:t>
-            </a:r>
-            <a:r>
-              <a:rPr lang="en-CA" dirty="0" err="1"/>
-              <a:t>ene</a:t>
+              <a:t>ndependent+</a:t>
+            </a:r>
+            <a:r>
+              <a:rPr lang="en-CA" b="1" dirty="0" err="1" smtClean="0"/>
+              <a:t>d</a:t>
             </a:r>
             <a:r>
               <a:rPr lang="en-CA" dirty="0" err="1" smtClean="0"/>
-              <a:t>utral+</a:t>
-            </a:r>
-            <a:r>
-              <a:rPr lang="en-CA" b="1" dirty="0" err="1" smtClean="0"/>
-              <a:t>p</a:t>
-            </a:r>
-            <a:r>
-              <a:rPr lang="en-CA" dirty="0" err="1" smtClean="0"/>
-              <a:t>erspec</a:t>
-            </a:r>
-            <a:r>
-              <a:rPr lang="en-CA" dirty="0" err="1"/>
-              <a:t>tiv</a:t>
-            </a:r>
-            <a:r>
-              <a:rPr lang="en-CA" dirty="0" err="1" smtClean="0"/>
-              <a:t>al</a:t>
+              <a:t>ependent</a:t>
             </a:r>
             <a:r>
               <a:rPr lang="en-CA" dirty="0" smtClean="0"/>
@@ -8442,6 +8419,10 @@
               </a:lnSpc>
             </a:pPr>
             <a:r>
+              <a:rPr lang="en-CA" dirty="0" smtClean="0"/>
+              <a:t>Full </a:t>
+            </a:r>
+            <a:r>
               <a:rPr lang="en-CA" dirty="0"/>
               <a:t>PSOA </a:t>
             </a:r>
@@ -8455,7 +8436,11 @@
             </a:r>
             <a:r>
               <a:rPr lang="en-CA" dirty="0" smtClean="0"/>
-              <a:t>cube visualized (dynamically by </a:t>
+              <a:t>cube </a:t>
+            </a:r>
+            <a:r>
+              <a:rPr lang="en-CA" dirty="0" smtClean="0"/>
+              <a:t>visualized dynamically by </a:t>
             </a:r>
             <a:r>
               <a:rPr lang="en-CA" dirty="0" err="1" smtClean="0">
@@ -8465,7 +8450,11 @@
             </a:r>
             <a:r>
               <a:rPr lang="en-CA" dirty="0" smtClean="0"/>
-              <a:t>) and atoms (e.g., data </a:t>
+              <a:t>, </a:t>
+            </a:r>
+            <a:r>
+              <a:rPr lang="en-CA" dirty="0" smtClean="0"/>
+              <a:t>and atoms (e.g., data </a:t>
             </a:r>
             <a:r>
               <a:rPr lang="en-CA" dirty="0"/>
@@ -8496,7 +8485,7 @@
             </a:br>
             <a:r>
               <a:rPr lang="en-CA" dirty="0" smtClean="0"/>
-              <a:t>significantly </a:t>
+              <a:t>to significantly </a:t>
             </a:r>
             <a:r>
               <a:rPr lang="en-CA" dirty="0"/>
@@ -8528,7 +8517,11 @@
             </a:r>
             <a:r>
               <a:rPr lang="en-US" altLang="en-US" dirty="0" smtClean="0"/>
-              <a:t>acts complemented </a:t>
+              <a:t>acts </a:t>
+            </a:r>
+            <a:r>
+              <a:rPr lang="en-US" altLang="en-US" dirty="0" smtClean="0"/>
+              <a:t>can be augmented </a:t>
             </a:r>
             <a:r>
               <a:rPr lang="en-US" altLang="en-US" dirty="0"/>
@@ -8566,7 +8559,23 @@
             </a:r>
             <a:r>
               <a:rPr lang="en-US" dirty="0" smtClean="0"/>
-              <a:t> being standardized </a:t>
+              <a:t> </a:t>
+            </a:r>
+            <a:r>
+              <a:rPr lang="en-CA" dirty="0"/>
+              <a:t>1.03 </a:t>
+            </a:r>
+            <a:r>
+              <a:rPr lang="en-CA" dirty="0" smtClean="0"/>
+              <a:t>is </a:t>
+            </a:r>
+            <a:r>
+              <a:rPr lang="en-US" dirty="0" smtClean="0"/>
+              <a:t>being </a:t>
+            </a:r>
+            <a:r>
+              <a:rPr lang="en-US" dirty="0" smtClean="0"/>
+              <a:t>standardized </a:t>
             </a:r>
             <a:r>
               <a:rPr lang="en-US" dirty="0"/>
@@ -8722,7 +8731,7 @@
           <a:p>
             <a:r>
               <a:rPr lang="en-CA" i="1" dirty="0" smtClean="0"/>
-              <a:t>(includes core interoperation path pv1-pv3-pv4-pn4, e.g. abridged to one </a:t>
+              <a:t>(includes core interoperation path de1-de3-de4-in4, e.g. abridged to one </a:t>
             </a:r>
             <a:r>
               <a:rPr lang="en-CA" i="1" dirty="0"/>
@@ -8814,13 +8823,13 @@
         </p:nvSpPr>
         <p:spPr>
           <a:xfrm>
-            <a:off x="107504" y="1487760"/>
+            <a:off x="35496" y="1487760"/>
             <a:ext cx="9316144" cy="5181600"/>
           </a:xfrm>
         </p:spPr>
         <p:txBody>
           <a:bodyPr>
-            <a:normAutofit lnSpcReduction="10000"/>
+            <a:normAutofit fontScale="92500" lnSpcReduction="20000"/>
           </a:bodyPr>
           <a:lstStyle/>
           <a:p>
@@ -8910,8 +8919,12 @@
               </a:lnSpc>
             </a:pPr>
             <a:r>
+              <a:rPr lang="en-US" altLang="en-US" dirty="0"/>
+              <a:t>Exemplify </a:t>
+            </a:r>
+            <a:r>
               <a:rPr lang="en-US" altLang="en-US" dirty="0" smtClean="0"/>
-              <a:t>Exemplify with 18 </a:t>
+              <a:t>with </a:t>
             </a:r>
             <a:r>
               <a:rPr lang="en-US" altLang="en-US" dirty="0" err="1" smtClean="0"/>
@@ -8935,16 +8948,33 @@
             </a:r>
             <a:r>
               <a:rPr lang="en-US" altLang="en-US" dirty="0" smtClean="0"/>
-              <a:t>/slotted/…, </a:t>
-            </a:r>
-            <a:r>
-              <a:rPr lang="en-US" altLang="en-US" dirty="0" err="1" smtClean="0"/>
-              <a:t>perspeneutral</a:t>
+              <a:t>/slotted/combined</a:t>
+            </a:r>
+            <a:r>
+              <a:rPr lang="en-US" altLang="en-US" dirty="0"/>
+              <a:t>, independent/dependent/combined atoms (2*3*3</a:t>
+            </a:r>
+            <a:r>
+              <a:rPr lang="en-US" altLang="en-US" sz="2400" dirty="0"/>
+              <a:t> </a:t>
+            </a:r>
+            <a:r>
+              <a:rPr lang="en-US" altLang="en-US" dirty="0"/>
+              <a:t>=</a:t>
+            </a:r>
+            <a:r>
+              <a:rPr lang="en-US" altLang="en-US" sz="2400" dirty="0"/>
+              <a:t> </a:t>
+            </a:r>
+            <a:r>
+              <a:rPr lang="en-US" altLang="en-US" dirty="0"/>
+              <a:t>18</a:t>
             </a:r>
             <a:r>
               <a:rPr lang="en-US" altLang="en-US" dirty="0" smtClean="0"/>
-              <a:t>/perspectival/… wedding atoms</a:t>
-            </a:r>
+              <a:t>)</a:t>
+            </a:r>
+            <a:endParaRPr lang="en-US" altLang="en-US" dirty="0" smtClean="0"/>
           </a:p>
           <a:p>
             <a:pPr>
@@ -8954,7 +8984,11 @@
             </a:pPr>
             <a:r>
               <a:rPr lang="en-US" altLang="en-US" dirty="0"/>
-              <a:t>Illustrate by </a:t>
+              <a:t>Illustrate </a:t>
+            </a:r>
+            <a:r>
+              <a:rPr lang="en-US" altLang="en-US" dirty="0"/>
+              <a:t>all kinds of atoms by </a:t>
             </a:r>
             <a:r>
               <a:rPr lang="en-US" altLang="en-US" dirty="0" err="1" smtClean="0">
@@ -8964,15 +8998,23 @@
             </a:r>
             <a:r>
               <a:rPr lang="en-US" altLang="en-US" dirty="0" smtClean="0"/>
-              <a:t> visualization </a:t>
+              <a:t> </a:t>
+            </a:r>
+            <a:r>
+              <a:rPr lang="en-US" altLang="en-US" dirty="0" smtClean="0"/>
+              <a:t>visualization,</a:t>
             </a:r>
             <a:r>
               <a:rPr lang="en-US" altLang="en-US" dirty="0"/>
-              <a:t>all kinds of atoms</a:t>
+              <a:t/>
             </a:r>
             <a:br>
               <a:rPr lang="en-US" altLang="en-US" dirty="0"/>
             </a:br>
+            <a:r>
+              <a:rPr lang="en-US" altLang="en-US" dirty="0" smtClean="0"/>
+              <a:t>realizing them </a:t>
+            </a:r>
             <a:r>
               <a:rPr lang="en-US" altLang="en-US" dirty="0"/>
               <a:t>in </a:t>
@@ -8989,10 +9031,10 @@
             </a:r>
             <a:r>
               <a:rPr lang="en-US" altLang="en-US" dirty="0" smtClean="0"/>
-              <a:t> realized </a:t>
-            </a:r>
-            <a:r>
-              <a:rPr lang="en-US" altLang="en-US" dirty="0"/>
+              <a:t> </a:t>
+            </a:r>
+            <a:r>
+              <a:rPr lang="en-US" altLang="en-US" dirty="0" smtClean="0"/>
               <a:t>by </a:t>
             </a:r>
             <a:r>
@@ -9030,18 +9072,112 @@
             </a:br>
             <a:r>
               <a:rPr lang="en-CA" altLang="en-US" dirty="0" smtClean="0"/>
-              <a:t>(formal  in </a:t>
-            </a:r>
-            <a:r>
-              <a:rPr lang="en-CA" altLang="en-US" sz="2400" dirty="0" err="1" smtClean="0">
+              <a:t>(</a:t>
+            </a:r>
+            <a:r>
+              <a:rPr lang="en-CA" altLang="en-US" dirty="0" smtClean="0"/>
+              <a:t>formal</a:t>
+            </a:r>
+            <a:r>
+              <a:rPr lang="en-CA" altLang="en-US" sz="2600" dirty="0" smtClean="0"/>
+              <a:t> </a:t>
+            </a:r>
+            <a:r>
+              <a:rPr lang="en-CA" altLang="en-US" dirty="0" smtClean="0"/>
+              <a:t>in</a:t>
+            </a:r>
+            <a:r>
+              <a:rPr lang="en-CA" altLang="en-US" sz="2600" dirty="0" smtClean="0"/>
+              <a:t> </a:t>
+            </a:r>
+            <a:r>
+              <a:rPr lang="en-CA" altLang="en-US" dirty="0" err="1" smtClean="0">
                 <a:hlinkClick r:id="rId3"/>
               </a:rPr>
               <a:t>PSOAPerspectivalKnowledge</a:t>
             </a:r>
             <a:r>
               <a:rPr lang="en-CA" altLang="en-US" dirty="0" smtClean="0"/>
-              <a:t>, Sections 4 and 5)</a:t>
-            </a:r>
+              <a:t>,</a:t>
+            </a:r>
+            <a:r>
+              <a:rPr lang="en-CA" altLang="en-US" sz="2200" dirty="0" smtClean="0"/>
+              <a:t> </a:t>
+            </a:r>
+            <a:r>
+              <a:rPr lang="en-CA" altLang="en-US" dirty="0" smtClean="0"/>
+              <a:t>Sections</a:t>
+            </a:r>
+            <a:r>
+              <a:rPr lang="en-CA" altLang="en-US" sz="2200" dirty="0" smtClean="0"/>
+              <a:t> </a:t>
+            </a:r>
+            <a:r>
+              <a:rPr lang="en-CA" altLang="en-US" dirty="0" smtClean="0"/>
+              <a:t>4</a:t>
+            </a:r>
+            <a:r>
+              <a:rPr lang="en-CA" altLang="en-US" sz="2200" dirty="0" smtClean="0"/>
+              <a:t> </a:t>
+            </a:r>
+            <a:r>
+              <a:rPr lang="en-CA" altLang="en-US" sz="3000" dirty="0" smtClean="0"/>
+              <a:t>and</a:t>
+            </a:r>
+            <a:r>
+              <a:rPr lang="en-CA" altLang="en-US" sz="2200" dirty="0" smtClean="0"/>
+              <a:t> </a:t>
+            </a:r>
+            <a:r>
+              <a:rPr lang="en-CA" altLang="en-US" dirty="0" smtClean="0"/>
+              <a:t>5</a:t>
+            </a:r>
+            <a:r>
+              <a:rPr lang="en-CA" altLang="en-US" dirty="0" smtClean="0"/>
+              <a:t>)</a:t>
+            </a:r>
+          </a:p>
+          <a:p>
+            <a:pPr>
+              <a:lnSpc>
+                <a:spcPct val="110000"/>
+              </a:lnSpc>
+            </a:pPr>
+            <a:r>
+              <a:rPr lang="en-CA" dirty="0"/>
+              <a:t>Experience full </a:t>
+            </a:r>
+            <a:r>
+              <a:rPr lang="en-CA" dirty="0" err="1"/>
+              <a:t>metamodel</a:t>
+            </a:r>
+            <a:r>
+              <a:rPr lang="en-CA" dirty="0"/>
+              <a:t> dynamically </a:t>
+            </a:r>
+            <a:r>
+              <a:rPr lang="en-CA" dirty="0" smtClean="0"/>
+              <a:t>by </a:t>
+            </a:r>
+            <a:r>
+              <a:rPr lang="en-CA" dirty="0"/>
+              <a:t>online </a:t>
+            </a:r>
+            <a:r>
+              <a:rPr lang="en-CA" dirty="0" err="1" smtClean="0">
+                <a:hlinkClick r:id="rId6"/>
+              </a:rPr>
+              <a:t>PSOAMetaViz</a:t>
+            </a:r>
+            <a:r>
+              <a:rPr lang="en-US" altLang="en-US" dirty="0"/>
+              <a:t> visualization, realized </a:t>
+            </a:r>
+            <a:r>
+              <a:rPr lang="en-US" altLang="en-US" dirty="0" smtClean="0"/>
+              <a:t>in JavaScript/JSON</a:t>
+            </a:r>
+            <a:endParaRPr lang="en-CA" altLang="en-US" dirty="0" smtClean="0"/>
           </a:p>
         </p:txBody>
       </p:sp>
@@ -9195,7 +9331,7 @@
         <p:spPr>
           <a:xfrm>
             <a:off x="236460" y="1556792"/>
-            <a:ext cx="8944052" cy="5355312"/>
+            <a:ext cx="9085244" cy="5355312"/>
           </a:xfrm>
           <a:prstGeom prst="rect">
             <a:avLst/>
@@ -9265,10 +9401,10 @@
             </a:br>
             <a:r>
               <a:rPr lang="en-US" dirty="0" smtClean="0"/>
-              <a:t>that are contained in (3*3*2 =) </a:t>
-            </a:r>
-            <a:r>
-              <a:rPr lang="en-CA" dirty="0"/>
+              <a:t>that are contained in </a:t>
+            </a:r>
+            <a:r>
+              <a:rPr lang="en-CA" dirty="0" smtClean="0"/>
               <a:t>18 </a:t>
             </a:r>
             <a:r>
@@ -9293,11 +9429,35 @@
             </a:r>
             <a:r>
               <a:rPr lang="en-CA" dirty="0" err="1" smtClean="0"/>
-              <a:t>p</a:t>
+              <a:t>in</a:t>
             </a:r>
             <a:r>
               <a:rPr lang="en-CA" i="1" dirty="0" err="1" smtClean="0"/>
-              <a:t>xi</a:t>
+              <a:t>j</a:t>
+            </a:r>
+            <a:r>
+              <a:rPr lang="en-CA" dirty="0" smtClean="0"/>
+              <a:t>, </a:t>
+            </a:r>
+            <a:r>
+              <a:rPr lang="en-CA" dirty="0" err="1" smtClean="0"/>
+              <a:t>de</a:t>
+            </a:r>
+            <a:r>
+              <a:rPr lang="en-CA" i="1" dirty="0" err="1" smtClean="0"/>
+              <a:t>j</a:t>
+            </a:r>
+            <a:r>
+              <a:rPr lang="en-CA" dirty="0" smtClean="0"/>
+              <a:t>, </a:t>
+            </a:r>
+            <a:r>
+              <a:rPr lang="en-CA" dirty="0" err="1" smtClean="0"/>
+              <a:t>id</a:t>
+            </a:r>
+            <a:r>
+              <a:rPr lang="en-CA" i="1" dirty="0" err="1" smtClean="0"/>
+              <a:t>j</a:t>
             </a:r>
             <a:r>
               <a:rPr lang="en-CA" dirty="0" smtClean="0"/>
@@ -9305,27 +9465,15 @@
             </a:r>
             <a:r>
               <a:rPr lang="en-CA" i="1" dirty="0" smtClean="0"/>
-              <a:t>x</a:t>
+              <a:t>j</a:t>
             </a:r>
             <a:r>
               <a:rPr lang="en-CA" dirty="0" smtClean="0"/>
-              <a:t>=</a:t>
-            </a:r>
-            <a:r>
-              <a:rPr lang="en-CA" dirty="0" err="1" smtClean="0"/>
-              <a:t>n,v,p</a:t>
+              <a:t>=1</a:t>
             </a:r>
             <a:r>
               <a:rPr lang="en-CA" dirty="0" smtClean="0"/>
-              <a:t>; </a:t>
-            </a:r>
-            <a:r>
-              <a:rPr lang="en-CA" i="1" dirty="0" smtClean="0"/>
-              <a:t>i</a:t>
-            </a:r>
-            <a:r>
-              <a:rPr lang="en-CA" dirty="0" smtClean="0"/>
-              <a:t>=1,…,6)</a:t>
+              <a:t>,…,6)</a:t>
             </a:r>
           </a:p>
           <a:p>
@@ -9334,20 +9482,36 @@
               <a:buChar char="•"/>
             </a:pPr>
             <a:r>
+              <a:rPr lang="en-CA" dirty="0" smtClean="0"/>
+              <a:t>Choosing </a:t>
+            </a:r>
+            <a:r>
               <a:rPr lang="en-CA" dirty="0"/>
-              <a:t>By choosing one of the </a:t>
+              <a:t>one of the </a:t>
             </a:r>
             <a:r>
               <a:rPr lang="en-CA" dirty="0" smtClean="0"/>
-              <a:t>reductions PDO</a:t>
+              <a:t>reductions </a:t>
             </a:r>
             <a:r>
               <a:rPr lang="en-CA" dirty="0"/>
-              <a:t>, DPO, </a:t>
+              <a:t>DVO, VDO, </a:t>
             </a:r>
             <a:r>
               <a:rPr lang="en-CA" dirty="0" smtClean="0"/>
-              <a:t>or ODP, users can variously slice </a:t>
+              <a:t>or </a:t>
+            </a:r>
+            <a:r>
+              <a:rPr lang="en-CA" dirty="0" smtClean="0"/>
+              <a:t>OVD (s. below), </a:t>
+            </a:r>
+            <a:r>
+              <a:rPr lang="en-CA" dirty="0" smtClean="0"/>
+              <a:t>users can </a:t>
+            </a:r>
+            <a:r>
+              <a:rPr lang="en-CA" dirty="0" smtClean="0"/>
+              <a:t>slice </a:t>
             </a:r>
             <a:r>
               <a:rPr lang="en-CA" dirty="0"/>
@@ -9447,58 +9611,19 @@
                   </a:outerShdw>
                 </a:effectLst>
               </a:rPr>
-              <a:t>PDO</a:t>
-            </a:r>
-            <a:r>
-              <a:rPr lang="en-CA" dirty="0" smtClean="0"/>
-              <a:t> reduction, via </a:t>
-            </a:r>
-            <a:r>
-              <a:rPr lang="en-CA" dirty="0" err="1" smtClean="0">
-                <a:effectLst>
-                  <a:outerShdw blurRad="38100" dist="38100" dir="2700000" algn="tl">
-                    <a:srgbClr val="000000">
-                      <a:alpha val="43137"/>
-                    </a:srgbClr>
-                  </a:outerShdw>
-                </a:effectLst>
-              </a:rPr>
-              <a:t>P</a:t>
-            </a:r>
-            <a:r>
-              <a:rPr lang="en-CA" dirty="0" err="1" smtClean="0"/>
-              <a:t>erspectivity</a:t>
-            </a:r>
-            <a:r>
-              <a:rPr lang="en-CA" dirty="0" smtClean="0"/>
-              <a:t> dimension,</a:t>
-            </a:r>
-            <a:r>
-              <a:rPr lang="en-US" dirty="0" smtClean="0"/>
-              <a:t> to 3</a:t>
+              <a:t>DVO</a:t>
             </a:r>
             <a:r>
               <a:rPr lang="en-CA" dirty="0" smtClean="0"/>
               <a:t> </a:t>
             </a:r>
             <a:r>
+              <a:rPr lang="en-CA" dirty="0" smtClean="0"/>
+              <a:t>reduction, </a:t>
+            </a:r>
+            <a:r>
               <a:rPr lang="en-CA" dirty="0"/>
-              <a:t>slices, each</a:t>
-            </a:r>
-            <a:r>
-              <a:rPr lang="en-US" dirty="0" smtClean="0"/>
-              <a:t> with </a:t>
-            </a:r>
-            <a:r>
-              <a:rPr lang="en-CA" dirty="0" smtClean="0"/>
-              <a:t>6 units</a:t>
-            </a:r>
-            <a:br>
-              <a:rPr lang="en-CA" dirty="0" smtClean="0"/>
-            </a:br>
-            <a:r>
-              <a:rPr lang="en-CA" dirty="0" smtClean="0"/>
-              <a:t>structured by </a:t>
+              <a:t>via </a:t>
             </a:r>
             <a:r>
               <a:rPr lang="en-CA" dirty="0" smtClean="0">
@@ -9514,7 +9639,58 @@
             </a:r>
             <a:r>
               <a:rPr lang="en-CA" dirty="0" smtClean="0"/>
-              <a:t>escriptor-row and </a:t>
+              <a:t>ependency </a:t>
+            </a:r>
+            <a:r>
+              <a:rPr lang="en-CA" dirty="0" smtClean="0"/>
+              <a:t>dimension,</a:t>
+            </a:r>
+            <a:r>
+              <a:rPr lang="en-US" dirty="0" smtClean="0"/>
+              <a:t> to 3</a:t>
+            </a:r>
+            <a:r>
+              <a:rPr lang="en-CA" dirty="0" smtClean="0"/>
+              <a:t> </a:t>
+            </a:r>
+            <a:r>
+              <a:rPr lang="en-CA" dirty="0"/>
+              <a:t>slices, each</a:t>
+            </a:r>
+            <a:r>
+              <a:rPr lang="en-US" dirty="0" smtClean="0"/>
+              <a:t> with </a:t>
+            </a:r>
+            <a:r>
+              <a:rPr lang="en-CA" dirty="0" smtClean="0"/>
+              <a:t>6 units</a:t>
+            </a:r>
+            <a:br>
+              <a:rPr lang="en-CA" dirty="0" smtClean="0"/>
+            </a:br>
+            <a:r>
+              <a:rPr lang="en-CA" dirty="0" smtClean="0"/>
+              <a:t>structured by </a:t>
+            </a:r>
+            <a:r>
+              <a:rPr lang="en-CA" dirty="0" smtClean="0">
+                <a:effectLst>
+                  <a:outerShdw blurRad="38100" dist="38100" dir="2700000" algn="tl">
+                    <a:srgbClr val="000000">
+                      <a:alpha val="43137"/>
+                    </a:srgbClr>
+                  </a:outerShdw>
+                </a:effectLst>
+              </a:rPr>
+              <a:t>V</a:t>
+            </a:r>
+            <a:r>
+              <a:rPr lang="en-CA" dirty="0" smtClean="0"/>
+              <a:t>ariety-row </a:t>
+            </a:r>
+            <a:r>
+              <a:rPr lang="en-CA" dirty="0" smtClean="0"/>
+              <a:t>and </a:t>
             </a:r>
             <a:r>
               <a:rPr lang="en-CA" dirty="0" smtClean="0">
@@ -9543,56 +9719,84 @@
               <a:t>6 </a:t>
             </a:r>
             <a:r>
-              <a:rPr lang="en-CA" dirty="0" err="1" smtClean="0"/>
-              <a:t>perspeneutral</a:t>
+              <a:rPr lang="en-CA" b="1" dirty="0" smtClean="0"/>
+              <a:t>in</a:t>
             </a:r>
             <a:r>
               <a:rPr lang="en-CA" dirty="0" smtClean="0"/>
-              <a:t> units </a:t>
+              <a:t>dependent units </a:t>
+            </a:r>
+            <a:r>
+              <a:rPr lang="en-CA" b="1" dirty="0" err="1"/>
+              <a:t>in</a:t>
+            </a:r>
+            <a:r>
+              <a:rPr lang="en-CA" i="1" dirty="0" err="1"/>
+              <a:t>j</a:t>
+            </a:r>
+            <a:r>
+              <a:rPr lang="en-CA" dirty="0" smtClean="0"/>
+              <a:t> (</a:t>
+            </a:r>
+            <a:r>
+              <a:rPr lang="en-CA" i="1" dirty="0" smtClean="0"/>
+              <a:t>j</a:t>
+            </a:r>
+            <a:r>
+              <a:rPr lang="en-CA" dirty="0" smtClean="0"/>
+              <a:t>=1</a:t>
             </a:r>
             <a:r>
               <a:rPr lang="en-CA" dirty="0"/>
-              <a:t>(</a:t>
+              <a:t>,…,6) </a:t>
+            </a:r>
+            <a:r>
+              <a:rPr lang="en-CA" dirty="0" smtClean="0"/>
+              <a:t> vs.  </a:t>
+            </a:r>
+            <a:r>
+              <a:rPr lang="en-CA" dirty="0"/>
+              <a:t>6 </a:t>
+            </a:r>
+            <a:r>
+              <a:rPr lang="en-CA" b="1" dirty="0" smtClean="0"/>
+              <a:t>de</a:t>
+            </a:r>
+            <a:r>
+              <a:rPr lang="en-CA" dirty="0" smtClean="0"/>
+              <a:t>pendent units </a:t>
+            </a:r>
+            <a:r>
+              <a:rPr lang="en-CA" b="1" dirty="0" err="1"/>
+              <a:t>de</a:t>
+            </a:r>
+            <a:r>
+              <a:rPr lang="en-CA" i="1" dirty="0" err="1"/>
+              <a:t>j</a:t>
+            </a:r>
+            <a:r>
+              <a:rPr lang="en-CA" dirty="0" smtClean="0"/>
+              <a:t> (</a:t>
             </a:r>
             <a:r>
               <a:rPr lang="en-CA" i="1" dirty="0" smtClean="0"/>
-              <a:t>x</a:t>
+              <a:t>j</a:t>
             </a:r>
             <a:r>
               <a:rPr lang="en-CA" dirty="0" smtClean="0"/>
-              <a:t>=n; </a:t>
-            </a:r>
-            <a:r>
-              <a:rPr lang="en-CA" i="1" dirty="0"/>
-              <a:t>i</a:t>
+              <a:t>=1</a:t>
             </a:r>
             <a:r>
               <a:rPr lang="en-CA" dirty="0"/>
-              <a:t>=1,…,6) vs. 6 perspectival </a:t>
+              <a:t>,…,6) </a:t>
             </a:r>
             <a:r>
               <a:rPr lang="en-CA" dirty="0" smtClean="0"/>
-              <a:t>units </a:t>
+              <a:t> vs</a:t>
             </a:r>
             <a:r>
               <a:rPr lang="en-CA" dirty="0"/>
-              <a:t>(</a:t>
-            </a:r>
-            <a:r>
-              <a:rPr lang="en-CA" i="1" dirty="0" smtClean="0"/>
-              <a:t>x</a:t>
-            </a:r>
-            <a:r>
-              <a:rPr lang="en-CA" dirty="0" smtClean="0"/>
-              <a:t>=v; </a:t>
-            </a:r>
-            <a:r>
-              <a:rPr lang="en-CA" i="1" dirty="0"/>
-              <a:t>i</a:t>
-            </a:r>
-            <a:r>
-              <a:rPr lang="en-CA" dirty="0"/>
-              <a:t>=1,…,6) vs.</a:t>
+              <a:t>.</a:t>
             </a:r>
             <a:br>
               <a:rPr lang="en-CA" dirty="0"/>
@@ -9602,11 +9806,27 @@
               <a:t>6 </a:t>
             </a:r>
             <a:r>
-              <a:rPr lang="en-CA" dirty="0" err="1"/>
-              <a:t>perspeneutral+perspectival</a:t>
-            </a:r>
-            <a:r>
               <a:rPr lang="en-CA" dirty="0"/>
+              <a:t>combined </a:t>
+            </a:r>
+            <a:r>
+              <a:rPr lang="en-CA" b="1" dirty="0" err="1" smtClean="0"/>
+              <a:t>i</a:t>
+            </a:r>
+            <a:r>
+              <a:rPr lang="en-CA" dirty="0" err="1" smtClean="0"/>
+              <a:t>ndependent+</a:t>
+            </a:r>
+            <a:r>
+              <a:rPr lang="en-CA" b="1" dirty="0" err="1" smtClean="0"/>
+              <a:t>d</a:t>
+            </a:r>
+            <a:r>
+              <a:rPr lang="en-CA" dirty="0" err="1" smtClean="0"/>
+              <a:t>ependent</a:t>
+            </a:r>
+            <a:r>
+              <a:rPr lang="en-CA" dirty="0" smtClean="0"/>
               <a:t> </a:t>
             </a:r>
             <a:r>
@@ -9614,20 +9834,20 @@
               <a:t>units </a:t>
             </a:r>
             <a:r>
+              <a:rPr lang="en-CA" b="1" dirty="0" err="1"/>
+              <a:t>id</a:t>
+            </a:r>
+            <a:r>
+              <a:rPr lang="en-CA" i="1" dirty="0" err="1"/>
+              <a:t>j</a:t>
+            </a:r>
+            <a:r>
               <a:rPr lang="en-CA" dirty="0"/>
-              <a:t>(</a:t>
-            </a:r>
-            <a:r>
-              <a:rPr lang="en-CA" i="1" dirty="0" smtClean="0"/>
-              <a:t>x</a:t>
-            </a:r>
-            <a:r>
-              <a:rPr lang="en-CA" dirty="0" smtClean="0"/>
-              <a:t>=p; </a:t>
+              <a:t> (</a:t>
             </a:r>
             <a:r>
               <a:rPr lang="en-CA" i="1" dirty="0"/>
-              <a:t>i</a:t>
+              <a:t>j</a:t>
             </a:r>
             <a:r>
               <a:rPr lang="en-CA" dirty="0"/>
@@ -9768,20 +9988,20 @@
               <a:t>be reduced, </a:t>
             </a:r>
             <a:r>
+              <a:rPr lang="en-CA" dirty="0">
+                <a:solidFill>
+                  <a:srgbClr val="002060"/>
+                </a:solidFill>
+              </a:rPr>
+              <a:t>DVO-style</a:t>
+            </a:r>
+            <a:r>
               <a:rPr lang="en-CA" dirty="0" smtClean="0">
                 <a:solidFill>
                   <a:srgbClr val="002060"/>
                 </a:solidFill>
               </a:rPr>
-              <a:t>PDO-style, to 2 </a:t>
-            </a:r>
-            <a:r>
-              <a:rPr lang="en-CA" dirty="0" err="1" smtClean="0">
-                <a:solidFill>
-                  <a:srgbClr val="002060"/>
-                </a:solidFill>
-              </a:rPr>
-              <a:t>Perspectivity</a:t>
+              <a:t>, to 2 </a:t>
             </a:r>
             <a:r>
               <a:rPr lang="en-CA" dirty="0" smtClean="0">
@@ -9789,7 +10009,15 @@
                   <a:srgbClr val="002060"/>
                 </a:solidFill>
               </a:rPr>
-              <a:t> slices:</a:t>
+              <a:t>Dependency </a:t>
+            </a:r>
+            <a:r>
+              <a:rPr lang="en-CA" dirty="0" smtClean="0">
+                <a:solidFill>
+                  <a:srgbClr val="002060"/>
+                </a:solidFill>
+              </a:rPr>
+              <a:t>slices:</a:t>
             </a:r>
             <a:r>
               <a:rPr lang="en-US" dirty="0" smtClean="0">
@@ -9805,7 +10033,7 @@
                   <a:srgbClr val="002060"/>
                 </a:solidFill>
               </a:rPr>
-              <a:t>pn1-pn4 and pv1-pv4</a:t>
+              <a:t>in1-in4 and de1-de4</a:t>
             </a:r>
           </a:p>
           <a:p>
@@ -9819,7 +10047,7 @@
                   <a:srgbClr val="002060"/>
                 </a:solidFill>
               </a:rPr>
-              <a:t>Each includes a prominent unit: </a:t>
+              <a:t>Each includes a landmark unit: </a:t>
             </a:r>
             <a:r>
               <a:rPr lang="en-CA" b="1" i="1" dirty="0" err="1">
@@ -9851,7 +10079,7 @@
                   <a:srgbClr val="002060"/>
                 </a:solidFill>
               </a:rPr>
-              <a:t> </a:t>
+              <a:t> (in4</a:t>
             </a:r>
             <a:r>
               <a:rPr lang="en-CA" dirty="0">
@@ -9859,7 +10087,7 @@
                   <a:srgbClr val="002060"/>
                 </a:solidFill>
               </a:rPr>
-              <a:t>(pn4) </a:t>
+              <a:t>) </a:t>
             </a:r>
             <a:r>
               <a:rPr lang="en-CA" dirty="0" smtClean="0">
@@ -9907,7 +10135,7 @@
                   <a:srgbClr val="002060"/>
                 </a:solidFill>
               </a:rPr>
-              <a:t> (pv1</a:t>
+              <a:t> </a:t>
             </a:r>
             <a:r>
               <a:rPr lang="en-CA" dirty="0" smtClean="0">
@@ -9915,7 +10143,7 @@
                   <a:srgbClr val="002060"/>
                 </a:solidFill>
               </a:rPr>
-              <a:t>)</a:t>
+              <a:t>(de1)</a:t>
             </a:r>
           </a:p>
           <a:p>
@@ -9933,11 +10161,15 @@
                   </a:outerShdw>
                 </a:effectLst>
               </a:rPr>
-              <a:t>DPO</a:t>
+              <a:t>VDO</a:t>
             </a:r>
             <a:r>
               <a:rPr lang="en-CA" dirty="0" smtClean="0"/>
-              <a:t> reduction (e.g., for full </a:t>
+              <a:t> </a:t>
+            </a:r>
+            <a:r>
+              <a:rPr lang="en-CA" dirty="0" smtClean="0"/>
+              <a:t>reduction (e.g., for full </a:t>
             </a:r>
             <a:r>
               <a:rPr lang="en-CA" dirty="0" err="1" smtClean="0"/>
@@ -9950,6 +10182,61 @@
             <a:r>
               <a:rPr lang="en-CA" dirty="0"/>
               <a:t>via </a:t>
+            </a:r>
+            <a:r>
+              <a:rPr lang="en-CA" dirty="0" smtClean="0">
+                <a:effectLst>
+                  <a:outerShdw blurRad="38100" dist="38100" dir="2700000" algn="tl">
+                    <a:srgbClr val="000000">
+                      <a:alpha val="43137"/>
+                    </a:srgbClr>
+                  </a:outerShdw>
+                </a:effectLst>
+              </a:rPr>
+              <a:t>V</a:t>
+            </a:r>
+            <a:r>
+              <a:rPr lang="en-CA" dirty="0" smtClean="0"/>
+              <a:t>ariety </a:t>
+            </a:r>
+            <a:r>
+              <a:rPr lang="en-CA" dirty="0" smtClean="0"/>
+              <a:t>dimension,</a:t>
+            </a:r>
+            <a:r>
+              <a:rPr lang="en-US" dirty="0" smtClean="0"/>
+              <a:t> to 3 </a:t>
+            </a:r>
+            <a:r>
+              <a:rPr lang="en-CA" dirty="0" smtClean="0"/>
+              <a:t>slices,</a:t>
+            </a:r>
+            <a:br>
+              <a:rPr lang="en-CA" dirty="0" smtClean="0"/>
+            </a:br>
+            <a:r>
+              <a:rPr lang="en-CA" dirty="0" smtClean="0"/>
+              <a:t>each</a:t>
+            </a:r>
+            <a:r>
+              <a:rPr lang="en-US" dirty="0" smtClean="0"/>
+              <a:t> </a:t>
+            </a:r>
+            <a:r>
+              <a:rPr lang="en-US" dirty="0"/>
+              <a:t>with </a:t>
+            </a:r>
+            <a:r>
+              <a:rPr lang="en-CA" dirty="0"/>
+              <a:t>6 </a:t>
+            </a:r>
+            <a:r>
+              <a:rPr lang="en-CA" dirty="0" smtClean="0"/>
+              <a:t>units structured </a:t>
+            </a:r>
+            <a:r>
+              <a:rPr lang="en-CA" dirty="0"/>
+              <a:t>by </a:t>
             </a:r>
             <a:r>
               <a:rPr lang="en-CA" dirty="0" smtClean="0">
@@ -9965,62 +10252,7 @@
             </a:r>
             <a:r>
               <a:rPr lang="en-CA" dirty="0" smtClean="0"/>
-              <a:t>escriptor dimension,</a:t>
-            </a:r>
-            <a:r>
-              <a:rPr lang="en-US" dirty="0" smtClean="0"/>
-              <a:t> to 3 </a:t>
-            </a:r>
-            <a:r>
-              <a:rPr lang="en-CA" dirty="0" smtClean="0"/>
-              <a:t>slices,</a:t>
-            </a:r>
-            <a:br>
-              <a:rPr lang="en-CA" dirty="0" smtClean="0"/>
-            </a:br>
-            <a:r>
-              <a:rPr lang="en-CA" dirty="0" smtClean="0"/>
-              <a:t>each</a:t>
-            </a:r>
-            <a:r>
-              <a:rPr lang="en-US" dirty="0" smtClean="0"/>
-              <a:t> </a:t>
-            </a:r>
-            <a:r>
-              <a:rPr lang="en-US" dirty="0"/>
-              <a:t>with </a:t>
-            </a:r>
-            <a:r>
-              <a:rPr lang="en-CA" dirty="0"/>
-              <a:t>6 </a:t>
-            </a:r>
-            <a:r>
-              <a:rPr lang="en-CA" dirty="0" smtClean="0"/>
-              <a:t>units structured </a:t>
-            </a:r>
-            <a:r>
-              <a:rPr lang="en-CA" dirty="0"/>
-              <a:t>by </a:t>
-            </a:r>
-            <a:r>
-              <a:rPr lang="en-CA" dirty="0" err="1" smtClean="0">
-                <a:effectLst>
-                  <a:outerShdw blurRad="38100" dist="38100" dir="2700000" algn="tl">
-                    <a:srgbClr val="000000">
-                      <a:alpha val="43137"/>
-                    </a:srgbClr>
-                  </a:outerShdw>
-                </a:effectLst>
-              </a:rPr>
-              <a:t>P</a:t>
-            </a:r>
-            <a:r>
-              <a:rPr lang="en-CA" dirty="0" err="1" smtClean="0"/>
-              <a:t>erspectivity</a:t>
-            </a:r>
-            <a:r>
-              <a:rPr lang="en-CA" dirty="0" smtClean="0"/>
-              <a:t>-row </a:t>
+              <a:t>ependency-row </a:t>
             </a:r>
             <a:r>
               <a:rPr lang="en-CA" dirty="0"/>
@@ -10062,59 +10294,127 @@
             </a:r>
             <a:r>
               <a:rPr lang="en-CA" dirty="0"/>
-              <a:t> units (</a:t>
-            </a:r>
-            <a:r>
-              <a:rPr lang="en-CA" i="1" dirty="0"/>
-              <a:t>x</a:t>
+              <a:t> units </a:t>
+            </a:r>
+            <a:r>
+              <a:rPr lang="en-CA" dirty="0" err="1"/>
+              <a:t>in</a:t>
+            </a:r>
+            <a:r>
+              <a:rPr lang="en-CA" i="1" dirty="0" err="1"/>
+              <a:t>j</a:t>
             </a:r>
             <a:r>
               <a:rPr lang="en-CA" dirty="0"/>
-              <a:t>=</a:t>
+              <a:t>, </a:t>
             </a:r>
             <a:r>
               <a:rPr lang="en-CA" dirty="0" err="1"/>
-              <a:t>n,v,p</a:t>
+              <a:t>de</a:t>
+            </a:r>
+            <a:r>
+              <a:rPr lang="en-CA" i="1" dirty="0" err="1"/>
+              <a:t>j</a:t>
             </a:r>
             <a:r>
               <a:rPr lang="en-CA" dirty="0"/>
-              <a:t>; </a:t>
-            </a:r>
-            <a:r>
-              <a:rPr lang="en-CA" i="1" dirty="0"/>
-              <a:t>i</a:t>
+              <a:t>, </a:t>
+            </a:r>
+            <a:r>
+              <a:rPr lang="en-CA" dirty="0" err="1"/>
+              <a:t>id</a:t>
+            </a:r>
+            <a:r>
+              <a:rPr lang="en-CA" i="1" dirty="0" err="1"/>
+              <a:t>j</a:t>
             </a:r>
             <a:r>
               <a:rPr lang="en-CA" dirty="0"/>
-              <a:t>=5,6) </a:t>
+              <a:t> (</a:t>
+            </a:r>
+            <a:r>
+              <a:rPr lang="en-CA" i="1" dirty="0" smtClean="0"/>
+              <a:t>j</a:t>
             </a:r>
             <a:r>
               <a:rPr lang="en-CA" dirty="0" smtClean="0"/>
-              <a:t>vs. 6 slotted units (</a:t>
+              <a:t>=5,6)  </a:t>
+            </a:r>
+            <a:r>
+              <a:rPr lang="en-CA" dirty="0" smtClean="0"/>
+              <a:t>vs</a:t>
+            </a:r>
+            <a:r>
+              <a:rPr lang="en-CA" dirty="0" smtClean="0"/>
+              <a:t>. </a:t>
+            </a:r>
+            <a:r>
+              <a:rPr lang="en-CA" dirty="0" smtClean="0"/>
+              <a:t> 6 </a:t>
+            </a:r>
+            <a:r>
+              <a:rPr lang="en-CA" dirty="0" smtClean="0"/>
+              <a:t>slotted units </a:t>
+            </a:r>
+            <a:r>
+              <a:rPr lang="en-CA" dirty="0" err="1"/>
+              <a:t>in</a:t>
+            </a:r>
+            <a:r>
+              <a:rPr lang="en-CA" i="1" dirty="0" err="1"/>
+              <a:t>j</a:t>
+            </a:r>
+            <a:r>
+              <a:rPr lang="en-CA" dirty="0"/>
+              <a:t>, </a:t>
+            </a:r>
+            <a:r>
+              <a:rPr lang="en-CA" dirty="0" err="1"/>
+              <a:t>de</a:t>
+            </a:r>
+            <a:r>
+              <a:rPr lang="en-CA" i="1" dirty="0" err="1"/>
+              <a:t>j</a:t>
+            </a:r>
+            <a:r>
+              <a:rPr lang="en-CA" dirty="0"/>
+              <a:t>, </a:t>
+            </a:r>
+            <a:r>
+              <a:rPr lang="en-CA" dirty="0" err="1"/>
+              <a:t>id</a:t>
+            </a:r>
+            <a:r>
+              <a:rPr lang="en-CA" i="1" dirty="0" err="1"/>
+              <a:t>j</a:t>
+            </a:r>
+            <a:r>
+              <a:rPr lang="en-CA" dirty="0"/>
+              <a:t> (</a:t>
             </a:r>
             <a:r>
               <a:rPr lang="en-CA" i="1" dirty="0" smtClean="0"/>
-              <a:t>x</a:t>
+              <a:t>j</a:t>
             </a:r>
             <a:r>
               <a:rPr lang="en-CA" dirty="0" smtClean="0"/>
               <a:t>=</a:t>
             </a:r>
             <a:r>
-              <a:rPr lang="en-CA" dirty="0" err="1" smtClean="0"/>
-              <a:t>n,v,p</a:t>
+              <a:rPr lang="en-CA" dirty="0"/>
+              <a:t>3,4</a:t>
             </a:r>
             <a:r>
               <a:rPr lang="en-CA" dirty="0" smtClean="0"/>
-              <a:t>; </a:t>
-            </a:r>
-            <a:r>
-              <a:rPr lang="en-CA" i="1" dirty="0" smtClean="0"/>
-              <a:t>i</a:t>
+              <a:t>)  </a:t>
             </a:r>
             <a:r>
               <a:rPr lang="en-CA" dirty="0" smtClean="0"/>
-              <a:t>=3,4) vs.</a:t>
+              <a:t>vs</a:t>
+            </a:r>
+            <a:r>
+              <a:rPr lang="en-CA" dirty="0" smtClean="0"/>
+              <a:t>.</a:t>
             </a:r>
             <a:br>
               <a:rPr lang="en-CA" dirty="0" smtClean="0"/>
@@ -10129,36 +10429,61 @@
             </a:r>
             <a:r>
               <a:rPr lang="en-CA" dirty="0"/>
-              <a:t> units (</a:t>
-            </a:r>
-            <a:r>
-              <a:rPr lang="en-CA" i="1" dirty="0"/>
-              <a:t>x</a:t>
+              <a:t> units </a:t>
+            </a:r>
+            <a:r>
+              <a:rPr lang="en-CA" dirty="0" err="1"/>
+              <a:t>in</a:t>
+            </a:r>
+            <a:r>
+              <a:rPr lang="en-CA" i="1" dirty="0" err="1"/>
+              <a:t>j</a:t>
             </a:r>
             <a:r>
               <a:rPr lang="en-CA" dirty="0"/>
+              <a:t>, </a:t>
+            </a:r>
+            <a:r>
+              <a:rPr lang="en-CA" dirty="0" err="1"/>
+              <a:t>de</a:t>
+            </a:r>
+            <a:r>
+              <a:rPr lang="en-CA" i="1" dirty="0" err="1"/>
+              <a:t>j</a:t>
+            </a:r>
+            <a:r>
+              <a:rPr lang="en-CA" dirty="0"/>
+              <a:t>, </a:t>
+            </a:r>
+            <a:r>
+              <a:rPr lang="en-CA" dirty="0" err="1"/>
+              <a:t>id</a:t>
+            </a:r>
+            <a:r>
+              <a:rPr lang="en-CA" i="1" dirty="0" err="1"/>
+              <a:t>j</a:t>
+            </a:r>
+            <a:r>
+              <a:rPr lang="en-CA" dirty="0"/>
+              <a:t> (</a:t>
+            </a:r>
+            <a:r>
+              <a:rPr lang="en-CA" i="1" dirty="0" smtClean="0"/>
+              <a:t>j</a:t>
+            </a:r>
+            <a:r>
+              <a:rPr lang="en-CA" dirty="0" smtClean="0"/>
               <a:t>=</a:t>
             </a:r>
             <a:r>
-              <a:rPr lang="en-CA" dirty="0" err="1"/>
-              <a:t>n,v,p</a:t>
-            </a:r>
-            <a:r>
               <a:rPr lang="en-CA" dirty="0"/>
-              <a:t>; </a:t>
-            </a:r>
-            <a:r>
-              <a:rPr lang="en-CA" i="1" dirty="0"/>
-              <a:t>i</a:t>
-            </a:r>
-            <a:r>
-              <a:rPr lang="en-CA" dirty="0"/>
-              <a:t>=1,2</a:t>
+              <a:t>1,2</a:t>
             </a:r>
             <a:r>
               <a:rPr lang="en-CA" dirty="0" smtClean="0"/>
               <a:t>)</a:t>
             </a:r>
+            <a:endParaRPr lang="en-CA" dirty="0" smtClean="0"/>
           </a:p>
           <a:p>
             <a:pPr marL="285750" indent="-285750">
@@ -10166,7 +10491,7 @@
               <a:buChar char="•"/>
             </a:pPr>
             <a:r>
-              <a:rPr lang="en-CA" dirty="0">
+              <a:rPr lang="en-CA" dirty="0" smtClean="0">
                 <a:effectLst>
                   <a:outerShdw blurRad="38100" dist="38100" dir="2700000" algn="tl">
                     <a:srgbClr val="000000">
@@ -10175,11 +10500,15 @@
                   </a:outerShdw>
                 </a:effectLst>
               </a:rPr>
-              <a:t>ODP</a:t>
+              <a:t>OVD</a:t>
+            </a:r>
+            <a:r>
+              <a:rPr lang="en-CA" dirty="0" smtClean="0"/>
+              <a:t> </a:t>
             </a:r>
             <a:r>
               <a:rPr lang="en-CA" dirty="0"/>
-              <a:t> reduction (e.g., for </a:t>
+              <a:t>reduction (e.g., for </a:t>
             </a:r>
             <a:r>
               <a:rPr lang="en-CA" dirty="0" smtClean="0"/>
@@ -10254,18 +10583,18 @@
                   </a:outerShdw>
                 </a:effectLst>
               </a:rPr>
-              <a:t>D</a:t>
+              <a:t>V</a:t>
             </a:r>
             <a:r>
               <a:rPr lang="en-CA" dirty="0" smtClean="0"/>
-              <a:t>escriptor-row </a:t>
+              <a:t>ariety-row </a:t>
             </a:r>
             <a:r>
               <a:rPr lang="en-CA" dirty="0"/>
               <a:t>and </a:t>
             </a:r>
             <a:r>
-              <a:rPr lang="en-CA" dirty="0" err="1">
+              <a:rPr lang="en-CA" dirty="0" smtClean="0">
                 <a:effectLst>
                   <a:outerShdw blurRad="38100" dist="38100" dir="2700000" algn="tl">
                     <a:srgbClr val="000000">
@@ -10274,15 +10603,15 @@
                   </a:outerShdw>
                 </a:effectLst>
               </a:rPr>
-              <a:t>P</a:t>
-            </a:r>
-            <a:r>
-              <a:rPr lang="en-CA" dirty="0" err="1"/>
-              <a:t>erspectivity</a:t>
+              <a:t>D</a:t>
+            </a:r>
+            <a:r>
+              <a:rPr lang="en-CA" dirty="0" smtClean="0"/>
+              <a:t>ependency-column </a:t>
             </a:r>
             <a:r>
               <a:rPr lang="en-CA" dirty="0"/>
-              <a:t>-column dimensions:</a:t>
+              <a:t>dimensions:</a:t>
             </a:r>
           </a:p>
           <a:p>
@@ -10300,35 +10629,71 @@
             </a:r>
             <a:r>
               <a:rPr lang="en-CA" dirty="0"/>
-              <a:t> units (</a:t>
-            </a:r>
-            <a:r>
-              <a:rPr lang="en-CA" i="1" dirty="0"/>
-              <a:t>x</a:t>
+              <a:t> units </a:t>
+            </a:r>
+            <a:r>
+              <a:rPr lang="en-CA" dirty="0" err="1"/>
+              <a:t>in</a:t>
+            </a:r>
+            <a:r>
+              <a:rPr lang="en-CA" i="1" dirty="0" err="1"/>
+              <a:t>j</a:t>
             </a:r>
             <a:r>
               <a:rPr lang="en-CA" dirty="0"/>
+              <a:t>, </a:t>
+            </a:r>
+            <a:r>
+              <a:rPr lang="en-CA" dirty="0" err="1"/>
+              <a:t>de</a:t>
+            </a:r>
+            <a:r>
+              <a:rPr lang="en-CA" i="1" dirty="0" err="1"/>
+              <a:t>j</a:t>
+            </a:r>
+            <a:r>
+              <a:rPr lang="en-CA" dirty="0"/>
+              <a:t>, </a:t>
+            </a:r>
+            <a:r>
+              <a:rPr lang="en-CA" dirty="0" err="1"/>
+              <a:t>id</a:t>
+            </a:r>
+            <a:r>
+              <a:rPr lang="en-CA" i="1" dirty="0" err="1"/>
+              <a:t>j</a:t>
+            </a:r>
+            <a:r>
+              <a:rPr lang="en-CA" dirty="0"/>
+              <a:t> (</a:t>
+            </a:r>
+            <a:r>
+              <a:rPr lang="en-CA" i="1" dirty="0" smtClean="0"/>
+              <a:t>j</a:t>
+            </a:r>
+            <a:r>
+              <a:rPr lang="en-CA" dirty="0" smtClean="0"/>
               <a:t>=</a:t>
             </a:r>
             <a:r>
-              <a:rPr lang="en-CA" dirty="0" err="1"/>
-              <a:t>n,v,p</a:t>
-            </a:r>
-            <a:r>
               <a:rPr lang="en-CA" dirty="0"/>
-              <a:t>; </a:t>
-            </a:r>
-            <a:r>
-              <a:rPr lang="en-CA" i="1" dirty="0"/>
-              <a:t>i</a:t>
+              <a:t>2,4,6</a:t>
+            </a:r>
+            <a:r>
+              <a:rPr lang="en-CA" dirty="0" smtClean="0"/>
+              <a:t>)  </a:t>
+            </a:r>
+            <a:r>
+              <a:rPr lang="en-CA" dirty="0" smtClean="0"/>
+              <a:t>vs</a:t>
             </a:r>
             <a:r>
               <a:rPr lang="en-CA" dirty="0"/>
-              <a:t>=2,4,6) vs. </a:t>
+              <a:t>. </a:t>
             </a:r>
             <a:r>
               <a:rPr lang="en-CA" dirty="0" smtClean="0"/>
-              <a:t>9 </a:t>
+              <a:t> 9 </a:t>
             </a:r>
             <a:r>
               <a:rPr lang="en-CA" dirty="0" err="1"/>
@@ -10343,32 +10708,52 @@
               <a:t>units </a:t>
             </a:r>
             <a:r>
+              <a:rPr lang="en-CA" dirty="0" err="1"/>
+              <a:t>in</a:t>
+            </a:r>
+            <a:r>
+              <a:rPr lang="en-CA" i="1" dirty="0" err="1"/>
+              <a:t>j</a:t>
+            </a:r>
+            <a:r>
               <a:rPr lang="en-CA" dirty="0"/>
-              <a:t>(</a:t>
-            </a:r>
-            <a:r>
-              <a:rPr lang="en-CA" i="1" dirty="0"/>
-              <a:t>x</a:t>
+              <a:t>, </a:t>
+            </a:r>
+            <a:r>
+              <a:rPr lang="en-CA" dirty="0" err="1"/>
+              <a:t>de</a:t>
+            </a:r>
+            <a:r>
+              <a:rPr lang="en-CA" i="1" dirty="0" err="1"/>
+              <a:t>j</a:t>
             </a:r>
             <a:r>
               <a:rPr lang="en-CA" dirty="0"/>
+              <a:t>, </a:t>
+            </a:r>
+            <a:r>
+              <a:rPr lang="en-CA" dirty="0" err="1"/>
+              <a:t>id</a:t>
+            </a:r>
+            <a:r>
+              <a:rPr lang="en-CA" i="1" dirty="0" err="1"/>
+              <a:t>j</a:t>
+            </a:r>
+            <a:r>
+              <a:rPr lang="en-CA" dirty="0"/>
+              <a:t> (</a:t>
+            </a:r>
+            <a:r>
+              <a:rPr lang="en-CA" i="1" dirty="0" smtClean="0"/>
+              <a:t>j</a:t>
+            </a:r>
+            <a:r>
+              <a:rPr lang="en-CA" dirty="0" smtClean="0"/>
               <a:t>=</a:t>
             </a:r>
             <a:r>
-              <a:rPr lang="en-CA" dirty="0" err="1"/>
-              <a:t>n,v,p</a:t>
-            </a:r>
-            <a:r>
               <a:rPr lang="en-CA" dirty="0"/>
-              <a:t>; </a:t>
-            </a:r>
-            <a:r>
-              <a:rPr lang="en-CA" i="1" dirty="0"/>
-              <a:t>i</a:t>
-            </a:r>
-            <a:r>
-              <a:rPr lang="en-CA" dirty="0"/>
-              <a:t>=1,3,5</a:t>
+              <a:t>1,3,5</a:t>
             </a:r>
             <a:r>
               <a:rPr lang="en-CA" dirty="0" smtClean="0"/>
@@ -13372,8 +13757,12 @@
           <a:lstStyle/>
           <a:p>
             <a:r>
+              <a:rPr lang="en-CA" dirty="0" smtClean="0"/>
+              <a:t>in1</a:t>
+            </a:r>
+            <a:r>
               <a:rPr lang="en-CA" dirty="0"/>
-              <a:t>pn1. single-tuple:</a:t>
+              <a:t>. single-tuple:</a:t>
             </a:r>
           </a:p>
           <a:p>
@@ -13409,7 +13798,7 @@
           <a:p>
             <a:r>
               <a:rPr lang="en-CA" dirty="0" smtClean="0"/>
-              <a:t>pn4: </a:t>
+              <a:t>in4: </a:t>
             </a:r>
             <a:r>
               <a:rPr lang="en-CA" b="1" dirty="0" err="1" smtClean="0"/>
@@ -13428,7 +13817,7 @@
         <p:spPr>
           <a:xfrm>
             <a:off x="971600" y="4355812"/>
-            <a:ext cx="1687193" cy="369332"/>
+            <a:ext cx="1618264" cy="369332"/>
           </a:xfrm>
           <a:prstGeom prst="rect">
             <a:avLst/>
@@ -13442,8 +13831,12 @@
           <a:lstStyle/>
           <a:p>
             <a:r>
+              <a:rPr lang="en-CA" dirty="0" smtClean="0"/>
+              <a:t>in3</a:t>
+            </a:r>
+            <a:r>
               <a:rPr lang="en-CA" dirty="0"/>
-              <a:t>pn3. </a:t>
+              <a:t>. </a:t>
             </a:r>
             <a:r>
               <a:rPr lang="en-CA" dirty="0" err="1"/>
@@ -14717,8 +15110,12 @@
           <a:lstStyle/>
           <a:p>
             <a:r>
+              <a:rPr lang="en-CA" dirty="0" smtClean="0"/>
+              <a:t>in2</a:t>
+            </a:r>
+            <a:r>
               <a:rPr lang="en-CA" dirty="0"/>
-              <a:t>pn2. </a:t>
+              <a:t>. </a:t>
             </a:r>
             <a:r>
               <a:rPr lang="en-CA" dirty="0" smtClean="0"/>
@@ -15815,7 +16212,7 @@
         <p:spPr>
           <a:xfrm>
             <a:off x="971600" y="1156682"/>
-            <a:ext cx="6943696" cy="400110"/>
+            <a:ext cx="6873998" cy="400110"/>
           </a:xfrm>
           <a:prstGeom prst="rect">
             <a:avLst/>
@@ -15857,24 +16254,12 @@
               <a:t>/slotted atoms that are </a:t>
             </a:r>
             <a:r>
-              <a:rPr lang="en-CA" sz="2000" b="1" dirty="0" err="1"/>
-              <a:t>p</a:t>
-            </a:r>
-            <a:r>
-              <a:rPr lang="en-CA" sz="2000" dirty="0" err="1" smtClean="0"/>
-              <a:t>erspe</a:t>
-            </a:r>
-            <a:r>
-              <a:rPr lang="en-CA" sz="2000" b="1" dirty="0" err="1" smtClean="0"/>
-              <a:t>n</a:t>
-            </a:r>
-            <a:r>
-              <a:rPr lang="en-CA" sz="2000" dirty="0" err="1" smtClean="0"/>
-              <a:t>eutral</a:t>
+              <a:rPr lang="en-CA" sz="2000" b="1" dirty="0" smtClean="0"/>
+              <a:t>in</a:t>
             </a:r>
             <a:r>
               <a:rPr lang="en-CA" sz="2000" dirty="0" smtClean="0"/>
-              <a:t>:</a:t>
+              <a:t>dependent:</a:t>
             </a:r>
             <a:endParaRPr lang="en-CA" sz="2000" dirty="0"/>
           </a:p>
@@ -16626,12 +17011,8 @@
               <a:t>the </a:t>
             </a:r>
             <a:r>
-              <a:rPr lang="en-US" altLang="en-US" sz="4800" dirty="0" err="1" smtClean="0"/>
-              <a:t>Perspectivity</a:t>
-            </a:r>
-            <a:r>
               <a:rPr lang="en-US" altLang="en-US" sz="4800" dirty="0" smtClean="0"/>
-              <a:t> Slices</a:t>
+              <a:t>Dependency Slices</a:t>
             </a:r>
             <a:endParaRPr lang="en-CA" sz="4500" dirty="0"/>
           </a:p>
@@ -16881,8 +17262,12 @@
           <a:lstStyle/>
           <a:p>
             <a:r>
+              <a:rPr lang="en-CA" dirty="0" smtClean="0"/>
+              <a:t>in5</a:t>
+            </a:r>
+            <a:r>
               <a:rPr lang="en-CA" dirty="0"/>
-              <a:t>pn5. </a:t>
+              <a:t>. </a:t>
             </a:r>
             <a:r>
               <a:rPr lang="en-CA" dirty="0" smtClean="0"/>
@@ -20020,8 +20405,12 @@
           <a:lstStyle/>
           <a:p>
             <a:r>
+              <a:rPr lang="en-CA" dirty="0" smtClean="0"/>
+              <a:t>in6</a:t>
+            </a:r>
+            <a:r>
               <a:rPr lang="en-CA" dirty="0"/>
-              <a:t>pn6. single-tuple:</a:t>
+              <a:t>. single-tuple:</a:t>
             </a:r>
           </a:p>
           <a:p>
@@ -20175,7 +20564,7 @@
         <p:spPr>
           <a:xfrm>
             <a:off x="971600" y="1052736"/>
-            <a:ext cx="8061053" cy="400110"/>
+            <a:ext cx="8049063" cy="400110"/>
           </a:xfrm>
           <a:prstGeom prst="rect">
             <a:avLst/>
@@ -20221,24 +20610,12 @@
               <a:t> atoms that are </a:t>
             </a:r>
             <a:r>
-              <a:rPr lang="en-CA" sz="2000" b="1" dirty="0" err="1"/>
-              <a:t>p</a:t>
-            </a:r>
-            <a:r>
-              <a:rPr lang="en-CA" sz="2000" dirty="0" err="1" smtClean="0"/>
-              <a:t>erspe</a:t>
-            </a:r>
-            <a:r>
-              <a:rPr lang="en-CA" sz="2000" b="1" dirty="0" err="1" smtClean="0"/>
-              <a:t>n</a:t>
-            </a:r>
-            <a:r>
-              <a:rPr lang="en-CA" sz="2000" dirty="0" err="1" smtClean="0"/>
-              <a:t>eutral</a:t>
+              <a:rPr lang="en-CA" sz="2000" b="1" dirty="0" smtClean="0"/>
+              <a:t>in</a:t>
             </a:r>
             <a:r>
               <a:rPr lang="en-CA" sz="2000" dirty="0" smtClean="0"/>
-              <a:t>:</a:t>
+              <a:t>dependent:</a:t>
             </a:r>
             <a:endParaRPr lang="en-CA" sz="2000" dirty="0"/>
           </a:p>
@@ -25851,8 +26228,12 @@
           <a:lstStyle/>
           <a:p>
             <a:r>
+              <a:rPr lang="en-CA" dirty="0" smtClean="0"/>
+              <a:t>de1</a:t>
+            </a:r>
+            <a:r>
               <a:rPr lang="en-CA" dirty="0"/>
-              <a:t>pv1. </a:t>
+              <a:t>. </a:t>
             </a:r>
             <a:r>
               <a:rPr lang="en-CA" dirty="0" smtClean="0"/>
@@ -25892,7 +26273,7 @@
           <a:p>
             <a:r>
               <a:rPr lang="en-CA" dirty="0" smtClean="0"/>
-              <a:t>pv3: </a:t>
+              <a:t>de3: </a:t>
             </a:r>
             <a:r>
               <a:rPr lang="en-CA" dirty="0" err="1"/>
@@ -25925,8 +26306,12 @@
           <a:lstStyle/>
           <a:p>
             <a:r>
+              <a:rPr lang="en-CA" dirty="0" smtClean="0"/>
+              <a:t>de4</a:t>
+            </a:r>
+            <a:r>
               <a:rPr lang="en-CA" dirty="0"/>
-              <a:t>pv4. </a:t>
+              <a:t>. </a:t>
             </a:r>
             <a:r>
               <a:rPr lang="en-CA" dirty="0" err="1"/>
@@ -27198,8 +27583,12 @@
           <a:lstStyle/>
           <a:p>
             <a:r>
+              <a:rPr lang="en-CA" dirty="0" smtClean="0"/>
+              <a:t>de2</a:t>
+            </a:r>
+            <a:r>
               <a:rPr lang="en-CA" dirty="0"/>
-              <a:t>pv2. single-tuple:</a:t>
+              <a:t>. single-tuple:</a:t>
             </a:r>
           </a:p>
           <a:p>
@@ -27756,7 +28145,7 @@
         <p:spPr>
           <a:xfrm>
             <a:off x="971600" y="404664"/>
-            <a:ext cx="6806287" cy="400110"/>
+            <a:ext cx="6678431" cy="400110"/>
           </a:xfrm>
           <a:prstGeom prst="rect">
             <a:avLst/>
@@ -27803,19 +28192,11 @@
             </a:r>
             <a:r>
               <a:rPr lang="en-CA" sz="2000" b="1" dirty="0" smtClean="0"/>
-              <a:t>p</a:t>
+              <a:t>de</a:t>
             </a:r>
             <a:r>
               <a:rPr lang="en-CA" sz="2000" dirty="0" smtClean="0"/>
-              <a:t>erspecti</a:t>
-            </a:r>
-            <a:r>
-              <a:rPr lang="en-CA" sz="2000" b="1" dirty="0" smtClean="0"/>
-              <a:t>v</a:t>
-            </a:r>
-            <a:r>
-              <a:rPr lang="en-CA" sz="2000" dirty="0" smtClean="0"/>
-              <a:t>al:</a:t>
+              <a:t>pendent:</a:t>
             </a:r>
             <a:endParaRPr lang="en-CA" sz="2000" dirty="0"/>
           </a:p>
@@ -31801,7 +32182,7 @@
           <a:p>
             <a:r>
               <a:rPr lang="en-CA" dirty="0" smtClean="0"/>
-              <a:t>pv5</a:t>
+              <a:t>de5</a:t>
             </a:r>
             <a:r>
               <a:rPr lang="en-CA" dirty="0"/>
@@ -31844,8 +32225,12 @@
           <a:lstStyle/>
           <a:p>
             <a:r>
+              <a:rPr lang="en-CA" dirty="0" smtClean="0"/>
+              <a:t>de6</a:t>
+            </a:r>
+            <a:r>
               <a:rPr lang="en-CA" dirty="0"/>
-              <a:t>pv6. </a:t>
+              <a:t>. </a:t>
             </a:r>
             <a:r>
               <a:rPr lang="en-CA" dirty="0" smtClean="0"/>
@@ -31870,7 +32255,7 @@
         <p:spPr>
           <a:xfrm>
             <a:off x="971600" y="1052736"/>
-            <a:ext cx="7981352" cy="400110"/>
+            <a:ext cx="7853497" cy="400110"/>
           </a:xfrm>
           <a:prstGeom prst="rect">
             <a:avLst/>
@@ -31913,27 +32298,15 @@
             </a:r>
             <a:r>
               <a:rPr lang="en-CA" sz="2000" dirty="0" smtClean="0"/>
-              <a:t> atoms that are</a:t>
-            </a:r>
-            <a:r>
-              <a:rPr lang="en-CA" sz="2000" b="1" dirty="0"/>
-              <a:t> </a:t>
+              <a:t> atoms that are </a:t>
             </a:r>
             <a:r>
               <a:rPr lang="en-CA" sz="2000" b="1" dirty="0" smtClean="0"/>
-              <a:t>p</a:t>
+              <a:t>de</a:t>
             </a:r>
             <a:r>
               <a:rPr lang="en-CA" sz="2000" dirty="0" smtClean="0"/>
-              <a:t>erspecti</a:t>
-            </a:r>
-            <a:r>
-              <a:rPr lang="en-CA" sz="2000" b="1" dirty="0" smtClean="0"/>
-              <a:t>v</a:t>
-            </a:r>
-            <a:r>
-              <a:rPr lang="en-CA" sz="2000" dirty="0" smtClean="0"/>
-              <a:t>al:</a:t>
+              <a:t>pendent:</a:t>
             </a:r>
             <a:endParaRPr lang="en-CA" sz="2000" dirty="0"/>
           </a:p>
@@ -35161,7 +35534,7 @@
         <p:spPr>
           <a:xfrm>
             <a:off x="971600" y="1315189"/>
-            <a:ext cx="598241" cy="369332"/>
+            <a:ext cx="529312" cy="369332"/>
           </a:xfrm>
           <a:prstGeom prst="rect">
             <a:avLst/>
@@ -35176,7 +35549,7 @@
           <a:p>
             <a:r>
               <a:rPr lang="en-CA" dirty="0" smtClean="0"/>
-              <a:t>pp1 </a:t>
+              <a:t>id1 </a:t>
             </a:r>
             <a:endParaRPr lang="en-CA" dirty="0"/>
           </a:p>
@@ -35191,7 +35564,7 @@
         <p:spPr>
           <a:xfrm>
             <a:off x="971600" y="2969632"/>
-            <a:ext cx="545342" cy="369332"/>
+            <a:ext cx="476412" cy="369332"/>
           </a:xfrm>
           <a:prstGeom prst="rect">
             <a:avLst/>
@@ -35206,7 +35579,7 @@
           <a:p>
             <a:r>
               <a:rPr lang="en-CA" dirty="0" smtClean="0"/>
-              <a:t>pp2</a:t>
+              <a:t>id2</a:t>
             </a:r>
             <a:endParaRPr lang="en-CA" dirty="0"/>
           </a:p>
@@ -36505,7 +36878,7 @@
         <p:spPr>
           <a:xfrm>
             <a:off x="971600" y="404664"/>
-            <a:ext cx="7986802" cy="369332"/>
+            <a:ext cx="7775847" cy="369332"/>
           </a:xfrm>
           <a:prstGeom prst="rect">
             <a:avLst/>
@@ -36552,19 +36925,19 @@
             </a:r>
             <a:r>
               <a:rPr lang="en-CA" b="1" dirty="0" err="1" smtClean="0"/>
-              <a:t>p</a:t>
+              <a:t>i</a:t>
             </a:r>
             <a:r>
               <a:rPr lang="en-CA" dirty="0" err="1" smtClean="0"/>
-              <a:t>erspeneutral+</a:t>
+              <a:t>ndependent+</a:t>
             </a:r>
             <a:r>
               <a:rPr lang="en-CA" b="1" dirty="0" err="1" smtClean="0"/>
-              <a:t>p</a:t>
+              <a:t>d</a:t>
             </a:r>
             <a:r>
               <a:rPr lang="en-CA" dirty="0" err="1" smtClean="0"/>
-              <a:t>erspectival</a:t>
+              <a:t>ependent</a:t>
             </a:r>
             <a:r>
               <a:rPr lang="en-CA" dirty="0" smtClean="0"/>
@@ -39309,7 +39682,7 @@
         <p:spPr>
           <a:xfrm>
             <a:off x="971600" y="4540478"/>
-            <a:ext cx="545342" cy="369332"/>
+            <a:ext cx="476412" cy="369332"/>
           </a:xfrm>
           <a:prstGeom prst="rect">
             <a:avLst/>
@@ -39324,7 +39697,7 @@
           <a:p>
             <a:r>
               <a:rPr lang="en-CA" dirty="0" smtClean="0"/>
-              <a:t>pp3</a:t>
+              <a:t>id3</a:t>
             </a:r>
             <a:endParaRPr lang="en-CA" dirty="0"/>
           </a:p>
@@ -39339,7 +39712,7 @@
         <p:spPr>
           <a:xfrm>
             <a:off x="971600" y="5974897"/>
-            <a:ext cx="545342" cy="369332"/>
+            <a:ext cx="476412" cy="369332"/>
           </a:xfrm>
           <a:prstGeom prst="rect">
             <a:avLst/>
@@ -39354,7 +39727,7 @@
           <a:p>
             <a:r>
               <a:rPr lang="en-CA" dirty="0" smtClean="0"/>
-              <a:t>pp4</a:t>
+              <a:t>id4</a:t>
             </a:r>
             <a:endParaRPr lang="en-CA" dirty="0"/>
           </a:p>
@@ -42928,7 +43301,7 @@
         <p:spPr>
           <a:xfrm>
             <a:off x="971600" y="2351312"/>
-            <a:ext cx="545342" cy="369332"/>
+            <a:ext cx="476412" cy="369332"/>
           </a:xfrm>
           <a:prstGeom prst="rect">
             <a:avLst/>
@@ -42943,7 +43316,7 @@
           <a:p>
             <a:r>
               <a:rPr lang="en-CA" dirty="0" smtClean="0"/>
-              <a:t>pp5</a:t>
+              <a:t>id5</a:t>
             </a:r>
             <a:endParaRPr lang="en-CA" dirty="0"/>
           </a:p>
@@ -42958,7 +43331,7 @@
         <p:spPr>
           <a:xfrm>
             <a:off x="971600" y="4910428"/>
-            <a:ext cx="545342" cy="369332"/>
+            <a:ext cx="476412" cy="369332"/>
           </a:xfrm>
           <a:prstGeom prst="rect">
             <a:avLst/>
@@ -42973,7 +43346,7 @@
           <a:p>
             <a:r>
               <a:rPr lang="en-CA" dirty="0" smtClean="0"/>
-              <a:t>pp6</a:t>
+              <a:t>id6</a:t>
             </a:r>
             <a:endParaRPr lang="en-CA" dirty="0"/>
           </a:p>
@@ -44812,7 +45185,7 @@
         <p:spPr>
           <a:xfrm>
             <a:off x="971600" y="548680"/>
-            <a:ext cx="8057783" cy="369332"/>
+            <a:ext cx="7952626" cy="369332"/>
           </a:xfrm>
           <a:prstGeom prst="rect">
             <a:avLst/>
@@ -44863,35 +45236,19 @@
             </a:r>
             <a:r>
               <a:rPr lang="en-CA" b="1" dirty="0" err="1" smtClean="0"/>
-              <a:t>p</a:t>
+              <a:t>i</a:t>
             </a:r>
             <a:r>
               <a:rPr lang="en-CA" dirty="0" err="1" smtClean="0"/>
-              <a:t>ersp</a:t>
-            </a:r>
-            <a:r>
-              <a:rPr lang="en-CA" dirty="0" err="1"/>
-              <a:t>ene</a:t>
+              <a:t>ndependent+</a:t>
+            </a:r>
+            <a:r>
+              <a:rPr lang="en-CA" b="1" dirty="0" err="1" smtClean="0"/>
+              <a:t>d</a:t>
             </a:r>
             <a:r>
               <a:rPr lang="en-CA" dirty="0" err="1" smtClean="0"/>
-              <a:t>utral+</a:t>
-            </a:r>
-            <a:r>
-              <a:rPr lang="en-CA" b="1" dirty="0" err="1" smtClean="0"/>
-              <a:t>p</a:t>
-            </a:r>
-            <a:r>
-              <a:rPr lang="en-CA" dirty="0" err="1" smtClean="0"/>
-              <a:t>erspec</a:t>
-            </a:r>
-            <a:r>
-              <a:rPr lang="en-CA" dirty="0" err="1"/>
-              <a:t>tiv</a:t>
-            </a:r>
-            <a:r>
-              <a:rPr lang="en-CA" dirty="0" err="1" smtClean="0"/>
-              <a:t>al</a:t>
+              <a:t>ependent</a:t>
             </a:r>
             <a:r>
               <a:rPr lang="en-CA" dirty="0" smtClean="0"/>

--- a/talks/PSOAMetamodelGrailogWedding.pptx
+++ b/talks/PSOAMetamodelGrailogWedding.pptx
@@ -207,7 +207,7 @@
           <a:p>
             <a:fld id="{A9361764-17DB-4EFB-8397-31D7F8C11F64}" type="datetimeFigureOut">
               <a:rPr lang="en-CA" smtClean="0"/>
-              <a:t>2019-10-13</a:t>
+              <a:t>2019-10-15</a:t>
             </a:fld>
             <a:endParaRPr lang="en-CA"/>
           </a:p>
@@ -656,7 +656,7 @@
           <a:p>
             <a:fld id="{098EC68B-E961-416A-B655-846E5AC17167}" type="datetime1">
               <a:rPr lang="en-CA" smtClean="0"/>
-              <a:t>2019-10-13</a:t>
+              <a:t>2019-10-15</a:t>
             </a:fld>
             <a:endParaRPr lang="en-CA"/>
           </a:p>
@@ -826,7 +826,7 @@
           <a:p>
             <a:fld id="{E07626B9-A935-446E-9129-38D11AE25D60}" type="datetime1">
               <a:rPr lang="en-CA" smtClean="0"/>
-              <a:t>2019-10-13</a:t>
+              <a:t>2019-10-15</a:t>
             </a:fld>
             <a:endParaRPr lang="en-CA"/>
           </a:p>
@@ -1006,7 +1006,7 @@
           <a:p>
             <a:fld id="{583703F1-3B6D-46EB-A76E-6949744F47DE}" type="datetime1">
               <a:rPr lang="en-CA" smtClean="0"/>
-              <a:t>2019-10-13</a:t>
+              <a:t>2019-10-15</a:t>
             </a:fld>
             <a:endParaRPr lang="en-CA"/>
           </a:p>
@@ -1176,7 +1176,7 @@
           <a:p>
             <a:fld id="{31DB09E8-757E-43EB-812C-57B263F18654}" type="datetime1">
               <a:rPr lang="en-CA" smtClean="0"/>
-              <a:t>2019-10-13</a:t>
+              <a:t>2019-10-15</a:t>
             </a:fld>
             <a:endParaRPr lang="en-CA"/>
           </a:p>
@@ -1422,7 +1422,7 @@
           <a:p>
             <a:fld id="{D5E95CC2-566E-4FAB-B06E-7F3B62A5E53C}" type="datetime1">
               <a:rPr lang="en-CA" smtClean="0"/>
-              <a:t>2019-10-13</a:t>
+              <a:t>2019-10-15</a:t>
             </a:fld>
             <a:endParaRPr lang="en-CA"/>
           </a:p>
@@ -1710,7 +1710,7 @@
           <a:p>
             <a:fld id="{95A43E41-714C-4DD9-B56F-86957FFB7A45}" type="datetime1">
               <a:rPr lang="en-CA" smtClean="0"/>
-              <a:t>2019-10-13</a:t>
+              <a:t>2019-10-15</a:t>
             </a:fld>
             <a:endParaRPr lang="en-CA"/>
           </a:p>
@@ -2132,7 +2132,7 @@
           <a:p>
             <a:fld id="{B925E3A5-2D59-44BA-AF6A-9E991D55C46C}" type="datetime1">
               <a:rPr lang="en-CA" smtClean="0"/>
-              <a:t>2019-10-13</a:t>
+              <a:t>2019-10-15</a:t>
             </a:fld>
             <a:endParaRPr lang="en-CA"/>
           </a:p>
@@ -2250,7 +2250,7 @@
           <a:p>
             <a:fld id="{3BD2D63C-9D26-48F9-B4BD-FA63389DE780}" type="datetime1">
               <a:rPr lang="en-CA" smtClean="0"/>
-              <a:t>2019-10-13</a:t>
+              <a:t>2019-10-15</a:t>
             </a:fld>
             <a:endParaRPr lang="en-CA"/>
           </a:p>
@@ -2345,7 +2345,7 @@
           <a:p>
             <a:fld id="{B4260FF7-0F9A-4441-BC4E-F8AA61FD7668}" type="datetime1">
               <a:rPr lang="en-CA" smtClean="0"/>
-              <a:t>2019-10-13</a:t>
+              <a:t>2019-10-15</a:t>
             </a:fld>
             <a:endParaRPr lang="en-CA"/>
           </a:p>
@@ -2622,7 +2622,7 @@
           <a:p>
             <a:fld id="{3B3FDE74-6DB8-45D8-A7CA-E1F60E0D837E}" type="datetime1">
               <a:rPr lang="en-CA" smtClean="0"/>
-              <a:t>2019-10-13</a:t>
+              <a:t>2019-10-15</a:t>
             </a:fld>
             <a:endParaRPr lang="en-CA"/>
           </a:p>
@@ -2875,7 +2875,7 @@
           <a:p>
             <a:fld id="{EFE21605-BC5B-4039-9D4B-D94AAA01DF2D}" type="datetime1">
               <a:rPr lang="en-CA" smtClean="0"/>
-              <a:t>2019-10-13</a:t>
+              <a:t>2019-10-15</a:t>
             </a:fld>
             <a:endParaRPr lang="en-CA"/>
           </a:p>
@@ -3088,7 +3088,7 @@
           <a:p>
             <a:fld id="{3C39659D-CCE5-4A05-8094-1E79A9359DD5}" type="datetime1">
               <a:rPr lang="en-CA" smtClean="0"/>
-              <a:t>2019-10-13</a:t>
+              <a:t>2019-10-15</a:t>
             </a:fld>
             <a:endParaRPr lang="en-CA"/>
           </a:p>
@@ -3746,11 +3746,11 @@
             </a:r>
             <a:r>
               <a:rPr lang="en-US" sz="1800" dirty="0"/>
-              <a:t>. 13, </a:t>
+              <a:t>. </a:t>
             </a:r>
             <a:r>
               <a:rPr lang="en-US" sz="1800" dirty="0" smtClean="0"/>
-              <a:t>2019</a:t>
+              <a:t>15, 2019</a:t>
             </a:r>
             <a:endParaRPr lang="en-US" sz="1800" dirty="0"/>
           </a:p>
@@ -8404,12 +8404,12 @@
         <p:spPr>
           <a:xfrm>
             <a:off x="63972" y="1268760"/>
-            <a:ext cx="8892480" cy="5181600"/>
+            <a:ext cx="8972524" cy="5181600"/>
           </a:xfrm>
         </p:spPr>
         <p:txBody>
           <a:bodyPr>
-            <a:normAutofit fontScale="92500" lnSpcReduction="20000"/>
+            <a:normAutofit fontScale="85000" lnSpcReduction="10000"/>
           </a:bodyPr>
           <a:lstStyle/>
           <a:p>
@@ -8436,11 +8436,7 @@
             </a:r>
             <a:r>
               <a:rPr lang="en-CA" dirty="0" smtClean="0"/>
-              <a:t>cube </a:t>
-            </a:r>
-            <a:r>
-              <a:rPr lang="en-CA" dirty="0" smtClean="0"/>
-              <a:t>visualized dynamically by </a:t>
+              <a:t>cube visualized dynamically by </a:t>
             </a:r>
             <a:r>
               <a:rPr lang="en-CA" dirty="0" err="1" smtClean="0">
@@ -8450,11 +8446,7 @@
             </a:r>
             <a:r>
               <a:rPr lang="en-CA" dirty="0" smtClean="0"/>
-              <a:t>, </a:t>
-            </a:r>
-            <a:r>
-              <a:rPr lang="en-CA" dirty="0" smtClean="0"/>
-              <a:t>and atoms (e.g., data </a:t>
+              <a:t>, and atoms (e.g., data </a:t>
             </a:r>
             <a:r>
               <a:rPr lang="en-CA" dirty="0"/>
@@ -8517,31 +8509,35 @@
             </a:r>
             <a:r>
               <a:rPr lang="en-US" altLang="en-US" dirty="0" smtClean="0"/>
-              <a:t>acts </a:t>
+              <a:t>acts augmented </a:t>
+            </a:r>
+            <a:r>
+              <a:rPr lang="en-US" altLang="en-US" dirty="0"/>
+              <a:t>by (</a:t>
             </a:r>
             <a:r>
               <a:rPr lang="en-US" altLang="en-US" dirty="0" smtClean="0"/>
-              <a:t>can be augmented </a:t>
+              <a:t>interoperation) </a:t>
             </a:r>
             <a:r>
               <a:rPr lang="en-US" altLang="en-US" dirty="0"/>
-              <a:t>by (interoperation, …) rules:</a:t>
-            </a:r>
-            <a:r>
-              <a:rPr lang="en-US" altLang="en-US" sz="2600" dirty="0" smtClean="0"/>
+              <a:t>rules:</a:t>
+            </a:r>
+            <a:r>
+              <a:rPr lang="en-US" altLang="en-US" sz="2400" dirty="0" smtClean="0"/>
               <a:t/>
             </a:r>
             <a:br>
-              <a:rPr lang="en-US" altLang="en-US" sz="2600" dirty="0" smtClean="0"/>
+              <a:rPr lang="en-US" altLang="en-US" sz="2400" dirty="0" smtClean="0"/>
             </a:br>
             <a:r>
-              <a:rPr lang="en-US" altLang="en-US" sz="2600" dirty="0" smtClean="0"/>
+              <a:rPr lang="en-US" altLang="en-US" sz="2400" dirty="0" smtClean="0"/>
               <a:t/>
             </a:r>
             <a:br>
-              <a:rPr lang="en-US" altLang="en-US" sz="2600" dirty="0" smtClean="0"/>
+              <a:rPr lang="en-US" altLang="en-US" sz="2400" dirty="0" smtClean="0"/>
             </a:br>
-            <a:endParaRPr lang="en-US" altLang="en-US" sz="2600" dirty="0" smtClean="0"/>
+            <a:endParaRPr lang="en-US" altLang="en-US" sz="2400" dirty="0" smtClean="0"/>
           </a:p>
           <a:p>
             <a:pPr>
@@ -8550,72 +8546,39 @@
               </a:lnSpc>
             </a:pPr>
             <a:r>
+              <a:rPr lang="en-CA" dirty="0"/>
+              <a:t>Core path augmented to </a:t>
+            </a:r>
+            <a:r>
               <a:rPr lang="en-CA" dirty="0" smtClean="0"/>
-              <a:t>PSOA </a:t>
-            </a:r>
-            <a:r>
-              <a:rPr lang="en-US" dirty="0" err="1" smtClean="0"/>
-              <a:t>RuleML</a:t>
-            </a:r>
-            <a:r>
-              <a:rPr lang="en-US" dirty="0" smtClean="0"/>
-              <a:t> </a:t>
+              <a:t>roundtrip between </a:t>
             </a:r>
             <a:r>
               <a:rPr lang="en-CA" dirty="0"/>
-              <a:t>1.03 </a:t>
+              <a:t>wedding </a:t>
             </a:r>
             <a:r>
               <a:rPr lang="en-CA" dirty="0" smtClean="0"/>
-              <a:t>is </a:t>
-            </a:r>
-            <a:r>
-              <a:rPr lang="en-US" dirty="0" smtClean="0"/>
-              <a:t>being </a:t>
-            </a:r>
-            <a:r>
-              <a:rPr lang="en-US" dirty="0" smtClean="0"/>
-              <a:t>standardized </a:t>
-            </a:r>
-            <a:r>
-              <a:rPr lang="en-US" dirty="0"/>
-              <a:t>by </a:t>
-            </a:r>
-            <a:r>
-              <a:rPr lang="en-CA" dirty="0" smtClean="0"/>
-              <a:t>Relax NG schemas</a:t>
+              <a:t>atoms:</a:t>
             </a:r>
             <a:r>
               <a:rPr lang="en-CA" dirty="0"/>
-              <a:t> </a:t>
-            </a:r>
-            <a:r>
-              <a:rPr lang="en-CA" dirty="0" smtClean="0"/>
-              <a:t>for XML-serialized f</a:t>
-            </a:r>
-            <a:r>
-              <a:rPr lang="en-US" altLang="en-US" dirty="0"/>
-              <a:t>acts </a:t>
-            </a:r>
-            <a:r>
-              <a:rPr lang="en-US" altLang="en-US" dirty="0" smtClean="0"/>
-              <a:t>and </a:t>
-            </a:r>
-            <a:r>
+              <a:t/>
+            </a:r>
+            <a:br>
               <a:rPr lang="en-CA" dirty="0"/>
-              <a:t>rules: </a:t>
-            </a:r>
-            <a:r>
-              <a:rPr lang="en-CA" sz="2800" dirty="0">
+            </a:br>
+            <a:r>
+              <a:rPr lang="en-CA" sz="2100" dirty="0">
                 <a:hlinkClick r:id="rId3"/>
               </a:rPr>
               <a:t>http://</a:t>
             </a:r>
             <a:r>
-              <a:rPr lang="en-CA" sz="2800" dirty="0" smtClean="0">
+              <a:rPr lang="en-CA" sz="2100" dirty="0" smtClean="0">
                 <a:hlinkClick r:id="rId3"/>
               </a:rPr>
-              <a:t>wiki.ruleml.org/index.php/PSOA_RuleML#Syntax</a:t>
+              <a:t>wiki.ruleml.org/index.php/Exploring_the_PSOA_RuleML_Space_of_Core_Atoms</a:t>
             </a:r>
             <a:endParaRPr lang="en-CA" dirty="0" smtClean="0"/>
           </a:p>
@@ -8626,21 +8589,44 @@
               </a:lnSpc>
             </a:pPr>
             <a:r>
-              <a:rPr lang="en-CA" dirty="0"/>
+              <a:rPr lang="en-CA" dirty="0" smtClean="0"/>
               <a:t>PSOA </a:t>
             </a:r>
             <a:r>
-              <a:rPr lang="en-CA" dirty="0" err="1"/>
-              <a:t>metamodel</a:t>
-            </a:r>
-            <a:r>
-              <a:rPr lang="en-CA" dirty="0"/>
+              <a:rPr lang="en-US" dirty="0" err="1" smtClean="0"/>
+              <a:t>RuleML</a:t>
+            </a:r>
+            <a:r>
+              <a:rPr lang="en-US" dirty="0" smtClean="0"/>
               <a:t> </a:t>
             </a:r>
             <a:r>
               <a:rPr lang="en-CA" dirty="0" smtClean="0"/>
-              <a:t>transferrable to other languages</a:t>
-            </a:r>
+              <a:t>1.03 </a:t>
+            </a:r>
+            <a:r>
+              <a:rPr lang="en-US" dirty="0" smtClean="0"/>
+              <a:t>being standardized by </a:t>
+            </a:r>
+            <a:r>
+              <a:rPr lang="en-CA" dirty="0" smtClean="0"/>
+              <a:t>Relax NG schemas for XML-serialized f</a:t>
+            </a:r>
+            <a:r>
+              <a:rPr lang="en-US" altLang="en-US" dirty="0" smtClean="0"/>
+              <a:t>acts and </a:t>
+            </a:r>
+            <a:r>
+              <a:rPr lang="en-CA" dirty="0" smtClean="0"/>
+              <a:t>rules: </a:t>
+            </a:r>
+            <a:r>
+              <a:rPr lang="en-CA" sz="2800" dirty="0" smtClean="0">
+                <a:hlinkClick r:id="rId4"/>
+              </a:rPr>
+              <a:t>http://wiki.ruleml.org/index.php/PSOA_RuleML#Syntax</a:t>
+            </a:r>
+            <a:endParaRPr lang="en-CA" dirty="0" smtClean="0"/>
           </a:p>
           <a:p>
             <a:pPr>
@@ -8650,21 +8636,20 @@
             </a:pPr>
             <a:r>
               <a:rPr lang="en-CA" dirty="0" smtClean="0"/>
-              <a:t>Also see: </a:t>
-            </a:r>
-            <a:r>
-              <a:rPr lang="en-US" altLang="en-US" sz="1200" dirty="0" smtClean="0">
-                <a:hlinkClick r:id="rId4"/>
-              </a:rPr>
-              <a:t>http://wiki.ruleml.org/index.php/PSOA_RuleML_Bridges_Graph_and_Relational_Databases#</a:t>
-            </a:r>
-            <a:r>
-              <a:rPr lang="en-US" altLang="en-US" sz="1800" dirty="0" smtClean="0">
-                <a:hlinkClick r:id="rId4"/>
-              </a:rPr>
-              <a:t>Conclusions</a:t>
-            </a:r>
-            <a:endParaRPr lang="en-US" altLang="en-US" sz="1400" dirty="0"/>
+              <a:t>PSOA </a:t>
+            </a:r>
+            <a:r>
+              <a:rPr lang="en-CA" dirty="0" err="1"/>
+              <a:t>metamodel</a:t>
+            </a:r>
+            <a:r>
+              <a:rPr lang="en-CA" dirty="0"/>
+              <a:t> </a:t>
+            </a:r>
+            <a:r>
+              <a:rPr lang="en-CA" dirty="0" smtClean="0"/>
+              <a:t>transferrable to other languages</a:t>
+            </a:r>
           </a:p>
         </p:txBody>
       </p:sp>
@@ -8715,30 +8700,30 @@
           <a:lstStyle/>
           <a:p>
             <a:r>
-              <a:rPr lang="en-CA" i="1" dirty="0">
+              <a:rPr lang="en-CA" dirty="0">
                 <a:hlinkClick r:id="rId5"/>
               </a:rPr>
               <a:t>http://</a:t>
             </a:r>
             <a:r>
-              <a:rPr lang="en-CA" i="1" dirty="0" smtClean="0">
+              <a:rPr lang="en-CA" dirty="0" smtClean="0">
                 <a:hlinkClick r:id="rId5"/>
               </a:rPr>
               <a:t>wiki.ruleml.org/index.php/PSOA_RuleML_Bridges_Graph_and_Relational_Databases</a:t>
             </a:r>
-            <a:endParaRPr lang="en-CA" i="1" dirty="0" smtClean="0"/>
+            <a:endParaRPr lang="en-CA" dirty="0" smtClean="0"/>
           </a:p>
           <a:p>
             <a:r>
-              <a:rPr lang="en-CA" i="1" dirty="0" smtClean="0"/>
+              <a:rPr lang="en-CA" dirty="0" smtClean="0"/>
               <a:t>(includes core interoperation path de1-de3-de4-in4, e.g. abridged to one </a:t>
             </a:r>
             <a:r>
-              <a:rPr lang="en-CA" i="1" dirty="0"/>
+              <a:rPr lang="en-CA" dirty="0"/>
               <a:t>PSOA </a:t>
             </a:r>
             <a:r>
-              <a:rPr lang="en-CA" i="1" dirty="0" smtClean="0"/>
+              <a:rPr lang="en-CA" dirty="0" smtClean="0"/>
               <a:t>rule)</a:t>
             </a:r>
           </a:p>
@@ -8974,6 +8959,62 @@
               <a:rPr lang="en-US" altLang="en-US" dirty="0" smtClean="0"/>
               <a:t>)</a:t>
             </a:r>
+          </a:p>
+          <a:p>
+            <a:pPr>
+              <a:lnSpc>
+                <a:spcPct val="110000"/>
+              </a:lnSpc>
+            </a:pPr>
+            <a:r>
+              <a:rPr lang="en-US" altLang="en-US" dirty="0"/>
+              <a:t>Illustrate all kinds of atoms by </a:t>
+            </a:r>
+            <a:r>
+              <a:rPr lang="en-US" altLang="en-US" dirty="0" err="1" smtClean="0">
+                <a:hlinkClick r:id="rId4"/>
+              </a:rPr>
+              <a:t>Grailog</a:t>
+            </a:r>
+            <a:r>
+              <a:rPr lang="en-US" altLang="en-US" dirty="0" smtClean="0"/>
+              <a:t> visualization,</a:t>
+            </a:r>
+            <a:r>
+              <a:rPr lang="en-US" altLang="en-US" dirty="0"/>
+              <a:t/>
+            </a:r>
+            <a:br>
+              <a:rPr lang="en-US" altLang="en-US" dirty="0"/>
+            </a:br>
+            <a:r>
+              <a:rPr lang="en-US" altLang="en-US" dirty="0" smtClean="0"/>
+              <a:t>realizing them </a:t>
+            </a:r>
+            <a:r>
+              <a:rPr lang="en-US" altLang="en-US" dirty="0"/>
+              <a:t>in </a:t>
+            </a:r>
+            <a:r>
+              <a:rPr lang="en-CA" i="1" dirty="0">
+                <a:solidFill>
+                  <a:schemeClr val="accent3">
+                    <a:lumMod val="75000"/>
+                  </a:schemeClr>
+                </a:solidFill>
+              </a:rPr>
+              <a:t>presentation syntax</a:t>
+            </a:r>
+            <a:r>
+              <a:rPr lang="en-US" altLang="en-US" dirty="0" smtClean="0"/>
+              <a:t> by </a:t>
+            </a:r>
+            <a:r>
+              <a:rPr lang="en-US" altLang="en-US" dirty="0" err="1">
+                <a:hlinkClick r:id="rId5"/>
+              </a:rPr>
+              <a:t>PSOATransRun</a:t>
+            </a:r>
             <a:endParaRPr lang="en-US" altLang="en-US" dirty="0" smtClean="0"/>
           </a:p>
           <a:p>
@@ -8983,75 +9024,6 @@
               </a:lnSpc>
             </a:pPr>
             <a:r>
-              <a:rPr lang="en-US" altLang="en-US" dirty="0"/>
-              <a:t>Illustrate </a:t>
-            </a:r>
-            <a:r>
-              <a:rPr lang="en-US" altLang="en-US" dirty="0"/>
-              <a:t>all kinds of atoms by </a:t>
-            </a:r>
-            <a:r>
-              <a:rPr lang="en-US" altLang="en-US" dirty="0" err="1" smtClean="0">
-                <a:hlinkClick r:id="rId4"/>
-              </a:rPr>
-              <a:t>Grailog</a:t>
-            </a:r>
-            <a:r>
-              <a:rPr lang="en-US" altLang="en-US" dirty="0" smtClean="0"/>
-              <a:t> </a:t>
-            </a:r>
-            <a:r>
-              <a:rPr lang="en-US" altLang="en-US" dirty="0" smtClean="0"/>
-              <a:t>visualization,</a:t>
-            </a:r>
-            <a:r>
-              <a:rPr lang="en-US" altLang="en-US" dirty="0"/>
-              <a:t/>
-            </a:r>
-            <a:br>
-              <a:rPr lang="en-US" altLang="en-US" dirty="0"/>
-            </a:br>
-            <a:r>
-              <a:rPr lang="en-US" altLang="en-US" dirty="0" smtClean="0"/>
-              <a:t>realizing them </a:t>
-            </a:r>
-            <a:r>
-              <a:rPr lang="en-US" altLang="en-US" dirty="0"/>
-              <a:t>in </a:t>
-            </a:r>
-            <a:r>
-              <a:rPr lang="en-CA" i="1" dirty="0">
-                <a:solidFill>
-                  <a:schemeClr val="accent3">
-                    <a:lumMod val="75000"/>
-                  </a:schemeClr>
-                </a:solidFill>
-              </a:rPr>
-              <a:t>presentation syntax</a:t>
-            </a:r>
-            <a:r>
-              <a:rPr lang="en-US" altLang="en-US" dirty="0" smtClean="0"/>
-              <a:t> </a:t>
-            </a:r>
-            <a:r>
-              <a:rPr lang="en-US" altLang="en-US" dirty="0" smtClean="0"/>
-              <a:t>by </a:t>
-            </a:r>
-            <a:r>
-              <a:rPr lang="en-US" altLang="en-US" dirty="0" err="1">
-                <a:hlinkClick r:id="rId5"/>
-              </a:rPr>
-              <a:t>PSOATransRun</a:t>
-            </a:r>
-            <a:endParaRPr lang="en-US" altLang="en-US" dirty="0" smtClean="0"/>
-          </a:p>
-          <a:p>
-            <a:pPr>
-              <a:lnSpc>
-                <a:spcPct val="110000"/>
-              </a:lnSpc>
-            </a:pPr>
-            <a:r>
               <a:rPr lang="en-CA" altLang="en-US" dirty="0"/>
               <a:t>Informal syntax </a:t>
             </a:r>
@@ -9072,11 +9044,7 @@
             </a:br>
             <a:r>
               <a:rPr lang="en-CA" altLang="en-US" dirty="0" smtClean="0"/>
-              <a:t>(</a:t>
-            </a:r>
-            <a:r>
-              <a:rPr lang="en-CA" altLang="en-US" dirty="0" smtClean="0"/>
-              <a:t>formal</a:t>
+              <a:t>(formal</a:t>
             </a:r>
             <a:r>
               <a:rPr lang="en-CA" altLang="en-US" sz="2600" dirty="0" smtClean="0"/>
@@ -9130,11 +9098,7 @@
             </a:r>
             <a:r>
               <a:rPr lang="en-CA" altLang="en-US" dirty="0" smtClean="0"/>
-              <a:t>5</a:t>
-            </a:r>
-            <a:r>
-              <a:rPr lang="en-CA" altLang="en-US" dirty="0" smtClean="0"/>
-              <a:t>)</a:t>
+              <a:t>5)</a:t>
             </a:r>
           </a:p>
           <a:p>
@@ -9469,11 +9433,7 @@
             </a:r>
             <a:r>
               <a:rPr lang="en-CA" dirty="0" smtClean="0"/>
-              <a:t>=1</a:t>
-            </a:r>
-            <a:r>
-              <a:rPr lang="en-CA" dirty="0" smtClean="0"/>
-              <a:t>,…,6)</a:t>
+              <a:t>=1,…,6)</a:t>
             </a:r>
           </a:p>
           <a:p>
@@ -9499,19 +9459,7 @@
             </a:r>
             <a:r>
               <a:rPr lang="en-CA" dirty="0" smtClean="0"/>
-              <a:t>or </a:t>
-            </a:r>
-            <a:r>
-              <a:rPr lang="en-CA" dirty="0" smtClean="0"/>
-              <a:t>OVD (s. below), </a:t>
-            </a:r>
-            <a:r>
-              <a:rPr lang="en-CA" dirty="0" smtClean="0"/>
-              <a:t>users can </a:t>
-            </a:r>
-            <a:r>
-              <a:rPr lang="en-CA" dirty="0" smtClean="0"/>
-              <a:t>slice </a:t>
+              <a:t>or OVD (s. below), users can slice </a:t>
             </a:r>
             <a:r>
               <a:rPr lang="en-CA" dirty="0"/>
@@ -9615,11 +9563,7 @@
             </a:r>
             <a:r>
               <a:rPr lang="en-CA" dirty="0" smtClean="0"/>
-              <a:t> </a:t>
-            </a:r>
-            <a:r>
-              <a:rPr lang="en-CA" dirty="0" smtClean="0"/>
-              <a:t>reduction, </a:t>
+              <a:t> reduction, </a:t>
             </a:r>
             <a:r>
               <a:rPr lang="en-CA" dirty="0"/>
@@ -9639,11 +9583,7 @@
             </a:r>
             <a:r>
               <a:rPr lang="en-CA" dirty="0" smtClean="0"/>
-              <a:t>ependency </a:t>
-            </a:r>
-            <a:r>
-              <a:rPr lang="en-CA" dirty="0" smtClean="0"/>
-              <a:t>dimension,</a:t>
+              <a:t>ependency dimension,</a:t>
             </a:r>
             <a:r>
               <a:rPr lang="en-US" dirty="0" smtClean="0"/>
@@ -9686,11 +9626,7 @@
             </a:r>
             <a:r>
               <a:rPr lang="en-CA" dirty="0" smtClean="0"/>
-              <a:t>ariety-row </a:t>
-            </a:r>
-            <a:r>
-              <a:rPr lang="en-CA" dirty="0" smtClean="0"/>
-              <a:t>and </a:t>
+              <a:t>ariety-row and </a:t>
             </a:r>
             <a:r>
               <a:rPr lang="en-CA" dirty="0" smtClean="0">
@@ -9803,11 +9739,7 @@
             </a:br>
             <a:r>
               <a:rPr lang="en-CA" dirty="0"/>
-              <a:t>6 </a:t>
-            </a:r>
-            <a:r>
-              <a:rPr lang="en-CA" dirty="0"/>
-              <a:t>combined </a:t>
+              <a:t>6 combined </a:t>
             </a:r>
             <a:r>
               <a:rPr lang="en-CA" b="1" dirty="0" err="1" smtClean="0"/>
@@ -9827,11 +9759,7 @@
             </a:r>
             <a:r>
               <a:rPr lang="en-CA" dirty="0" smtClean="0"/>
-              <a:t> </a:t>
-            </a:r>
-            <a:r>
-              <a:rPr lang="en-CA" dirty="0" smtClean="0"/>
-              <a:t>units </a:t>
+              <a:t> units </a:t>
             </a:r>
             <a:r>
               <a:rPr lang="en-CA" b="1" dirty="0" err="1"/>
@@ -9985,15 +9913,7 @@
                   <a:srgbClr val="002060"/>
                 </a:solidFill>
               </a:rPr>
-              <a:t>be reduced, </a:t>
-            </a:r>
-            <a:r>
-              <a:rPr lang="en-CA" dirty="0">
-                <a:solidFill>
-                  <a:srgbClr val="002060"/>
-                </a:solidFill>
-              </a:rPr>
-              <a:t>DVO-style</a:t>
+              <a:t>be reduced, DVO-style</a:t>
             </a:r>
             <a:r>
               <a:rPr lang="en-CA" dirty="0" smtClean="0">
@@ -10001,23 +9921,7 @@
                   <a:srgbClr val="002060"/>
                 </a:solidFill>
               </a:rPr>
-              <a:t>, to 2 </a:t>
-            </a:r>
-            <a:r>
-              <a:rPr lang="en-CA" dirty="0" smtClean="0">
-                <a:solidFill>
-                  <a:srgbClr val="002060"/>
-                </a:solidFill>
-              </a:rPr>
-              <a:t>Dependency </a:t>
-            </a:r>
-            <a:r>
-              <a:rPr lang="en-CA" dirty="0" smtClean="0">
-                <a:solidFill>
-                  <a:srgbClr val="002060"/>
-                </a:solidFill>
-              </a:rPr>
-              <a:t>slices:</a:t>
+              <a:t>, to 2 Dependency slices:</a:t>
             </a:r>
             <a:r>
               <a:rPr lang="en-US" dirty="0" smtClean="0">
@@ -10047,7 +9951,7 @@
                   <a:srgbClr val="002060"/>
                 </a:solidFill>
               </a:rPr>
-              <a:t>Each includes a landmark unit: </a:t>
+              <a:t>Each includes a ‘landmark’ unit: </a:t>
             </a:r>
             <a:r>
               <a:rPr lang="en-CA" b="1" i="1" dirty="0" err="1">
@@ -10165,11 +10069,7 @@
             </a:r>
             <a:r>
               <a:rPr lang="en-CA" dirty="0" smtClean="0"/>
-              <a:t> </a:t>
-            </a:r>
-            <a:r>
-              <a:rPr lang="en-CA" dirty="0" smtClean="0"/>
-              <a:t>reduction (e.g., for full </a:t>
+              <a:t> reduction (e.g., for full </a:t>
             </a:r>
             <a:r>
               <a:rPr lang="en-CA" dirty="0" err="1" smtClean="0"/>
@@ -10197,11 +10097,7 @@
             </a:r>
             <a:r>
               <a:rPr lang="en-CA" dirty="0" smtClean="0"/>
-              <a:t>ariety </a:t>
-            </a:r>
-            <a:r>
-              <a:rPr lang="en-CA" dirty="0" smtClean="0"/>
-              <a:t>dimension,</a:t>
+              <a:t>ariety dimension,</a:t>
             </a:r>
             <a:r>
               <a:rPr lang="en-US" dirty="0" smtClean="0"/>
@@ -10338,23 +10234,7 @@
             </a:r>
             <a:r>
               <a:rPr lang="en-CA" dirty="0" smtClean="0"/>
-              <a:t>=5,6)  </a:t>
-            </a:r>
-            <a:r>
-              <a:rPr lang="en-CA" dirty="0" smtClean="0"/>
-              <a:t>vs</a:t>
-            </a:r>
-            <a:r>
-              <a:rPr lang="en-CA" dirty="0" smtClean="0"/>
-              <a:t>. </a:t>
-            </a:r>
-            <a:r>
-              <a:rPr lang="en-CA" dirty="0" smtClean="0"/>
-              <a:t> 6 </a:t>
-            </a:r>
-            <a:r>
-              <a:rPr lang="en-CA" dirty="0" smtClean="0"/>
-              <a:t>slotted units </a:t>
+              <a:t>=5,6)  vs.  6 slotted units </a:t>
             </a:r>
             <a:r>
               <a:rPr lang="en-CA" dirty="0" err="1"/>
@@ -10406,15 +10286,7 @@
             </a:r>
             <a:r>
               <a:rPr lang="en-CA" dirty="0" smtClean="0"/>
-              <a:t>)  </a:t>
-            </a:r>
-            <a:r>
-              <a:rPr lang="en-CA" dirty="0" smtClean="0"/>
-              <a:t>vs</a:t>
-            </a:r>
-            <a:r>
-              <a:rPr lang="en-CA" dirty="0" smtClean="0"/>
-              <a:t>.</a:t>
+              <a:t>)  vs.</a:t>
             </a:r>
             <a:br>
               <a:rPr lang="en-CA" dirty="0" smtClean="0"/>
@@ -10483,7 +10355,6 @@
               <a:rPr lang="en-CA" dirty="0" smtClean="0"/>
               <a:t>)</a:t>
             </a:r>
-            <a:endParaRPr lang="en-CA" dirty="0" smtClean="0"/>
           </a:p>
           <a:p>
             <a:pPr marL="285750" indent="-285750">
@@ -10681,11 +10552,7 @@
             </a:r>
             <a:r>
               <a:rPr lang="en-CA" dirty="0" smtClean="0"/>
-              <a:t>)  </a:t>
-            </a:r>
-            <a:r>
-              <a:rPr lang="en-CA" dirty="0" smtClean="0"/>
-              <a:t>vs</a:t>
+              <a:t>)  vs</a:t>
             </a:r>
             <a:r>
               <a:rPr lang="en-CA" dirty="0"/>
@@ -17015,6 +16882,40 @@
               <a:t>Dependency Slices</a:t>
             </a:r>
             <a:endParaRPr lang="en-CA" sz="4500" dirty="0"/>
+          </a:p>
+        </p:txBody>
+      </p:sp>
+      <p:sp>
+        <p:nvSpPr>
+          <p:cNvPr id="3" name="TextBox 2"/>
+          <p:cNvSpPr txBox="1"/>
+          <p:nvPr/>
+        </p:nvSpPr>
+        <p:spPr>
+          <a:xfrm>
+            <a:off x="8028384" y="1331476"/>
+            <a:ext cx="933269" cy="369332"/>
+          </a:xfrm>
+          <a:prstGeom prst="rect">
+            <a:avLst/>
+          </a:prstGeom>
+          <a:noFill/>
+        </p:spPr>
+        <p:txBody>
+          <a:bodyPr wrap="none" rtlCol="0">
+            <a:spAutoFit/>
+          </a:bodyPr>
+          <a:lstStyle/>
+          <a:p>
+            <a:r>
+              <a:rPr lang="en-CA" i="1" dirty="0" err="1" smtClean="0"/>
+              <a:t>Grailog</a:t>
+            </a:r>
+            <a:r>
+              <a:rPr lang="en-CA" i="1" dirty="0" smtClean="0"/>
+              <a:t>:</a:t>
+            </a:r>
+            <a:endParaRPr lang="en-CA" i="1" dirty="0"/>
           </a:p>
         </p:txBody>
       </p:sp>

--- a/talks/PSOAMetamodelGrailogWedding.pptx
+++ b/talks/PSOAMetamodelGrailogWedding.pptx
@@ -207,7 +207,7 @@
           <a:p>
             <a:fld id="{A9361764-17DB-4EFB-8397-31D7F8C11F64}" type="datetimeFigureOut">
               <a:rPr lang="en-CA" smtClean="0"/>
-              <a:t>2019-10-15</a:t>
+              <a:t>2019-10-16</a:t>
             </a:fld>
             <a:endParaRPr lang="en-CA"/>
           </a:p>
@@ -656,7 +656,7 @@
           <a:p>
             <a:fld id="{098EC68B-E961-416A-B655-846E5AC17167}" type="datetime1">
               <a:rPr lang="en-CA" smtClean="0"/>
-              <a:t>2019-10-15</a:t>
+              <a:t>2019-10-16</a:t>
             </a:fld>
             <a:endParaRPr lang="en-CA"/>
           </a:p>
@@ -826,7 +826,7 @@
           <a:p>
             <a:fld id="{E07626B9-A935-446E-9129-38D11AE25D60}" type="datetime1">
               <a:rPr lang="en-CA" smtClean="0"/>
-              <a:t>2019-10-15</a:t>
+              <a:t>2019-10-16</a:t>
             </a:fld>
             <a:endParaRPr lang="en-CA"/>
           </a:p>
@@ -1006,7 +1006,7 @@
           <a:p>
             <a:fld id="{583703F1-3B6D-46EB-A76E-6949744F47DE}" type="datetime1">
               <a:rPr lang="en-CA" smtClean="0"/>
-              <a:t>2019-10-15</a:t>
+              <a:t>2019-10-16</a:t>
             </a:fld>
             <a:endParaRPr lang="en-CA"/>
           </a:p>
@@ -1176,7 +1176,7 @@
           <a:p>
             <a:fld id="{31DB09E8-757E-43EB-812C-57B263F18654}" type="datetime1">
               <a:rPr lang="en-CA" smtClean="0"/>
-              <a:t>2019-10-15</a:t>
+              <a:t>2019-10-16</a:t>
             </a:fld>
             <a:endParaRPr lang="en-CA"/>
           </a:p>
@@ -1422,7 +1422,7 @@
           <a:p>
             <a:fld id="{D5E95CC2-566E-4FAB-B06E-7F3B62A5E53C}" type="datetime1">
               <a:rPr lang="en-CA" smtClean="0"/>
-              <a:t>2019-10-15</a:t>
+              <a:t>2019-10-16</a:t>
             </a:fld>
             <a:endParaRPr lang="en-CA"/>
           </a:p>
@@ -1710,7 +1710,7 @@
           <a:p>
             <a:fld id="{95A43E41-714C-4DD9-B56F-86957FFB7A45}" type="datetime1">
               <a:rPr lang="en-CA" smtClean="0"/>
-              <a:t>2019-10-15</a:t>
+              <a:t>2019-10-16</a:t>
             </a:fld>
             <a:endParaRPr lang="en-CA"/>
           </a:p>
@@ -2132,7 +2132,7 @@
           <a:p>
             <a:fld id="{B925E3A5-2D59-44BA-AF6A-9E991D55C46C}" type="datetime1">
               <a:rPr lang="en-CA" smtClean="0"/>
-              <a:t>2019-10-15</a:t>
+              <a:t>2019-10-16</a:t>
             </a:fld>
             <a:endParaRPr lang="en-CA"/>
           </a:p>
@@ -2250,7 +2250,7 @@
           <a:p>
             <a:fld id="{3BD2D63C-9D26-48F9-B4BD-FA63389DE780}" type="datetime1">
               <a:rPr lang="en-CA" smtClean="0"/>
-              <a:t>2019-10-15</a:t>
+              <a:t>2019-10-16</a:t>
             </a:fld>
             <a:endParaRPr lang="en-CA"/>
           </a:p>
@@ -2345,7 +2345,7 @@
           <a:p>
             <a:fld id="{B4260FF7-0F9A-4441-BC4E-F8AA61FD7668}" type="datetime1">
               <a:rPr lang="en-CA" smtClean="0"/>
-              <a:t>2019-10-15</a:t>
+              <a:t>2019-10-16</a:t>
             </a:fld>
             <a:endParaRPr lang="en-CA"/>
           </a:p>
@@ -2622,7 +2622,7 @@
           <a:p>
             <a:fld id="{3B3FDE74-6DB8-45D8-A7CA-E1F60E0D837E}" type="datetime1">
               <a:rPr lang="en-CA" smtClean="0"/>
-              <a:t>2019-10-15</a:t>
+              <a:t>2019-10-16</a:t>
             </a:fld>
             <a:endParaRPr lang="en-CA"/>
           </a:p>
@@ -2875,7 +2875,7 @@
           <a:p>
             <a:fld id="{EFE21605-BC5B-4039-9D4B-D94AAA01DF2D}" type="datetime1">
               <a:rPr lang="en-CA" smtClean="0"/>
-              <a:t>2019-10-15</a:t>
+              <a:t>2019-10-16</a:t>
             </a:fld>
             <a:endParaRPr lang="en-CA"/>
           </a:p>
@@ -3088,7 +3088,7 @@
           <a:p>
             <a:fld id="{3C39659D-CCE5-4A05-8094-1E79A9359DD5}" type="datetime1">
               <a:rPr lang="en-CA" smtClean="0"/>
-              <a:t>2019-10-15</a:t>
+              <a:t>2019-10-16</a:t>
             </a:fld>
             <a:endParaRPr lang="en-CA"/>
           </a:p>
@@ -3749,8 +3749,12 @@
               <a:t>. </a:t>
             </a:r>
             <a:r>
+              <a:rPr lang="en-US" sz="1800" smtClean="0"/>
+              <a:t>16, </a:t>
+            </a:r>
+            <a:r>
               <a:rPr lang="en-US" sz="1800" dirty="0" smtClean="0"/>
-              <a:t>15, 2019</a:t>
+              <a:t>2019</a:t>
             </a:r>
             <a:endParaRPr lang="en-US" sz="1800" dirty="0"/>
           </a:p>
@@ -8509,7 +8513,11 @@
             </a:r>
             <a:r>
               <a:rPr lang="en-US" altLang="en-US" dirty="0" smtClean="0"/>
-              <a:t>acts augmented </a:t>
+              <a:t>acts </a:t>
+            </a:r>
+            <a:r>
+              <a:rPr lang="en-US" altLang="en-US" dirty="0" smtClean="0"/>
+              <a:t>complemented </a:t>
             </a:r>
             <a:r>
               <a:rPr lang="en-US" altLang="en-US" dirty="0"/>
@@ -8624,7 +8632,13 @@
               <a:rPr lang="en-CA" sz="2800" dirty="0" smtClean="0">
                 <a:hlinkClick r:id="rId4"/>
               </a:rPr>
-              <a:t>http://wiki.ruleml.org/index.php/PSOA_RuleML#Syntax</a:t>
+              <a:t>http://</a:t>
+            </a:r>
+            <a:r>
+              <a:rPr lang="en-CA" sz="2800" dirty="0" smtClean="0">
+                <a:hlinkClick r:id="rId4"/>
+              </a:rPr>
+              <a:t>wiki.ruleml.org/index.php/PSOA_RuleML#Syntaxes</a:t>
             </a:r>
             <a:endParaRPr lang="en-CA" dirty="0" smtClean="0"/>
           </a:p>
